--- a/기타/1차중간프로젝트_최종발표_白팀_강석진윤준혁.pptx
+++ b/기타/1차중간프로젝트_최종발표_白팀_강석진윤준혁.pptx
@@ -128,7 +128,7 @@
   </p:defaultTextStyle>
   <p:extLst>
     <p:ext uri="{EFAFB233-063F-42B5-8137-9DF3F51BA10A}">
-      <p15:sldGuideLst xmlns:p15="http://schemas.microsoft.com/office/powerpoint/2012/main">
+      <p15:sldGuideLst xmlns:p15="http://schemas.microsoft.com/office/powerpoint/2012/main" xmlns="">
         <p15:guide id="1" orient="horz" pos="1620">
           <p15:clr>
             <a:srgbClr val="A4A3A4"/>
@@ -150,7 +150,7 @@
   <p:cmAuthor id="1" name="준혁 HL" initials="준H" lastIdx="2" clrIdx="0">
     <p:extLst>
       <p:ext uri="{19B8F6BF-5375-455C-9EA6-DF929625EA0E}">
-        <p15:presenceInfo xmlns:p15="http://schemas.microsoft.com/office/powerpoint/2012/main" userId="b0a9e0daae91d3d5" providerId="Windows Live"/>
+        <p15:presenceInfo xmlns:p15="http://schemas.microsoft.com/office/powerpoint/2012/main" xmlns="" userId="b0a9e0daae91d3d5" providerId="Windows Live"/>
       </p:ext>
     </p:extLst>
   </p:cmAuthor>
@@ -239,7 +239,7 @@
           <a:p>
             <a:fld id="{C6C50479-E6CF-44E2-894A-03A35A1A4B34}" type="datetimeFigureOut">
               <a:rPr lang="ko-KR" altLang="en-US" smtClean="0"/>
-              <a:t>19-08-22 [Thu]</a:t>
+              <a:t>2019-08-22</a:t>
             </a:fld>
             <a:endParaRPr lang="ko-KR" altLang="en-US"/>
           </a:p>
@@ -853,7 +853,7 @@
           <a:p>
             <a:fld id="{8D30916F-84A1-426B-9E8F-E483F30B57D5}" type="datetimeFigureOut">
               <a:rPr lang="ko-KR" altLang="en-US" smtClean="0"/>
-              <a:t>19-08-22 [Thu]</a:t>
+              <a:t>2019-08-22</a:t>
             </a:fld>
             <a:endParaRPr lang="ko-KR" altLang="en-US"/>
           </a:p>
@@ -1021,7 +1021,7 @@
           <a:p>
             <a:fld id="{8D30916F-84A1-426B-9E8F-E483F30B57D5}" type="datetimeFigureOut">
               <a:rPr lang="ko-KR" altLang="en-US" smtClean="0"/>
-              <a:t>19-08-22 [Thu]</a:t>
+              <a:t>2019-08-22</a:t>
             </a:fld>
             <a:endParaRPr lang="ko-KR" altLang="en-US"/>
           </a:p>
@@ -1199,7 +1199,7 @@
           <a:p>
             <a:fld id="{8D30916F-84A1-426B-9E8F-E483F30B57D5}" type="datetimeFigureOut">
               <a:rPr lang="ko-KR" altLang="en-US" smtClean="0"/>
-              <a:t>19-08-22 [Thu]</a:t>
+              <a:t>2019-08-22</a:t>
             </a:fld>
             <a:endParaRPr lang="ko-KR" altLang="en-US"/>
           </a:p>
@@ -1367,7 +1367,7 @@
           <a:p>
             <a:fld id="{8D30916F-84A1-426B-9E8F-E483F30B57D5}" type="datetimeFigureOut">
               <a:rPr lang="ko-KR" altLang="en-US" smtClean="0"/>
-              <a:t>19-08-22 [Thu]</a:t>
+              <a:t>2019-08-22</a:t>
             </a:fld>
             <a:endParaRPr lang="ko-KR" altLang="en-US"/>
           </a:p>
@@ -1612,7 +1612,7 @@
           <a:p>
             <a:fld id="{8D30916F-84A1-426B-9E8F-E483F30B57D5}" type="datetimeFigureOut">
               <a:rPr lang="ko-KR" altLang="en-US" smtClean="0"/>
-              <a:t>19-08-22 [Thu]</a:t>
+              <a:t>2019-08-22</a:t>
             </a:fld>
             <a:endParaRPr lang="ko-KR" altLang="en-US"/>
           </a:p>
@@ -1897,7 +1897,7 @@
           <a:p>
             <a:fld id="{8D30916F-84A1-426B-9E8F-E483F30B57D5}" type="datetimeFigureOut">
               <a:rPr lang="ko-KR" altLang="en-US" smtClean="0"/>
-              <a:t>19-08-22 [Thu]</a:t>
+              <a:t>2019-08-22</a:t>
             </a:fld>
             <a:endParaRPr lang="ko-KR" altLang="en-US"/>
           </a:p>
@@ -2316,7 +2316,7 @@
           <a:p>
             <a:fld id="{8D30916F-84A1-426B-9E8F-E483F30B57D5}" type="datetimeFigureOut">
               <a:rPr lang="ko-KR" altLang="en-US" smtClean="0"/>
-              <a:t>19-08-22 [Thu]</a:t>
+              <a:t>2019-08-22</a:t>
             </a:fld>
             <a:endParaRPr lang="ko-KR" altLang="en-US"/>
           </a:p>
@@ -2433,7 +2433,7 @@
           <a:p>
             <a:fld id="{8D30916F-84A1-426B-9E8F-E483F30B57D5}" type="datetimeFigureOut">
               <a:rPr lang="ko-KR" altLang="en-US" smtClean="0"/>
-              <a:t>19-08-22 [Thu]</a:t>
+              <a:t>2019-08-22</a:t>
             </a:fld>
             <a:endParaRPr lang="ko-KR" altLang="en-US"/>
           </a:p>
@@ -2528,7 +2528,7 @@
           <a:p>
             <a:fld id="{8D30916F-84A1-426B-9E8F-E483F30B57D5}" type="datetimeFigureOut">
               <a:rPr lang="ko-KR" altLang="en-US" smtClean="0"/>
-              <a:t>19-08-22 [Thu]</a:t>
+              <a:t>2019-08-22</a:t>
             </a:fld>
             <a:endParaRPr lang="ko-KR" altLang="en-US"/>
           </a:p>
@@ -2803,7 +2803,7 @@
           <a:p>
             <a:fld id="{8D30916F-84A1-426B-9E8F-E483F30B57D5}" type="datetimeFigureOut">
               <a:rPr lang="ko-KR" altLang="en-US" smtClean="0"/>
-              <a:t>19-08-22 [Thu]</a:t>
+              <a:t>2019-08-22</a:t>
             </a:fld>
             <a:endParaRPr lang="ko-KR" altLang="en-US"/>
           </a:p>
@@ -3055,7 +3055,7 @@
           <a:p>
             <a:fld id="{8D30916F-84A1-426B-9E8F-E483F30B57D5}" type="datetimeFigureOut">
               <a:rPr lang="ko-KR" altLang="en-US" smtClean="0"/>
-              <a:t>19-08-22 [Thu]</a:t>
+              <a:t>2019-08-22</a:t>
             </a:fld>
             <a:endParaRPr lang="ko-KR" altLang="en-US"/>
           </a:p>
@@ -3271,7 +3271,7 @@
           <a:p>
             <a:fld id="{8D30916F-84A1-426B-9E8F-E483F30B57D5}" type="datetimeFigureOut">
               <a:rPr lang="ko-KR" altLang="en-US" smtClean="0"/>
-              <a:t>19-08-22 [Thu]</a:t>
+              <a:t>2019-08-22</a:t>
             </a:fld>
             <a:endParaRPr lang="ko-KR" altLang="en-US"/>
           </a:p>
@@ -3651,7 +3651,7 @@
           <p:cNvPr id="8" name="제목 1">
             <a:extLst>
               <a:ext uri="{FF2B5EF4-FFF2-40B4-BE49-F238E27FC236}">
-                <a16:creationId xmlns:a16="http://schemas.microsoft.com/office/drawing/2014/main" id="{0E85BB82-2C78-4F97-B3C0-62FF3C63D1C0}"/>
+                <a16:creationId xmlns:a16="http://schemas.microsoft.com/office/drawing/2014/main" xmlns="" id="{0E85BB82-2C78-4F97-B3C0-62FF3C63D1C0}"/>
               </a:ext>
             </a:extLst>
           </p:cNvPr>
@@ -3746,7 +3746,7 @@
           <p:cNvPr id="9" name="직선 연결선 8">
             <a:extLst>
               <a:ext uri="{FF2B5EF4-FFF2-40B4-BE49-F238E27FC236}">
-                <a16:creationId xmlns:a16="http://schemas.microsoft.com/office/drawing/2014/main" id="{2083650C-2328-4B05-A262-EF395D8F272F}"/>
+                <a16:creationId xmlns:a16="http://schemas.microsoft.com/office/drawing/2014/main" xmlns="" id="{2083650C-2328-4B05-A262-EF395D8F272F}"/>
               </a:ext>
             </a:extLst>
           </p:cNvPr>
@@ -3792,7 +3792,7 @@
           <p:cNvPr id="10" name="TextBox 9">
             <a:extLst>
               <a:ext uri="{FF2B5EF4-FFF2-40B4-BE49-F238E27FC236}">
-                <a16:creationId xmlns:a16="http://schemas.microsoft.com/office/drawing/2014/main" id="{60DAF7F1-CF2A-48B5-885E-6F8857F20812}"/>
+                <a16:creationId xmlns:a16="http://schemas.microsoft.com/office/drawing/2014/main" xmlns="" id="{60DAF7F1-CF2A-48B5-885E-6F8857F20812}"/>
               </a:ext>
             </a:extLst>
           </p:cNvPr>
@@ -3915,7 +3915,7 @@
           <p:cNvPr id="11" name="TextBox 10">
             <a:extLst>
               <a:ext uri="{FF2B5EF4-FFF2-40B4-BE49-F238E27FC236}">
-                <a16:creationId xmlns:a16="http://schemas.microsoft.com/office/drawing/2014/main" id="{91A871B1-22E1-47E0-B864-6E3D19EBF2AE}"/>
+                <a16:creationId xmlns:a16="http://schemas.microsoft.com/office/drawing/2014/main" xmlns="" id="{91A871B1-22E1-47E0-B864-6E3D19EBF2AE}"/>
               </a:ext>
             </a:extLst>
           </p:cNvPr>
@@ -4058,7 +4058,7 @@
           <p:cNvPr id="12" name="제목 1">
             <a:extLst>
               <a:ext uri="{FF2B5EF4-FFF2-40B4-BE49-F238E27FC236}">
-                <a16:creationId xmlns:a16="http://schemas.microsoft.com/office/drawing/2014/main" id="{E17482A4-46EE-4C7E-92CB-318C2C7BB51F}"/>
+                <a16:creationId xmlns:a16="http://schemas.microsoft.com/office/drawing/2014/main" xmlns="" id="{E17482A4-46EE-4C7E-92CB-318C2C7BB51F}"/>
               </a:ext>
             </a:extLst>
           </p:cNvPr>
@@ -4113,6 +4113,16 @@
               </a:rPr>
               <a:t>유지하기로 한 궁수의 전설의 특징 중 하나인</a:t>
             </a:r>
+            <a:r>
+              <a:rPr lang="en-US" altLang="ko-KR" sz="1200" spc="-150" dirty="0">
+                <a:solidFill>
+                  <a:schemeClr val="bg1">
+                    <a:lumMod val="65000"/>
+                  </a:schemeClr>
+                </a:solidFill>
+              </a:rPr>
+              <a:t/>
+            </a:r>
             <a:br>
               <a:rPr lang="en-US" altLang="ko-KR" sz="1200" spc="-150" dirty="0">
                 <a:solidFill>
@@ -4152,7 +4162,7 @@
           <p:cNvPr id="4" name="사각형: 둥근 모서리 3">
             <a:extLst>
               <a:ext uri="{FF2B5EF4-FFF2-40B4-BE49-F238E27FC236}">
-                <a16:creationId xmlns:a16="http://schemas.microsoft.com/office/drawing/2014/main" id="{72FD826E-F2C0-4A9D-A99B-7B31B906877C}"/>
+                <a16:creationId xmlns:a16="http://schemas.microsoft.com/office/drawing/2014/main" xmlns="" id="{72FD826E-F2C0-4A9D-A99B-7B31B906877C}"/>
               </a:ext>
             </a:extLst>
           </p:cNvPr>
@@ -4213,7 +4223,7 @@
           <p:cNvPr id="2" name="타원 1">
             <a:extLst>
               <a:ext uri="{FF2B5EF4-FFF2-40B4-BE49-F238E27FC236}">
-                <a16:creationId xmlns:a16="http://schemas.microsoft.com/office/drawing/2014/main" id="{E82084EB-489E-4A6C-825D-B4D5B5B00F2F}"/>
+                <a16:creationId xmlns:a16="http://schemas.microsoft.com/office/drawing/2014/main" xmlns="" id="{E82084EB-489E-4A6C-825D-B4D5B5B00F2F}"/>
               </a:ext>
             </a:extLst>
           </p:cNvPr>
@@ -4296,7 +4306,7 @@
           <p:cNvPr id="19" name="타원 18">
             <a:extLst>
               <a:ext uri="{FF2B5EF4-FFF2-40B4-BE49-F238E27FC236}">
-                <a16:creationId xmlns:a16="http://schemas.microsoft.com/office/drawing/2014/main" id="{EF0F4C79-91C9-4454-B3A3-97EC2C3CEF93}"/>
+                <a16:creationId xmlns:a16="http://schemas.microsoft.com/office/drawing/2014/main" xmlns="" id="{EF0F4C79-91C9-4454-B3A3-97EC2C3CEF93}"/>
               </a:ext>
             </a:extLst>
           </p:cNvPr>
@@ -4394,7 +4404,7 @@
           <p:cNvPr id="20" name="사각형: 둥근 모서리 19">
             <a:extLst>
               <a:ext uri="{FF2B5EF4-FFF2-40B4-BE49-F238E27FC236}">
-                <a16:creationId xmlns:a16="http://schemas.microsoft.com/office/drawing/2014/main" id="{6D53FF3E-F11D-4FE8-AF95-AD538C00133A}"/>
+                <a16:creationId xmlns:a16="http://schemas.microsoft.com/office/drawing/2014/main" xmlns="" id="{6D53FF3E-F11D-4FE8-AF95-AD538C00133A}"/>
               </a:ext>
             </a:extLst>
           </p:cNvPr>
@@ -4462,7 +4472,7 @@
           <p:cNvPr id="52" name="그림 51">
             <a:extLst>
               <a:ext uri="{FF2B5EF4-FFF2-40B4-BE49-F238E27FC236}">
-                <a16:creationId xmlns:a16="http://schemas.microsoft.com/office/drawing/2014/main" id="{DB308F94-7DF3-4428-AED2-37168D9AB8E1}"/>
+                <a16:creationId xmlns:a16="http://schemas.microsoft.com/office/drawing/2014/main" xmlns="" id="{DB308F94-7DF3-4428-AED2-37168D9AB8E1}"/>
               </a:ext>
             </a:extLst>
           </p:cNvPr>
@@ -4498,7 +4508,7 @@
           <p:cNvPr id="22" name="직선 화살표 연결선 21">
             <a:extLst>
               <a:ext uri="{FF2B5EF4-FFF2-40B4-BE49-F238E27FC236}">
-                <a16:creationId xmlns:a16="http://schemas.microsoft.com/office/drawing/2014/main" id="{A79F3592-82FE-4963-B0D7-F1F39CBEF22E}"/>
+                <a16:creationId xmlns:a16="http://schemas.microsoft.com/office/drawing/2014/main" xmlns="" id="{A79F3592-82FE-4963-B0D7-F1F39CBEF22E}"/>
               </a:ext>
             </a:extLst>
           </p:cNvPr>
@@ -4541,7 +4551,7 @@
           <p:cNvPr id="42" name="TextBox 41">
             <a:extLst>
               <a:ext uri="{FF2B5EF4-FFF2-40B4-BE49-F238E27FC236}">
-                <a16:creationId xmlns:a16="http://schemas.microsoft.com/office/drawing/2014/main" id="{D7829677-2D95-4505-9394-36E2C8F6352D}"/>
+                <a16:creationId xmlns:a16="http://schemas.microsoft.com/office/drawing/2014/main" xmlns="" id="{D7829677-2D95-4505-9394-36E2C8F6352D}"/>
               </a:ext>
             </a:extLst>
           </p:cNvPr>
@@ -5126,7 +5136,7 @@
           <p:cNvPr id="13" name="그림 12">
             <a:extLst>
               <a:ext uri="{FF2B5EF4-FFF2-40B4-BE49-F238E27FC236}">
-                <a16:creationId xmlns:a16="http://schemas.microsoft.com/office/drawing/2014/main" id="{AD8D5EF2-D631-453D-8281-EFF11176EACA}"/>
+                <a16:creationId xmlns:a16="http://schemas.microsoft.com/office/drawing/2014/main" xmlns="" id="{AD8D5EF2-D631-453D-8281-EFF11176EACA}"/>
               </a:ext>
             </a:extLst>
           </p:cNvPr>
@@ -5155,7 +5165,7 @@
           <p:cNvPr id="14" name="그림 13">
             <a:extLst>
               <a:ext uri="{FF2B5EF4-FFF2-40B4-BE49-F238E27FC236}">
-                <a16:creationId xmlns:a16="http://schemas.microsoft.com/office/drawing/2014/main" id="{EFD969BE-D438-4E2B-8B5D-217C2C8891CC}"/>
+                <a16:creationId xmlns:a16="http://schemas.microsoft.com/office/drawing/2014/main" xmlns="" id="{EFD969BE-D438-4E2B-8B5D-217C2C8891CC}"/>
               </a:ext>
             </a:extLst>
           </p:cNvPr>
@@ -5184,7 +5194,7 @@
           <p:cNvPr id="5" name="그룹 4">
             <a:extLst>
               <a:ext uri="{FF2B5EF4-FFF2-40B4-BE49-F238E27FC236}">
-                <a16:creationId xmlns:a16="http://schemas.microsoft.com/office/drawing/2014/main" id="{D0B389B7-8B23-448B-9CCA-B5352119EE95}"/>
+                <a16:creationId xmlns:a16="http://schemas.microsoft.com/office/drawing/2014/main" xmlns="" id="{D0B389B7-8B23-448B-9CCA-B5352119EE95}"/>
               </a:ext>
             </a:extLst>
           </p:cNvPr>
@@ -5204,7 +5214,7 @@
             <p:cNvPr id="15" name="타원 14">
               <a:extLst>
                 <a:ext uri="{FF2B5EF4-FFF2-40B4-BE49-F238E27FC236}">
-                  <a16:creationId xmlns:a16="http://schemas.microsoft.com/office/drawing/2014/main" id="{A7DFA771-E4EC-4BB2-BA4F-B04A83193571}"/>
+                  <a16:creationId xmlns:a16="http://schemas.microsoft.com/office/drawing/2014/main" xmlns="" id="{A7DFA771-E4EC-4BB2-BA4F-B04A83193571}"/>
                 </a:ext>
               </a:extLst>
             </p:cNvPr>
@@ -5302,7 +5312,7 @@
             <p:cNvPr id="3" name="곱하기 기호 2">
               <a:extLst>
                 <a:ext uri="{FF2B5EF4-FFF2-40B4-BE49-F238E27FC236}">
-                  <a16:creationId xmlns:a16="http://schemas.microsoft.com/office/drawing/2014/main" id="{B1576AD7-B38C-4AC4-89C9-E418C911A966}"/>
+                  <a16:creationId xmlns:a16="http://schemas.microsoft.com/office/drawing/2014/main" xmlns="" id="{B1576AD7-B38C-4AC4-89C9-E418C911A966}"/>
                 </a:ext>
               </a:extLst>
             </p:cNvPr>
@@ -5359,7 +5369,7 @@
             <p:cNvPr id="16" name="그림 15">
               <a:extLst>
                 <a:ext uri="{FF2B5EF4-FFF2-40B4-BE49-F238E27FC236}">
-                  <a16:creationId xmlns:a16="http://schemas.microsoft.com/office/drawing/2014/main" id="{27122F0C-39CF-45FB-838E-475588C1EA90}"/>
+                  <a16:creationId xmlns:a16="http://schemas.microsoft.com/office/drawing/2014/main" xmlns="" id="{27122F0C-39CF-45FB-838E-475588C1EA90}"/>
                 </a:ext>
               </a:extLst>
             </p:cNvPr>
@@ -5395,7 +5405,7 @@
             <p:cNvPr id="1026" name="Picture 2" descr="https://www.liberaldictionary.com/wp-content/uploads/2018/11/win.jpg">
               <a:extLst>
                 <a:ext uri="{FF2B5EF4-FFF2-40B4-BE49-F238E27FC236}">
-                  <a16:creationId xmlns:a16="http://schemas.microsoft.com/office/drawing/2014/main" id="{5CE3BE98-6A0C-4CAD-8F1A-F08561A06CCF}"/>
+                  <a16:creationId xmlns:a16="http://schemas.microsoft.com/office/drawing/2014/main" xmlns="" id="{5CE3BE98-6A0C-4CAD-8F1A-F08561A06CCF}"/>
                 </a:ext>
               </a:extLst>
             </p:cNvPr>
@@ -5505,7 +5515,7 @@
           <p:cNvPr id="1028" name="Picture 4" descr="https://www.nintendo.com/etc.clientlibs/noa/clientlibs/clientlib-ncom/resources/images/page/switch/online-service/save-data-cloud/save-data-lakitu.png">
             <a:extLst>
               <a:ext uri="{FF2B5EF4-FFF2-40B4-BE49-F238E27FC236}">
-                <a16:creationId xmlns:a16="http://schemas.microsoft.com/office/drawing/2014/main" id="{5CFAB46C-FD91-4910-9612-12FD34FF5983}"/>
+                <a16:creationId xmlns:a16="http://schemas.microsoft.com/office/drawing/2014/main" xmlns="" id="{5CFAB46C-FD91-4910-9612-12FD34FF5983}"/>
               </a:ext>
             </a:extLst>
           </p:cNvPr>
@@ -5552,7 +5562,7 @@
           <p:cNvPr id="24" name="TextBox 23">
             <a:extLst>
               <a:ext uri="{FF2B5EF4-FFF2-40B4-BE49-F238E27FC236}">
-                <a16:creationId xmlns:a16="http://schemas.microsoft.com/office/drawing/2014/main" id="{371C38EE-FB67-4E0B-B0E2-C4F1F4060311}"/>
+                <a16:creationId xmlns:a16="http://schemas.microsoft.com/office/drawing/2014/main" xmlns="" id="{371C38EE-FB67-4E0B-B0E2-C4F1F4060311}"/>
               </a:ext>
             </a:extLst>
           </p:cNvPr>
@@ -5659,7 +5669,7 @@
           <p:cNvPr id="12" name="제목 1">
             <a:extLst>
               <a:ext uri="{FF2B5EF4-FFF2-40B4-BE49-F238E27FC236}">
-                <a16:creationId xmlns:a16="http://schemas.microsoft.com/office/drawing/2014/main" id="{E17482A4-46EE-4C7E-92CB-318C2C7BB51F}"/>
+                <a16:creationId xmlns:a16="http://schemas.microsoft.com/office/drawing/2014/main" xmlns="" id="{E17482A4-46EE-4C7E-92CB-318C2C7BB51F}"/>
               </a:ext>
             </a:extLst>
           </p:cNvPr>
@@ -5714,6 +5724,16 @@
               </a:rPr>
               <a:t>리소스가 부족한 문제에 대해 고민했고</a:t>
             </a:r>
+            <a:r>
+              <a:rPr lang="en-US" altLang="ko-KR" sz="1200" spc="-150" dirty="0">
+                <a:solidFill>
+                  <a:schemeClr val="bg1">
+                    <a:lumMod val="65000"/>
+                  </a:schemeClr>
+                </a:solidFill>
+              </a:rPr>
+              <a:t/>
+            </a:r>
             <a:br>
               <a:rPr lang="en-US" altLang="ko-KR" sz="1200" spc="-150" dirty="0">
                 <a:solidFill>
@@ -5753,7 +5773,7 @@
           <p:cNvPr id="9" name="그림 8">
             <a:extLst>
               <a:ext uri="{FF2B5EF4-FFF2-40B4-BE49-F238E27FC236}">
-                <a16:creationId xmlns:a16="http://schemas.microsoft.com/office/drawing/2014/main" id="{FF150665-2CD6-42DA-AC95-FD9CE51EF7A1}"/>
+                <a16:creationId xmlns:a16="http://schemas.microsoft.com/office/drawing/2014/main" xmlns="" id="{FF150665-2CD6-42DA-AC95-FD9CE51EF7A1}"/>
               </a:ext>
             </a:extLst>
           </p:cNvPr>
@@ -5782,7 +5802,7 @@
           <p:cNvPr id="10" name="그림 9">
             <a:extLst>
               <a:ext uri="{FF2B5EF4-FFF2-40B4-BE49-F238E27FC236}">
-                <a16:creationId xmlns:a16="http://schemas.microsoft.com/office/drawing/2014/main" id="{39FF018D-1327-4778-8273-9B99A44C05B8}"/>
+                <a16:creationId xmlns:a16="http://schemas.microsoft.com/office/drawing/2014/main" xmlns="" id="{39FF018D-1327-4778-8273-9B99A44C05B8}"/>
               </a:ext>
             </a:extLst>
           </p:cNvPr>
@@ -5811,7 +5831,7 @@
           <p:cNvPr id="2" name="그룹 1">
             <a:extLst>
               <a:ext uri="{FF2B5EF4-FFF2-40B4-BE49-F238E27FC236}">
-                <a16:creationId xmlns:a16="http://schemas.microsoft.com/office/drawing/2014/main" id="{E0EB5228-B6EF-48A7-8BE2-A21E7A8983F5}"/>
+                <a16:creationId xmlns:a16="http://schemas.microsoft.com/office/drawing/2014/main" xmlns="" id="{E0EB5228-B6EF-48A7-8BE2-A21E7A8983F5}"/>
               </a:ext>
             </a:extLst>
           </p:cNvPr>
@@ -5831,7 +5851,7 @@
             <p:cNvPr id="3" name="그림 2">
               <a:extLst>
                 <a:ext uri="{FF2B5EF4-FFF2-40B4-BE49-F238E27FC236}">
-                  <a16:creationId xmlns:a16="http://schemas.microsoft.com/office/drawing/2014/main" id="{9E26F709-A233-469E-A9A1-837D6C0421AB}"/>
+                  <a16:creationId xmlns:a16="http://schemas.microsoft.com/office/drawing/2014/main" xmlns="" id="{9E26F709-A233-469E-A9A1-837D6C0421AB}"/>
                 </a:ext>
               </a:extLst>
             </p:cNvPr>
@@ -5867,7 +5887,7 @@
             <p:cNvPr id="5" name="그림 4">
               <a:extLst>
                 <a:ext uri="{FF2B5EF4-FFF2-40B4-BE49-F238E27FC236}">
-                  <a16:creationId xmlns:a16="http://schemas.microsoft.com/office/drawing/2014/main" id="{3345B9BA-52E6-4C2F-A1B4-D7F44588E082}"/>
+                  <a16:creationId xmlns:a16="http://schemas.microsoft.com/office/drawing/2014/main" xmlns="" id="{3345B9BA-52E6-4C2F-A1B4-D7F44588E082}"/>
                 </a:ext>
               </a:extLst>
             </p:cNvPr>
@@ -5903,7 +5923,7 @@
             <p:cNvPr id="7" name="그림 6">
               <a:extLst>
                 <a:ext uri="{FF2B5EF4-FFF2-40B4-BE49-F238E27FC236}">
-                  <a16:creationId xmlns:a16="http://schemas.microsoft.com/office/drawing/2014/main" id="{AF5DF4E0-53C4-4CCB-ACC4-FD551F4594F5}"/>
+                  <a16:creationId xmlns:a16="http://schemas.microsoft.com/office/drawing/2014/main" xmlns="" id="{AF5DF4E0-53C4-4CCB-ACC4-FD551F4594F5}"/>
                 </a:ext>
               </a:extLst>
             </p:cNvPr>
@@ -5939,7 +5959,7 @@
             <p:cNvPr id="11" name="그림 10">
               <a:extLst>
                 <a:ext uri="{FF2B5EF4-FFF2-40B4-BE49-F238E27FC236}">
-                  <a16:creationId xmlns:a16="http://schemas.microsoft.com/office/drawing/2014/main" id="{C190EFA0-2D5C-4E0C-8238-3A5873A150F9}"/>
+                  <a16:creationId xmlns:a16="http://schemas.microsoft.com/office/drawing/2014/main" xmlns="" id="{C190EFA0-2D5C-4E0C-8238-3A5873A150F9}"/>
                 </a:ext>
               </a:extLst>
             </p:cNvPr>
@@ -5975,7 +5995,7 @@
             <p:cNvPr id="14" name="그림 13">
               <a:extLst>
                 <a:ext uri="{FF2B5EF4-FFF2-40B4-BE49-F238E27FC236}">
-                  <a16:creationId xmlns:a16="http://schemas.microsoft.com/office/drawing/2014/main" id="{577DAD97-2FB2-471A-B574-BB081AFEEF1A}"/>
+                  <a16:creationId xmlns:a16="http://schemas.microsoft.com/office/drawing/2014/main" xmlns="" id="{577DAD97-2FB2-471A-B574-BB081AFEEF1A}"/>
                 </a:ext>
               </a:extLst>
             </p:cNvPr>
@@ -6011,7 +6031,7 @@
             <p:cNvPr id="16" name="그림 15">
               <a:extLst>
                 <a:ext uri="{FF2B5EF4-FFF2-40B4-BE49-F238E27FC236}">
-                  <a16:creationId xmlns:a16="http://schemas.microsoft.com/office/drawing/2014/main" id="{95743E2B-D7A0-45A4-9909-6191F1AB3A77}"/>
+                  <a16:creationId xmlns:a16="http://schemas.microsoft.com/office/drawing/2014/main" xmlns="" id="{95743E2B-D7A0-45A4-9909-6191F1AB3A77}"/>
                 </a:ext>
               </a:extLst>
             </p:cNvPr>
@@ -6047,7 +6067,7 @@
             <p:cNvPr id="19" name="그림 18">
               <a:extLst>
                 <a:ext uri="{FF2B5EF4-FFF2-40B4-BE49-F238E27FC236}">
-                  <a16:creationId xmlns:a16="http://schemas.microsoft.com/office/drawing/2014/main" id="{716C3CF7-D1C7-4E04-89C1-A0E757952ECB}"/>
+                  <a16:creationId xmlns:a16="http://schemas.microsoft.com/office/drawing/2014/main" xmlns="" id="{716C3CF7-D1C7-4E04-89C1-A0E757952ECB}"/>
                 </a:ext>
               </a:extLst>
             </p:cNvPr>
@@ -6084,7 +6104,7 @@
           <p:cNvPr id="4" name="그룹 3">
             <a:extLst>
               <a:ext uri="{FF2B5EF4-FFF2-40B4-BE49-F238E27FC236}">
-                <a16:creationId xmlns:a16="http://schemas.microsoft.com/office/drawing/2014/main" id="{9C229C73-AE37-4152-9623-010CD065AFDB}"/>
+                <a16:creationId xmlns:a16="http://schemas.microsoft.com/office/drawing/2014/main" xmlns="" id="{9C229C73-AE37-4152-9623-010CD065AFDB}"/>
               </a:ext>
             </a:extLst>
           </p:cNvPr>
@@ -6104,7 +6124,7 @@
             <p:cNvPr id="13" name="그림 12">
               <a:extLst>
                 <a:ext uri="{FF2B5EF4-FFF2-40B4-BE49-F238E27FC236}">
-                  <a16:creationId xmlns:a16="http://schemas.microsoft.com/office/drawing/2014/main" id="{6303E7A3-9BBC-447A-BE96-0B40FDC24545}"/>
+                  <a16:creationId xmlns:a16="http://schemas.microsoft.com/office/drawing/2014/main" xmlns="" id="{6303E7A3-9BBC-447A-BE96-0B40FDC24545}"/>
                 </a:ext>
               </a:extLst>
             </p:cNvPr>
@@ -6140,7 +6160,7 @@
             <p:cNvPr id="15" name="그림 14">
               <a:extLst>
                 <a:ext uri="{FF2B5EF4-FFF2-40B4-BE49-F238E27FC236}">
-                  <a16:creationId xmlns:a16="http://schemas.microsoft.com/office/drawing/2014/main" id="{11DA7B33-37FE-4157-AAB7-9D967AB8849A}"/>
+                  <a16:creationId xmlns:a16="http://schemas.microsoft.com/office/drawing/2014/main" xmlns="" id="{11DA7B33-37FE-4157-AAB7-9D967AB8849A}"/>
                 </a:ext>
               </a:extLst>
             </p:cNvPr>
@@ -6176,7 +6196,7 @@
             <p:cNvPr id="17" name="그림 16">
               <a:extLst>
                 <a:ext uri="{FF2B5EF4-FFF2-40B4-BE49-F238E27FC236}">
-                  <a16:creationId xmlns:a16="http://schemas.microsoft.com/office/drawing/2014/main" id="{A5205A9D-126F-4F25-9BD6-50B6F8A8BC42}"/>
+                  <a16:creationId xmlns:a16="http://schemas.microsoft.com/office/drawing/2014/main" xmlns="" id="{A5205A9D-126F-4F25-9BD6-50B6F8A8BC42}"/>
                 </a:ext>
               </a:extLst>
             </p:cNvPr>
@@ -6212,7 +6232,7 @@
             <p:cNvPr id="18" name="그림 17">
               <a:extLst>
                 <a:ext uri="{FF2B5EF4-FFF2-40B4-BE49-F238E27FC236}">
-                  <a16:creationId xmlns:a16="http://schemas.microsoft.com/office/drawing/2014/main" id="{BCB53EDD-2A0F-4543-845F-4AB1B2B7DA0C}"/>
+                  <a16:creationId xmlns:a16="http://schemas.microsoft.com/office/drawing/2014/main" xmlns="" id="{BCB53EDD-2A0F-4543-845F-4AB1B2B7DA0C}"/>
                 </a:ext>
               </a:extLst>
             </p:cNvPr>
@@ -6248,7 +6268,7 @@
             <p:cNvPr id="20" name="그림 19">
               <a:extLst>
                 <a:ext uri="{FF2B5EF4-FFF2-40B4-BE49-F238E27FC236}">
-                  <a16:creationId xmlns:a16="http://schemas.microsoft.com/office/drawing/2014/main" id="{2F9FB5F0-1264-49B0-B93A-478140836FE8}"/>
+                  <a16:creationId xmlns:a16="http://schemas.microsoft.com/office/drawing/2014/main" xmlns="" id="{2F9FB5F0-1264-49B0-B93A-478140836FE8}"/>
                 </a:ext>
               </a:extLst>
             </p:cNvPr>
@@ -6284,7 +6304,7 @@
             <p:cNvPr id="21" name="그림 20">
               <a:extLst>
                 <a:ext uri="{FF2B5EF4-FFF2-40B4-BE49-F238E27FC236}">
-                  <a16:creationId xmlns:a16="http://schemas.microsoft.com/office/drawing/2014/main" id="{CDA1396D-2A28-4CD5-8D56-364871ADC65C}"/>
+                  <a16:creationId xmlns:a16="http://schemas.microsoft.com/office/drawing/2014/main" xmlns="" id="{CDA1396D-2A28-4CD5-8D56-364871ADC65C}"/>
                 </a:ext>
               </a:extLst>
             </p:cNvPr>
@@ -6320,7 +6340,7 @@
             <p:cNvPr id="22" name="그림 21">
               <a:extLst>
                 <a:ext uri="{FF2B5EF4-FFF2-40B4-BE49-F238E27FC236}">
-                  <a16:creationId xmlns:a16="http://schemas.microsoft.com/office/drawing/2014/main" id="{BC3611B1-0118-4B64-B908-81385A70C349}"/>
+                  <a16:creationId xmlns:a16="http://schemas.microsoft.com/office/drawing/2014/main" xmlns="" id="{BC3611B1-0118-4B64-B908-81385A70C349}"/>
                 </a:ext>
               </a:extLst>
             </p:cNvPr>
@@ -6357,7 +6377,7 @@
           <p:cNvPr id="6" name="그룹 5">
             <a:extLst>
               <a:ext uri="{FF2B5EF4-FFF2-40B4-BE49-F238E27FC236}">
-                <a16:creationId xmlns:a16="http://schemas.microsoft.com/office/drawing/2014/main" id="{F6BB073F-54E6-47BA-BB44-16B17AB3741F}"/>
+                <a16:creationId xmlns:a16="http://schemas.microsoft.com/office/drawing/2014/main" xmlns="" id="{F6BB073F-54E6-47BA-BB44-16B17AB3741F}"/>
               </a:ext>
             </a:extLst>
           </p:cNvPr>
@@ -6377,7 +6397,7 @@
             <p:cNvPr id="23" name="그림 22">
               <a:extLst>
                 <a:ext uri="{FF2B5EF4-FFF2-40B4-BE49-F238E27FC236}">
-                  <a16:creationId xmlns:a16="http://schemas.microsoft.com/office/drawing/2014/main" id="{F9F2E3AA-BD9C-4784-A7D4-AAC49D250DBC}"/>
+                  <a16:creationId xmlns:a16="http://schemas.microsoft.com/office/drawing/2014/main" xmlns="" id="{F9F2E3AA-BD9C-4784-A7D4-AAC49D250DBC}"/>
                 </a:ext>
               </a:extLst>
             </p:cNvPr>
@@ -6413,7 +6433,7 @@
             <p:cNvPr id="24" name="그림 23">
               <a:extLst>
                 <a:ext uri="{FF2B5EF4-FFF2-40B4-BE49-F238E27FC236}">
-                  <a16:creationId xmlns:a16="http://schemas.microsoft.com/office/drawing/2014/main" id="{DDD71674-A6B2-432F-A07A-3FB02554AD95}"/>
+                  <a16:creationId xmlns:a16="http://schemas.microsoft.com/office/drawing/2014/main" xmlns="" id="{DDD71674-A6B2-432F-A07A-3FB02554AD95}"/>
                 </a:ext>
               </a:extLst>
             </p:cNvPr>
@@ -6449,7 +6469,7 @@
             <p:cNvPr id="25" name="그림 24">
               <a:extLst>
                 <a:ext uri="{FF2B5EF4-FFF2-40B4-BE49-F238E27FC236}">
-                  <a16:creationId xmlns:a16="http://schemas.microsoft.com/office/drawing/2014/main" id="{F7E98E5F-CBFA-4190-A3FF-B503075BD2E3}"/>
+                  <a16:creationId xmlns:a16="http://schemas.microsoft.com/office/drawing/2014/main" xmlns="" id="{F7E98E5F-CBFA-4190-A3FF-B503075BD2E3}"/>
                 </a:ext>
               </a:extLst>
             </p:cNvPr>
@@ -6485,7 +6505,7 @@
             <p:cNvPr id="26" name="그림 25">
               <a:extLst>
                 <a:ext uri="{FF2B5EF4-FFF2-40B4-BE49-F238E27FC236}">
-                  <a16:creationId xmlns:a16="http://schemas.microsoft.com/office/drawing/2014/main" id="{5CF09D84-2971-4DA0-A2E4-65755DBFCA6D}"/>
+                  <a16:creationId xmlns:a16="http://schemas.microsoft.com/office/drawing/2014/main" xmlns="" id="{5CF09D84-2971-4DA0-A2E4-65755DBFCA6D}"/>
                 </a:ext>
               </a:extLst>
             </p:cNvPr>
@@ -6521,7 +6541,7 @@
             <p:cNvPr id="27" name="그림 26">
               <a:extLst>
                 <a:ext uri="{FF2B5EF4-FFF2-40B4-BE49-F238E27FC236}">
-                  <a16:creationId xmlns:a16="http://schemas.microsoft.com/office/drawing/2014/main" id="{0A48E5F1-F845-4A5B-98EF-6590B87B9963}"/>
+                  <a16:creationId xmlns:a16="http://schemas.microsoft.com/office/drawing/2014/main" xmlns="" id="{0A48E5F1-F845-4A5B-98EF-6590B87B9963}"/>
                 </a:ext>
               </a:extLst>
             </p:cNvPr>
@@ -6557,7 +6577,7 @@
             <p:cNvPr id="28" name="그림 27">
               <a:extLst>
                 <a:ext uri="{FF2B5EF4-FFF2-40B4-BE49-F238E27FC236}">
-                  <a16:creationId xmlns:a16="http://schemas.microsoft.com/office/drawing/2014/main" id="{2F4BF4C6-9BC3-4D86-A0C9-2D82DB9DB369}"/>
+                  <a16:creationId xmlns:a16="http://schemas.microsoft.com/office/drawing/2014/main" xmlns="" id="{2F4BF4C6-9BC3-4D86-A0C9-2D82DB9DB369}"/>
                 </a:ext>
               </a:extLst>
             </p:cNvPr>
@@ -6593,7 +6613,7 @@
             <p:cNvPr id="29" name="그림 28">
               <a:extLst>
                 <a:ext uri="{FF2B5EF4-FFF2-40B4-BE49-F238E27FC236}">
-                  <a16:creationId xmlns:a16="http://schemas.microsoft.com/office/drawing/2014/main" id="{7A1EF621-E62D-4D42-A91F-AE95C79B3080}"/>
+                  <a16:creationId xmlns:a16="http://schemas.microsoft.com/office/drawing/2014/main" xmlns="" id="{7A1EF621-E62D-4D42-A91F-AE95C79B3080}"/>
                 </a:ext>
               </a:extLst>
             </p:cNvPr>
@@ -6630,7 +6650,7 @@
           <p:cNvPr id="8" name="그룹 7">
             <a:extLst>
               <a:ext uri="{FF2B5EF4-FFF2-40B4-BE49-F238E27FC236}">
-                <a16:creationId xmlns:a16="http://schemas.microsoft.com/office/drawing/2014/main" id="{D652A105-3702-4840-91D4-90465C611E30}"/>
+                <a16:creationId xmlns:a16="http://schemas.microsoft.com/office/drawing/2014/main" xmlns="" id="{D652A105-3702-4840-91D4-90465C611E30}"/>
               </a:ext>
             </a:extLst>
           </p:cNvPr>
@@ -6650,7 +6670,7 @@
             <p:cNvPr id="30" name="그림 29">
               <a:extLst>
                 <a:ext uri="{FF2B5EF4-FFF2-40B4-BE49-F238E27FC236}">
-                  <a16:creationId xmlns:a16="http://schemas.microsoft.com/office/drawing/2014/main" id="{84F76329-DBB8-4373-80C4-D9C346A155E6}"/>
+                  <a16:creationId xmlns:a16="http://schemas.microsoft.com/office/drawing/2014/main" xmlns="" id="{84F76329-DBB8-4373-80C4-D9C346A155E6}"/>
                 </a:ext>
               </a:extLst>
             </p:cNvPr>
@@ -6686,7 +6706,7 @@
             <p:cNvPr id="31" name="그림 30">
               <a:extLst>
                 <a:ext uri="{FF2B5EF4-FFF2-40B4-BE49-F238E27FC236}">
-                  <a16:creationId xmlns:a16="http://schemas.microsoft.com/office/drawing/2014/main" id="{0B7748B3-2288-4972-B824-69CE192FF2C1}"/>
+                  <a16:creationId xmlns:a16="http://schemas.microsoft.com/office/drawing/2014/main" xmlns="" id="{0B7748B3-2288-4972-B824-69CE192FF2C1}"/>
                 </a:ext>
               </a:extLst>
             </p:cNvPr>
@@ -6722,7 +6742,7 @@
             <p:cNvPr id="32" name="그림 31">
               <a:extLst>
                 <a:ext uri="{FF2B5EF4-FFF2-40B4-BE49-F238E27FC236}">
-                  <a16:creationId xmlns:a16="http://schemas.microsoft.com/office/drawing/2014/main" id="{2EA98B6C-5DC7-4C90-AA8E-0F7E0C0E23A4}"/>
+                  <a16:creationId xmlns:a16="http://schemas.microsoft.com/office/drawing/2014/main" xmlns="" id="{2EA98B6C-5DC7-4C90-AA8E-0F7E0C0E23A4}"/>
                 </a:ext>
               </a:extLst>
             </p:cNvPr>
@@ -6758,7 +6778,7 @@
             <p:cNvPr id="33" name="그림 32">
               <a:extLst>
                 <a:ext uri="{FF2B5EF4-FFF2-40B4-BE49-F238E27FC236}">
-                  <a16:creationId xmlns:a16="http://schemas.microsoft.com/office/drawing/2014/main" id="{6355D73C-289D-499F-BFF5-9D719D6CE876}"/>
+                  <a16:creationId xmlns:a16="http://schemas.microsoft.com/office/drawing/2014/main" xmlns="" id="{6355D73C-289D-499F-BFF5-9D719D6CE876}"/>
                 </a:ext>
               </a:extLst>
             </p:cNvPr>
@@ -6794,7 +6814,7 @@
             <p:cNvPr id="34" name="그림 33">
               <a:extLst>
                 <a:ext uri="{FF2B5EF4-FFF2-40B4-BE49-F238E27FC236}">
-                  <a16:creationId xmlns:a16="http://schemas.microsoft.com/office/drawing/2014/main" id="{EFCEC8D0-98DA-4A3B-868B-2E71B4A27ED1}"/>
+                  <a16:creationId xmlns:a16="http://schemas.microsoft.com/office/drawing/2014/main" xmlns="" id="{EFCEC8D0-98DA-4A3B-868B-2E71B4A27ED1}"/>
                 </a:ext>
               </a:extLst>
             </p:cNvPr>
@@ -6830,7 +6850,7 @@
             <p:cNvPr id="35" name="그림 34">
               <a:extLst>
                 <a:ext uri="{FF2B5EF4-FFF2-40B4-BE49-F238E27FC236}">
-                  <a16:creationId xmlns:a16="http://schemas.microsoft.com/office/drawing/2014/main" id="{A78FE1F2-ED9C-42A7-9E90-8AD9794DF821}"/>
+                  <a16:creationId xmlns:a16="http://schemas.microsoft.com/office/drawing/2014/main" xmlns="" id="{A78FE1F2-ED9C-42A7-9E90-8AD9794DF821}"/>
                 </a:ext>
               </a:extLst>
             </p:cNvPr>
@@ -6866,7 +6886,7 @@
             <p:cNvPr id="36" name="그림 35">
               <a:extLst>
                 <a:ext uri="{FF2B5EF4-FFF2-40B4-BE49-F238E27FC236}">
-                  <a16:creationId xmlns:a16="http://schemas.microsoft.com/office/drawing/2014/main" id="{5F91EBDF-7422-43B3-94D1-03F134050A7E}"/>
+                  <a16:creationId xmlns:a16="http://schemas.microsoft.com/office/drawing/2014/main" xmlns="" id="{5F91EBDF-7422-43B3-94D1-03F134050A7E}"/>
                 </a:ext>
               </a:extLst>
             </p:cNvPr>
@@ -6903,7 +6923,7 @@
           <p:cNvPr id="58" name="그룹 57">
             <a:extLst>
               <a:ext uri="{FF2B5EF4-FFF2-40B4-BE49-F238E27FC236}">
-                <a16:creationId xmlns:a16="http://schemas.microsoft.com/office/drawing/2014/main" id="{42D0EB19-B5FD-4668-91BE-2203627825CA}"/>
+                <a16:creationId xmlns:a16="http://schemas.microsoft.com/office/drawing/2014/main" xmlns="" id="{42D0EB19-B5FD-4668-91BE-2203627825CA}"/>
               </a:ext>
             </a:extLst>
           </p:cNvPr>
@@ -6923,7 +6943,7 @@
             <p:cNvPr id="37" name="그림 36">
               <a:extLst>
                 <a:ext uri="{FF2B5EF4-FFF2-40B4-BE49-F238E27FC236}">
-                  <a16:creationId xmlns:a16="http://schemas.microsoft.com/office/drawing/2014/main" id="{38E456D0-1413-4689-AD88-D9317A3FD20B}"/>
+                  <a16:creationId xmlns:a16="http://schemas.microsoft.com/office/drawing/2014/main" xmlns="" id="{38E456D0-1413-4689-AD88-D9317A3FD20B}"/>
                 </a:ext>
               </a:extLst>
             </p:cNvPr>
@@ -6959,7 +6979,7 @@
             <p:cNvPr id="38" name="그림 37">
               <a:extLst>
                 <a:ext uri="{FF2B5EF4-FFF2-40B4-BE49-F238E27FC236}">
-                  <a16:creationId xmlns:a16="http://schemas.microsoft.com/office/drawing/2014/main" id="{9C98DA68-5AB4-4BA3-8553-D8C6128AB2F3}"/>
+                  <a16:creationId xmlns:a16="http://schemas.microsoft.com/office/drawing/2014/main" xmlns="" id="{9C98DA68-5AB4-4BA3-8553-D8C6128AB2F3}"/>
                 </a:ext>
               </a:extLst>
             </p:cNvPr>
@@ -6995,7 +7015,7 @@
             <p:cNvPr id="39" name="그림 38">
               <a:extLst>
                 <a:ext uri="{FF2B5EF4-FFF2-40B4-BE49-F238E27FC236}">
-                  <a16:creationId xmlns:a16="http://schemas.microsoft.com/office/drawing/2014/main" id="{32EF37F1-C90F-493E-A237-3AACC74C716B}"/>
+                  <a16:creationId xmlns:a16="http://schemas.microsoft.com/office/drawing/2014/main" xmlns="" id="{32EF37F1-C90F-493E-A237-3AACC74C716B}"/>
                 </a:ext>
               </a:extLst>
             </p:cNvPr>
@@ -7031,7 +7051,7 @@
             <p:cNvPr id="40" name="그림 39">
               <a:extLst>
                 <a:ext uri="{FF2B5EF4-FFF2-40B4-BE49-F238E27FC236}">
-                  <a16:creationId xmlns:a16="http://schemas.microsoft.com/office/drawing/2014/main" id="{DACFCE13-E48A-435D-985E-F00893EF8AE8}"/>
+                  <a16:creationId xmlns:a16="http://schemas.microsoft.com/office/drawing/2014/main" xmlns="" id="{DACFCE13-E48A-435D-985E-F00893EF8AE8}"/>
                 </a:ext>
               </a:extLst>
             </p:cNvPr>
@@ -7067,7 +7087,7 @@
             <p:cNvPr id="41" name="그림 40">
               <a:extLst>
                 <a:ext uri="{FF2B5EF4-FFF2-40B4-BE49-F238E27FC236}">
-                  <a16:creationId xmlns:a16="http://schemas.microsoft.com/office/drawing/2014/main" id="{18DBAE0D-131B-4CE7-8FE5-8CEDE0179953}"/>
+                  <a16:creationId xmlns:a16="http://schemas.microsoft.com/office/drawing/2014/main" xmlns="" id="{18DBAE0D-131B-4CE7-8FE5-8CEDE0179953}"/>
                 </a:ext>
               </a:extLst>
             </p:cNvPr>
@@ -7103,7 +7123,7 @@
             <p:cNvPr id="42" name="그림 41">
               <a:extLst>
                 <a:ext uri="{FF2B5EF4-FFF2-40B4-BE49-F238E27FC236}">
-                  <a16:creationId xmlns:a16="http://schemas.microsoft.com/office/drawing/2014/main" id="{B0B4BF61-A206-4275-A538-3B67205BB152}"/>
+                  <a16:creationId xmlns:a16="http://schemas.microsoft.com/office/drawing/2014/main" xmlns="" id="{B0B4BF61-A206-4275-A538-3B67205BB152}"/>
                 </a:ext>
               </a:extLst>
             </p:cNvPr>
@@ -7139,7 +7159,7 @@
             <p:cNvPr id="43" name="그림 42">
               <a:extLst>
                 <a:ext uri="{FF2B5EF4-FFF2-40B4-BE49-F238E27FC236}">
-                  <a16:creationId xmlns:a16="http://schemas.microsoft.com/office/drawing/2014/main" id="{F2111489-BB7D-4F6D-B45C-E2D9E1215891}"/>
+                  <a16:creationId xmlns:a16="http://schemas.microsoft.com/office/drawing/2014/main" xmlns="" id="{F2111489-BB7D-4F6D-B45C-E2D9E1215891}"/>
                 </a:ext>
               </a:extLst>
             </p:cNvPr>
@@ -7176,7 +7196,7 @@
           <p:cNvPr id="59" name="그룹 58">
             <a:extLst>
               <a:ext uri="{FF2B5EF4-FFF2-40B4-BE49-F238E27FC236}">
-                <a16:creationId xmlns:a16="http://schemas.microsoft.com/office/drawing/2014/main" id="{05EE1673-EFE6-40D6-93BA-A389DCBD8A65}"/>
+                <a16:creationId xmlns:a16="http://schemas.microsoft.com/office/drawing/2014/main" xmlns="" id="{05EE1673-EFE6-40D6-93BA-A389DCBD8A65}"/>
               </a:ext>
             </a:extLst>
           </p:cNvPr>
@@ -7196,7 +7216,7 @@
             <p:cNvPr id="44" name="그림 43">
               <a:extLst>
                 <a:ext uri="{FF2B5EF4-FFF2-40B4-BE49-F238E27FC236}">
-                  <a16:creationId xmlns:a16="http://schemas.microsoft.com/office/drawing/2014/main" id="{7F90C508-F0A0-4B67-9281-3AC049F71F16}"/>
+                  <a16:creationId xmlns:a16="http://schemas.microsoft.com/office/drawing/2014/main" xmlns="" id="{7F90C508-F0A0-4B67-9281-3AC049F71F16}"/>
                 </a:ext>
               </a:extLst>
             </p:cNvPr>
@@ -7232,7 +7252,7 @@
             <p:cNvPr id="45" name="그림 44">
               <a:extLst>
                 <a:ext uri="{FF2B5EF4-FFF2-40B4-BE49-F238E27FC236}">
-                  <a16:creationId xmlns:a16="http://schemas.microsoft.com/office/drawing/2014/main" id="{A12EA492-68AA-4F23-BDED-ADD469B87C36}"/>
+                  <a16:creationId xmlns:a16="http://schemas.microsoft.com/office/drawing/2014/main" xmlns="" id="{A12EA492-68AA-4F23-BDED-ADD469B87C36}"/>
                 </a:ext>
               </a:extLst>
             </p:cNvPr>
@@ -7268,7 +7288,7 @@
             <p:cNvPr id="46" name="그림 45">
               <a:extLst>
                 <a:ext uri="{FF2B5EF4-FFF2-40B4-BE49-F238E27FC236}">
-                  <a16:creationId xmlns:a16="http://schemas.microsoft.com/office/drawing/2014/main" id="{944D85BA-02B6-4822-96EE-524044049456}"/>
+                  <a16:creationId xmlns:a16="http://schemas.microsoft.com/office/drawing/2014/main" xmlns="" id="{944D85BA-02B6-4822-96EE-524044049456}"/>
                 </a:ext>
               </a:extLst>
             </p:cNvPr>
@@ -7304,7 +7324,7 @@
             <p:cNvPr id="47" name="그림 46">
               <a:extLst>
                 <a:ext uri="{FF2B5EF4-FFF2-40B4-BE49-F238E27FC236}">
-                  <a16:creationId xmlns:a16="http://schemas.microsoft.com/office/drawing/2014/main" id="{04E531DD-D5AD-4D6D-B359-72184FEB429B}"/>
+                  <a16:creationId xmlns:a16="http://schemas.microsoft.com/office/drawing/2014/main" xmlns="" id="{04E531DD-D5AD-4D6D-B359-72184FEB429B}"/>
                 </a:ext>
               </a:extLst>
             </p:cNvPr>
@@ -7340,7 +7360,7 @@
             <p:cNvPr id="48" name="그림 47">
               <a:extLst>
                 <a:ext uri="{FF2B5EF4-FFF2-40B4-BE49-F238E27FC236}">
-                  <a16:creationId xmlns:a16="http://schemas.microsoft.com/office/drawing/2014/main" id="{6F4043B9-BD6C-44F3-BF92-9F774AE342B0}"/>
+                  <a16:creationId xmlns:a16="http://schemas.microsoft.com/office/drawing/2014/main" xmlns="" id="{6F4043B9-BD6C-44F3-BF92-9F774AE342B0}"/>
                 </a:ext>
               </a:extLst>
             </p:cNvPr>
@@ -7376,7 +7396,7 @@
             <p:cNvPr id="49" name="그림 48">
               <a:extLst>
                 <a:ext uri="{FF2B5EF4-FFF2-40B4-BE49-F238E27FC236}">
-                  <a16:creationId xmlns:a16="http://schemas.microsoft.com/office/drawing/2014/main" id="{2B5C3AFC-1D42-4C02-AF45-1DE6DB4ECFA1}"/>
+                  <a16:creationId xmlns:a16="http://schemas.microsoft.com/office/drawing/2014/main" xmlns="" id="{2B5C3AFC-1D42-4C02-AF45-1DE6DB4ECFA1}"/>
                 </a:ext>
               </a:extLst>
             </p:cNvPr>
@@ -7412,7 +7432,7 @@
             <p:cNvPr id="50" name="그림 49">
               <a:extLst>
                 <a:ext uri="{FF2B5EF4-FFF2-40B4-BE49-F238E27FC236}">
-                  <a16:creationId xmlns:a16="http://schemas.microsoft.com/office/drawing/2014/main" id="{237895BC-7CCB-46C6-8597-EB283C39D5FD}"/>
+                  <a16:creationId xmlns:a16="http://schemas.microsoft.com/office/drawing/2014/main" xmlns="" id="{237895BC-7CCB-46C6-8597-EB283C39D5FD}"/>
                 </a:ext>
               </a:extLst>
             </p:cNvPr>
@@ -7449,7 +7469,7 @@
           <p:cNvPr id="60" name="그룹 59">
             <a:extLst>
               <a:ext uri="{FF2B5EF4-FFF2-40B4-BE49-F238E27FC236}">
-                <a16:creationId xmlns:a16="http://schemas.microsoft.com/office/drawing/2014/main" id="{0F13C3A6-BD52-44FF-94C7-A8C56B85C56C}"/>
+                <a16:creationId xmlns:a16="http://schemas.microsoft.com/office/drawing/2014/main" xmlns="" id="{0F13C3A6-BD52-44FF-94C7-A8C56B85C56C}"/>
               </a:ext>
             </a:extLst>
           </p:cNvPr>
@@ -7469,7 +7489,7 @@
             <p:cNvPr id="51" name="그림 50">
               <a:extLst>
                 <a:ext uri="{FF2B5EF4-FFF2-40B4-BE49-F238E27FC236}">
-                  <a16:creationId xmlns:a16="http://schemas.microsoft.com/office/drawing/2014/main" id="{5CA7FCD6-E508-4487-A36E-BF6ABC887D88}"/>
+                  <a16:creationId xmlns:a16="http://schemas.microsoft.com/office/drawing/2014/main" xmlns="" id="{5CA7FCD6-E508-4487-A36E-BF6ABC887D88}"/>
                 </a:ext>
               </a:extLst>
             </p:cNvPr>
@@ -7505,7 +7525,7 @@
             <p:cNvPr id="52" name="그림 51">
               <a:extLst>
                 <a:ext uri="{FF2B5EF4-FFF2-40B4-BE49-F238E27FC236}">
-                  <a16:creationId xmlns:a16="http://schemas.microsoft.com/office/drawing/2014/main" id="{CA81A854-879D-4436-965A-C92C324A8296}"/>
+                  <a16:creationId xmlns:a16="http://schemas.microsoft.com/office/drawing/2014/main" xmlns="" id="{CA81A854-879D-4436-965A-C92C324A8296}"/>
                 </a:ext>
               </a:extLst>
             </p:cNvPr>
@@ -7541,7 +7561,7 @@
             <p:cNvPr id="53" name="그림 52">
               <a:extLst>
                 <a:ext uri="{FF2B5EF4-FFF2-40B4-BE49-F238E27FC236}">
-                  <a16:creationId xmlns:a16="http://schemas.microsoft.com/office/drawing/2014/main" id="{8F039C48-6BC9-40A7-B0EC-B651D979EDF7}"/>
+                  <a16:creationId xmlns:a16="http://schemas.microsoft.com/office/drawing/2014/main" xmlns="" id="{8F039C48-6BC9-40A7-B0EC-B651D979EDF7}"/>
                 </a:ext>
               </a:extLst>
             </p:cNvPr>
@@ -7577,7 +7597,7 @@
             <p:cNvPr id="54" name="그림 53">
               <a:extLst>
                 <a:ext uri="{FF2B5EF4-FFF2-40B4-BE49-F238E27FC236}">
-                  <a16:creationId xmlns:a16="http://schemas.microsoft.com/office/drawing/2014/main" id="{CF969943-986D-40EF-8E0D-1EFB3421977D}"/>
+                  <a16:creationId xmlns:a16="http://schemas.microsoft.com/office/drawing/2014/main" xmlns="" id="{CF969943-986D-40EF-8E0D-1EFB3421977D}"/>
                 </a:ext>
               </a:extLst>
             </p:cNvPr>
@@ -7613,7 +7633,7 @@
             <p:cNvPr id="55" name="그림 54">
               <a:extLst>
                 <a:ext uri="{FF2B5EF4-FFF2-40B4-BE49-F238E27FC236}">
-                  <a16:creationId xmlns:a16="http://schemas.microsoft.com/office/drawing/2014/main" id="{A57CF2D7-6AD1-4BF9-9E65-1E2D10149F0E}"/>
+                  <a16:creationId xmlns:a16="http://schemas.microsoft.com/office/drawing/2014/main" xmlns="" id="{A57CF2D7-6AD1-4BF9-9E65-1E2D10149F0E}"/>
                 </a:ext>
               </a:extLst>
             </p:cNvPr>
@@ -7649,7 +7669,7 @@
             <p:cNvPr id="56" name="그림 55">
               <a:extLst>
                 <a:ext uri="{FF2B5EF4-FFF2-40B4-BE49-F238E27FC236}">
-                  <a16:creationId xmlns:a16="http://schemas.microsoft.com/office/drawing/2014/main" id="{FB8FCA1C-D64F-4AB6-A683-CACCFDB3A5BF}"/>
+                  <a16:creationId xmlns:a16="http://schemas.microsoft.com/office/drawing/2014/main" xmlns="" id="{FB8FCA1C-D64F-4AB6-A683-CACCFDB3A5BF}"/>
                 </a:ext>
               </a:extLst>
             </p:cNvPr>
@@ -7685,7 +7705,7 @@
             <p:cNvPr id="57" name="그림 56">
               <a:extLst>
                 <a:ext uri="{FF2B5EF4-FFF2-40B4-BE49-F238E27FC236}">
-                  <a16:creationId xmlns:a16="http://schemas.microsoft.com/office/drawing/2014/main" id="{E0164660-74CF-405E-845A-5BFA3FA8AAC9}"/>
+                  <a16:creationId xmlns:a16="http://schemas.microsoft.com/office/drawing/2014/main" xmlns="" id="{E0164660-74CF-405E-845A-5BFA3FA8AAC9}"/>
                 </a:ext>
               </a:extLst>
             </p:cNvPr>
@@ -7752,7 +7772,7 @@
           <p:cNvPr id="12" name="제목 1">
             <a:extLst>
               <a:ext uri="{FF2B5EF4-FFF2-40B4-BE49-F238E27FC236}">
-                <a16:creationId xmlns:a16="http://schemas.microsoft.com/office/drawing/2014/main" id="{E17482A4-46EE-4C7E-92CB-318C2C7BB51F}"/>
+                <a16:creationId xmlns:a16="http://schemas.microsoft.com/office/drawing/2014/main" xmlns="" id="{E17482A4-46EE-4C7E-92CB-318C2C7BB51F}"/>
               </a:ext>
             </a:extLst>
           </p:cNvPr>
@@ -7807,6 +7827,16 @@
               </a:rPr>
               <a:t>이를 바탕으로 고민해 구상한</a:t>
             </a:r>
+            <a:r>
+              <a:rPr lang="en-US" altLang="ko-KR" sz="1200" spc="-150" dirty="0">
+                <a:solidFill>
+                  <a:schemeClr val="bg1">
+                    <a:lumMod val="65000"/>
+                  </a:schemeClr>
+                </a:solidFill>
+              </a:rPr>
+              <a:t/>
+            </a:r>
             <a:br>
               <a:rPr lang="en-US" altLang="ko-KR" sz="1200" spc="-150" dirty="0">
                 <a:solidFill>
@@ -7846,7 +7876,7 @@
           <p:cNvPr id="17" name="TextBox 16">
             <a:extLst>
               <a:ext uri="{FF2B5EF4-FFF2-40B4-BE49-F238E27FC236}">
-                <a16:creationId xmlns:a16="http://schemas.microsoft.com/office/drawing/2014/main" id="{5FED55C8-C8F6-4CC0-84A2-35572BA24CF0}"/>
+                <a16:creationId xmlns:a16="http://schemas.microsoft.com/office/drawing/2014/main" xmlns="" id="{5FED55C8-C8F6-4CC0-84A2-35572BA24CF0}"/>
               </a:ext>
             </a:extLst>
           </p:cNvPr>
@@ -8123,7 +8153,7 @@
           <p:cNvPr id="7" name="그림 6">
             <a:extLst>
               <a:ext uri="{FF2B5EF4-FFF2-40B4-BE49-F238E27FC236}">
-                <a16:creationId xmlns:a16="http://schemas.microsoft.com/office/drawing/2014/main" id="{9AB99062-D1EC-47B4-A4F2-C3B5629BC946}"/>
+                <a16:creationId xmlns:a16="http://schemas.microsoft.com/office/drawing/2014/main" xmlns="" id="{9AB99062-D1EC-47B4-A4F2-C3B5629BC946}"/>
               </a:ext>
             </a:extLst>
           </p:cNvPr>
@@ -8159,7 +8189,7 @@
           <p:cNvPr id="8" name="그림 7">
             <a:extLst>
               <a:ext uri="{FF2B5EF4-FFF2-40B4-BE49-F238E27FC236}">
-                <a16:creationId xmlns:a16="http://schemas.microsoft.com/office/drawing/2014/main" id="{F27EA621-2DB5-4D1C-AEE3-60812566E22D}"/>
+                <a16:creationId xmlns:a16="http://schemas.microsoft.com/office/drawing/2014/main" xmlns="" id="{F27EA621-2DB5-4D1C-AEE3-60812566E22D}"/>
               </a:ext>
             </a:extLst>
           </p:cNvPr>
@@ -8195,7 +8225,7 @@
           <p:cNvPr id="11" name="그림 10">
             <a:extLst>
               <a:ext uri="{FF2B5EF4-FFF2-40B4-BE49-F238E27FC236}">
-                <a16:creationId xmlns:a16="http://schemas.microsoft.com/office/drawing/2014/main" id="{1CDCC884-1309-4B12-AEE5-583787BBAF9E}"/>
+                <a16:creationId xmlns:a16="http://schemas.microsoft.com/office/drawing/2014/main" xmlns="" id="{1CDCC884-1309-4B12-AEE5-583787BBAF9E}"/>
               </a:ext>
             </a:extLst>
           </p:cNvPr>
@@ -8231,7 +8261,7 @@
           <p:cNvPr id="13" name="그림 12">
             <a:extLst>
               <a:ext uri="{FF2B5EF4-FFF2-40B4-BE49-F238E27FC236}">
-                <a16:creationId xmlns:a16="http://schemas.microsoft.com/office/drawing/2014/main" id="{124744E9-306C-4877-A73D-B2268BA2AC77}"/>
+                <a16:creationId xmlns:a16="http://schemas.microsoft.com/office/drawing/2014/main" xmlns="" id="{124744E9-306C-4877-A73D-B2268BA2AC77}"/>
               </a:ext>
             </a:extLst>
           </p:cNvPr>
@@ -8267,7 +8297,7 @@
           <p:cNvPr id="14" name="그림 13">
             <a:extLst>
               <a:ext uri="{FF2B5EF4-FFF2-40B4-BE49-F238E27FC236}">
-                <a16:creationId xmlns:a16="http://schemas.microsoft.com/office/drawing/2014/main" id="{57A53DFF-781C-4832-989A-7F38A777457B}"/>
+                <a16:creationId xmlns:a16="http://schemas.microsoft.com/office/drawing/2014/main" xmlns="" id="{57A53DFF-781C-4832-989A-7F38A777457B}"/>
               </a:ext>
             </a:extLst>
           </p:cNvPr>
@@ -8303,7 +8333,7 @@
           <p:cNvPr id="15" name="그림 14">
             <a:extLst>
               <a:ext uri="{FF2B5EF4-FFF2-40B4-BE49-F238E27FC236}">
-                <a16:creationId xmlns:a16="http://schemas.microsoft.com/office/drawing/2014/main" id="{3EDBF9EB-9067-4E69-9C83-1DE0E8BC2A61}"/>
+                <a16:creationId xmlns:a16="http://schemas.microsoft.com/office/drawing/2014/main" xmlns="" id="{3EDBF9EB-9067-4E69-9C83-1DE0E8BC2A61}"/>
               </a:ext>
             </a:extLst>
           </p:cNvPr>
@@ -8339,7 +8369,7 @@
           <p:cNvPr id="16" name="그림 15">
             <a:extLst>
               <a:ext uri="{FF2B5EF4-FFF2-40B4-BE49-F238E27FC236}">
-                <a16:creationId xmlns:a16="http://schemas.microsoft.com/office/drawing/2014/main" id="{11674026-55BA-401C-A699-067BB7C5B3ED}"/>
+                <a16:creationId xmlns:a16="http://schemas.microsoft.com/office/drawing/2014/main" xmlns="" id="{11674026-55BA-401C-A699-067BB7C5B3ED}"/>
               </a:ext>
             </a:extLst>
           </p:cNvPr>
@@ -8375,7 +8405,7 @@
           <p:cNvPr id="4" name="화살표: 오른쪽 3">
             <a:extLst>
               <a:ext uri="{FF2B5EF4-FFF2-40B4-BE49-F238E27FC236}">
-                <a16:creationId xmlns:a16="http://schemas.microsoft.com/office/drawing/2014/main" id="{365CE0AF-73A8-4F56-8F3F-5003D3A4CE3A}"/>
+                <a16:creationId xmlns:a16="http://schemas.microsoft.com/office/drawing/2014/main" xmlns="" id="{365CE0AF-73A8-4F56-8F3F-5003D3A4CE3A}"/>
               </a:ext>
             </a:extLst>
           </p:cNvPr>
@@ -8476,7 +8506,7 @@
           <p:cNvPr id="28" name="그림 27">
             <a:extLst>
               <a:ext uri="{FF2B5EF4-FFF2-40B4-BE49-F238E27FC236}">
-                <a16:creationId xmlns:a16="http://schemas.microsoft.com/office/drawing/2014/main" id="{A92FBF6E-F2FD-4E52-812D-81F421361AC9}"/>
+                <a16:creationId xmlns:a16="http://schemas.microsoft.com/office/drawing/2014/main" xmlns="" id="{A92FBF6E-F2FD-4E52-812D-81F421361AC9}"/>
               </a:ext>
             </a:extLst>
           </p:cNvPr>
@@ -8512,7 +8542,7 @@
           <p:cNvPr id="29" name="그림 28">
             <a:extLst>
               <a:ext uri="{FF2B5EF4-FFF2-40B4-BE49-F238E27FC236}">
-                <a16:creationId xmlns:a16="http://schemas.microsoft.com/office/drawing/2014/main" id="{7DCC2ECD-E766-41E6-A1A8-FEBAA2C97646}"/>
+                <a16:creationId xmlns:a16="http://schemas.microsoft.com/office/drawing/2014/main" xmlns="" id="{7DCC2ECD-E766-41E6-A1A8-FEBAA2C97646}"/>
               </a:ext>
             </a:extLst>
           </p:cNvPr>
@@ -8557,7 +8587,7 @@
           <p:cNvPr id="30" name="화살표: 오른쪽 29">
             <a:extLst>
               <a:ext uri="{FF2B5EF4-FFF2-40B4-BE49-F238E27FC236}">
-                <a16:creationId xmlns:a16="http://schemas.microsoft.com/office/drawing/2014/main" id="{70407186-24E7-411D-B094-7A707A883077}"/>
+                <a16:creationId xmlns:a16="http://schemas.microsoft.com/office/drawing/2014/main" xmlns="" id="{70407186-24E7-411D-B094-7A707A883077}"/>
               </a:ext>
             </a:extLst>
           </p:cNvPr>
@@ -8639,7 +8669,7 @@
           <p:cNvPr id="31" name="그림 30">
             <a:extLst>
               <a:ext uri="{FF2B5EF4-FFF2-40B4-BE49-F238E27FC236}">
-                <a16:creationId xmlns:a16="http://schemas.microsoft.com/office/drawing/2014/main" id="{EBDD8BEA-E959-4511-8F77-766695F1C236}"/>
+                <a16:creationId xmlns:a16="http://schemas.microsoft.com/office/drawing/2014/main" xmlns="" id="{EBDD8BEA-E959-4511-8F77-766695F1C236}"/>
               </a:ext>
             </a:extLst>
           </p:cNvPr>
@@ -8668,7 +8698,7 @@
           <p:cNvPr id="32" name="그림 31">
             <a:extLst>
               <a:ext uri="{FF2B5EF4-FFF2-40B4-BE49-F238E27FC236}">
-                <a16:creationId xmlns:a16="http://schemas.microsoft.com/office/drawing/2014/main" id="{48284E0A-7114-420B-BF28-ADA63675CE61}"/>
+                <a16:creationId xmlns:a16="http://schemas.microsoft.com/office/drawing/2014/main" xmlns="" id="{48284E0A-7114-420B-BF28-ADA63675CE61}"/>
               </a:ext>
             </a:extLst>
           </p:cNvPr>
@@ -8697,7 +8727,7 @@
           <p:cNvPr id="34" name="TextBox 33">
             <a:extLst>
               <a:ext uri="{FF2B5EF4-FFF2-40B4-BE49-F238E27FC236}">
-                <a16:creationId xmlns:a16="http://schemas.microsoft.com/office/drawing/2014/main" id="{D7FFAF69-3FB3-4921-87B3-1FE259BABE62}"/>
+                <a16:creationId xmlns:a16="http://schemas.microsoft.com/office/drawing/2014/main" xmlns="" id="{D7FFAF69-3FB3-4921-87B3-1FE259BABE62}"/>
               </a:ext>
             </a:extLst>
           </p:cNvPr>
@@ -8746,7 +8776,7 @@
           <p:cNvPr id="35" name="TextBox 34">
             <a:extLst>
               <a:ext uri="{FF2B5EF4-FFF2-40B4-BE49-F238E27FC236}">
-                <a16:creationId xmlns:a16="http://schemas.microsoft.com/office/drawing/2014/main" id="{0EA47B9E-36BC-4327-A86B-90FA1645D410}"/>
+                <a16:creationId xmlns:a16="http://schemas.microsoft.com/office/drawing/2014/main" xmlns="" id="{0EA47B9E-36BC-4327-A86B-90FA1645D410}"/>
               </a:ext>
             </a:extLst>
           </p:cNvPr>
@@ -8853,7 +8883,7 @@
           <p:cNvPr id="12" name="제목 1">
             <a:extLst>
               <a:ext uri="{FF2B5EF4-FFF2-40B4-BE49-F238E27FC236}">
-                <a16:creationId xmlns:a16="http://schemas.microsoft.com/office/drawing/2014/main" id="{E17482A4-46EE-4C7E-92CB-318C2C7BB51F}"/>
+                <a16:creationId xmlns:a16="http://schemas.microsoft.com/office/drawing/2014/main" xmlns="" id="{E17482A4-46EE-4C7E-92CB-318C2C7BB51F}"/>
               </a:ext>
             </a:extLst>
           </p:cNvPr>
@@ -8908,6 +8938,16 @@
               </a:rPr>
               <a:t>이를 바탕으로 고민해 구상한</a:t>
             </a:r>
+            <a:r>
+              <a:rPr lang="en-US" altLang="ko-KR" sz="1200" spc="-150" dirty="0">
+                <a:solidFill>
+                  <a:schemeClr val="bg1">
+                    <a:lumMod val="65000"/>
+                  </a:schemeClr>
+                </a:solidFill>
+              </a:rPr>
+              <a:t/>
+            </a:r>
             <a:br>
               <a:rPr lang="en-US" altLang="ko-KR" sz="1200" spc="-150" dirty="0">
                 <a:solidFill>
@@ -8947,7 +8987,7 @@
           <p:cNvPr id="9" name="그림 8">
             <a:extLst>
               <a:ext uri="{FF2B5EF4-FFF2-40B4-BE49-F238E27FC236}">
-                <a16:creationId xmlns:a16="http://schemas.microsoft.com/office/drawing/2014/main" id="{FF150665-2CD6-42DA-AC95-FD9CE51EF7A1}"/>
+                <a16:creationId xmlns:a16="http://schemas.microsoft.com/office/drawing/2014/main" xmlns="" id="{FF150665-2CD6-42DA-AC95-FD9CE51EF7A1}"/>
               </a:ext>
             </a:extLst>
           </p:cNvPr>
@@ -8976,7 +9016,7 @@
           <p:cNvPr id="10" name="그림 9">
             <a:extLst>
               <a:ext uri="{FF2B5EF4-FFF2-40B4-BE49-F238E27FC236}">
-                <a16:creationId xmlns:a16="http://schemas.microsoft.com/office/drawing/2014/main" id="{39FF018D-1327-4778-8273-9B99A44C05B8}"/>
+                <a16:creationId xmlns:a16="http://schemas.microsoft.com/office/drawing/2014/main" xmlns="" id="{39FF018D-1327-4778-8273-9B99A44C05B8}"/>
               </a:ext>
             </a:extLst>
           </p:cNvPr>
@@ -9005,7 +9045,7 @@
           <p:cNvPr id="30" name="TextBox 29">
             <a:extLst>
               <a:ext uri="{FF2B5EF4-FFF2-40B4-BE49-F238E27FC236}">
-                <a16:creationId xmlns:a16="http://schemas.microsoft.com/office/drawing/2014/main" id="{A5FC5904-EA87-440B-88D3-3F252C05927C}"/>
+                <a16:creationId xmlns:a16="http://schemas.microsoft.com/office/drawing/2014/main" xmlns="" id="{A5FC5904-EA87-440B-88D3-3F252C05927C}"/>
               </a:ext>
             </a:extLst>
           </p:cNvPr>
@@ -9386,7 +9426,7 @@
           <p:cNvPr id="31" name="그림 30">
             <a:extLst>
               <a:ext uri="{FF2B5EF4-FFF2-40B4-BE49-F238E27FC236}">
-                <a16:creationId xmlns:a16="http://schemas.microsoft.com/office/drawing/2014/main" id="{8BB0BF59-60ED-4C44-9C9C-8CFF07A45132}"/>
+                <a16:creationId xmlns:a16="http://schemas.microsoft.com/office/drawing/2014/main" xmlns="" id="{8BB0BF59-60ED-4C44-9C9C-8CFF07A45132}"/>
               </a:ext>
             </a:extLst>
           </p:cNvPr>
@@ -9422,7 +9462,7 @@
           <p:cNvPr id="32" name="그림 31">
             <a:extLst>
               <a:ext uri="{FF2B5EF4-FFF2-40B4-BE49-F238E27FC236}">
-                <a16:creationId xmlns:a16="http://schemas.microsoft.com/office/drawing/2014/main" id="{605EB867-5C37-428A-9124-16E12F5C00DC}"/>
+                <a16:creationId xmlns:a16="http://schemas.microsoft.com/office/drawing/2014/main" xmlns="" id="{605EB867-5C37-428A-9124-16E12F5C00DC}"/>
               </a:ext>
             </a:extLst>
           </p:cNvPr>
@@ -9458,7 +9498,7 @@
           <p:cNvPr id="33" name="그림 32">
             <a:extLst>
               <a:ext uri="{FF2B5EF4-FFF2-40B4-BE49-F238E27FC236}">
-                <a16:creationId xmlns:a16="http://schemas.microsoft.com/office/drawing/2014/main" id="{E49E620B-8DC1-443D-80DE-75CFA80B1AE4}"/>
+                <a16:creationId xmlns:a16="http://schemas.microsoft.com/office/drawing/2014/main" xmlns="" id="{E49E620B-8DC1-443D-80DE-75CFA80B1AE4}"/>
               </a:ext>
             </a:extLst>
           </p:cNvPr>
@@ -9494,7 +9534,7 @@
           <p:cNvPr id="34" name="그림 33">
             <a:extLst>
               <a:ext uri="{FF2B5EF4-FFF2-40B4-BE49-F238E27FC236}">
-                <a16:creationId xmlns:a16="http://schemas.microsoft.com/office/drawing/2014/main" id="{FCCE926D-DD25-4B96-989B-60C200F5F6D0}"/>
+                <a16:creationId xmlns:a16="http://schemas.microsoft.com/office/drawing/2014/main" xmlns="" id="{FCCE926D-DD25-4B96-989B-60C200F5F6D0}"/>
               </a:ext>
             </a:extLst>
           </p:cNvPr>
@@ -9530,7 +9570,7 @@
           <p:cNvPr id="35" name="그림 34">
             <a:extLst>
               <a:ext uri="{FF2B5EF4-FFF2-40B4-BE49-F238E27FC236}">
-                <a16:creationId xmlns:a16="http://schemas.microsoft.com/office/drawing/2014/main" id="{0ECFDEC9-37E0-4A2C-B583-25334ACADEE3}"/>
+                <a16:creationId xmlns:a16="http://schemas.microsoft.com/office/drawing/2014/main" xmlns="" id="{0ECFDEC9-37E0-4A2C-B583-25334ACADEE3}"/>
               </a:ext>
             </a:extLst>
           </p:cNvPr>
@@ -9566,7 +9606,7 @@
           <p:cNvPr id="36" name="그림 35">
             <a:extLst>
               <a:ext uri="{FF2B5EF4-FFF2-40B4-BE49-F238E27FC236}">
-                <a16:creationId xmlns:a16="http://schemas.microsoft.com/office/drawing/2014/main" id="{02B7DFFD-B2E0-48D9-BA4A-BD975D92DF28}"/>
+                <a16:creationId xmlns:a16="http://schemas.microsoft.com/office/drawing/2014/main" xmlns="" id="{02B7DFFD-B2E0-48D9-BA4A-BD975D92DF28}"/>
               </a:ext>
             </a:extLst>
           </p:cNvPr>
@@ -9602,7 +9642,7 @@
           <p:cNvPr id="37" name="그림 36">
             <a:extLst>
               <a:ext uri="{FF2B5EF4-FFF2-40B4-BE49-F238E27FC236}">
-                <a16:creationId xmlns:a16="http://schemas.microsoft.com/office/drawing/2014/main" id="{61C69764-0884-4CF1-BAEF-733F0550524E}"/>
+                <a16:creationId xmlns:a16="http://schemas.microsoft.com/office/drawing/2014/main" xmlns="" id="{61C69764-0884-4CF1-BAEF-733F0550524E}"/>
               </a:ext>
             </a:extLst>
           </p:cNvPr>
@@ -9638,7 +9678,7 @@
           <p:cNvPr id="38" name="그림 37">
             <a:extLst>
               <a:ext uri="{FF2B5EF4-FFF2-40B4-BE49-F238E27FC236}">
-                <a16:creationId xmlns:a16="http://schemas.microsoft.com/office/drawing/2014/main" id="{CBABC0E0-5060-4B5B-BFCB-BE4BA78D61BE}"/>
+                <a16:creationId xmlns:a16="http://schemas.microsoft.com/office/drawing/2014/main" xmlns="" id="{CBABC0E0-5060-4B5B-BFCB-BE4BA78D61BE}"/>
               </a:ext>
             </a:extLst>
           </p:cNvPr>
@@ -9674,7 +9714,7 @@
           <p:cNvPr id="39" name="그림 38">
             <a:extLst>
               <a:ext uri="{FF2B5EF4-FFF2-40B4-BE49-F238E27FC236}">
-                <a16:creationId xmlns:a16="http://schemas.microsoft.com/office/drawing/2014/main" id="{39F0348B-4006-4125-A93C-842EDE8DC8B0}"/>
+                <a16:creationId xmlns:a16="http://schemas.microsoft.com/office/drawing/2014/main" xmlns="" id="{39F0348B-4006-4125-A93C-842EDE8DC8B0}"/>
               </a:ext>
             </a:extLst>
           </p:cNvPr>
@@ -9719,7 +9759,7 @@
           <p:cNvPr id="41" name="TextBox 40">
             <a:extLst>
               <a:ext uri="{FF2B5EF4-FFF2-40B4-BE49-F238E27FC236}">
-                <a16:creationId xmlns:a16="http://schemas.microsoft.com/office/drawing/2014/main" id="{EB4CC8DB-EFBF-44A6-B2F9-21772AC76C56}"/>
+                <a16:creationId xmlns:a16="http://schemas.microsoft.com/office/drawing/2014/main" xmlns="" id="{EB4CC8DB-EFBF-44A6-B2F9-21772AC76C56}"/>
               </a:ext>
             </a:extLst>
           </p:cNvPr>
@@ -9826,7 +9866,7 @@
           <p:cNvPr id="12" name="제목 1">
             <a:extLst>
               <a:ext uri="{FF2B5EF4-FFF2-40B4-BE49-F238E27FC236}">
-                <a16:creationId xmlns:a16="http://schemas.microsoft.com/office/drawing/2014/main" id="{E17482A4-46EE-4C7E-92CB-318C2C7BB51F}"/>
+                <a16:creationId xmlns:a16="http://schemas.microsoft.com/office/drawing/2014/main" xmlns="" id="{E17482A4-46EE-4C7E-92CB-318C2C7BB51F}"/>
               </a:ext>
             </a:extLst>
           </p:cNvPr>
@@ -9881,6 +9921,16 @@
               </a:rPr>
               <a:t>이를 바탕으로 고민해 구상한</a:t>
             </a:r>
+            <a:r>
+              <a:rPr lang="en-US" altLang="ko-KR" sz="1200" spc="-150" dirty="0">
+                <a:solidFill>
+                  <a:schemeClr val="bg1">
+                    <a:lumMod val="65000"/>
+                  </a:schemeClr>
+                </a:solidFill>
+              </a:rPr>
+              <a:t/>
+            </a:r>
             <a:br>
               <a:rPr lang="en-US" altLang="ko-KR" sz="1200" spc="-150" dirty="0">
                 <a:solidFill>
@@ -9920,7 +9970,7 @@
           <p:cNvPr id="9" name="그림 8">
             <a:extLst>
               <a:ext uri="{FF2B5EF4-FFF2-40B4-BE49-F238E27FC236}">
-                <a16:creationId xmlns:a16="http://schemas.microsoft.com/office/drawing/2014/main" id="{FF150665-2CD6-42DA-AC95-FD9CE51EF7A1}"/>
+                <a16:creationId xmlns:a16="http://schemas.microsoft.com/office/drawing/2014/main" xmlns="" id="{FF150665-2CD6-42DA-AC95-FD9CE51EF7A1}"/>
               </a:ext>
             </a:extLst>
           </p:cNvPr>
@@ -9949,7 +9999,7 @@
           <p:cNvPr id="10" name="그림 9">
             <a:extLst>
               <a:ext uri="{FF2B5EF4-FFF2-40B4-BE49-F238E27FC236}">
-                <a16:creationId xmlns:a16="http://schemas.microsoft.com/office/drawing/2014/main" id="{39FF018D-1327-4778-8273-9B99A44C05B8}"/>
+                <a16:creationId xmlns:a16="http://schemas.microsoft.com/office/drawing/2014/main" xmlns="" id="{39FF018D-1327-4778-8273-9B99A44C05B8}"/>
               </a:ext>
             </a:extLst>
           </p:cNvPr>
@@ -9978,7 +10028,7 @@
           <p:cNvPr id="30" name="TextBox 29">
             <a:extLst>
               <a:ext uri="{FF2B5EF4-FFF2-40B4-BE49-F238E27FC236}">
-                <a16:creationId xmlns:a16="http://schemas.microsoft.com/office/drawing/2014/main" id="{A5FC5904-EA87-440B-88D3-3F252C05927C}"/>
+                <a16:creationId xmlns:a16="http://schemas.microsoft.com/office/drawing/2014/main" xmlns="" id="{A5FC5904-EA87-440B-88D3-3F252C05927C}"/>
               </a:ext>
             </a:extLst>
           </p:cNvPr>
@@ -10395,7 +10445,7 @@
           <p:cNvPr id="2" name="그룹 1">
             <a:extLst>
               <a:ext uri="{FF2B5EF4-FFF2-40B4-BE49-F238E27FC236}">
-                <a16:creationId xmlns:a16="http://schemas.microsoft.com/office/drawing/2014/main" id="{7F325CE5-DFE1-47F2-BB1C-988A62181DC2}"/>
+                <a16:creationId xmlns:a16="http://schemas.microsoft.com/office/drawing/2014/main" xmlns="" id="{7F325CE5-DFE1-47F2-BB1C-988A62181DC2}"/>
               </a:ext>
             </a:extLst>
           </p:cNvPr>
@@ -10415,7 +10465,7 @@
             <p:cNvPr id="16" name="그림 15">
               <a:extLst>
                 <a:ext uri="{FF2B5EF4-FFF2-40B4-BE49-F238E27FC236}">
-                  <a16:creationId xmlns:a16="http://schemas.microsoft.com/office/drawing/2014/main" id="{F59866A0-AD21-459F-82F8-67040CC7A74F}"/>
+                  <a16:creationId xmlns:a16="http://schemas.microsoft.com/office/drawing/2014/main" xmlns="" id="{F59866A0-AD21-459F-82F8-67040CC7A74F}"/>
                 </a:ext>
               </a:extLst>
             </p:cNvPr>
@@ -10460,7 +10510,7 @@
             <p:cNvPr id="17" name="곱하기 기호 16">
               <a:extLst>
                 <a:ext uri="{FF2B5EF4-FFF2-40B4-BE49-F238E27FC236}">
-                  <a16:creationId xmlns:a16="http://schemas.microsoft.com/office/drawing/2014/main" id="{A93D4B68-B481-45E2-804C-D9CD59B8C2E6}"/>
+                  <a16:creationId xmlns:a16="http://schemas.microsoft.com/office/drawing/2014/main" xmlns="" id="{A93D4B68-B481-45E2-804C-D9CD59B8C2E6}"/>
                 </a:ext>
               </a:extLst>
             </p:cNvPr>
@@ -10517,7 +10567,7 @@
             <p:cNvPr id="18" name="그림 17">
               <a:extLst>
                 <a:ext uri="{FF2B5EF4-FFF2-40B4-BE49-F238E27FC236}">
-                  <a16:creationId xmlns:a16="http://schemas.microsoft.com/office/drawing/2014/main" id="{95462C71-4540-4F6A-8250-0CE497449CDC}"/>
+                  <a16:creationId xmlns:a16="http://schemas.microsoft.com/office/drawing/2014/main" xmlns="" id="{95462C71-4540-4F6A-8250-0CE497449CDC}"/>
                 </a:ext>
               </a:extLst>
             </p:cNvPr>
@@ -10553,7 +10603,7 @@
             <p:cNvPr id="19" name="Picture 2" descr="https://www.liberaldictionary.com/wp-content/uploads/2018/11/win.jpg">
               <a:extLst>
                 <a:ext uri="{FF2B5EF4-FFF2-40B4-BE49-F238E27FC236}">
-                  <a16:creationId xmlns:a16="http://schemas.microsoft.com/office/drawing/2014/main" id="{CE65FF59-B26F-41E3-BFD8-FF24E82AA886}"/>
+                  <a16:creationId xmlns:a16="http://schemas.microsoft.com/office/drawing/2014/main" xmlns="" id="{CE65FF59-B26F-41E3-BFD8-FF24E82AA886}"/>
                 </a:ext>
               </a:extLst>
             </p:cNvPr>
@@ -10663,7 +10713,7 @@
           <p:cNvPr id="9218" name="Picture 2" descr="gift box iconì ëí ì´ë¯¸ì§ ê²ìê²°ê³¼">
             <a:extLst>
               <a:ext uri="{FF2B5EF4-FFF2-40B4-BE49-F238E27FC236}">
-                <a16:creationId xmlns:a16="http://schemas.microsoft.com/office/drawing/2014/main" id="{574400E9-BBF6-40A0-B083-6E8A2E303C5F}"/>
+                <a16:creationId xmlns:a16="http://schemas.microsoft.com/office/drawing/2014/main" xmlns="" id="{574400E9-BBF6-40A0-B083-6E8A2E303C5F}"/>
               </a:ext>
             </a:extLst>
           </p:cNvPr>
@@ -10708,7 +10758,7 @@
           <p:cNvPr id="9220" name="Picture 4" descr="gift box iconì ëí ì´ë¯¸ì§ ê²ìê²°ê³¼">
             <a:extLst>
               <a:ext uri="{FF2B5EF4-FFF2-40B4-BE49-F238E27FC236}">
-                <a16:creationId xmlns:a16="http://schemas.microsoft.com/office/drawing/2014/main" id="{EE6123FB-AD95-4181-B946-03FF4DC48486}"/>
+                <a16:creationId xmlns:a16="http://schemas.microsoft.com/office/drawing/2014/main" xmlns="" id="{EE6123FB-AD95-4181-B946-03FF4DC48486}"/>
               </a:ext>
             </a:extLst>
           </p:cNvPr>
@@ -10753,7 +10803,7 @@
           <p:cNvPr id="24" name="TextBox 23">
             <a:extLst>
               <a:ext uri="{FF2B5EF4-FFF2-40B4-BE49-F238E27FC236}">
-                <a16:creationId xmlns:a16="http://schemas.microsoft.com/office/drawing/2014/main" id="{84644B93-281C-48F0-899A-576DACD20B6E}"/>
+                <a16:creationId xmlns:a16="http://schemas.microsoft.com/office/drawing/2014/main" xmlns="" id="{84644B93-281C-48F0-899A-576DACD20B6E}"/>
               </a:ext>
             </a:extLst>
           </p:cNvPr>
@@ -10860,7 +10910,7 @@
           <p:cNvPr id="12" name="제목 1">
             <a:extLst>
               <a:ext uri="{FF2B5EF4-FFF2-40B4-BE49-F238E27FC236}">
-                <a16:creationId xmlns:a16="http://schemas.microsoft.com/office/drawing/2014/main" id="{E17482A4-46EE-4C7E-92CB-318C2C7BB51F}"/>
+                <a16:creationId xmlns:a16="http://schemas.microsoft.com/office/drawing/2014/main" xmlns="" id="{E17482A4-46EE-4C7E-92CB-318C2C7BB51F}"/>
               </a:ext>
             </a:extLst>
           </p:cNvPr>
@@ -10937,6 +10987,16 @@
               </a:rPr>
               <a:t> 강화 특징도 남기기로 했습니다</a:t>
             </a:r>
+            <a:r>
+              <a:rPr lang="en-US" altLang="ko-KR" sz="1200" spc="-150" dirty="0">
+                <a:solidFill>
+                  <a:schemeClr val="bg1">
+                    <a:lumMod val="65000"/>
+                  </a:schemeClr>
+                </a:solidFill>
+              </a:rPr>
+              <a:t/>
+            </a:r>
             <a:br>
               <a:rPr lang="en-US" altLang="ko-KR" sz="1200" spc="-150" dirty="0">
                 <a:solidFill>
@@ -10987,7 +11047,7 @@
           <p:cNvPr id="9" name="그림 8">
             <a:extLst>
               <a:ext uri="{FF2B5EF4-FFF2-40B4-BE49-F238E27FC236}">
-                <a16:creationId xmlns:a16="http://schemas.microsoft.com/office/drawing/2014/main" id="{FF150665-2CD6-42DA-AC95-FD9CE51EF7A1}"/>
+                <a16:creationId xmlns:a16="http://schemas.microsoft.com/office/drawing/2014/main" xmlns="" id="{FF150665-2CD6-42DA-AC95-FD9CE51EF7A1}"/>
               </a:ext>
             </a:extLst>
           </p:cNvPr>
@@ -11016,7 +11076,7 @@
           <p:cNvPr id="10" name="그림 9">
             <a:extLst>
               <a:ext uri="{FF2B5EF4-FFF2-40B4-BE49-F238E27FC236}">
-                <a16:creationId xmlns:a16="http://schemas.microsoft.com/office/drawing/2014/main" id="{39FF018D-1327-4778-8273-9B99A44C05B8}"/>
+                <a16:creationId xmlns:a16="http://schemas.microsoft.com/office/drawing/2014/main" xmlns="" id="{39FF018D-1327-4778-8273-9B99A44C05B8}"/>
               </a:ext>
             </a:extLst>
           </p:cNvPr>
@@ -11045,7 +11105,7 @@
           <p:cNvPr id="17" name="TextBox 16">
             <a:extLst>
               <a:ext uri="{FF2B5EF4-FFF2-40B4-BE49-F238E27FC236}">
-                <a16:creationId xmlns:a16="http://schemas.microsoft.com/office/drawing/2014/main" id="{BDE867FB-F125-4E1F-8094-B73AA8A8100D}"/>
+                <a16:creationId xmlns:a16="http://schemas.microsoft.com/office/drawing/2014/main" xmlns="" id="{BDE867FB-F125-4E1F-8094-B73AA8A8100D}"/>
               </a:ext>
             </a:extLst>
           </p:cNvPr>
@@ -11239,7 +11299,7 @@
           <p:cNvPr id="19" name="그림 18">
             <a:extLst>
               <a:ext uri="{FF2B5EF4-FFF2-40B4-BE49-F238E27FC236}">
-                <a16:creationId xmlns:a16="http://schemas.microsoft.com/office/drawing/2014/main" id="{4617170F-53B4-462E-B5CD-64FEA31746C1}"/>
+                <a16:creationId xmlns:a16="http://schemas.microsoft.com/office/drawing/2014/main" xmlns="" id="{4617170F-53B4-462E-B5CD-64FEA31746C1}"/>
               </a:ext>
             </a:extLst>
           </p:cNvPr>
@@ -11275,7 +11335,7 @@
           <p:cNvPr id="2" name="그룹 1">
             <a:extLst>
               <a:ext uri="{FF2B5EF4-FFF2-40B4-BE49-F238E27FC236}">
-                <a16:creationId xmlns:a16="http://schemas.microsoft.com/office/drawing/2014/main" id="{D3044C1B-36AA-4AB7-AAA0-FDE21FBDCE8C}"/>
+                <a16:creationId xmlns:a16="http://schemas.microsoft.com/office/drawing/2014/main" xmlns="" id="{D3044C1B-36AA-4AB7-AAA0-FDE21FBDCE8C}"/>
               </a:ext>
             </a:extLst>
           </p:cNvPr>
@@ -11295,7 +11355,7 @@
             <p:cNvPr id="21" name="모서리가 둥근 직사각형 3">
               <a:extLst>
                 <a:ext uri="{FF2B5EF4-FFF2-40B4-BE49-F238E27FC236}">
-                  <a16:creationId xmlns:a16="http://schemas.microsoft.com/office/drawing/2014/main" id="{09F2A1D4-1722-4616-B7B6-5E5EDFA64553}"/>
+                  <a16:creationId xmlns:a16="http://schemas.microsoft.com/office/drawing/2014/main" xmlns="" id="{09F2A1D4-1722-4616-B7B6-5E5EDFA64553}"/>
                 </a:ext>
               </a:extLst>
             </p:cNvPr>
@@ -11367,7 +11427,7 @@
             <p:cNvPr id="22" name="모서리가 둥근 직사각형 3">
               <a:extLst>
                 <a:ext uri="{FF2B5EF4-FFF2-40B4-BE49-F238E27FC236}">
-                  <a16:creationId xmlns:a16="http://schemas.microsoft.com/office/drawing/2014/main" id="{B8A469D0-25D9-437F-81FA-1803F1A80A0E}"/>
+                  <a16:creationId xmlns:a16="http://schemas.microsoft.com/office/drawing/2014/main" xmlns="" id="{B8A469D0-25D9-437F-81FA-1803F1A80A0E}"/>
                 </a:ext>
               </a:extLst>
             </p:cNvPr>
@@ -11439,7 +11499,7 @@
             <p:cNvPr id="23" name="모서리가 둥근 직사각형 3">
               <a:extLst>
                 <a:ext uri="{FF2B5EF4-FFF2-40B4-BE49-F238E27FC236}">
-                  <a16:creationId xmlns:a16="http://schemas.microsoft.com/office/drawing/2014/main" id="{CB24073E-E969-4CBF-AA51-289C92D1EDA2}"/>
+                  <a16:creationId xmlns:a16="http://schemas.microsoft.com/office/drawing/2014/main" xmlns="" id="{CB24073E-E969-4CBF-AA51-289C92D1EDA2}"/>
                 </a:ext>
               </a:extLst>
             </p:cNvPr>
@@ -11511,7 +11571,7 @@
             <p:cNvPr id="24" name="모서리가 둥근 직사각형 3">
               <a:extLst>
                 <a:ext uri="{FF2B5EF4-FFF2-40B4-BE49-F238E27FC236}">
-                  <a16:creationId xmlns:a16="http://schemas.microsoft.com/office/drawing/2014/main" id="{6315FC2A-77CD-4A11-9E7F-611476BA282B}"/>
+                  <a16:creationId xmlns:a16="http://schemas.microsoft.com/office/drawing/2014/main" xmlns="" id="{6315FC2A-77CD-4A11-9E7F-611476BA282B}"/>
                 </a:ext>
               </a:extLst>
             </p:cNvPr>
@@ -11591,7 +11651,7 @@
             <p:cNvPr id="25" name="모서리가 둥근 직사각형 3">
               <a:extLst>
                 <a:ext uri="{FF2B5EF4-FFF2-40B4-BE49-F238E27FC236}">
-                  <a16:creationId xmlns:a16="http://schemas.microsoft.com/office/drawing/2014/main" id="{DAB963A1-1C72-4969-BD73-9D4DE89B31DC}"/>
+                  <a16:creationId xmlns:a16="http://schemas.microsoft.com/office/drawing/2014/main" xmlns="" id="{DAB963A1-1C72-4969-BD73-9D4DE89B31DC}"/>
                 </a:ext>
               </a:extLst>
             </p:cNvPr>
@@ -11682,7 +11742,7 @@
             <p:cNvPr id="26" name="모서리가 둥근 직사각형 3">
               <a:extLst>
                 <a:ext uri="{FF2B5EF4-FFF2-40B4-BE49-F238E27FC236}">
-                  <a16:creationId xmlns:a16="http://schemas.microsoft.com/office/drawing/2014/main" id="{9090E5A1-6835-4EFD-839A-879F2122DCE7}"/>
+                  <a16:creationId xmlns:a16="http://schemas.microsoft.com/office/drawing/2014/main" xmlns="" id="{9090E5A1-6835-4EFD-839A-879F2122DCE7}"/>
                 </a:ext>
               </a:extLst>
             </p:cNvPr>
@@ -11765,7 +11825,7 @@
             <p:cNvPr id="27" name="더하기 기호 26">
               <a:extLst>
                 <a:ext uri="{FF2B5EF4-FFF2-40B4-BE49-F238E27FC236}">
-                  <a16:creationId xmlns:a16="http://schemas.microsoft.com/office/drawing/2014/main" id="{ADDC08DA-BBAB-4102-BC6C-E45E090594E8}"/>
+                  <a16:creationId xmlns:a16="http://schemas.microsoft.com/office/drawing/2014/main" xmlns="" id="{ADDC08DA-BBAB-4102-BC6C-E45E090594E8}"/>
                 </a:ext>
               </a:extLst>
             </p:cNvPr>
@@ -11822,7 +11882,7 @@
             <p:cNvPr id="33" name="더하기 기호 32">
               <a:extLst>
                 <a:ext uri="{FF2B5EF4-FFF2-40B4-BE49-F238E27FC236}">
-                  <a16:creationId xmlns:a16="http://schemas.microsoft.com/office/drawing/2014/main" id="{B3F32A73-B367-4E58-813F-94D42BE2FA3B}"/>
+                  <a16:creationId xmlns:a16="http://schemas.microsoft.com/office/drawing/2014/main" xmlns="" id="{B3F32A73-B367-4E58-813F-94D42BE2FA3B}"/>
                 </a:ext>
               </a:extLst>
             </p:cNvPr>
@@ -11879,7 +11939,7 @@
             <p:cNvPr id="34" name="더하기 기호 33">
               <a:extLst>
                 <a:ext uri="{FF2B5EF4-FFF2-40B4-BE49-F238E27FC236}">
-                  <a16:creationId xmlns:a16="http://schemas.microsoft.com/office/drawing/2014/main" id="{3CE69301-2843-40B0-98CC-7AF9C482AF9A}"/>
+                  <a16:creationId xmlns:a16="http://schemas.microsoft.com/office/drawing/2014/main" xmlns="" id="{3CE69301-2843-40B0-98CC-7AF9C482AF9A}"/>
                 </a:ext>
               </a:extLst>
             </p:cNvPr>
@@ -11936,7 +11996,7 @@
             <p:cNvPr id="35" name="더하기 기호 34">
               <a:extLst>
                 <a:ext uri="{FF2B5EF4-FFF2-40B4-BE49-F238E27FC236}">
-                  <a16:creationId xmlns:a16="http://schemas.microsoft.com/office/drawing/2014/main" id="{EFA763E1-D0B5-49A9-B686-C35039718B91}"/>
+                  <a16:creationId xmlns:a16="http://schemas.microsoft.com/office/drawing/2014/main" xmlns="" id="{EFA763E1-D0B5-49A9-B686-C35039718B91}"/>
                 </a:ext>
               </a:extLst>
             </p:cNvPr>
@@ -11993,7 +12053,7 @@
             <p:cNvPr id="36" name="더하기 기호 35">
               <a:extLst>
                 <a:ext uri="{FF2B5EF4-FFF2-40B4-BE49-F238E27FC236}">
-                  <a16:creationId xmlns:a16="http://schemas.microsoft.com/office/drawing/2014/main" id="{1A597C90-4899-48AF-9EC8-1622A01DCBF1}"/>
+                  <a16:creationId xmlns:a16="http://schemas.microsoft.com/office/drawing/2014/main" xmlns="" id="{1A597C90-4899-48AF-9EC8-1622A01DCBF1}"/>
                 </a:ext>
               </a:extLst>
             </p:cNvPr>
@@ -12050,7 +12110,7 @@
             <p:cNvPr id="37" name="더하기 기호 36">
               <a:extLst>
                 <a:ext uri="{FF2B5EF4-FFF2-40B4-BE49-F238E27FC236}">
-                  <a16:creationId xmlns:a16="http://schemas.microsoft.com/office/drawing/2014/main" id="{5AE26709-37FB-4104-B16A-FD6B3DC5D62A}"/>
+                  <a16:creationId xmlns:a16="http://schemas.microsoft.com/office/drawing/2014/main" xmlns="" id="{5AE26709-37FB-4104-B16A-FD6B3DC5D62A}"/>
                 </a:ext>
               </a:extLst>
             </p:cNvPr>
@@ -12108,7 +12168,7 @@
           <p:cNvPr id="40" name="그룹 39">
             <a:extLst>
               <a:ext uri="{FF2B5EF4-FFF2-40B4-BE49-F238E27FC236}">
-                <a16:creationId xmlns:a16="http://schemas.microsoft.com/office/drawing/2014/main" id="{6B36FCC9-ED7B-45CB-B85D-7CD0F506DC18}"/>
+                <a16:creationId xmlns:a16="http://schemas.microsoft.com/office/drawing/2014/main" xmlns="" id="{6B36FCC9-ED7B-45CB-B85D-7CD0F506DC18}"/>
               </a:ext>
             </a:extLst>
           </p:cNvPr>
@@ -12128,7 +12188,7 @@
             <p:cNvPr id="41" name="그림 40">
               <a:extLst>
                 <a:ext uri="{FF2B5EF4-FFF2-40B4-BE49-F238E27FC236}">
-                  <a16:creationId xmlns:a16="http://schemas.microsoft.com/office/drawing/2014/main" id="{A6AE30DA-5EFA-41E0-B81E-D3257AAFB2A7}"/>
+                  <a16:creationId xmlns:a16="http://schemas.microsoft.com/office/drawing/2014/main" xmlns="" id="{A6AE30DA-5EFA-41E0-B81E-D3257AAFB2A7}"/>
                 </a:ext>
               </a:extLst>
             </p:cNvPr>
@@ -12173,7 +12233,7 @@
             <p:cNvPr id="42" name="곱하기 기호 41">
               <a:extLst>
                 <a:ext uri="{FF2B5EF4-FFF2-40B4-BE49-F238E27FC236}">
-                  <a16:creationId xmlns:a16="http://schemas.microsoft.com/office/drawing/2014/main" id="{CE766CDE-0CD2-4B11-B4D5-E85C2232AAD6}"/>
+                  <a16:creationId xmlns:a16="http://schemas.microsoft.com/office/drawing/2014/main" xmlns="" id="{CE766CDE-0CD2-4B11-B4D5-E85C2232AAD6}"/>
                 </a:ext>
               </a:extLst>
             </p:cNvPr>
@@ -12230,7 +12290,7 @@
             <p:cNvPr id="43" name="그림 42">
               <a:extLst>
                 <a:ext uri="{FF2B5EF4-FFF2-40B4-BE49-F238E27FC236}">
-                  <a16:creationId xmlns:a16="http://schemas.microsoft.com/office/drawing/2014/main" id="{96457EB9-E85F-4AB1-B688-88B0FC1F241A}"/>
+                  <a16:creationId xmlns:a16="http://schemas.microsoft.com/office/drawing/2014/main" xmlns="" id="{96457EB9-E85F-4AB1-B688-88B0FC1F241A}"/>
                 </a:ext>
               </a:extLst>
             </p:cNvPr>
@@ -12266,7 +12326,7 @@
             <p:cNvPr id="44" name="Picture 2" descr="https://www.liberaldictionary.com/wp-content/uploads/2018/11/win.jpg">
               <a:extLst>
                 <a:ext uri="{FF2B5EF4-FFF2-40B4-BE49-F238E27FC236}">
-                  <a16:creationId xmlns:a16="http://schemas.microsoft.com/office/drawing/2014/main" id="{B545F4E3-70BD-4ABB-92BB-7BC2B9E3C3D4}"/>
+                  <a16:creationId xmlns:a16="http://schemas.microsoft.com/office/drawing/2014/main" xmlns="" id="{B545F4E3-70BD-4ABB-92BB-7BC2B9E3C3D4}"/>
                 </a:ext>
               </a:extLst>
             </p:cNvPr>
@@ -12376,7 +12436,7 @@
           <p:cNvPr id="45" name="TextBox 44">
             <a:extLst>
               <a:ext uri="{FF2B5EF4-FFF2-40B4-BE49-F238E27FC236}">
-                <a16:creationId xmlns:a16="http://schemas.microsoft.com/office/drawing/2014/main" id="{D1BE662E-A419-4E48-824B-A153656806A4}"/>
+                <a16:creationId xmlns:a16="http://schemas.microsoft.com/office/drawing/2014/main" xmlns="" id="{D1BE662E-A419-4E48-824B-A153656806A4}"/>
               </a:ext>
             </a:extLst>
           </p:cNvPr>
@@ -12453,7 +12513,7 @@
           <p:cNvPr id="3" name="사각형: 둥근 모서리 2">
             <a:extLst>
               <a:ext uri="{FF2B5EF4-FFF2-40B4-BE49-F238E27FC236}">
-                <a16:creationId xmlns:a16="http://schemas.microsoft.com/office/drawing/2014/main" id="{A49BD9C7-AF94-4708-9D24-0CD11BCA9AF9}"/>
+                <a16:creationId xmlns:a16="http://schemas.microsoft.com/office/drawing/2014/main" xmlns="" id="{A49BD9C7-AF94-4708-9D24-0CD11BCA9AF9}"/>
               </a:ext>
             </a:extLst>
           </p:cNvPr>
@@ -12546,7 +12606,7 @@
           <p:cNvPr id="12" name="제목 1">
             <a:extLst>
               <a:ext uri="{FF2B5EF4-FFF2-40B4-BE49-F238E27FC236}">
-                <a16:creationId xmlns:a16="http://schemas.microsoft.com/office/drawing/2014/main" id="{E17482A4-46EE-4C7E-92CB-318C2C7BB51F}"/>
+                <a16:creationId xmlns:a16="http://schemas.microsoft.com/office/drawing/2014/main" xmlns="" id="{E17482A4-46EE-4C7E-92CB-318C2C7BB51F}"/>
               </a:ext>
             </a:extLst>
           </p:cNvPr>
@@ -12623,6 +12683,16 @@
               </a:rPr>
               <a:t> 강화 특징도 남기기로 했습니다</a:t>
             </a:r>
+            <a:r>
+              <a:rPr lang="en-US" altLang="ko-KR" sz="1200" spc="-150" dirty="0">
+                <a:solidFill>
+                  <a:schemeClr val="bg1">
+                    <a:lumMod val="65000"/>
+                  </a:schemeClr>
+                </a:solidFill>
+              </a:rPr>
+              <a:t/>
+            </a:r>
             <a:br>
               <a:rPr lang="en-US" altLang="ko-KR" sz="1200" spc="-150" dirty="0">
                 <a:solidFill>
@@ -12673,7 +12743,7 @@
           <p:cNvPr id="7" name="TextBox 6">
             <a:extLst>
               <a:ext uri="{FF2B5EF4-FFF2-40B4-BE49-F238E27FC236}">
-                <a16:creationId xmlns:a16="http://schemas.microsoft.com/office/drawing/2014/main" id="{CCB2E79D-DCE9-4BD2-9BE4-168CCCF553A7}"/>
+                <a16:creationId xmlns:a16="http://schemas.microsoft.com/office/drawing/2014/main" xmlns="" id="{CCB2E79D-DCE9-4BD2-9BE4-168CCCF553A7}"/>
               </a:ext>
             </a:extLst>
           </p:cNvPr>
@@ -12848,7 +12918,7 @@
           <p:cNvPr id="11" name="그림 10">
             <a:extLst>
               <a:ext uri="{FF2B5EF4-FFF2-40B4-BE49-F238E27FC236}">
-                <a16:creationId xmlns:a16="http://schemas.microsoft.com/office/drawing/2014/main" id="{CD667A9B-823E-4D9A-95E2-CCA25F4F7906}"/>
+                <a16:creationId xmlns:a16="http://schemas.microsoft.com/office/drawing/2014/main" xmlns="" id="{CD667A9B-823E-4D9A-95E2-CCA25F4F7906}"/>
               </a:ext>
             </a:extLst>
           </p:cNvPr>
@@ -12877,7 +12947,7 @@
           <p:cNvPr id="13" name="그림 12">
             <a:extLst>
               <a:ext uri="{FF2B5EF4-FFF2-40B4-BE49-F238E27FC236}">
-                <a16:creationId xmlns:a16="http://schemas.microsoft.com/office/drawing/2014/main" id="{CE20DEE0-296D-4F6C-ABC0-38998F182CEC}"/>
+                <a16:creationId xmlns:a16="http://schemas.microsoft.com/office/drawing/2014/main" xmlns="" id="{CE20DEE0-296D-4F6C-ABC0-38998F182CEC}"/>
               </a:ext>
             </a:extLst>
           </p:cNvPr>
@@ -12906,7 +12976,7 @@
           <p:cNvPr id="4" name="그림 3">
             <a:extLst>
               <a:ext uri="{FF2B5EF4-FFF2-40B4-BE49-F238E27FC236}">
-                <a16:creationId xmlns:a16="http://schemas.microsoft.com/office/drawing/2014/main" id="{C7400248-FEB6-40EA-A931-E76F3B260F44}"/>
+                <a16:creationId xmlns:a16="http://schemas.microsoft.com/office/drawing/2014/main" xmlns="" id="{C7400248-FEB6-40EA-A931-E76F3B260F44}"/>
               </a:ext>
             </a:extLst>
           </p:cNvPr>
@@ -12936,7 +13006,7 @@
           <p:cNvPr id="14" name="TextBox 13">
             <a:extLst>
               <a:ext uri="{FF2B5EF4-FFF2-40B4-BE49-F238E27FC236}">
-                <a16:creationId xmlns:a16="http://schemas.microsoft.com/office/drawing/2014/main" id="{45227512-7828-4DD0-B70D-2F84C400F14E}"/>
+                <a16:creationId xmlns:a16="http://schemas.microsoft.com/office/drawing/2014/main" xmlns="" id="{45227512-7828-4DD0-B70D-2F84C400F14E}"/>
               </a:ext>
             </a:extLst>
           </p:cNvPr>
@@ -13043,7 +13113,7 @@
           <p:cNvPr id="12" name="제목 1">
             <a:extLst>
               <a:ext uri="{FF2B5EF4-FFF2-40B4-BE49-F238E27FC236}">
-                <a16:creationId xmlns:a16="http://schemas.microsoft.com/office/drawing/2014/main" id="{E17482A4-46EE-4C7E-92CB-318C2C7BB51F}"/>
+                <a16:creationId xmlns:a16="http://schemas.microsoft.com/office/drawing/2014/main" xmlns="" id="{E17482A4-46EE-4C7E-92CB-318C2C7BB51F}"/>
               </a:ext>
             </a:extLst>
           </p:cNvPr>
@@ -13120,6 +13190,16 @@
               </a:rPr>
               <a:t> 강화 특징도 남기기로 했습니다</a:t>
             </a:r>
+            <a:r>
+              <a:rPr lang="en-US" altLang="ko-KR" sz="1200" spc="-150" dirty="0">
+                <a:solidFill>
+                  <a:schemeClr val="bg1">
+                    <a:lumMod val="65000"/>
+                  </a:schemeClr>
+                </a:solidFill>
+              </a:rPr>
+              <a:t/>
+            </a:r>
             <a:br>
               <a:rPr lang="en-US" altLang="ko-KR" sz="1200" spc="-150" dirty="0">
                 <a:solidFill>
@@ -13170,7 +13250,7 @@
           <p:cNvPr id="11" name="표 10">
             <a:extLst>
               <a:ext uri="{FF2B5EF4-FFF2-40B4-BE49-F238E27FC236}">
-                <a16:creationId xmlns:a16="http://schemas.microsoft.com/office/drawing/2014/main" id="{0E273DD7-C75B-4EBA-8965-2359CF60DEE9}"/>
+                <a16:creationId xmlns:a16="http://schemas.microsoft.com/office/drawing/2014/main" xmlns="" id="{0E273DD7-C75B-4EBA-8965-2359CF60DEE9}"/>
               </a:ext>
             </a:extLst>
           </p:cNvPr>
@@ -13199,28 +13279,28 @@
                 <a:gridCol w="1152128">
                   <a:extLst>
                     <a:ext uri="{9D8B030D-6E8A-4147-A177-3AD203B41FA5}">
-                      <a16:colId xmlns:a16="http://schemas.microsoft.com/office/drawing/2014/main" val="391710310"/>
+                      <a16:colId xmlns:a16="http://schemas.microsoft.com/office/drawing/2014/main" xmlns="" val="391710310"/>
                     </a:ext>
                   </a:extLst>
                 </a:gridCol>
                 <a:gridCol w="3096344">
                   <a:extLst>
                     <a:ext uri="{9D8B030D-6E8A-4147-A177-3AD203B41FA5}">
-                      <a16:colId xmlns:a16="http://schemas.microsoft.com/office/drawing/2014/main" val="2183314425"/>
+                      <a16:colId xmlns:a16="http://schemas.microsoft.com/office/drawing/2014/main" xmlns="" val="2183314425"/>
                     </a:ext>
                   </a:extLst>
                 </a:gridCol>
                 <a:gridCol w="3240360">
                   <a:extLst>
                     <a:ext uri="{9D8B030D-6E8A-4147-A177-3AD203B41FA5}">
-                      <a16:colId xmlns:a16="http://schemas.microsoft.com/office/drawing/2014/main" val="3076868144"/>
+                      <a16:colId xmlns:a16="http://schemas.microsoft.com/office/drawing/2014/main" xmlns="" val="3076868144"/>
                     </a:ext>
                   </a:extLst>
                 </a:gridCol>
                 <a:gridCol w="1008112">
                   <a:extLst>
                     <a:ext uri="{9D8B030D-6E8A-4147-A177-3AD203B41FA5}">
-                      <a16:colId xmlns:a16="http://schemas.microsoft.com/office/drawing/2014/main" val="3508866708"/>
+                      <a16:colId xmlns:a16="http://schemas.microsoft.com/office/drawing/2014/main" xmlns="" val="3508866708"/>
                     </a:ext>
                   </a:extLst>
                 </a:gridCol>
@@ -13316,7 +13396,7 @@
                 </a:tc>
                 <a:extLst>
                   <a:ext uri="{0D108BD9-81ED-4DB2-BD59-A6C34878D82A}">
-                    <a16:rowId xmlns:a16="http://schemas.microsoft.com/office/drawing/2014/main" val="795620419"/>
+                    <a16:rowId xmlns:a16="http://schemas.microsoft.com/office/drawing/2014/main" xmlns="" val="795620419"/>
                   </a:ext>
                 </a:extLst>
               </a:tr>
@@ -13608,7 +13688,7 @@
                 </a:tc>
                 <a:extLst>
                   <a:ext uri="{0D108BD9-81ED-4DB2-BD59-A6C34878D82A}">
-                    <a16:rowId xmlns:a16="http://schemas.microsoft.com/office/drawing/2014/main" val="3132853881"/>
+                    <a16:rowId xmlns:a16="http://schemas.microsoft.com/office/drawing/2014/main" xmlns="" val="3132853881"/>
                   </a:ext>
                 </a:extLst>
               </a:tr>
@@ -13881,7 +13961,7 @@
                 </a:tc>
                 <a:extLst>
                   <a:ext uri="{0D108BD9-81ED-4DB2-BD59-A6C34878D82A}">
-                    <a16:rowId xmlns:a16="http://schemas.microsoft.com/office/drawing/2014/main" val="1416415057"/>
+                    <a16:rowId xmlns:a16="http://schemas.microsoft.com/office/drawing/2014/main" xmlns="" val="1416415057"/>
                   </a:ext>
                 </a:extLst>
               </a:tr>
@@ -14174,7 +14254,7 @@
                 </a:tc>
                 <a:extLst>
                   <a:ext uri="{0D108BD9-81ED-4DB2-BD59-A6C34878D82A}">
-                    <a16:rowId xmlns:a16="http://schemas.microsoft.com/office/drawing/2014/main" val="1652187793"/>
+                    <a16:rowId xmlns:a16="http://schemas.microsoft.com/office/drawing/2014/main" xmlns="" val="1652187793"/>
                   </a:ext>
                 </a:extLst>
               </a:tr>
@@ -14423,7 +14503,7 @@
                 </a:tc>
                 <a:extLst>
                   <a:ext uri="{0D108BD9-81ED-4DB2-BD59-A6C34878D82A}">
-                    <a16:rowId xmlns:a16="http://schemas.microsoft.com/office/drawing/2014/main" val="1901903570"/>
+                    <a16:rowId xmlns:a16="http://schemas.microsoft.com/office/drawing/2014/main" xmlns="" val="1901903570"/>
                   </a:ext>
                 </a:extLst>
               </a:tr>
@@ -14664,7 +14744,7 @@
                 </a:tc>
                 <a:extLst>
                   <a:ext uri="{0D108BD9-81ED-4DB2-BD59-A6C34878D82A}">
-                    <a16:rowId xmlns:a16="http://schemas.microsoft.com/office/drawing/2014/main" val="1619601165"/>
+                    <a16:rowId xmlns:a16="http://schemas.microsoft.com/office/drawing/2014/main" xmlns="" val="1619601165"/>
                   </a:ext>
                 </a:extLst>
               </a:tr>
@@ -14926,7 +15006,7 @@
                 </a:tc>
                 <a:extLst>
                   <a:ext uri="{0D108BD9-81ED-4DB2-BD59-A6C34878D82A}">
-                    <a16:rowId xmlns:a16="http://schemas.microsoft.com/office/drawing/2014/main" val="3238314487"/>
+                    <a16:rowId xmlns:a16="http://schemas.microsoft.com/office/drawing/2014/main" xmlns="" val="3238314487"/>
                   </a:ext>
                 </a:extLst>
               </a:tr>
@@ -14939,7 +15019,7 @@
           <p:cNvPr id="7" name="그림 6">
             <a:extLst>
               <a:ext uri="{FF2B5EF4-FFF2-40B4-BE49-F238E27FC236}">
-                <a16:creationId xmlns:a16="http://schemas.microsoft.com/office/drawing/2014/main" id="{D8222261-296A-49FF-B9E8-A56EB1B04D11}"/>
+                <a16:creationId xmlns:a16="http://schemas.microsoft.com/office/drawing/2014/main" xmlns="" id="{D8222261-296A-49FF-B9E8-A56EB1B04D11}"/>
               </a:ext>
             </a:extLst>
           </p:cNvPr>
@@ -14968,7 +15048,7 @@
           <p:cNvPr id="8" name="그림 7">
             <a:extLst>
               <a:ext uri="{FF2B5EF4-FFF2-40B4-BE49-F238E27FC236}">
-                <a16:creationId xmlns:a16="http://schemas.microsoft.com/office/drawing/2014/main" id="{5F41DC90-73E8-4FDF-9FB7-B86BCC090C16}"/>
+                <a16:creationId xmlns:a16="http://schemas.microsoft.com/office/drawing/2014/main" xmlns="" id="{5F41DC90-73E8-4FDF-9FB7-B86BCC090C16}"/>
               </a:ext>
             </a:extLst>
           </p:cNvPr>
@@ -14997,7 +15077,7 @@
           <p:cNvPr id="13" name="TextBox 12">
             <a:extLst>
               <a:ext uri="{FF2B5EF4-FFF2-40B4-BE49-F238E27FC236}">
-                <a16:creationId xmlns:a16="http://schemas.microsoft.com/office/drawing/2014/main" id="{69809EC9-D2D5-4EF9-B948-9F97E53C2E6C}"/>
+                <a16:creationId xmlns:a16="http://schemas.microsoft.com/office/drawing/2014/main" xmlns="" id="{69809EC9-D2D5-4EF9-B948-9F97E53C2E6C}"/>
               </a:ext>
             </a:extLst>
           </p:cNvPr>
@@ -15104,7 +15184,7 @@
           <p:cNvPr id="7" name="그룹 6">
             <a:extLst>
               <a:ext uri="{FF2B5EF4-FFF2-40B4-BE49-F238E27FC236}">
-                <a16:creationId xmlns:a16="http://schemas.microsoft.com/office/drawing/2014/main" id="{19F8A8E9-E7EE-4CEA-9DB6-F41B9A6EB0B2}"/>
+                <a16:creationId xmlns:a16="http://schemas.microsoft.com/office/drawing/2014/main" xmlns="" id="{19F8A8E9-E7EE-4CEA-9DB6-F41B9A6EB0B2}"/>
               </a:ext>
             </a:extLst>
           </p:cNvPr>
@@ -15124,7 +15204,7 @@
             <p:cNvPr id="6" name="그룹 5">
               <a:extLst>
                 <a:ext uri="{FF2B5EF4-FFF2-40B4-BE49-F238E27FC236}">
-                  <a16:creationId xmlns:a16="http://schemas.microsoft.com/office/drawing/2014/main" id="{30A0E0B2-C588-49E3-A3F3-684A08BBEA02}"/>
+                  <a16:creationId xmlns:a16="http://schemas.microsoft.com/office/drawing/2014/main" xmlns="" id="{30A0E0B2-C588-49E3-A3F3-684A08BBEA02}"/>
                 </a:ext>
               </a:extLst>
             </p:cNvPr>
@@ -15174,7 +15254,7 @@
               <p:cNvPr id="101" name="그림 100">
                 <a:extLst>
                   <a:ext uri="{FF2B5EF4-FFF2-40B4-BE49-F238E27FC236}">
-                    <a16:creationId xmlns:a16="http://schemas.microsoft.com/office/drawing/2014/main" id="{82F04972-6D69-4D53-BAD7-03C75CD1BE91}"/>
+                    <a16:creationId xmlns:a16="http://schemas.microsoft.com/office/drawing/2014/main" xmlns="" id="{82F04972-6D69-4D53-BAD7-03C75CD1BE91}"/>
                   </a:ext>
                 </a:extLst>
               </p:cNvPr>
@@ -15210,7 +15290,7 @@
               <p:cNvPr id="102" name="그림 101">
                 <a:extLst>
                   <a:ext uri="{FF2B5EF4-FFF2-40B4-BE49-F238E27FC236}">
-                    <a16:creationId xmlns:a16="http://schemas.microsoft.com/office/drawing/2014/main" id="{49745405-5437-4D7E-97C2-181D3E8A19AA}"/>
+                    <a16:creationId xmlns:a16="http://schemas.microsoft.com/office/drawing/2014/main" xmlns="" id="{49745405-5437-4D7E-97C2-181D3E8A19AA}"/>
                   </a:ext>
                 </a:extLst>
               </p:cNvPr>
@@ -15246,7 +15326,7 @@
               <p:cNvPr id="138" name="그림 137">
                 <a:extLst>
                   <a:ext uri="{FF2B5EF4-FFF2-40B4-BE49-F238E27FC236}">
-                    <a16:creationId xmlns:a16="http://schemas.microsoft.com/office/drawing/2014/main" id="{D3122E39-C137-4691-99C1-8518C5C2D3DE}"/>
+                    <a16:creationId xmlns:a16="http://schemas.microsoft.com/office/drawing/2014/main" xmlns="" id="{D3122E39-C137-4691-99C1-8518C5C2D3DE}"/>
                   </a:ext>
                 </a:extLst>
               </p:cNvPr>
@@ -15282,7 +15362,7 @@
               <p:cNvPr id="139" name="그림 138">
                 <a:extLst>
                   <a:ext uri="{FF2B5EF4-FFF2-40B4-BE49-F238E27FC236}">
-                    <a16:creationId xmlns:a16="http://schemas.microsoft.com/office/drawing/2014/main" id="{450D8ADF-5231-4BFA-BFF7-BF27CC8E12EA}"/>
+                    <a16:creationId xmlns:a16="http://schemas.microsoft.com/office/drawing/2014/main" xmlns="" id="{450D8ADF-5231-4BFA-BFF7-BF27CC8E12EA}"/>
                   </a:ext>
                 </a:extLst>
               </p:cNvPr>
@@ -15318,7 +15398,7 @@
               <p:cNvPr id="140" name="그림 139">
                 <a:extLst>
                   <a:ext uri="{FF2B5EF4-FFF2-40B4-BE49-F238E27FC236}">
-                    <a16:creationId xmlns:a16="http://schemas.microsoft.com/office/drawing/2014/main" id="{F9A8D8E0-F821-41BC-BA37-431CBF08C23D}"/>
+                    <a16:creationId xmlns:a16="http://schemas.microsoft.com/office/drawing/2014/main" xmlns="" id="{F9A8D8E0-F821-41BC-BA37-431CBF08C23D}"/>
                   </a:ext>
                 </a:extLst>
               </p:cNvPr>
@@ -15354,7 +15434,7 @@
               <p:cNvPr id="141" name="그림 140">
                 <a:extLst>
                   <a:ext uri="{FF2B5EF4-FFF2-40B4-BE49-F238E27FC236}">
-                    <a16:creationId xmlns:a16="http://schemas.microsoft.com/office/drawing/2014/main" id="{DD4F6B04-8B1D-45B3-ADF1-748BFC49D544}"/>
+                    <a16:creationId xmlns:a16="http://schemas.microsoft.com/office/drawing/2014/main" xmlns="" id="{DD4F6B04-8B1D-45B3-ADF1-748BFC49D544}"/>
                   </a:ext>
                 </a:extLst>
               </p:cNvPr>
@@ -15390,7 +15470,7 @@
               <p:cNvPr id="142" name="그림 141">
                 <a:extLst>
                   <a:ext uri="{FF2B5EF4-FFF2-40B4-BE49-F238E27FC236}">
-                    <a16:creationId xmlns:a16="http://schemas.microsoft.com/office/drawing/2014/main" id="{88C32456-A09E-4469-B848-9952CDCFAA73}"/>
+                    <a16:creationId xmlns:a16="http://schemas.microsoft.com/office/drawing/2014/main" xmlns="" id="{88C32456-A09E-4469-B848-9952CDCFAA73}"/>
                   </a:ext>
                 </a:extLst>
               </p:cNvPr>
@@ -15426,7 +15506,7 @@
               <p:cNvPr id="143" name="그림 142">
                 <a:extLst>
                   <a:ext uri="{FF2B5EF4-FFF2-40B4-BE49-F238E27FC236}">
-                    <a16:creationId xmlns:a16="http://schemas.microsoft.com/office/drawing/2014/main" id="{02A304BE-28BF-4EE5-BB41-0F5436C93E12}"/>
+                    <a16:creationId xmlns:a16="http://schemas.microsoft.com/office/drawing/2014/main" xmlns="" id="{02A304BE-28BF-4EE5-BB41-0F5436C93E12}"/>
                   </a:ext>
                 </a:extLst>
               </p:cNvPr>
@@ -15462,7 +15542,7 @@
               <p:cNvPr id="144" name="그림 143">
                 <a:extLst>
                   <a:ext uri="{FF2B5EF4-FFF2-40B4-BE49-F238E27FC236}">
-                    <a16:creationId xmlns:a16="http://schemas.microsoft.com/office/drawing/2014/main" id="{FF2EA399-78D9-4EE7-8C56-8F66AEB5210D}"/>
+                    <a16:creationId xmlns:a16="http://schemas.microsoft.com/office/drawing/2014/main" xmlns="" id="{FF2EA399-78D9-4EE7-8C56-8F66AEB5210D}"/>
                   </a:ext>
                 </a:extLst>
               </p:cNvPr>
@@ -15498,7 +15578,7 @@
               <p:cNvPr id="145" name="그림 144">
                 <a:extLst>
                   <a:ext uri="{FF2B5EF4-FFF2-40B4-BE49-F238E27FC236}">
-                    <a16:creationId xmlns:a16="http://schemas.microsoft.com/office/drawing/2014/main" id="{73796718-5FA8-4FBB-8F56-5FACA92B9152}"/>
+                    <a16:creationId xmlns:a16="http://schemas.microsoft.com/office/drawing/2014/main" xmlns="" id="{73796718-5FA8-4FBB-8F56-5FACA92B9152}"/>
                   </a:ext>
                 </a:extLst>
               </p:cNvPr>
@@ -15534,7 +15614,7 @@
               <p:cNvPr id="146" name="그림 145">
                 <a:extLst>
                   <a:ext uri="{FF2B5EF4-FFF2-40B4-BE49-F238E27FC236}">
-                    <a16:creationId xmlns:a16="http://schemas.microsoft.com/office/drawing/2014/main" id="{448A939B-EE71-4E38-AE68-E41855F58179}"/>
+                    <a16:creationId xmlns:a16="http://schemas.microsoft.com/office/drawing/2014/main" xmlns="" id="{448A939B-EE71-4E38-AE68-E41855F58179}"/>
                   </a:ext>
                 </a:extLst>
               </p:cNvPr>
@@ -15571,7 +15651,7 @@
             <p:cNvPr id="147" name="그룹 146">
               <a:extLst>
                 <a:ext uri="{FF2B5EF4-FFF2-40B4-BE49-F238E27FC236}">
-                  <a16:creationId xmlns:a16="http://schemas.microsoft.com/office/drawing/2014/main" id="{04EFBCEB-E7D2-4B3F-9D58-9EC6605FB1A8}"/>
+                  <a16:creationId xmlns:a16="http://schemas.microsoft.com/office/drawing/2014/main" xmlns="" id="{04EFBCEB-E7D2-4B3F-9D58-9EC6605FB1A8}"/>
                 </a:ext>
               </a:extLst>
             </p:cNvPr>
@@ -15591,7 +15671,7 @@
               <p:cNvPr id="148" name="그림 147">
                 <a:extLst>
                   <a:ext uri="{FF2B5EF4-FFF2-40B4-BE49-F238E27FC236}">
-                    <a16:creationId xmlns:a16="http://schemas.microsoft.com/office/drawing/2014/main" id="{CB10E7F7-2967-4302-9495-00A3606602A5}"/>
+                    <a16:creationId xmlns:a16="http://schemas.microsoft.com/office/drawing/2014/main" xmlns="" id="{CB10E7F7-2967-4302-9495-00A3606602A5}"/>
                   </a:ext>
                 </a:extLst>
               </p:cNvPr>
@@ -15627,7 +15707,7 @@
               <p:cNvPr id="149" name="그림 148">
                 <a:extLst>
                   <a:ext uri="{FF2B5EF4-FFF2-40B4-BE49-F238E27FC236}">
-                    <a16:creationId xmlns:a16="http://schemas.microsoft.com/office/drawing/2014/main" id="{F52AE1E4-F53F-47A1-9774-E2C554E84A34}"/>
+                    <a16:creationId xmlns:a16="http://schemas.microsoft.com/office/drawing/2014/main" xmlns="" id="{F52AE1E4-F53F-47A1-9774-E2C554E84A34}"/>
                   </a:ext>
                 </a:extLst>
               </p:cNvPr>
@@ -15663,7 +15743,7 @@
               <p:cNvPr id="150" name="그림 149">
                 <a:extLst>
                   <a:ext uri="{FF2B5EF4-FFF2-40B4-BE49-F238E27FC236}">
-                    <a16:creationId xmlns:a16="http://schemas.microsoft.com/office/drawing/2014/main" id="{8C2C374E-FAB6-4F94-8F66-43DFDD875A0D}"/>
+                    <a16:creationId xmlns:a16="http://schemas.microsoft.com/office/drawing/2014/main" xmlns="" id="{8C2C374E-FAB6-4F94-8F66-43DFDD875A0D}"/>
                   </a:ext>
                 </a:extLst>
               </p:cNvPr>
@@ -15699,7 +15779,7 @@
               <p:cNvPr id="151" name="그림 150">
                 <a:extLst>
                   <a:ext uri="{FF2B5EF4-FFF2-40B4-BE49-F238E27FC236}">
-                    <a16:creationId xmlns:a16="http://schemas.microsoft.com/office/drawing/2014/main" id="{57A2F03B-59D2-4A91-A8D1-EC95A3E9C75E}"/>
+                    <a16:creationId xmlns:a16="http://schemas.microsoft.com/office/drawing/2014/main" xmlns="" id="{57A2F03B-59D2-4A91-A8D1-EC95A3E9C75E}"/>
                   </a:ext>
                 </a:extLst>
               </p:cNvPr>
@@ -15735,7 +15815,7 @@
               <p:cNvPr id="152" name="그림 151">
                 <a:extLst>
                   <a:ext uri="{FF2B5EF4-FFF2-40B4-BE49-F238E27FC236}">
-                    <a16:creationId xmlns:a16="http://schemas.microsoft.com/office/drawing/2014/main" id="{54C6B422-FB84-414F-AD68-1C14BDE0CD7C}"/>
+                    <a16:creationId xmlns:a16="http://schemas.microsoft.com/office/drawing/2014/main" xmlns="" id="{54C6B422-FB84-414F-AD68-1C14BDE0CD7C}"/>
                   </a:ext>
                 </a:extLst>
               </p:cNvPr>
@@ -15771,7 +15851,7 @@
               <p:cNvPr id="153" name="그림 152">
                 <a:extLst>
                   <a:ext uri="{FF2B5EF4-FFF2-40B4-BE49-F238E27FC236}">
-                    <a16:creationId xmlns:a16="http://schemas.microsoft.com/office/drawing/2014/main" id="{B349C1E6-202D-4E8E-BE23-5FCE17414617}"/>
+                    <a16:creationId xmlns:a16="http://schemas.microsoft.com/office/drawing/2014/main" xmlns="" id="{B349C1E6-202D-4E8E-BE23-5FCE17414617}"/>
                   </a:ext>
                 </a:extLst>
               </p:cNvPr>
@@ -15807,7 +15887,7 @@
               <p:cNvPr id="154" name="그림 153">
                 <a:extLst>
                   <a:ext uri="{FF2B5EF4-FFF2-40B4-BE49-F238E27FC236}">
-                    <a16:creationId xmlns:a16="http://schemas.microsoft.com/office/drawing/2014/main" id="{C829C311-445D-4822-84E0-24FF1B02395C}"/>
+                    <a16:creationId xmlns:a16="http://schemas.microsoft.com/office/drawing/2014/main" xmlns="" id="{C829C311-445D-4822-84E0-24FF1B02395C}"/>
                   </a:ext>
                 </a:extLst>
               </p:cNvPr>
@@ -15843,7 +15923,7 @@
               <p:cNvPr id="155" name="그림 154">
                 <a:extLst>
                   <a:ext uri="{FF2B5EF4-FFF2-40B4-BE49-F238E27FC236}">
-                    <a16:creationId xmlns:a16="http://schemas.microsoft.com/office/drawing/2014/main" id="{1767D613-DB6A-4980-8B53-141A4C6C2834}"/>
+                    <a16:creationId xmlns:a16="http://schemas.microsoft.com/office/drawing/2014/main" xmlns="" id="{1767D613-DB6A-4980-8B53-141A4C6C2834}"/>
                   </a:ext>
                 </a:extLst>
               </p:cNvPr>
@@ -15879,7 +15959,7 @@
               <p:cNvPr id="156" name="그림 155">
                 <a:extLst>
                   <a:ext uri="{FF2B5EF4-FFF2-40B4-BE49-F238E27FC236}">
-                    <a16:creationId xmlns:a16="http://schemas.microsoft.com/office/drawing/2014/main" id="{42D944F7-C4DE-4E3B-B338-4F488402F137}"/>
+                    <a16:creationId xmlns:a16="http://schemas.microsoft.com/office/drawing/2014/main" xmlns="" id="{42D944F7-C4DE-4E3B-B338-4F488402F137}"/>
                   </a:ext>
                 </a:extLst>
               </p:cNvPr>
@@ -15915,7 +15995,7 @@
               <p:cNvPr id="157" name="그림 156">
                 <a:extLst>
                   <a:ext uri="{FF2B5EF4-FFF2-40B4-BE49-F238E27FC236}">
-                    <a16:creationId xmlns:a16="http://schemas.microsoft.com/office/drawing/2014/main" id="{60159609-9736-46E7-A43A-BB7B8E610814}"/>
+                    <a16:creationId xmlns:a16="http://schemas.microsoft.com/office/drawing/2014/main" xmlns="" id="{60159609-9736-46E7-A43A-BB7B8E610814}"/>
                   </a:ext>
                 </a:extLst>
               </p:cNvPr>
@@ -15951,7 +16031,7 @@
               <p:cNvPr id="158" name="그림 157">
                 <a:extLst>
                   <a:ext uri="{FF2B5EF4-FFF2-40B4-BE49-F238E27FC236}">
-                    <a16:creationId xmlns:a16="http://schemas.microsoft.com/office/drawing/2014/main" id="{14B1D62F-B562-4095-86B1-C6140BC82433}"/>
+                    <a16:creationId xmlns:a16="http://schemas.microsoft.com/office/drawing/2014/main" xmlns="" id="{14B1D62F-B562-4095-86B1-C6140BC82433}"/>
                   </a:ext>
                 </a:extLst>
               </p:cNvPr>
@@ -15987,7 +16067,7 @@
               <p:cNvPr id="159" name="그림 158">
                 <a:extLst>
                   <a:ext uri="{FF2B5EF4-FFF2-40B4-BE49-F238E27FC236}">
-                    <a16:creationId xmlns:a16="http://schemas.microsoft.com/office/drawing/2014/main" id="{241829C2-83C9-4221-A432-51C9505C760A}"/>
+                    <a16:creationId xmlns:a16="http://schemas.microsoft.com/office/drawing/2014/main" xmlns="" id="{241829C2-83C9-4221-A432-51C9505C760A}"/>
                   </a:ext>
                 </a:extLst>
               </p:cNvPr>
@@ -16024,7 +16104,7 @@
             <p:cNvPr id="161" name="그룹 160">
               <a:extLst>
                 <a:ext uri="{FF2B5EF4-FFF2-40B4-BE49-F238E27FC236}">
-                  <a16:creationId xmlns:a16="http://schemas.microsoft.com/office/drawing/2014/main" id="{02DE07A5-16F4-4800-9D80-765D864656F8}"/>
+                  <a16:creationId xmlns:a16="http://schemas.microsoft.com/office/drawing/2014/main" xmlns="" id="{02DE07A5-16F4-4800-9D80-765D864656F8}"/>
                 </a:ext>
               </a:extLst>
             </p:cNvPr>
@@ -16044,7 +16124,7 @@
               <p:cNvPr id="162" name="그림 161">
                 <a:extLst>
                   <a:ext uri="{FF2B5EF4-FFF2-40B4-BE49-F238E27FC236}">
-                    <a16:creationId xmlns:a16="http://schemas.microsoft.com/office/drawing/2014/main" id="{6E815661-4D6D-4197-AE52-FCAEC9597834}"/>
+                    <a16:creationId xmlns:a16="http://schemas.microsoft.com/office/drawing/2014/main" xmlns="" id="{6E815661-4D6D-4197-AE52-FCAEC9597834}"/>
                   </a:ext>
                 </a:extLst>
               </p:cNvPr>
@@ -16080,7 +16160,7 @@
               <p:cNvPr id="163" name="그림 162">
                 <a:extLst>
                   <a:ext uri="{FF2B5EF4-FFF2-40B4-BE49-F238E27FC236}">
-                    <a16:creationId xmlns:a16="http://schemas.microsoft.com/office/drawing/2014/main" id="{06DB7349-2E50-4B94-BA5E-7A6177831A47}"/>
+                    <a16:creationId xmlns:a16="http://schemas.microsoft.com/office/drawing/2014/main" xmlns="" id="{06DB7349-2E50-4B94-BA5E-7A6177831A47}"/>
                   </a:ext>
                 </a:extLst>
               </p:cNvPr>
@@ -16116,7 +16196,7 @@
               <p:cNvPr id="164" name="그림 163">
                 <a:extLst>
                   <a:ext uri="{FF2B5EF4-FFF2-40B4-BE49-F238E27FC236}">
-                    <a16:creationId xmlns:a16="http://schemas.microsoft.com/office/drawing/2014/main" id="{21F89B6C-F50F-4618-85AF-E32BD986086E}"/>
+                    <a16:creationId xmlns:a16="http://schemas.microsoft.com/office/drawing/2014/main" xmlns="" id="{21F89B6C-F50F-4618-85AF-E32BD986086E}"/>
                   </a:ext>
                 </a:extLst>
               </p:cNvPr>
@@ -16152,7 +16232,7 @@
               <p:cNvPr id="165" name="그림 164">
                 <a:extLst>
                   <a:ext uri="{FF2B5EF4-FFF2-40B4-BE49-F238E27FC236}">
-                    <a16:creationId xmlns:a16="http://schemas.microsoft.com/office/drawing/2014/main" id="{90FFF0A7-E778-4685-8282-FEBB5A6E6897}"/>
+                    <a16:creationId xmlns:a16="http://schemas.microsoft.com/office/drawing/2014/main" xmlns="" id="{90FFF0A7-E778-4685-8282-FEBB5A6E6897}"/>
                   </a:ext>
                 </a:extLst>
               </p:cNvPr>
@@ -16188,7 +16268,7 @@
               <p:cNvPr id="166" name="그림 165">
                 <a:extLst>
                   <a:ext uri="{FF2B5EF4-FFF2-40B4-BE49-F238E27FC236}">
-                    <a16:creationId xmlns:a16="http://schemas.microsoft.com/office/drawing/2014/main" id="{4965C629-112C-4B23-9E28-AD42A10CFDAC}"/>
+                    <a16:creationId xmlns:a16="http://schemas.microsoft.com/office/drawing/2014/main" xmlns="" id="{4965C629-112C-4B23-9E28-AD42A10CFDAC}"/>
                   </a:ext>
                 </a:extLst>
               </p:cNvPr>
@@ -16224,7 +16304,7 @@
               <p:cNvPr id="167" name="그림 166">
                 <a:extLst>
                   <a:ext uri="{FF2B5EF4-FFF2-40B4-BE49-F238E27FC236}">
-                    <a16:creationId xmlns:a16="http://schemas.microsoft.com/office/drawing/2014/main" id="{18A4C090-5B98-46F3-94EA-833D6A0BAE18}"/>
+                    <a16:creationId xmlns:a16="http://schemas.microsoft.com/office/drawing/2014/main" xmlns="" id="{18A4C090-5B98-46F3-94EA-833D6A0BAE18}"/>
                   </a:ext>
                 </a:extLst>
               </p:cNvPr>
@@ -16260,7 +16340,7 @@
               <p:cNvPr id="168" name="그림 167">
                 <a:extLst>
                   <a:ext uri="{FF2B5EF4-FFF2-40B4-BE49-F238E27FC236}">
-                    <a16:creationId xmlns:a16="http://schemas.microsoft.com/office/drawing/2014/main" id="{C4C75DD7-08DD-4FC7-9C7B-A73D3CB59229}"/>
+                    <a16:creationId xmlns:a16="http://schemas.microsoft.com/office/drawing/2014/main" xmlns="" id="{C4C75DD7-08DD-4FC7-9C7B-A73D3CB59229}"/>
                   </a:ext>
                 </a:extLst>
               </p:cNvPr>
@@ -16296,7 +16376,7 @@
               <p:cNvPr id="169" name="그림 168">
                 <a:extLst>
                   <a:ext uri="{FF2B5EF4-FFF2-40B4-BE49-F238E27FC236}">
-                    <a16:creationId xmlns:a16="http://schemas.microsoft.com/office/drawing/2014/main" id="{03182F12-0022-42E9-BC27-4BAF43AFB4E3}"/>
+                    <a16:creationId xmlns:a16="http://schemas.microsoft.com/office/drawing/2014/main" xmlns="" id="{03182F12-0022-42E9-BC27-4BAF43AFB4E3}"/>
                   </a:ext>
                 </a:extLst>
               </p:cNvPr>
@@ -16332,7 +16412,7 @@
               <p:cNvPr id="170" name="그림 169">
                 <a:extLst>
                   <a:ext uri="{FF2B5EF4-FFF2-40B4-BE49-F238E27FC236}">
-                    <a16:creationId xmlns:a16="http://schemas.microsoft.com/office/drawing/2014/main" id="{D1BE3491-8C42-4A6D-9DD9-913B1CA66B74}"/>
+                    <a16:creationId xmlns:a16="http://schemas.microsoft.com/office/drawing/2014/main" xmlns="" id="{D1BE3491-8C42-4A6D-9DD9-913B1CA66B74}"/>
                   </a:ext>
                 </a:extLst>
               </p:cNvPr>
@@ -16368,7 +16448,7 @@
               <p:cNvPr id="171" name="그림 170">
                 <a:extLst>
                   <a:ext uri="{FF2B5EF4-FFF2-40B4-BE49-F238E27FC236}">
-                    <a16:creationId xmlns:a16="http://schemas.microsoft.com/office/drawing/2014/main" id="{18E725F9-E5E2-4168-B368-204882715288}"/>
+                    <a16:creationId xmlns:a16="http://schemas.microsoft.com/office/drawing/2014/main" xmlns="" id="{18E725F9-E5E2-4168-B368-204882715288}"/>
                   </a:ext>
                 </a:extLst>
               </p:cNvPr>
@@ -16404,7 +16484,7 @@
               <p:cNvPr id="172" name="그림 171">
                 <a:extLst>
                   <a:ext uri="{FF2B5EF4-FFF2-40B4-BE49-F238E27FC236}">
-                    <a16:creationId xmlns:a16="http://schemas.microsoft.com/office/drawing/2014/main" id="{D5AA5610-46DF-49C2-A147-C1F095075594}"/>
+                    <a16:creationId xmlns:a16="http://schemas.microsoft.com/office/drawing/2014/main" xmlns="" id="{D5AA5610-46DF-49C2-A147-C1F095075594}"/>
                   </a:ext>
                 </a:extLst>
               </p:cNvPr>
@@ -16440,7 +16520,7 @@
               <p:cNvPr id="173" name="그림 172">
                 <a:extLst>
                   <a:ext uri="{FF2B5EF4-FFF2-40B4-BE49-F238E27FC236}">
-                    <a16:creationId xmlns:a16="http://schemas.microsoft.com/office/drawing/2014/main" id="{1CE08F6C-230A-482B-9118-F67236986002}"/>
+                    <a16:creationId xmlns:a16="http://schemas.microsoft.com/office/drawing/2014/main" xmlns="" id="{1CE08F6C-230A-482B-9118-F67236986002}"/>
                   </a:ext>
                 </a:extLst>
               </p:cNvPr>
@@ -16477,7 +16557,7 @@
             <p:cNvPr id="174" name="그룹 173">
               <a:extLst>
                 <a:ext uri="{FF2B5EF4-FFF2-40B4-BE49-F238E27FC236}">
-                  <a16:creationId xmlns:a16="http://schemas.microsoft.com/office/drawing/2014/main" id="{834073F1-1102-4E78-9B33-FF2F4209DE3A}"/>
+                  <a16:creationId xmlns:a16="http://schemas.microsoft.com/office/drawing/2014/main" xmlns="" id="{834073F1-1102-4E78-9B33-FF2F4209DE3A}"/>
                 </a:ext>
               </a:extLst>
             </p:cNvPr>
@@ -16497,7 +16577,7 @@
               <p:cNvPr id="175" name="그림 174">
                 <a:extLst>
                   <a:ext uri="{FF2B5EF4-FFF2-40B4-BE49-F238E27FC236}">
-                    <a16:creationId xmlns:a16="http://schemas.microsoft.com/office/drawing/2014/main" id="{D7FEA39F-B0A2-4DE8-8032-3430077C5EEA}"/>
+                    <a16:creationId xmlns:a16="http://schemas.microsoft.com/office/drawing/2014/main" xmlns="" id="{D7FEA39F-B0A2-4DE8-8032-3430077C5EEA}"/>
                   </a:ext>
                 </a:extLst>
               </p:cNvPr>
@@ -16533,7 +16613,7 @@
               <p:cNvPr id="176" name="그림 175">
                 <a:extLst>
                   <a:ext uri="{FF2B5EF4-FFF2-40B4-BE49-F238E27FC236}">
-                    <a16:creationId xmlns:a16="http://schemas.microsoft.com/office/drawing/2014/main" id="{476D7595-162D-44FB-9BA3-C5987A12A5F0}"/>
+                    <a16:creationId xmlns:a16="http://schemas.microsoft.com/office/drawing/2014/main" xmlns="" id="{476D7595-162D-44FB-9BA3-C5987A12A5F0}"/>
                   </a:ext>
                 </a:extLst>
               </p:cNvPr>
@@ -16569,7 +16649,7 @@
               <p:cNvPr id="177" name="그림 176">
                 <a:extLst>
                   <a:ext uri="{FF2B5EF4-FFF2-40B4-BE49-F238E27FC236}">
-                    <a16:creationId xmlns:a16="http://schemas.microsoft.com/office/drawing/2014/main" id="{5811E9E9-83EF-4644-9143-9C206E7FF19E}"/>
+                    <a16:creationId xmlns:a16="http://schemas.microsoft.com/office/drawing/2014/main" xmlns="" id="{5811E9E9-83EF-4644-9143-9C206E7FF19E}"/>
                   </a:ext>
                 </a:extLst>
               </p:cNvPr>
@@ -16605,7 +16685,7 @@
               <p:cNvPr id="178" name="그림 177">
                 <a:extLst>
                   <a:ext uri="{FF2B5EF4-FFF2-40B4-BE49-F238E27FC236}">
-                    <a16:creationId xmlns:a16="http://schemas.microsoft.com/office/drawing/2014/main" id="{BBE53D5A-0F79-4073-8415-D0C30B40AA22}"/>
+                    <a16:creationId xmlns:a16="http://schemas.microsoft.com/office/drawing/2014/main" xmlns="" id="{BBE53D5A-0F79-4073-8415-D0C30B40AA22}"/>
                   </a:ext>
                 </a:extLst>
               </p:cNvPr>
@@ -16641,7 +16721,7 @@
               <p:cNvPr id="179" name="그림 178">
                 <a:extLst>
                   <a:ext uri="{FF2B5EF4-FFF2-40B4-BE49-F238E27FC236}">
-                    <a16:creationId xmlns:a16="http://schemas.microsoft.com/office/drawing/2014/main" id="{305665F5-1C89-43E5-B8FB-7A6A2CE0649B}"/>
+                    <a16:creationId xmlns:a16="http://schemas.microsoft.com/office/drawing/2014/main" xmlns="" id="{305665F5-1C89-43E5-B8FB-7A6A2CE0649B}"/>
                   </a:ext>
                 </a:extLst>
               </p:cNvPr>
@@ -16677,7 +16757,7 @@
               <p:cNvPr id="180" name="그림 179">
                 <a:extLst>
                   <a:ext uri="{FF2B5EF4-FFF2-40B4-BE49-F238E27FC236}">
-                    <a16:creationId xmlns:a16="http://schemas.microsoft.com/office/drawing/2014/main" id="{6CFBD450-52AC-4F14-AE00-D12E8D60A023}"/>
+                    <a16:creationId xmlns:a16="http://schemas.microsoft.com/office/drawing/2014/main" xmlns="" id="{6CFBD450-52AC-4F14-AE00-D12E8D60A023}"/>
                   </a:ext>
                 </a:extLst>
               </p:cNvPr>
@@ -16713,7 +16793,7 @@
               <p:cNvPr id="181" name="그림 180">
                 <a:extLst>
                   <a:ext uri="{FF2B5EF4-FFF2-40B4-BE49-F238E27FC236}">
-                    <a16:creationId xmlns:a16="http://schemas.microsoft.com/office/drawing/2014/main" id="{B0285987-FF3F-4324-A6C2-2D56131F2457}"/>
+                    <a16:creationId xmlns:a16="http://schemas.microsoft.com/office/drawing/2014/main" xmlns="" id="{B0285987-FF3F-4324-A6C2-2D56131F2457}"/>
                   </a:ext>
                 </a:extLst>
               </p:cNvPr>
@@ -16749,7 +16829,7 @@
               <p:cNvPr id="182" name="그림 181">
                 <a:extLst>
                   <a:ext uri="{FF2B5EF4-FFF2-40B4-BE49-F238E27FC236}">
-                    <a16:creationId xmlns:a16="http://schemas.microsoft.com/office/drawing/2014/main" id="{09E7AE33-5FDD-410A-9B09-298771F44F03}"/>
+                    <a16:creationId xmlns:a16="http://schemas.microsoft.com/office/drawing/2014/main" xmlns="" id="{09E7AE33-5FDD-410A-9B09-298771F44F03}"/>
                   </a:ext>
                 </a:extLst>
               </p:cNvPr>
@@ -16785,7 +16865,7 @@
               <p:cNvPr id="183" name="그림 182">
                 <a:extLst>
                   <a:ext uri="{FF2B5EF4-FFF2-40B4-BE49-F238E27FC236}">
-                    <a16:creationId xmlns:a16="http://schemas.microsoft.com/office/drawing/2014/main" id="{174A3C80-4D09-444C-9F63-B0FA9C2B9F35}"/>
+                    <a16:creationId xmlns:a16="http://schemas.microsoft.com/office/drawing/2014/main" xmlns="" id="{174A3C80-4D09-444C-9F63-B0FA9C2B9F35}"/>
                   </a:ext>
                 </a:extLst>
               </p:cNvPr>
@@ -16821,7 +16901,7 @@
               <p:cNvPr id="184" name="그림 183">
                 <a:extLst>
                   <a:ext uri="{FF2B5EF4-FFF2-40B4-BE49-F238E27FC236}">
-                    <a16:creationId xmlns:a16="http://schemas.microsoft.com/office/drawing/2014/main" id="{16289A85-0035-4A50-93AF-68DF872A132F}"/>
+                    <a16:creationId xmlns:a16="http://schemas.microsoft.com/office/drawing/2014/main" xmlns="" id="{16289A85-0035-4A50-93AF-68DF872A132F}"/>
                   </a:ext>
                 </a:extLst>
               </p:cNvPr>
@@ -16857,7 +16937,7 @@
               <p:cNvPr id="185" name="그림 184">
                 <a:extLst>
                   <a:ext uri="{FF2B5EF4-FFF2-40B4-BE49-F238E27FC236}">
-                    <a16:creationId xmlns:a16="http://schemas.microsoft.com/office/drawing/2014/main" id="{49B77820-794C-41F4-B617-5268170BFDA7}"/>
+                    <a16:creationId xmlns:a16="http://schemas.microsoft.com/office/drawing/2014/main" xmlns="" id="{49B77820-794C-41F4-B617-5268170BFDA7}"/>
                   </a:ext>
                 </a:extLst>
               </p:cNvPr>
@@ -16893,7 +16973,7 @@
               <p:cNvPr id="186" name="그림 185">
                 <a:extLst>
                   <a:ext uri="{FF2B5EF4-FFF2-40B4-BE49-F238E27FC236}">
-                    <a16:creationId xmlns:a16="http://schemas.microsoft.com/office/drawing/2014/main" id="{2D623F2D-671D-453C-90E1-C9478523F5E5}"/>
+                    <a16:creationId xmlns:a16="http://schemas.microsoft.com/office/drawing/2014/main" xmlns="" id="{2D623F2D-671D-453C-90E1-C9478523F5E5}"/>
                   </a:ext>
                 </a:extLst>
               </p:cNvPr>
@@ -16930,7 +17010,7 @@
             <p:cNvPr id="187" name="그룹 186">
               <a:extLst>
                 <a:ext uri="{FF2B5EF4-FFF2-40B4-BE49-F238E27FC236}">
-                  <a16:creationId xmlns:a16="http://schemas.microsoft.com/office/drawing/2014/main" id="{65EC4DB1-8C81-4817-978A-73D28AB2787A}"/>
+                  <a16:creationId xmlns:a16="http://schemas.microsoft.com/office/drawing/2014/main" xmlns="" id="{65EC4DB1-8C81-4817-978A-73D28AB2787A}"/>
                 </a:ext>
               </a:extLst>
             </p:cNvPr>
@@ -16950,7 +17030,7 @@
               <p:cNvPr id="188" name="그림 187">
                 <a:extLst>
                   <a:ext uri="{FF2B5EF4-FFF2-40B4-BE49-F238E27FC236}">
-                    <a16:creationId xmlns:a16="http://schemas.microsoft.com/office/drawing/2014/main" id="{3A3EC97A-1A6B-4CA6-8B4F-CC1D44589B6D}"/>
+                    <a16:creationId xmlns:a16="http://schemas.microsoft.com/office/drawing/2014/main" xmlns="" id="{3A3EC97A-1A6B-4CA6-8B4F-CC1D44589B6D}"/>
                   </a:ext>
                 </a:extLst>
               </p:cNvPr>
@@ -16986,7 +17066,7 @@
               <p:cNvPr id="190" name="그림 189">
                 <a:extLst>
                   <a:ext uri="{FF2B5EF4-FFF2-40B4-BE49-F238E27FC236}">
-                    <a16:creationId xmlns:a16="http://schemas.microsoft.com/office/drawing/2014/main" id="{F769AA4D-16A5-4933-9849-E231BFE8CC4D}"/>
+                    <a16:creationId xmlns:a16="http://schemas.microsoft.com/office/drawing/2014/main" xmlns="" id="{F769AA4D-16A5-4933-9849-E231BFE8CC4D}"/>
                   </a:ext>
                 </a:extLst>
               </p:cNvPr>
@@ -17022,7 +17102,7 @@
               <p:cNvPr id="193" name="그림 192">
                 <a:extLst>
                   <a:ext uri="{FF2B5EF4-FFF2-40B4-BE49-F238E27FC236}">
-                    <a16:creationId xmlns:a16="http://schemas.microsoft.com/office/drawing/2014/main" id="{7A83C488-0902-44D3-ABBA-5D767F19728A}"/>
+                    <a16:creationId xmlns:a16="http://schemas.microsoft.com/office/drawing/2014/main" xmlns="" id="{7A83C488-0902-44D3-ABBA-5D767F19728A}"/>
                   </a:ext>
                 </a:extLst>
               </p:cNvPr>
@@ -17058,7 +17138,7 @@
               <p:cNvPr id="195" name="그림 194">
                 <a:extLst>
                   <a:ext uri="{FF2B5EF4-FFF2-40B4-BE49-F238E27FC236}">
-                    <a16:creationId xmlns:a16="http://schemas.microsoft.com/office/drawing/2014/main" id="{B1F5C648-A98C-406A-B2ED-A484D83181B0}"/>
+                    <a16:creationId xmlns:a16="http://schemas.microsoft.com/office/drawing/2014/main" xmlns="" id="{B1F5C648-A98C-406A-B2ED-A484D83181B0}"/>
                   </a:ext>
                 </a:extLst>
               </p:cNvPr>
@@ -17094,7 +17174,7 @@
               <p:cNvPr id="197" name="그림 196">
                 <a:extLst>
                   <a:ext uri="{FF2B5EF4-FFF2-40B4-BE49-F238E27FC236}">
-                    <a16:creationId xmlns:a16="http://schemas.microsoft.com/office/drawing/2014/main" id="{BF2B8322-D03E-4C92-84B2-EBF220596295}"/>
+                    <a16:creationId xmlns:a16="http://schemas.microsoft.com/office/drawing/2014/main" xmlns="" id="{BF2B8322-D03E-4C92-84B2-EBF220596295}"/>
                   </a:ext>
                 </a:extLst>
               </p:cNvPr>
@@ -17130,7 +17210,7 @@
               <p:cNvPr id="200" name="그림 199">
                 <a:extLst>
                   <a:ext uri="{FF2B5EF4-FFF2-40B4-BE49-F238E27FC236}">
-                    <a16:creationId xmlns:a16="http://schemas.microsoft.com/office/drawing/2014/main" id="{1E6CB5DB-BD4B-4BE3-B66C-909E360E0778}"/>
+                    <a16:creationId xmlns:a16="http://schemas.microsoft.com/office/drawing/2014/main" xmlns="" id="{1E6CB5DB-BD4B-4BE3-B66C-909E360E0778}"/>
                   </a:ext>
                 </a:extLst>
               </p:cNvPr>
@@ -17166,7 +17246,7 @@
               <p:cNvPr id="202" name="그림 201">
                 <a:extLst>
                   <a:ext uri="{FF2B5EF4-FFF2-40B4-BE49-F238E27FC236}">
-                    <a16:creationId xmlns:a16="http://schemas.microsoft.com/office/drawing/2014/main" id="{F3A6F2DE-C96C-4275-9B0D-0A540DFA5B8D}"/>
+                    <a16:creationId xmlns:a16="http://schemas.microsoft.com/office/drawing/2014/main" xmlns="" id="{F3A6F2DE-C96C-4275-9B0D-0A540DFA5B8D}"/>
                   </a:ext>
                 </a:extLst>
               </p:cNvPr>
@@ -17202,7 +17282,7 @@
               <p:cNvPr id="207" name="그림 206">
                 <a:extLst>
                   <a:ext uri="{FF2B5EF4-FFF2-40B4-BE49-F238E27FC236}">
-                    <a16:creationId xmlns:a16="http://schemas.microsoft.com/office/drawing/2014/main" id="{61608F68-5DC2-47AB-B1DE-C07874A83257}"/>
+                    <a16:creationId xmlns:a16="http://schemas.microsoft.com/office/drawing/2014/main" xmlns="" id="{61608F68-5DC2-47AB-B1DE-C07874A83257}"/>
                   </a:ext>
                 </a:extLst>
               </p:cNvPr>
@@ -17238,7 +17318,7 @@
               <p:cNvPr id="209" name="그림 208">
                 <a:extLst>
                   <a:ext uri="{FF2B5EF4-FFF2-40B4-BE49-F238E27FC236}">
-                    <a16:creationId xmlns:a16="http://schemas.microsoft.com/office/drawing/2014/main" id="{C83BC211-F7C8-4FC2-865F-4A581D089EFE}"/>
+                    <a16:creationId xmlns:a16="http://schemas.microsoft.com/office/drawing/2014/main" xmlns="" id="{C83BC211-F7C8-4FC2-865F-4A581D089EFE}"/>
                   </a:ext>
                 </a:extLst>
               </p:cNvPr>
@@ -17274,7 +17354,7 @@
               <p:cNvPr id="210" name="그림 209">
                 <a:extLst>
                   <a:ext uri="{FF2B5EF4-FFF2-40B4-BE49-F238E27FC236}">
-                    <a16:creationId xmlns:a16="http://schemas.microsoft.com/office/drawing/2014/main" id="{F1014B2B-2A83-4729-9EF4-C9C1E3361878}"/>
+                    <a16:creationId xmlns:a16="http://schemas.microsoft.com/office/drawing/2014/main" xmlns="" id="{F1014B2B-2A83-4729-9EF4-C9C1E3361878}"/>
                   </a:ext>
                 </a:extLst>
               </p:cNvPr>
@@ -17310,7 +17390,7 @@
               <p:cNvPr id="211" name="그림 210">
                 <a:extLst>
                   <a:ext uri="{FF2B5EF4-FFF2-40B4-BE49-F238E27FC236}">
-                    <a16:creationId xmlns:a16="http://schemas.microsoft.com/office/drawing/2014/main" id="{6934A044-8910-4B18-836A-6122303909B2}"/>
+                    <a16:creationId xmlns:a16="http://schemas.microsoft.com/office/drawing/2014/main" xmlns="" id="{6934A044-8910-4B18-836A-6122303909B2}"/>
                   </a:ext>
                 </a:extLst>
               </p:cNvPr>
@@ -17346,7 +17426,7 @@
               <p:cNvPr id="212" name="그림 211">
                 <a:extLst>
                   <a:ext uri="{FF2B5EF4-FFF2-40B4-BE49-F238E27FC236}">
-                    <a16:creationId xmlns:a16="http://schemas.microsoft.com/office/drawing/2014/main" id="{35E40E71-8EC5-4AA8-A492-33730B12DBE7}"/>
+                    <a16:creationId xmlns:a16="http://schemas.microsoft.com/office/drawing/2014/main" xmlns="" id="{35E40E71-8EC5-4AA8-A492-33730B12DBE7}"/>
                   </a:ext>
                 </a:extLst>
               </p:cNvPr>
@@ -17383,7 +17463,7 @@
             <p:cNvPr id="213" name="그룹 212">
               <a:extLst>
                 <a:ext uri="{FF2B5EF4-FFF2-40B4-BE49-F238E27FC236}">
-                  <a16:creationId xmlns:a16="http://schemas.microsoft.com/office/drawing/2014/main" id="{44DD19BA-BC38-4FE5-A6B7-9891D8AB2F17}"/>
+                  <a16:creationId xmlns:a16="http://schemas.microsoft.com/office/drawing/2014/main" xmlns="" id="{44DD19BA-BC38-4FE5-A6B7-9891D8AB2F17}"/>
                 </a:ext>
               </a:extLst>
             </p:cNvPr>
@@ -17403,7 +17483,7 @@
               <p:cNvPr id="214" name="그림 213">
                 <a:extLst>
                   <a:ext uri="{FF2B5EF4-FFF2-40B4-BE49-F238E27FC236}">
-                    <a16:creationId xmlns:a16="http://schemas.microsoft.com/office/drawing/2014/main" id="{AC6E4A6A-2CDC-45DE-AEBC-119F9E46D01B}"/>
+                    <a16:creationId xmlns:a16="http://schemas.microsoft.com/office/drawing/2014/main" xmlns="" id="{AC6E4A6A-2CDC-45DE-AEBC-119F9E46D01B}"/>
                   </a:ext>
                 </a:extLst>
               </p:cNvPr>
@@ -17439,7 +17519,7 @@
               <p:cNvPr id="215" name="그림 214">
                 <a:extLst>
                   <a:ext uri="{FF2B5EF4-FFF2-40B4-BE49-F238E27FC236}">
-                    <a16:creationId xmlns:a16="http://schemas.microsoft.com/office/drawing/2014/main" id="{268C2F9E-289C-49BF-B3A9-9EF7751CDFB7}"/>
+                    <a16:creationId xmlns:a16="http://schemas.microsoft.com/office/drawing/2014/main" xmlns="" id="{268C2F9E-289C-49BF-B3A9-9EF7751CDFB7}"/>
                   </a:ext>
                 </a:extLst>
               </p:cNvPr>
@@ -17475,7 +17555,7 @@
               <p:cNvPr id="216" name="그림 215">
                 <a:extLst>
                   <a:ext uri="{FF2B5EF4-FFF2-40B4-BE49-F238E27FC236}">
-                    <a16:creationId xmlns:a16="http://schemas.microsoft.com/office/drawing/2014/main" id="{AF672DF6-A830-4516-A127-CABB5FCF7FCF}"/>
+                    <a16:creationId xmlns:a16="http://schemas.microsoft.com/office/drawing/2014/main" xmlns="" id="{AF672DF6-A830-4516-A127-CABB5FCF7FCF}"/>
                   </a:ext>
                 </a:extLst>
               </p:cNvPr>
@@ -17511,7 +17591,7 @@
               <p:cNvPr id="217" name="그림 216">
                 <a:extLst>
                   <a:ext uri="{FF2B5EF4-FFF2-40B4-BE49-F238E27FC236}">
-                    <a16:creationId xmlns:a16="http://schemas.microsoft.com/office/drawing/2014/main" id="{C02092DF-3023-4153-AC37-3F8499C67938}"/>
+                    <a16:creationId xmlns:a16="http://schemas.microsoft.com/office/drawing/2014/main" xmlns="" id="{C02092DF-3023-4153-AC37-3F8499C67938}"/>
                   </a:ext>
                 </a:extLst>
               </p:cNvPr>
@@ -17547,7 +17627,7 @@
               <p:cNvPr id="218" name="그림 217">
                 <a:extLst>
                   <a:ext uri="{FF2B5EF4-FFF2-40B4-BE49-F238E27FC236}">
-                    <a16:creationId xmlns:a16="http://schemas.microsoft.com/office/drawing/2014/main" id="{48CB392E-4229-4BFC-876D-7304FD6CCD57}"/>
+                    <a16:creationId xmlns:a16="http://schemas.microsoft.com/office/drawing/2014/main" xmlns="" id="{48CB392E-4229-4BFC-876D-7304FD6CCD57}"/>
                   </a:ext>
                 </a:extLst>
               </p:cNvPr>
@@ -17583,7 +17663,7 @@
               <p:cNvPr id="219" name="그림 218">
                 <a:extLst>
                   <a:ext uri="{FF2B5EF4-FFF2-40B4-BE49-F238E27FC236}">
-                    <a16:creationId xmlns:a16="http://schemas.microsoft.com/office/drawing/2014/main" id="{B7A17FB4-7507-4BED-97BE-5FFACD246678}"/>
+                    <a16:creationId xmlns:a16="http://schemas.microsoft.com/office/drawing/2014/main" xmlns="" id="{B7A17FB4-7507-4BED-97BE-5FFACD246678}"/>
                   </a:ext>
                 </a:extLst>
               </p:cNvPr>
@@ -17619,7 +17699,7 @@
               <p:cNvPr id="220" name="그림 219">
                 <a:extLst>
                   <a:ext uri="{FF2B5EF4-FFF2-40B4-BE49-F238E27FC236}">
-                    <a16:creationId xmlns:a16="http://schemas.microsoft.com/office/drawing/2014/main" id="{B9999B55-4A5B-4C99-B252-F9571324E9AD}"/>
+                    <a16:creationId xmlns:a16="http://schemas.microsoft.com/office/drawing/2014/main" xmlns="" id="{B9999B55-4A5B-4C99-B252-F9571324E9AD}"/>
                   </a:ext>
                 </a:extLst>
               </p:cNvPr>
@@ -17655,7 +17735,7 @@
               <p:cNvPr id="221" name="그림 220">
                 <a:extLst>
                   <a:ext uri="{FF2B5EF4-FFF2-40B4-BE49-F238E27FC236}">
-                    <a16:creationId xmlns:a16="http://schemas.microsoft.com/office/drawing/2014/main" id="{106F68E2-9E4C-498C-A282-023229A2FEBC}"/>
+                    <a16:creationId xmlns:a16="http://schemas.microsoft.com/office/drawing/2014/main" xmlns="" id="{106F68E2-9E4C-498C-A282-023229A2FEBC}"/>
                   </a:ext>
                 </a:extLst>
               </p:cNvPr>
@@ -17691,7 +17771,7 @@
               <p:cNvPr id="222" name="그림 221">
                 <a:extLst>
                   <a:ext uri="{FF2B5EF4-FFF2-40B4-BE49-F238E27FC236}">
-                    <a16:creationId xmlns:a16="http://schemas.microsoft.com/office/drawing/2014/main" id="{A3F11CA5-DC16-4035-BCDE-601CAB46B7D6}"/>
+                    <a16:creationId xmlns:a16="http://schemas.microsoft.com/office/drawing/2014/main" xmlns="" id="{A3F11CA5-DC16-4035-BCDE-601CAB46B7D6}"/>
                   </a:ext>
                 </a:extLst>
               </p:cNvPr>
@@ -17727,7 +17807,7 @@
               <p:cNvPr id="223" name="그림 222">
                 <a:extLst>
                   <a:ext uri="{FF2B5EF4-FFF2-40B4-BE49-F238E27FC236}">
-                    <a16:creationId xmlns:a16="http://schemas.microsoft.com/office/drawing/2014/main" id="{A1B542DC-8F13-43C6-ABAA-E2B412FC71DA}"/>
+                    <a16:creationId xmlns:a16="http://schemas.microsoft.com/office/drawing/2014/main" xmlns="" id="{A1B542DC-8F13-43C6-ABAA-E2B412FC71DA}"/>
                   </a:ext>
                 </a:extLst>
               </p:cNvPr>
@@ -17763,7 +17843,7 @@
               <p:cNvPr id="224" name="그림 223">
                 <a:extLst>
                   <a:ext uri="{FF2B5EF4-FFF2-40B4-BE49-F238E27FC236}">
-                    <a16:creationId xmlns:a16="http://schemas.microsoft.com/office/drawing/2014/main" id="{C226B6F9-7201-4ACF-BF78-6EE1A219E250}"/>
+                    <a16:creationId xmlns:a16="http://schemas.microsoft.com/office/drawing/2014/main" xmlns="" id="{C226B6F9-7201-4ACF-BF78-6EE1A219E250}"/>
                   </a:ext>
                 </a:extLst>
               </p:cNvPr>
@@ -17799,7 +17879,7 @@
               <p:cNvPr id="225" name="그림 224">
                 <a:extLst>
                   <a:ext uri="{FF2B5EF4-FFF2-40B4-BE49-F238E27FC236}">
-                    <a16:creationId xmlns:a16="http://schemas.microsoft.com/office/drawing/2014/main" id="{5CD002DB-ABB9-4E19-AE8F-F558F1DECE97}"/>
+                    <a16:creationId xmlns:a16="http://schemas.microsoft.com/office/drawing/2014/main" xmlns="" id="{5CD002DB-ABB9-4E19-AE8F-F558F1DECE97}"/>
                   </a:ext>
                 </a:extLst>
               </p:cNvPr>
@@ -17867,7 +17947,7 @@
           <p:cNvPr id="5" name="그룹 4">
             <a:extLst>
               <a:ext uri="{FF2B5EF4-FFF2-40B4-BE49-F238E27FC236}">
-                <a16:creationId xmlns:a16="http://schemas.microsoft.com/office/drawing/2014/main" id="{786D6F89-7609-46CB-9276-C625B31E9F6F}"/>
+                <a16:creationId xmlns:a16="http://schemas.microsoft.com/office/drawing/2014/main" xmlns="" id="{786D6F89-7609-46CB-9276-C625B31E9F6F}"/>
               </a:ext>
             </a:extLst>
           </p:cNvPr>
@@ -18132,7 +18212,7 @@
           <p:cNvPr id="100" name="TextBox 99">
             <a:extLst>
               <a:ext uri="{FF2B5EF4-FFF2-40B4-BE49-F238E27FC236}">
-                <a16:creationId xmlns:a16="http://schemas.microsoft.com/office/drawing/2014/main" id="{4C985B30-1648-4D2C-9E07-A109CDA11FB3}"/>
+                <a16:creationId xmlns:a16="http://schemas.microsoft.com/office/drawing/2014/main" xmlns="" id="{4C985B30-1648-4D2C-9E07-A109CDA11FB3}"/>
               </a:ext>
             </a:extLst>
           </p:cNvPr>
@@ -18231,7 +18311,7 @@
           <p:cNvPr id="8" name="그룹 7">
             <a:extLst>
               <a:ext uri="{FF2B5EF4-FFF2-40B4-BE49-F238E27FC236}">
-                <a16:creationId xmlns:a16="http://schemas.microsoft.com/office/drawing/2014/main" id="{B0885073-D155-49C9-B84E-19330673EA8B}"/>
+                <a16:creationId xmlns:a16="http://schemas.microsoft.com/office/drawing/2014/main" xmlns="" id="{B0885073-D155-49C9-B84E-19330673EA8B}"/>
               </a:ext>
             </a:extLst>
           </p:cNvPr>
@@ -18251,7 +18331,7 @@
             <p:cNvPr id="227" name="모서리가 둥근 직사각형 190">
               <a:extLst>
                 <a:ext uri="{FF2B5EF4-FFF2-40B4-BE49-F238E27FC236}">
-                  <a16:creationId xmlns:a16="http://schemas.microsoft.com/office/drawing/2014/main" id="{B2D5CD09-AFA1-40D5-BC36-1E60B28857FF}"/>
+                  <a16:creationId xmlns:a16="http://schemas.microsoft.com/office/drawing/2014/main" xmlns="" id="{B2D5CD09-AFA1-40D5-BC36-1E60B28857FF}"/>
                 </a:ext>
               </a:extLst>
             </p:cNvPr>
@@ -18310,7 +18390,7 @@
             <p:cNvPr id="231" name="그룹 230">
               <a:extLst>
                 <a:ext uri="{FF2B5EF4-FFF2-40B4-BE49-F238E27FC236}">
-                  <a16:creationId xmlns:a16="http://schemas.microsoft.com/office/drawing/2014/main" id="{83D39491-BB62-49EF-A026-B6B37335C1A5}"/>
+                  <a16:creationId xmlns:a16="http://schemas.microsoft.com/office/drawing/2014/main" xmlns="" id="{83D39491-BB62-49EF-A026-B6B37335C1A5}"/>
                 </a:ext>
               </a:extLst>
             </p:cNvPr>
@@ -18330,7 +18410,7 @@
               <p:cNvPr id="232" name="그림 231">
                 <a:extLst>
                   <a:ext uri="{FF2B5EF4-FFF2-40B4-BE49-F238E27FC236}">
-                    <a16:creationId xmlns:a16="http://schemas.microsoft.com/office/drawing/2014/main" id="{F5539D4B-706D-4B6B-ADF7-4351CAFF95D9}"/>
+                    <a16:creationId xmlns:a16="http://schemas.microsoft.com/office/drawing/2014/main" xmlns="" id="{F5539D4B-706D-4B6B-ADF7-4351CAFF95D9}"/>
                   </a:ext>
                 </a:extLst>
               </p:cNvPr>
@@ -18366,7 +18446,7 @@
               <p:cNvPr id="233" name="TextBox 232">
                 <a:extLst>
                   <a:ext uri="{FF2B5EF4-FFF2-40B4-BE49-F238E27FC236}">
-                    <a16:creationId xmlns:a16="http://schemas.microsoft.com/office/drawing/2014/main" id="{EB57C0E6-FF5D-4894-854C-72B63B76E748}"/>
+                    <a16:creationId xmlns:a16="http://schemas.microsoft.com/office/drawing/2014/main" xmlns="" id="{EB57C0E6-FF5D-4894-854C-72B63B76E748}"/>
                   </a:ext>
                 </a:extLst>
               </p:cNvPr>
@@ -18459,7 +18539,7 @@
           <p:cNvPr id="234" name="그림 233">
             <a:extLst>
               <a:ext uri="{FF2B5EF4-FFF2-40B4-BE49-F238E27FC236}">
-                <a16:creationId xmlns:a16="http://schemas.microsoft.com/office/drawing/2014/main" id="{7F2B5CEB-6250-43E6-B815-AFA18CE0C985}"/>
+                <a16:creationId xmlns:a16="http://schemas.microsoft.com/office/drawing/2014/main" xmlns="" id="{7F2B5CEB-6250-43E6-B815-AFA18CE0C985}"/>
               </a:ext>
             </a:extLst>
           </p:cNvPr>
@@ -18525,7 +18605,7 @@
           <p:cNvPr id="235" name="그림 234">
             <a:extLst>
               <a:ext uri="{FF2B5EF4-FFF2-40B4-BE49-F238E27FC236}">
-                <a16:creationId xmlns:a16="http://schemas.microsoft.com/office/drawing/2014/main" id="{2D471085-C2DC-4AA6-8F63-DD5AD9D83F5B}"/>
+                <a16:creationId xmlns:a16="http://schemas.microsoft.com/office/drawing/2014/main" xmlns="" id="{2D471085-C2DC-4AA6-8F63-DD5AD9D83F5B}"/>
               </a:ext>
             </a:extLst>
           </p:cNvPr>
@@ -18561,7 +18641,7 @@
           <p:cNvPr id="236" name="그림 235">
             <a:extLst>
               <a:ext uri="{FF2B5EF4-FFF2-40B4-BE49-F238E27FC236}">
-                <a16:creationId xmlns:a16="http://schemas.microsoft.com/office/drawing/2014/main" id="{AE4AB145-D8CD-445E-A880-C591982719C0}"/>
+                <a16:creationId xmlns:a16="http://schemas.microsoft.com/office/drawing/2014/main" xmlns="" id="{AE4AB145-D8CD-445E-A880-C591982719C0}"/>
               </a:ext>
             </a:extLst>
           </p:cNvPr>
@@ -18597,7 +18677,7 @@
           <p:cNvPr id="237" name="그림 236">
             <a:extLst>
               <a:ext uri="{FF2B5EF4-FFF2-40B4-BE49-F238E27FC236}">
-                <a16:creationId xmlns:a16="http://schemas.microsoft.com/office/drawing/2014/main" id="{B7692533-EAFE-43EB-A366-20B53C102516}"/>
+                <a16:creationId xmlns:a16="http://schemas.microsoft.com/office/drawing/2014/main" xmlns="" id="{B7692533-EAFE-43EB-A366-20B53C102516}"/>
               </a:ext>
             </a:extLst>
           </p:cNvPr>
@@ -18633,7 +18713,7 @@
           <p:cNvPr id="238" name="그림 237">
             <a:extLst>
               <a:ext uri="{FF2B5EF4-FFF2-40B4-BE49-F238E27FC236}">
-                <a16:creationId xmlns:a16="http://schemas.microsoft.com/office/drawing/2014/main" id="{3D70F025-2525-42DA-87C1-E7C8671133B5}"/>
+                <a16:creationId xmlns:a16="http://schemas.microsoft.com/office/drawing/2014/main" xmlns="" id="{3D70F025-2525-42DA-87C1-E7C8671133B5}"/>
               </a:ext>
             </a:extLst>
           </p:cNvPr>
@@ -18669,7 +18749,7 @@
           <p:cNvPr id="239" name="그림 238">
             <a:extLst>
               <a:ext uri="{FF2B5EF4-FFF2-40B4-BE49-F238E27FC236}">
-                <a16:creationId xmlns:a16="http://schemas.microsoft.com/office/drawing/2014/main" id="{3FB8A678-5983-42EA-A05A-8E8CEAB4332A}"/>
+                <a16:creationId xmlns:a16="http://schemas.microsoft.com/office/drawing/2014/main" xmlns="" id="{3FB8A678-5983-42EA-A05A-8E8CEAB4332A}"/>
               </a:ext>
             </a:extLst>
           </p:cNvPr>
@@ -18705,7 +18785,7 @@
           <p:cNvPr id="240" name="그림 239">
             <a:extLst>
               <a:ext uri="{FF2B5EF4-FFF2-40B4-BE49-F238E27FC236}">
-                <a16:creationId xmlns:a16="http://schemas.microsoft.com/office/drawing/2014/main" id="{336D644D-D856-4D07-9E92-EBCBE6363BAC}"/>
+                <a16:creationId xmlns:a16="http://schemas.microsoft.com/office/drawing/2014/main" xmlns="" id="{336D644D-D856-4D07-9E92-EBCBE6363BAC}"/>
               </a:ext>
             </a:extLst>
           </p:cNvPr>
@@ -18741,7 +18821,7 @@
           <p:cNvPr id="10" name="그림 9">
             <a:extLst>
               <a:ext uri="{FF2B5EF4-FFF2-40B4-BE49-F238E27FC236}">
-                <a16:creationId xmlns:a16="http://schemas.microsoft.com/office/drawing/2014/main" id="{F702CAD8-37CB-496F-8071-A737C58CE8F5}"/>
+                <a16:creationId xmlns:a16="http://schemas.microsoft.com/office/drawing/2014/main" xmlns="" id="{F702CAD8-37CB-496F-8071-A737C58CE8F5}"/>
               </a:ext>
             </a:extLst>
           </p:cNvPr>
@@ -18777,7 +18857,7 @@
           <p:cNvPr id="59" name="그림 58">
             <a:extLst>
               <a:ext uri="{FF2B5EF4-FFF2-40B4-BE49-F238E27FC236}">
-                <a16:creationId xmlns:a16="http://schemas.microsoft.com/office/drawing/2014/main" id="{EA2C4AAD-5432-47B0-8DC4-FF8FBDB4BE7B}"/>
+                <a16:creationId xmlns:a16="http://schemas.microsoft.com/office/drawing/2014/main" xmlns="" id="{EA2C4AAD-5432-47B0-8DC4-FF8FBDB4BE7B}"/>
               </a:ext>
             </a:extLst>
           </p:cNvPr>
@@ -18813,7 +18893,7 @@
           <p:cNvPr id="61" name="그림 60">
             <a:extLst>
               <a:ext uri="{FF2B5EF4-FFF2-40B4-BE49-F238E27FC236}">
-                <a16:creationId xmlns:a16="http://schemas.microsoft.com/office/drawing/2014/main" id="{EA23738D-ED12-466B-91C3-E177717D7A23}"/>
+                <a16:creationId xmlns:a16="http://schemas.microsoft.com/office/drawing/2014/main" xmlns="" id="{EA23738D-ED12-466B-91C3-E177717D7A23}"/>
               </a:ext>
             </a:extLst>
           </p:cNvPr>
@@ -18849,7 +18929,7 @@
           <p:cNvPr id="63" name="그림 62">
             <a:extLst>
               <a:ext uri="{FF2B5EF4-FFF2-40B4-BE49-F238E27FC236}">
-                <a16:creationId xmlns:a16="http://schemas.microsoft.com/office/drawing/2014/main" id="{C4A5BEF0-E784-4D82-83C9-4D98A8CC21C3}"/>
+                <a16:creationId xmlns:a16="http://schemas.microsoft.com/office/drawing/2014/main" xmlns="" id="{C4A5BEF0-E784-4D82-83C9-4D98A8CC21C3}"/>
               </a:ext>
             </a:extLst>
           </p:cNvPr>
@@ -18885,7 +18965,7 @@
           <p:cNvPr id="241" name="그림 240">
             <a:extLst>
               <a:ext uri="{FF2B5EF4-FFF2-40B4-BE49-F238E27FC236}">
-                <a16:creationId xmlns:a16="http://schemas.microsoft.com/office/drawing/2014/main" id="{D1DCD6D6-5EC7-4487-AD5F-DC9155A89431}"/>
+                <a16:creationId xmlns:a16="http://schemas.microsoft.com/office/drawing/2014/main" xmlns="" id="{D1DCD6D6-5EC7-4487-AD5F-DC9155A89431}"/>
               </a:ext>
             </a:extLst>
           </p:cNvPr>
@@ -18921,7 +19001,7 @@
           <p:cNvPr id="242" name="그림 241">
             <a:extLst>
               <a:ext uri="{FF2B5EF4-FFF2-40B4-BE49-F238E27FC236}">
-                <a16:creationId xmlns:a16="http://schemas.microsoft.com/office/drawing/2014/main" id="{99DBD122-7723-408D-8C79-D3942D2BDE68}"/>
+                <a16:creationId xmlns:a16="http://schemas.microsoft.com/office/drawing/2014/main" xmlns="" id="{99DBD122-7723-408D-8C79-D3942D2BDE68}"/>
               </a:ext>
             </a:extLst>
           </p:cNvPr>
@@ -18957,7 +19037,7 @@
           <p:cNvPr id="117" name="직사각형 116">
             <a:extLst>
               <a:ext uri="{FF2B5EF4-FFF2-40B4-BE49-F238E27FC236}">
-                <a16:creationId xmlns:a16="http://schemas.microsoft.com/office/drawing/2014/main" id="{66066C27-2597-428E-8B1A-90294484F9E9}"/>
+                <a16:creationId xmlns:a16="http://schemas.microsoft.com/office/drawing/2014/main" xmlns="" id="{66066C27-2597-428E-8B1A-90294484F9E9}"/>
               </a:ext>
             </a:extLst>
           </p:cNvPr>
@@ -19017,7 +19097,7 @@
           <p:cNvPr id="118" name="직사각형 117">
             <a:extLst>
               <a:ext uri="{FF2B5EF4-FFF2-40B4-BE49-F238E27FC236}">
-                <a16:creationId xmlns:a16="http://schemas.microsoft.com/office/drawing/2014/main" id="{1A587B75-8F3D-487A-9E89-9BB3400D788D}"/>
+                <a16:creationId xmlns:a16="http://schemas.microsoft.com/office/drawing/2014/main" xmlns="" id="{1A587B75-8F3D-487A-9E89-9BB3400D788D}"/>
               </a:ext>
             </a:extLst>
           </p:cNvPr>
@@ -19075,7 +19155,7 @@
           <p:cNvPr id="119" name="직사각형 118">
             <a:extLst>
               <a:ext uri="{FF2B5EF4-FFF2-40B4-BE49-F238E27FC236}">
-                <a16:creationId xmlns:a16="http://schemas.microsoft.com/office/drawing/2014/main" id="{42C03545-C04F-4562-A705-0D0029D2677A}"/>
+                <a16:creationId xmlns:a16="http://schemas.microsoft.com/office/drawing/2014/main" xmlns="" id="{42C03545-C04F-4562-A705-0D0029D2677A}"/>
               </a:ext>
             </a:extLst>
           </p:cNvPr>
@@ -19133,7 +19213,7 @@
           <p:cNvPr id="120" name="직사각형 119">
             <a:extLst>
               <a:ext uri="{FF2B5EF4-FFF2-40B4-BE49-F238E27FC236}">
-                <a16:creationId xmlns:a16="http://schemas.microsoft.com/office/drawing/2014/main" id="{FC48B3C5-18DC-4C6D-BB54-EF420860A35D}"/>
+                <a16:creationId xmlns:a16="http://schemas.microsoft.com/office/drawing/2014/main" xmlns="" id="{FC48B3C5-18DC-4C6D-BB54-EF420860A35D}"/>
               </a:ext>
             </a:extLst>
           </p:cNvPr>
@@ -19209,7 +19289,7 @@
           <p:cNvPr id="121" name="직사각형 120">
             <a:extLst>
               <a:ext uri="{FF2B5EF4-FFF2-40B4-BE49-F238E27FC236}">
-                <a16:creationId xmlns:a16="http://schemas.microsoft.com/office/drawing/2014/main" id="{4EBFD4A7-0DB8-48A4-A227-01103F5FB31B}"/>
+                <a16:creationId xmlns:a16="http://schemas.microsoft.com/office/drawing/2014/main" xmlns="" id="{4EBFD4A7-0DB8-48A4-A227-01103F5FB31B}"/>
               </a:ext>
             </a:extLst>
           </p:cNvPr>
@@ -19288,7 +19368,7 @@
           <p:cNvPr id="122" name="그룹 121">
             <a:extLst>
               <a:ext uri="{FF2B5EF4-FFF2-40B4-BE49-F238E27FC236}">
-                <a16:creationId xmlns:a16="http://schemas.microsoft.com/office/drawing/2014/main" id="{0E97EDF1-AB8E-4798-916E-E0635840EF36}"/>
+                <a16:creationId xmlns:a16="http://schemas.microsoft.com/office/drawing/2014/main" xmlns="" id="{0E97EDF1-AB8E-4798-916E-E0635840EF36}"/>
               </a:ext>
             </a:extLst>
           </p:cNvPr>
@@ -19308,7 +19388,7 @@
             <p:cNvPr id="123" name="사각형: 잘린 대각선 방향 모서리 122">
               <a:extLst>
                 <a:ext uri="{FF2B5EF4-FFF2-40B4-BE49-F238E27FC236}">
-                  <a16:creationId xmlns:a16="http://schemas.microsoft.com/office/drawing/2014/main" id="{DBCAF36A-7D97-410A-9F5A-0DD1044E3D71}"/>
+                  <a16:creationId xmlns:a16="http://schemas.microsoft.com/office/drawing/2014/main" xmlns="" id="{DBCAF36A-7D97-410A-9F5A-0DD1044E3D71}"/>
                 </a:ext>
               </a:extLst>
             </p:cNvPr>
@@ -19376,7 +19456,7 @@
             <p:cNvPr id="124" name="사각형: 둥근 모서리 123">
               <a:extLst>
                 <a:ext uri="{FF2B5EF4-FFF2-40B4-BE49-F238E27FC236}">
-                  <a16:creationId xmlns:a16="http://schemas.microsoft.com/office/drawing/2014/main" id="{3E3A4BAA-669D-4E20-851B-2263880780C9}"/>
+                  <a16:creationId xmlns:a16="http://schemas.microsoft.com/office/drawing/2014/main" xmlns="" id="{3E3A4BAA-669D-4E20-851B-2263880780C9}"/>
                 </a:ext>
               </a:extLst>
             </p:cNvPr>
@@ -19454,7 +19534,7 @@
             <p:cNvPr id="125" name="사각형: 둥근 모서리 124">
               <a:extLst>
                 <a:ext uri="{FF2B5EF4-FFF2-40B4-BE49-F238E27FC236}">
-                  <a16:creationId xmlns:a16="http://schemas.microsoft.com/office/drawing/2014/main" id="{5DB0AC45-B348-4818-B311-F6C14DF53707}"/>
+                  <a16:creationId xmlns:a16="http://schemas.microsoft.com/office/drawing/2014/main" xmlns="" id="{5DB0AC45-B348-4818-B311-F6C14DF53707}"/>
                 </a:ext>
               </a:extLst>
             </p:cNvPr>
@@ -19533,7 +19613,7 @@
           <p:cNvPr id="126" name="직사각형 125">
             <a:extLst>
               <a:ext uri="{FF2B5EF4-FFF2-40B4-BE49-F238E27FC236}">
-                <a16:creationId xmlns:a16="http://schemas.microsoft.com/office/drawing/2014/main" id="{CED8B157-7343-4041-B08A-669761946990}"/>
+                <a16:creationId xmlns:a16="http://schemas.microsoft.com/office/drawing/2014/main" xmlns="" id="{CED8B157-7343-4041-B08A-669761946990}"/>
               </a:ext>
             </a:extLst>
           </p:cNvPr>
@@ -19653,7 +19733,7 @@
           <p:cNvPr id="127" name="그룹 126">
             <a:extLst>
               <a:ext uri="{FF2B5EF4-FFF2-40B4-BE49-F238E27FC236}">
-                <a16:creationId xmlns:a16="http://schemas.microsoft.com/office/drawing/2014/main" id="{FC97418D-6D5A-4A49-AC25-EAED8F5ECB76}"/>
+                <a16:creationId xmlns:a16="http://schemas.microsoft.com/office/drawing/2014/main" xmlns="" id="{FC97418D-6D5A-4A49-AC25-EAED8F5ECB76}"/>
               </a:ext>
             </a:extLst>
           </p:cNvPr>
@@ -19673,7 +19753,7 @@
             <p:cNvPr id="128" name="사각형: 잘린 대각선 방향 모서리 127">
               <a:extLst>
                 <a:ext uri="{FF2B5EF4-FFF2-40B4-BE49-F238E27FC236}">
-                  <a16:creationId xmlns:a16="http://schemas.microsoft.com/office/drawing/2014/main" id="{17D11537-2E6D-403B-9B9E-EB6BCBEB06EC}"/>
+                  <a16:creationId xmlns:a16="http://schemas.microsoft.com/office/drawing/2014/main" xmlns="" id="{17D11537-2E6D-403B-9B9E-EB6BCBEB06EC}"/>
                 </a:ext>
               </a:extLst>
             </p:cNvPr>
@@ -19741,7 +19821,7 @@
             <p:cNvPr id="129" name="사각형: 둥근 모서리 128">
               <a:extLst>
                 <a:ext uri="{FF2B5EF4-FFF2-40B4-BE49-F238E27FC236}">
-                  <a16:creationId xmlns:a16="http://schemas.microsoft.com/office/drawing/2014/main" id="{110894F8-4BA4-4515-9648-7C185753D33E}"/>
+                  <a16:creationId xmlns:a16="http://schemas.microsoft.com/office/drawing/2014/main" xmlns="" id="{110894F8-4BA4-4515-9648-7C185753D33E}"/>
                 </a:ext>
               </a:extLst>
             </p:cNvPr>
@@ -19819,7 +19899,7 @@
             <p:cNvPr id="130" name="사각형: 둥근 모서리 129">
               <a:extLst>
                 <a:ext uri="{FF2B5EF4-FFF2-40B4-BE49-F238E27FC236}">
-                  <a16:creationId xmlns:a16="http://schemas.microsoft.com/office/drawing/2014/main" id="{02D28CAC-5077-48AF-8A48-2BB4C18A4489}"/>
+                  <a16:creationId xmlns:a16="http://schemas.microsoft.com/office/drawing/2014/main" xmlns="" id="{02D28CAC-5077-48AF-8A48-2BB4C18A4489}"/>
                 </a:ext>
               </a:extLst>
             </p:cNvPr>
@@ -19897,7 +19977,7 @@
             <p:cNvPr id="131" name="사각형: 둥근 모서리 130">
               <a:extLst>
                 <a:ext uri="{FF2B5EF4-FFF2-40B4-BE49-F238E27FC236}">
-                  <a16:creationId xmlns:a16="http://schemas.microsoft.com/office/drawing/2014/main" id="{C9402771-E84B-4080-9530-80E2F412515A}"/>
+                  <a16:creationId xmlns:a16="http://schemas.microsoft.com/office/drawing/2014/main" xmlns="" id="{C9402771-E84B-4080-9530-80E2F412515A}"/>
                 </a:ext>
               </a:extLst>
             </p:cNvPr>
@@ -19975,7 +20055,7 @@
             <p:cNvPr id="132" name="사각형: 둥근 모서리 131">
               <a:extLst>
                 <a:ext uri="{FF2B5EF4-FFF2-40B4-BE49-F238E27FC236}">
-                  <a16:creationId xmlns:a16="http://schemas.microsoft.com/office/drawing/2014/main" id="{813B1CAC-4AD5-4699-B087-DF1952E692F0}"/>
+                  <a16:creationId xmlns:a16="http://schemas.microsoft.com/office/drawing/2014/main" xmlns="" id="{813B1CAC-4AD5-4699-B087-DF1952E692F0}"/>
                 </a:ext>
               </a:extLst>
             </p:cNvPr>
@@ -20054,7 +20134,7 @@
           <p:cNvPr id="133" name="그룹 132">
             <a:extLst>
               <a:ext uri="{FF2B5EF4-FFF2-40B4-BE49-F238E27FC236}">
-                <a16:creationId xmlns:a16="http://schemas.microsoft.com/office/drawing/2014/main" id="{A4D3DB8C-8382-49A1-B08F-A85731DD792B}"/>
+                <a16:creationId xmlns:a16="http://schemas.microsoft.com/office/drawing/2014/main" xmlns="" id="{A4D3DB8C-8382-49A1-B08F-A85731DD792B}"/>
               </a:ext>
             </a:extLst>
           </p:cNvPr>
@@ -20074,7 +20154,7 @@
             <p:cNvPr id="134" name="사각형: 잘린 대각선 방향 모서리 133">
               <a:extLst>
                 <a:ext uri="{FF2B5EF4-FFF2-40B4-BE49-F238E27FC236}">
-                  <a16:creationId xmlns:a16="http://schemas.microsoft.com/office/drawing/2014/main" id="{B41F4331-28E4-48C9-AD9C-085FA8A8D479}"/>
+                  <a16:creationId xmlns:a16="http://schemas.microsoft.com/office/drawing/2014/main" xmlns="" id="{B41F4331-28E4-48C9-AD9C-085FA8A8D479}"/>
                 </a:ext>
               </a:extLst>
             </p:cNvPr>
@@ -20142,7 +20222,7 @@
             <p:cNvPr id="135" name="사각형: 둥근 모서리 134">
               <a:extLst>
                 <a:ext uri="{FF2B5EF4-FFF2-40B4-BE49-F238E27FC236}">
-                  <a16:creationId xmlns:a16="http://schemas.microsoft.com/office/drawing/2014/main" id="{B573DB93-4801-40A0-AE17-03F1B76C7B05}"/>
+                  <a16:creationId xmlns:a16="http://schemas.microsoft.com/office/drawing/2014/main" xmlns="" id="{B573DB93-4801-40A0-AE17-03F1B76C7B05}"/>
                 </a:ext>
               </a:extLst>
             </p:cNvPr>
@@ -20220,7 +20300,7 @@
             <p:cNvPr id="136" name="사각형: 둥근 모서리 135">
               <a:extLst>
                 <a:ext uri="{FF2B5EF4-FFF2-40B4-BE49-F238E27FC236}">
-                  <a16:creationId xmlns:a16="http://schemas.microsoft.com/office/drawing/2014/main" id="{8B67FB1F-38DD-4D8F-B7CA-46B91D34E1C5}"/>
+                  <a16:creationId xmlns:a16="http://schemas.microsoft.com/office/drawing/2014/main" xmlns="" id="{8B67FB1F-38DD-4D8F-B7CA-46B91D34E1C5}"/>
                 </a:ext>
               </a:extLst>
             </p:cNvPr>
@@ -20299,7 +20379,7 @@
           <p:cNvPr id="137" name="그룹 136">
             <a:extLst>
               <a:ext uri="{FF2B5EF4-FFF2-40B4-BE49-F238E27FC236}">
-                <a16:creationId xmlns:a16="http://schemas.microsoft.com/office/drawing/2014/main" id="{078FF872-6983-44D2-817C-44112D736D92}"/>
+                <a16:creationId xmlns:a16="http://schemas.microsoft.com/office/drawing/2014/main" xmlns="" id="{078FF872-6983-44D2-817C-44112D736D92}"/>
               </a:ext>
             </a:extLst>
           </p:cNvPr>
@@ -20319,7 +20399,7 @@
             <p:cNvPr id="199" name="사각형: 잘린 대각선 방향 모서리 198">
               <a:extLst>
                 <a:ext uri="{FF2B5EF4-FFF2-40B4-BE49-F238E27FC236}">
-                  <a16:creationId xmlns:a16="http://schemas.microsoft.com/office/drawing/2014/main" id="{089D1A16-D0DC-4030-AB89-0E4967D7D9A9}"/>
+                  <a16:creationId xmlns:a16="http://schemas.microsoft.com/office/drawing/2014/main" xmlns="" id="{089D1A16-D0DC-4030-AB89-0E4967D7D9A9}"/>
                 </a:ext>
               </a:extLst>
             </p:cNvPr>
@@ -20387,7 +20467,7 @@
             <p:cNvPr id="204" name="사각형: 둥근 모서리 203">
               <a:extLst>
                 <a:ext uri="{FF2B5EF4-FFF2-40B4-BE49-F238E27FC236}">
-                  <a16:creationId xmlns:a16="http://schemas.microsoft.com/office/drawing/2014/main" id="{7E383356-9EBC-4E7A-A5E5-E2E4A0D8252A}"/>
+                  <a16:creationId xmlns:a16="http://schemas.microsoft.com/office/drawing/2014/main" xmlns="" id="{7E383356-9EBC-4E7A-A5E5-E2E4A0D8252A}"/>
                 </a:ext>
               </a:extLst>
             </p:cNvPr>
@@ -20465,7 +20545,7 @@
             <p:cNvPr id="205" name="사각형: 둥근 모서리 204">
               <a:extLst>
                 <a:ext uri="{FF2B5EF4-FFF2-40B4-BE49-F238E27FC236}">
-                  <a16:creationId xmlns:a16="http://schemas.microsoft.com/office/drawing/2014/main" id="{36EE910F-F036-4104-8200-3668C19924F7}"/>
+                  <a16:creationId xmlns:a16="http://schemas.microsoft.com/office/drawing/2014/main" xmlns="" id="{36EE910F-F036-4104-8200-3668C19924F7}"/>
                 </a:ext>
               </a:extLst>
             </p:cNvPr>
@@ -20543,7 +20623,7 @@
             <p:cNvPr id="206" name="사각형: 둥근 모서리 205">
               <a:extLst>
                 <a:ext uri="{FF2B5EF4-FFF2-40B4-BE49-F238E27FC236}">
-                  <a16:creationId xmlns:a16="http://schemas.microsoft.com/office/drawing/2014/main" id="{6E9798C2-00ED-4975-ACDC-5468B453AACF}"/>
+                  <a16:creationId xmlns:a16="http://schemas.microsoft.com/office/drawing/2014/main" xmlns="" id="{6E9798C2-00ED-4975-ACDC-5468B453AACF}"/>
                 </a:ext>
               </a:extLst>
             </p:cNvPr>
@@ -20621,7 +20701,7 @@
             <p:cNvPr id="226" name="사각형: 둥근 모서리 225">
               <a:extLst>
                 <a:ext uri="{FF2B5EF4-FFF2-40B4-BE49-F238E27FC236}">
-                  <a16:creationId xmlns:a16="http://schemas.microsoft.com/office/drawing/2014/main" id="{6668EFC6-CE1E-4781-BA88-E42B10CC605C}"/>
+                  <a16:creationId xmlns:a16="http://schemas.microsoft.com/office/drawing/2014/main" xmlns="" id="{6668EFC6-CE1E-4781-BA88-E42B10CC605C}"/>
                 </a:ext>
               </a:extLst>
             </p:cNvPr>
@@ -20700,7 +20780,7 @@
           <p:cNvPr id="228" name="그룹 227">
             <a:extLst>
               <a:ext uri="{FF2B5EF4-FFF2-40B4-BE49-F238E27FC236}">
-                <a16:creationId xmlns:a16="http://schemas.microsoft.com/office/drawing/2014/main" id="{8505DD0C-0F69-46A9-BE91-1111B0D9C9BB}"/>
+                <a16:creationId xmlns:a16="http://schemas.microsoft.com/office/drawing/2014/main" xmlns="" id="{8505DD0C-0F69-46A9-BE91-1111B0D9C9BB}"/>
               </a:ext>
             </a:extLst>
           </p:cNvPr>
@@ -20720,7 +20800,7 @@
             <p:cNvPr id="229" name="사각형: 잘린 대각선 방향 모서리 228">
               <a:extLst>
                 <a:ext uri="{FF2B5EF4-FFF2-40B4-BE49-F238E27FC236}">
-                  <a16:creationId xmlns:a16="http://schemas.microsoft.com/office/drawing/2014/main" id="{DE02A86C-739B-434B-8EAF-2A2A95C731FF}"/>
+                  <a16:creationId xmlns:a16="http://schemas.microsoft.com/office/drawing/2014/main" xmlns="" id="{DE02A86C-739B-434B-8EAF-2A2A95C731FF}"/>
                 </a:ext>
               </a:extLst>
             </p:cNvPr>
@@ -20788,7 +20868,7 @@
             <p:cNvPr id="230" name="사각형: 둥근 모서리 229">
               <a:extLst>
                 <a:ext uri="{FF2B5EF4-FFF2-40B4-BE49-F238E27FC236}">
-                  <a16:creationId xmlns:a16="http://schemas.microsoft.com/office/drawing/2014/main" id="{DE79CB5F-4DFF-4C41-928C-E4BF6D00D6BC}"/>
+                  <a16:creationId xmlns:a16="http://schemas.microsoft.com/office/drawing/2014/main" xmlns="" id="{DE79CB5F-4DFF-4C41-928C-E4BF6D00D6BC}"/>
                 </a:ext>
               </a:extLst>
             </p:cNvPr>
@@ -20866,7 +20946,7 @@
             <p:cNvPr id="243" name="사각형: 둥근 모서리 242">
               <a:extLst>
                 <a:ext uri="{FF2B5EF4-FFF2-40B4-BE49-F238E27FC236}">
-                  <a16:creationId xmlns:a16="http://schemas.microsoft.com/office/drawing/2014/main" id="{6CB565B0-0061-4367-9681-4C9BB07E44CD}"/>
+                  <a16:creationId xmlns:a16="http://schemas.microsoft.com/office/drawing/2014/main" xmlns="" id="{6CB565B0-0061-4367-9681-4C9BB07E44CD}"/>
                 </a:ext>
               </a:extLst>
             </p:cNvPr>
@@ -20945,7 +21025,7 @@
           <p:cNvPr id="244" name="그룹 243">
             <a:extLst>
               <a:ext uri="{FF2B5EF4-FFF2-40B4-BE49-F238E27FC236}">
-                <a16:creationId xmlns:a16="http://schemas.microsoft.com/office/drawing/2014/main" id="{D6F61973-8000-4976-8D64-23E7DCCF1946}"/>
+                <a16:creationId xmlns:a16="http://schemas.microsoft.com/office/drawing/2014/main" xmlns="" id="{D6F61973-8000-4976-8D64-23E7DCCF1946}"/>
               </a:ext>
             </a:extLst>
           </p:cNvPr>
@@ -20965,7 +21045,7 @@
             <p:cNvPr id="245" name="사각형: 잘린 대각선 방향 모서리 244">
               <a:extLst>
                 <a:ext uri="{FF2B5EF4-FFF2-40B4-BE49-F238E27FC236}">
-                  <a16:creationId xmlns:a16="http://schemas.microsoft.com/office/drawing/2014/main" id="{AE5E5598-6DCE-42AC-A611-9A98C6C85C5B}"/>
+                  <a16:creationId xmlns:a16="http://schemas.microsoft.com/office/drawing/2014/main" xmlns="" id="{AE5E5598-6DCE-42AC-A611-9A98C6C85C5B}"/>
                 </a:ext>
               </a:extLst>
             </p:cNvPr>
@@ -21033,7 +21113,7 @@
             <p:cNvPr id="246" name="사각형: 둥근 모서리 245">
               <a:extLst>
                 <a:ext uri="{FF2B5EF4-FFF2-40B4-BE49-F238E27FC236}">
-                  <a16:creationId xmlns:a16="http://schemas.microsoft.com/office/drawing/2014/main" id="{FC088660-8C9C-48C6-B6F4-22341DB70746}"/>
+                  <a16:creationId xmlns:a16="http://schemas.microsoft.com/office/drawing/2014/main" xmlns="" id="{FC088660-8C9C-48C6-B6F4-22341DB70746}"/>
                 </a:ext>
               </a:extLst>
             </p:cNvPr>
@@ -21111,7 +21191,7 @@
             <p:cNvPr id="247" name="사각형: 둥근 모서리 246">
               <a:extLst>
                 <a:ext uri="{FF2B5EF4-FFF2-40B4-BE49-F238E27FC236}">
-                  <a16:creationId xmlns:a16="http://schemas.microsoft.com/office/drawing/2014/main" id="{455875BD-EB75-4C3B-917C-5490C3BA2154}"/>
+                  <a16:creationId xmlns:a16="http://schemas.microsoft.com/office/drawing/2014/main" xmlns="" id="{455875BD-EB75-4C3B-917C-5490C3BA2154}"/>
                 </a:ext>
               </a:extLst>
             </p:cNvPr>
@@ -21189,7 +21269,7 @@
             <p:cNvPr id="248" name="사각형: 둥근 모서리 247">
               <a:extLst>
                 <a:ext uri="{FF2B5EF4-FFF2-40B4-BE49-F238E27FC236}">
-                  <a16:creationId xmlns:a16="http://schemas.microsoft.com/office/drawing/2014/main" id="{C5EFDCFB-D458-4C8C-9CBB-47840DC061B8}"/>
+                  <a16:creationId xmlns:a16="http://schemas.microsoft.com/office/drawing/2014/main" xmlns="" id="{C5EFDCFB-D458-4C8C-9CBB-47840DC061B8}"/>
                 </a:ext>
               </a:extLst>
             </p:cNvPr>
@@ -21267,7 +21347,7 @@
             <p:cNvPr id="249" name="사각형: 둥근 모서리 248">
               <a:extLst>
                 <a:ext uri="{FF2B5EF4-FFF2-40B4-BE49-F238E27FC236}">
-                  <a16:creationId xmlns:a16="http://schemas.microsoft.com/office/drawing/2014/main" id="{1E94ED67-13DE-446B-A354-4C4D67EC7D6E}"/>
+                  <a16:creationId xmlns:a16="http://schemas.microsoft.com/office/drawing/2014/main" xmlns="" id="{1E94ED67-13DE-446B-A354-4C4D67EC7D6E}"/>
                 </a:ext>
               </a:extLst>
             </p:cNvPr>
@@ -21346,7 +21426,7 @@
           <p:cNvPr id="250" name="그룹 249">
             <a:extLst>
               <a:ext uri="{FF2B5EF4-FFF2-40B4-BE49-F238E27FC236}">
-                <a16:creationId xmlns:a16="http://schemas.microsoft.com/office/drawing/2014/main" id="{FE5E2B8F-DA73-474A-935D-2375BA4CC72E}"/>
+                <a16:creationId xmlns:a16="http://schemas.microsoft.com/office/drawing/2014/main" xmlns="" id="{FE5E2B8F-DA73-474A-935D-2375BA4CC72E}"/>
               </a:ext>
             </a:extLst>
           </p:cNvPr>
@@ -21366,7 +21446,7 @@
             <p:cNvPr id="251" name="사각형: 잘린 대각선 방향 모서리 250">
               <a:extLst>
                 <a:ext uri="{FF2B5EF4-FFF2-40B4-BE49-F238E27FC236}">
-                  <a16:creationId xmlns:a16="http://schemas.microsoft.com/office/drawing/2014/main" id="{A85FEED9-87AD-4DCD-96E2-98355965D2E4}"/>
+                  <a16:creationId xmlns:a16="http://schemas.microsoft.com/office/drawing/2014/main" xmlns="" id="{A85FEED9-87AD-4DCD-96E2-98355965D2E4}"/>
                 </a:ext>
               </a:extLst>
             </p:cNvPr>
@@ -21434,7 +21514,7 @@
             <p:cNvPr id="252" name="사각형: 둥근 모서리 251">
               <a:extLst>
                 <a:ext uri="{FF2B5EF4-FFF2-40B4-BE49-F238E27FC236}">
-                  <a16:creationId xmlns:a16="http://schemas.microsoft.com/office/drawing/2014/main" id="{FB764CF5-908E-4C06-8ADB-108F1DC84FAC}"/>
+                  <a16:creationId xmlns:a16="http://schemas.microsoft.com/office/drawing/2014/main" xmlns="" id="{FB764CF5-908E-4C06-8ADB-108F1DC84FAC}"/>
                 </a:ext>
               </a:extLst>
             </p:cNvPr>
@@ -21512,7 +21592,7 @@
             <p:cNvPr id="253" name="사각형: 둥근 모서리 252">
               <a:extLst>
                 <a:ext uri="{FF2B5EF4-FFF2-40B4-BE49-F238E27FC236}">
-                  <a16:creationId xmlns:a16="http://schemas.microsoft.com/office/drawing/2014/main" id="{FF2D2C82-1C83-41BF-AE31-FCC6B9CFB605}"/>
+                  <a16:creationId xmlns:a16="http://schemas.microsoft.com/office/drawing/2014/main" xmlns="" id="{FF2D2C82-1C83-41BF-AE31-FCC6B9CFB605}"/>
                 </a:ext>
               </a:extLst>
             </p:cNvPr>
@@ -21579,7 +21659,7 @@
             <p:cNvPr id="254" name="사각형: 둥근 모서리 253">
               <a:extLst>
                 <a:ext uri="{FF2B5EF4-FFF2-40B4-BE49-F238E27FC236}">
-                  <a16:creationId xmlns:a16="http://schemas.microsoft.com/office/drawing/2014/main" id="{A0CDD9E4-7E6E-4C46-A210-B8F3899382FC}"/>
+                  <a16:creationId xmlns:a16="http://schemas.microsoft.com/office/drawing/2014/main" xmlns="" id="{A0CDD9E4-7E6E-4C46-A210-B8F3899382FC}"/>
                 </a:ext>
               </a:extLst>
             </p:cNvPr>
@@ -21657,7 +21737,7 @@
             <p:cNvPr id="255" name="사각형: 둥근 모서리 254">
               <a:extLst>
                 <a:ext uri="{FF2B5EF4-FFF2-40B4-BE49-F238E27FC236}">
-                  <a16:creationId xmlns:a16="http://schemas.microsoft.com/office/drawing/2014/main" id="{20184DD3-16C5-4BA7-92CC-6A06C1AB412F}"/>
+                  <a16:creationId xmlns:a16="http://schemas.microsoft.com/office/drawing/2014/main" xmlns="" id="{20184DD3-16C5-4BA7-92CC-6A06C1AB412F}"/>
                 </a:ext>
               </a:extLst>
             </p:cNvPr>
@@ -21736,7 +21816,7 @@
           <p:cNvPr id="256" name="그룹 255">
             <a:extLst>
               <a:ext uri="{FF2B5EF4-FFF2-40B4-BE49-F238E27FC236}">
-                <a16:creationId xmlns:a16="http://schemas.microsoft.com/office/drawing/2014/main" id="{BC3E3C84-77E1-4B22-8853-A524C26D9A9F}"/>
+                <a16:creationId xmlns:a16="http://schemas.microsoft.com/office/drawing/2014/main" xmlns="" id="{BC3E3C84-77E1-4B22-8853-A524C26D9A9F}"/>
               </a:ext>
             </a:extLst>
           </p:cNvPr>
@@ -21756,7 +21836,7 @@
             <p:cNvPr id="257" name="사각형: 잘린 대각선 방향 모서리 256">
               <a:extLst>
                 <a:ext uri="{FF2B5EF4-FFF2-40B4-BE49-F238E27FC236}">
-                  <a16:creationId xmlns:a16="http://schemas.microsoft.com/office/drawing/2014/main" id="{C29224B0-C3E6-47B3-80D5-CDE32D553107}"/>
+                  <a16:creationId xmlns:a16="http://schemas.microsoft.com/office/drawing/2014/main" xmlns="" id="{C29224B0-C3E6-47B3-80D5-CDE32D553107}"/>
                 </a:ext>
               </a:extLst>
             </p:cNvPr>
@@ -21846,7 +21926,7 @@
             <p:cNvPr id="258" name="사각형: 둥근 모서리 257">
               <a:extLst>
                 <a:ext uri="{FF2B5EF4-FFF2-40B4-BE49-F238E27FC236}">
-                  <a16:creationId xmlns:a16="http://schemas.microsoft.com/office/drawing/2014/main" id="{16C83A78-4AF9-436C-BA23-12F31FF1459E}"/>
+                  <a16:creationId xmlns:a16="http://schemas.microsoft.com/office/drawing/2014/main" xmlns="" id="{16C83A78-4AF9-436C-BA23-12F31FF1459E}"/>
                 </a:ext>
               </a:extLst>
             </p:cNvPr>
@@ -21925,7 +22005,7 @@
           <p:cNvPr id="259" name="그룹 258">
             <a:extLst>
               <a:ext uri="{FF2B5EF4-FFF2-40B4-BE49-F238E27FC236}">
-                <a16:creationId xmlns:a16="http://schemas.microsoft.com/office/drawing/2014/main" id="{87F9B220-D962-4790-B38F-C538A8FB3F08}"/>
+                <a16:creationId xmlns:a16="http://schemas.microsoft.com/office/drawing/2014/main" xmlns="" id="{87F9B220-D962-4790-B38F-C538A8FB3F08}"/>
               </a:ext>
             </a:extLst>
           </p:cNvPr>
@@ -21945,7 +22025,7 @@
             <p:cNvPr id="260" name="사각형: 잘린 대각선 방향 모서리 259">
               <a:extLst>
                 <a:ext uri="{FF2B5EF4-FFF2-40B4-BE49-F238E27FC236}">
-                  <a16:creationId xmlns:a16="http://schemas.microsoft.com/office/drawing/2014/main" id="{E837CC47-8D1E-42A6-8F1A-28D8A139640E}"/>
+                  <a16:creationId xmlns:a16="http://schemas.microsoft.com/office/drawing/2014/main" xmlns="" id="{E837CC47-8D1E-42A6-8F1A-28D8A139640E}"/>
                 </a:ext>
               </a:extLst>
             </p:cNvPr>
@@ -22035,7 +22115,7 @@
             <p:cNvPr id="261" name="사각형: 둥근 모서리 260">
               <a:extLst>
                 <a:ext uri="{FF2B5EF4-FFF2-40B4-BE49-F238E27FC236}">
-                  <a16:creationId xmlns:a16="http://schemas.microsoft.com/office/drawing/2014/main" id="{73001EC3-7140-4F74-B71A-ACF4A5FEE4A3}"/>
+                  <a16:creationId xmlns:a16="http://schemas.microsoft.com/office/drawing/2014/main" xmlns="" id="{73001EC3-7140-4F74-B71A-ACF4A5FEE4A3}"/>
                 </a:ext>
               </a:extLst>
             </p:cNvPr>
@@ -22113,7 +22193,7 @@
             <p:cNvPr id="262" name="사각형: 둥근 모서리 261">
               <a:extLst>
                 <a:ext uri="{FF2B5EF4-FFF2-40B4-BE49-F238E27FC236}">
-                  <a16:creationId xmlns:a16="http://schemas.microsoft.com/office/drawing/2014/main" id="{91271AB6-49BA-4FCE-A627-69B36B047B7B}"/>
+                  <a16:creationId xmlns:a16="http://schemas.microsoft.com/office/drawing/2014/main" xmlns="" id="{91271AB6-49BA-4FCE-A627-69B36B047B7B}"/>
                 </a:ext>
               </a:extLst>
             </p:cNvPr>
@@ -22192,7 +22272,7 @@
           <p:cNvPr id="263" name="그룹 262">
             <a:extLst>
               <a:ext uri="{FF2B5EF4-FFF2-40B4-BE49-F238E27FC236}">
-                <a16:creationId xmlns:a16="http://schemas.microsoft.com/office/drawing/2014/main" id="{710C4553-3EE4-487C-A92A-F8DE0F23C27B}"/>
+                <a16:creationId xmlns:a16="http://schemas.microsoft.com/office/drawing/2014/main" xmlns="" id="{710C4553-3EE4-487C-A92A-F8DE0F23C27B}"/>
               </a:ext>
             </a:extLst>
           </p:cNvPr>
@@ -22212,7 +22292,7 @@
             <p:cNvPr id="264" name="사각형: 잘린 대각선 방향 모서리 263">
               <a:extLst>
                 <a:ext uri="{FF2B5EF4-FFF2-40B4-BE49-F238E27FC236}">
-                  <a16:creationId xmlns:a16="http://schemas.microsoft.com/office/drawing/2014/main" id="{EC081E90-C4FF-4C85-8299-9FD96132EEED}"/>
+                  <a16:creationId xmlns:a16="http://schemas.microsoft.com/office/drawing/2014/main" xmlns="" id="{EC081E90-C4FF-4C85-8299-9FD96132EEED}"/>
                 </a:ext>
               </a:extLst>
             </p:cNvPr>
@@ -22280,7 +22360,7 @@
             <p:cNvPr id="265" name="사각형: 둥근 모서리 264">
               <a:extLst>
                 <a:ext uri="{FF2B5EF4-FFF2-40B4-BE49-F238E27FC236}">
-                  <a16:creationId xmlns:a16="http://schemas.microsoft.com/office/drawing/2014/main" id="{49783D3A-E65D-42BE-B4BE-8F602A691CDA}"/>
+                  <a16:creationId xmlns:a16="http://schemas.microsoft.com/office/drawing/2014/main" xmlns="" id="{49783D3A-E65D-42BE-B4BE-8F602A691CDA}"/>
                 </a:ext>
               </a:extLst>
             </p:cNvPr>
@@ -22359,7 +22439,7 @@
           <p:cNvPr id="284" name="그룹 283">
             <a:extLst>
               <a:ext uri="{FF2B5EF4-FFF2-40B4-BE49-F238E27FC236}">
-                <a16:creationId xmlns:a16="http://schemas.microsoft.com/office/drawing/2014/main" id="{63DC9FD0-7CFF-4FB0-B5C4-6C5F9ECF6AD7}"/>
+                <a16:creationId xmlns:a16="http://schemas.microsoft.com/office/drawing/2014/main" xmlns="" id="{63DC9FD0-7CFF-4FB0-B5C4-6C5F9ECF6AD7}"/>
               </a:ext>
             </a:extLst>
           </p:cNvPr>
@@ -22379,7 +22459,7 @@
             <p:cNvPr id="285" name="그림 284">
               <a:extLst>
                 <a:ext uri="{FF2B5EF4-FFF2-40B4-BE49-F238E27FC236}">
-                  <a16:creationId xmlns:a16="http://schemas.microsoft.com/office/drawing/2014/main" id="{9B13CE1B-A0D2-48C0-9D1C-633398B29E99}"/>
+                  <a16:creationId xmlns:a16="http://schemas.microsoft.com/office/drawing/2014/main" xmlns="" id="{9B13CE1B-A0D2-48C0-9D1C-633398B29E99}"/>
                 </a:ext>
               </a:extLst>
             </p:cNvPr>
@@ -22415,7 +22495,7 @@
             <p:cNvPr id="286" name="그림 285">
               <a:extLst>
                 <a:ext uri="{FF2B5EF4-FFF2-40B4-BE49-F238E27FC236}">
-                  <a16:creationId xmlns:a16="http://schemas.microsoft.com/office/drawing/2014/main" id="{2A9A485A-656F-4DC9-A74B-B75ACDC2C631}"/>
+                  <a16:creationId xmlns:a16="http://schemas.microsoft.com/office/drawing/2014/main" xmlns="" id="{2A9A485A-656F-4DC9-A74B-B75ACDC2C631}"/>
                 </a:ext>
               </a:extLst>
             </p:cNvPr>
@@ -22451,7 +22531,7 @@
             <p:cNvPr id="287" name="그림 286">
               <a:extLst>
                 <a:ext uri="{FF2B5EF4-FFF2-40B4-BE49-F238E27FC236}">
-                  <a16:creationId xmlns:a16="http://schemas.microsoft.com/office/drawing/2014/main" id="{24EFB736-88DA-4072-8307-4070D1B1BF27}"/>
+                  <a16:creationId xmlns:a16="http://schemas.microsoft.com/office/drawing/2014/main" xmlns="" id="{24EFB736-88DA-4072-8307-4070D1B1BF27}"/>
                 </a:ext>
               </a:extLst>
             </p:cNvPr>
@@ -22487,7 +22567,7 @@
             <p:cNvPr id="288" name="그림 287">
               <a:extLst>
                 <a:ext uri="{FF2B5EF4-FFF2-40B4-BE49-F238E27FC236}">
-                  <a16:creationId xmlns:a16="http://schemas.microsoft.com/office/drawing/2014/main" id="{0A3BF5A8-9950-4CD7-B136-C157F92C4543}"/>
+                  <a16:creationId xmlns:a16="http://schemas.microsoft.com/office/drawing/2014/main" xmlns="" id="{0A3BF5A8-9950-4CD7-B136-C157F92C4543}"/>
                 </a:ext>
               </a:extLst>
             </p:cNvPr>
@@ -22523,7 +22603,7 @@
             <p:cNvPr id="289" name="그림 288">
               <a:extLst>
                 <a:ext uri="{FF2B5EF4-FFF2-40B4-BE49-F238E27FC236}">
-                  <a16:creationId xmlns:a16="http://schemas.microsoft.com/office/drawing/2014/main" id="{14B940B9-C32D-407F-9D3E-C392A8C23BF3}"/>
+                  <a16:creationId xmlns:a16="http://schemas.microsoft.com/office/drawing/2014/main" xmlns="" id="{14B940B9-C32D-407F-9D3E-C392A8C23BF3}"/>
                 </a:ext>
               </a:extLst>
             </p:cNvPr>
@@ -22656,6 +22736,16 @@
               </a:rPr>
               <a:t> 끝마치고</a:t>
             </a:r>
+            <a:r>
+              <a:rPr lang="en-US" altLang="ko-KR" sz="1200" spc="-150" dirty="0">
+                <a:solidFill>
+                  <a:schemeClr val="bg1">
+                    <a:lumMod val="65000"/>
+                  </a:schemeClr>
+                </a:solidFill>
+              </a:rPr>
+              <a:t/>
+            </a:r>
             <a:br>
               <a:rPr lang="en-US" altLang="ko-KR" sz="1200" spc="-150" dirty="0">
                 <a:solidFill>
@@ -22769,7 +22859,7 @@
           <p:cNvPr id="7" name="그림 6">
             <a:extLst>
               <a:ext uri="{FF2B5EF4-FFF2-40B4-BE49-F238E27FC236}">
-                <a16:creationId xmlns:a16="http://schemas.microsoft.com/office/drawing/2014/main" id="{C0090B2F-0A32-48BF-9605-D1EB7F9C9CDF}"/>
+                <a16:creationId xmlns:a16="http://schemas.microsoft.com/office/drawing/2014/main" xmlns="" id="{C0090B2F-0A32-48BF-9605-D1EB7F9C9CDF}"/>
               </a:ext>
             </a:extLst>
           </p:cNvPr>
@@ -22798,7 +22888,7 @@
           <p:cNvPr id="11" name="그림 10">
             <a:extLst>
               <a:ext uri="{FF2B5EF4-FFF2-40B4-BE49-F238E27FC236}">
-                <a16:creationId xmlns:a16="http://schemas.microsoft.com/office/drawing/2014/main" id="{3BCE2615-3B17-45CC-B115-9C7E60D20752}"/>
+                <a16:creationId xmlns:a16="http://schemas.microsoft.com/office/drawing/2014/main" xmlns="" id="{3BCE2615-3B17-45CC-B115-9C7E60D20752}"/>
               </a:ext>
             </a:extLst>
           </p:cNvPr>
@@ -22827,7 +22917,7 @@
           <p:cNvPr id="44" name="그룹 43">
             <a:extLst>
               <a:ext uri="{FF2B5EF4-FFF2-40B4-BE49-F238E27FC236}">
-                <a16:creationId xmlns:a16="http://schemas.microsoft.com/office/drawing/2014/main" id="{556A5A83-55FD-442C-8ADE-500A58ED656B}"/>
+                <a16:creationId xmlns:a16="http://schemas.microsoft.com/office/drawing/2014/main" xmlns="" id="{556A5A83-55FD-442C-8ADE-500A58ED656B}"/>
               </a:ext>
             </a:extLst>
           </p:cNvPr>
@@ -22847,7 +22937,7 @@
             <p:cNvPr id="8" name="직사각형 7">
               <a:extLst>
                 <a:ext uri="{FF2B5EF4-FFF2-40B4-BE49-F238E27FC236}">
-                  <a16:creationId xmlns:a16="http://schemas.microsoft.com/office/drawing/2014/main" id="{B1DC445B-59CF-44D5-9D4D-A413D0A8A9DA}"/>
+                  <a16:creationId xmlns:a16="http://schemas.microsoft.com/office/drawing/2014/main" xmlns="" id="{B1DC445B-59CF-44D5-9D4D-A413D0A8A9DA}"/>
                 </a:ext>
               </a:extLst>
             </p:cNvPr>
@@ -23035,7 +23125,7 @@
             <p:cNvPr id="26" name="모서리가 둥근 직사각형 3">
               <a:extLst>
                 <a:ext uri="{FF2B5EF4-FFF2-40B4-BE49-F238E27FC236}">
-                  <a16:creationId xmlns:a16="http://schemas.microsoft.com/office/drawing/2014/main" id="{B617FD07-BE0A-4DE5-B254-C004E831B427}"/>
+                  <a16:creationId xmlns:a16="http://schemas.microsoft.com/office/drawing/2014/main" xmlns="" id="{B617FD07-BE0A-4DE5-B254-C004E831B427}"/>
                 </a:ext>
               </a:extLst>
             </p:cNvPr>
@@ -23149,7 +23239,7 @@
           <p:cNvPr id="43" name="그룹 42">
             <a:extLst>
               <a:ext uri="{FF2B5EF4-FFF2-40B4-BE49-F238E27FC236}">
-                <a16:creationId xmlns:a16="http://schemas.microsoft.com/office/drawing/2014/main" id="{7E2F8628-1E5E-40A4-AC4C-B7CE872A304C}"/>
+                <a16:creationId xmlns:a16="http://schemas.microsoft.com/office/drawing/2014/main" xmlns="" id="{7E2F8628-1E5E-40A4-AC4C-B7CE872A304C}"/>
               </a:ext>
             </a:extLst>
           </p:cNvPr>
@@ -23169,7 +23259,7 @@
             <p:cNvPr id="41" name="직사각형 40">
               <a:extLst>
                 <a:ext uri="{FF2B5EF4-FFF2-40B4-BE49-F238E27FC236}">
-                  <a16:creationId xmlns:a16="http://schemas.microsoft.com/office/drawing/2014/main" id="{9BEB85D8-35B1-471A-B39D-24163891D049}"/>
+                  <a16:creationId xmlns:a16="http://schemas.microsoft.com/office/drawing/2014/main" xmlns="" id="{9BEB85D8-35B1-471A-B39D-24163891D049}"/>
                 </a:ext>
               </a:extLst>
             </p:cNvPr>
@@ -23310,7 +23400,7 @@
             <p:cNvPr id="42" name="모서리가 둥근 직사각형 3">
               <a:extLst>
                 <a:ext uri="{FF2B5EF4-FFF2-40B4-BE49-F238E27FC236}">
-                  <a16:creationId xmlns:a16="http://schemas.microsoft.com/office/drawing/2014/main" id="{F06A99D7-2C40-4E77-9DF2-4CF822C96E98}"/>
+                  <a16:creationId xmlns:a16="http://schemas.microsoft.com/office/drawing/2014/main" xmlns="" id="{F06A99D7-2C40-4E77-9DF2-4CF822C96E98}"/>
                 </a:ext>
               </a:extLst>
             </p:cNvPr>
@@ -23424,7 +23514,7 @@
           <p:cNvPr id="47" name="그룹 46">
             <a:extLst>
               <a:ext uri="{FF2B5EF4-FFF2-40B4-BE49-F238E27FC236}">
-                <a16:creationId xmlns:a16="http://schemas.microsoft.com/office/drawing/2014/main" id="{3F03032C-0ABE-428C-830D-5131EC4DA248}"/>
+                <a16:creationId xmlns:a16="http://schemas.microsoft.com/office/drawing/2014/main" xmlns="" id="{3F03032C-0ABE-428C-830D-5131EC4DA248}"/>
               </a:ext>
             </a:extLst>
           </p:cNvPr>
@@ -23444,7 +23534,7 @@
             <p:cNvPr id="51" name="직사각형 50">
               <a:extLst>
                 <a:ext uri="{FF2B5EF4-FFF2-40B4-BE49-F238E27FC236}">
-                  <a16:creationId xmlns:a16="http://schemas.microsoft.com/office/drawing/2014/main" id="{B484A59C-6B19-42A2-9FDF-F09AE27E4842}"/>
+                  <a16:creationId xmlns:a16="http://schemas.microsoft.com/office/drawing/2014/main" xmlns="" id="{B484A59C-6B19-42A2-9FDF-F09AE27E4842}"/>
                 </a:ext>
               </a:extLst>
             </p:cNvPr>
@@ -23585,7 +23675,7 @@
             <p:cNvPr id="52" name="모서리가 둥근 직사각형 3">
               <a:extLst>
                 <a:ext uri="{FF2B5EF4-FFF2-40B4-BE49-F238E27FC236}">
-                  <a16:creationId xmlns:a16="http://schemas.microsoft.com/office/drawing/2014/main" id="{DC6DAA3D-9B62-435A-9F96-A8FE48F78E81}"/>
+                  <a16:creationId xmlns:a16="http://schemas.microsoft.com/office/drawing/2014/main" xmlns="" id="{DC6DAA3D-9B62-435A-9F96-A8FE48F78E81}"/>
                 </a:ext>
               </a:extLst>
             </p:cNvPr>
@@ -23699,7 +23789,7 @@
           <p:cNvPr id="48" name="그룹 47">
             <a:extLst>
               <a:ext uri="{FF2B5EF4-FFF2-40B4-BE49-F238E27FC236}">
-                <a16:creationId xmlns:a16="http://schemas.microsoft.com/office/drawing/2014/main" id="{FB0C19B9-3AFC-4C2E-ACFE-18CB6509F8FD}"/>
+                <a16:creationId xmlns:a16="http://schemas.microsoft.com/office/drawing/2014/main" xmlns="" id="{FB0C19B9-3AFC-4C2E-ACFE-18CB6509F8FD}"/>
               </a:ext>
             </a:extLst>
           </p:cNvPr>
@@ -23719,7 +23809,7 @@
             <p:cNvPr id="49" name="직사각형 48">
               <a:extLst>
                 <a:ext uri="{FF2B5EF4-FFF2-40B4-BE49-F238E27FC236}">
-                  <a16:creationId xmlns:a16="http://schemas.microsoft.com/office/drawing/2014/main" id="{4D4F64D0-9A6A-4A42-9B3D-6228BACDE0BA}"/>
+                  <a16:creationId xmlns:a16="http://schemas.microsoft.com/office/drawing/2014/main" xmlns="" id="{4D4F64D0-9A6A-4A42-9B3D-6228BACDE0BA}"/>
                 </a:ext>
               </a:extLst>
             </p:cNvPr>
@@ -23850,7 +23940,7 @@
             <p:cNvPr id="50" name="모서리가 둥근 직사각형 3">
               <a:extLst>
                 <a:ext uri="{FF2B5EF4-FFF2-40B4-BE49-F238E27FC236}">
-                  <a16:creationId xmlns:a16="http://schemas.microsoft.com/office/drawing/2014/main" id="{DC8DAC6B-FDA3-415F-A550-C15297D21C93}"/>
+                  <a16:creationId xmlns:a16="http://schemas.microsoft.com/office/drawing/2014/main" xmlns="" id="{DC8DAC6B-FDA3-415F-A550-C15297D21C93}"/>
                 </a:ext>
               </a:extLst>
             </p:cNvPr>
@@ -23964,7 +24054,7 @@
           <p:cNvPr id="4" name="그림 3">
             <a:extLst>
               <a:ext uri="{FF2B5EF4-FFF2-40B4-BE49-F238E27FC236}">
-                <a16:creationId xmlns:a16="http://schemas.microsoft.com/office/drawing/2014/main" id="{66E30AF2-C75A-426D-A08C-8DB9E476E72B}"/>
+                <a16:creationId xmlns:a16="http://schemas.microsoft.com/office/drawing/2014/main" xmlns="" id="{66E30AF2-C75A-426D-A08C-8DB9E476E72B}"/>
               </a:ext>
             </a:extLst>
           </p:cNvPr>
@@ -24007,7 +24097,7 @@
           <p:cNvPr id="19" name="그림 18">
             <a:extLst>
               <a:ext uri="{FF2B5EF4-FFF2-40B4-BE49-F238E27FC236}">
-                <a16:creationId xmlns:a16="http://schemas.microsoft.com/office/drawing/2014/main" id="{B117BCC8-4D37-4037-B6A5-EB3E062AD107}"/>
+                <a16:creationId xmlns:a16="http://schemas.microsoft.com/office/drawing/2014/main" xmlns="" id="{B117BCC8-4D37-4037-B6A5-EB3E062AD107}"/>
               </a:ext>
             </a:extLst>
           </p:cNvPr>
@@ -24050,7 +24140,7 @@
           <p:cNvPr id="20" name="그림 19">
             <a:extLst>
               <a:ext uri="{FF2B5EF4-FFF2-40B4-BE49-F238E27FC236}">
-                <a16:creationId xmlns:a16="http://schemas.microsoft.com/office/drawing/2014/main" id="{0FC3870B-C45C-4506-865D-E22873495EDA}"/>
+                <a16:creationId xmlns:a16="http://schemas.microsoft.com/office/drawing/2014/main" xmlns="" id="{0FC3870B-C45C-4506-865D-E22873495EDA}"/>
               </a:ext>
             </a:extLst>
           </p:cNvPr>
@@ -24093,7 +24183,7 @@
           <p:cNvPr id="21" name="그림 20">
             <a:extLst>
               <a:ext uri="{FF2B5EF4-FFF2-40B4-BE49-F238E27FC236}">
-                <a16:creationId xmlns:a16="http://schemas.microsoft.com/office/drawing/2014/main" id="{3D8DEF93-ACEA-46D7-8721-1B9212450887}"/>
+                <a16:creationId xmlns:a16="http://schemas.microsoft.com/office/drawing/2014/main" xmlns="" id="{3D8DEF93-ACEA-46D7-8721-1B9212450887}"/>
               </a:ext>
             </a:extLst>
           </p:cNvPr>
@@ -24136,7 +24226,7 @@
           <p:cNvPr id="23" name="직사각형 22">
             <a:extLst>
               <a:ext uri="{FF2B5EF4-FFF2-40B4-BE49-F238E27FC236}">
-                <a16:creationId xmlns:a16="http://schemas.microsoft.com/office/drawing/2014/main" id="{B388C528-AC5C-4D82-A540-E4CBCCD6195A}"/>
+                <a16:creationId xmlns:a16="http://schemas.microsoft.com/office/drawing/2014/main" xmlns="" id="{B388C528-AC5C-4D82-A540-E4CBCCD6195A}"/>
               </a:ext>
             </a:extLst>
           </p:cNvPr>
@@ -24301,7 +24391,7 @@
           <p:cNvPr id="24" name="직사각형 23">
             <a:extLst>
               <a:ext uri="{FF2B5EF4-FFF2-40B4-BE49-F238E27FC236}">
-                <a16:creationId xmlns:a16="http://schemas.microsoft.com/office/drawing/2014/main" id="{0BFA3C71-82F7-4736-AB54-80CC43AD0341}"/>
+                <a16:creationId xmlns:a16="http://schemas.microsoft.com/office/drawing/2014/main" xmlns="" id="{0BFA3C71-82F7-4736-AB54-80CC43AD0341}"/>
               </a:ext>
             </a:extLst>
           </p:cNvPr>
@@ -24475,7 +24565,7 @@
           <p:cNvPr id="25" name="모서리가 둥근 직사각형 3">
             <a:extLst>
               <a:ext uri="{FF2B5EF4-FFF2-40B4-BE49-F238E27FC236}">
-                <a16:creationId xmlns:a16="http://schemas.microsoft.com/office/drawing/2014/main" id="{63D39374-D205-4E8F-A024-D57FF3F2B533}"/>
+                <a16:creationId xmlns:a16="http://schemas.microsoft.com/office/drawing/2014/main" xmlns="" id="{63D39374-D205-4E8F-A024-D57FF3F2B533}"/>
               </a:ext>
             </a:extLst>
           </p:cNvPr>
@@ -24547,7 +24637,7 @@
           <p:cNvPr id="27" name="모서리가 둥근 직사각형 3">
             <a:extLst>
               <a:ext uri="{FF2B5EF4-FFF2-40B4-BE49-F238E27FC236}">
-                <a16:creationId xmlns:a16="http://schemas.microsoft.com/office/drawing/2014/main" id="{3EDEC4F8-AB1C-42A7-9911-A857F08BFBD1}"/>
+                <a16:creationId xmlns:a16="http://schemas.microsoft.com/office/drawing/2014/main" xmlns="" id="{3EDEC4F8-AB1C-42A7-9911-A857F08BFBD1}"/>
               </a:ext>
             </a:extLst>
           </p:cNvPr>
@@ -24619,7 +24709,7 @@
           <p:cNvPr id="29" name="직사각형 28">
             <a:extLst>
               <a:ext uri="{FF2B5EF4-FFF2-40B4-BE49-F238E27FC236}">
-                <a16:creationId xmlns:a16="http://schemas.microsoft.com/office/drawing/2014/main" id="{0C3CDFED-5A2E-4128-83D5-9409E81FE0DA}"/>
+                <a16:creationId xmlns:a16="http://schemas.microsoft.com/office/drawing/2014/main" xmlns="" id="{0C3CDFED-5A2E-4128-83D5-9409E81FE0DA}"/>
               </a:ext>
             </a:extLst>
           </p:cNvPr>
@@ -24828,7 +24918,7 @@
           <p:cNvPr id="30" name="직사각형 29">
             <a:extLst>
               <a:ext uri="{FF2B5EF4-FFF2-40B4-BE49-F238E27FC236}">
-                <a16:creationId xmlns:a16="http://schemas.microsoft.com/office/drawing/2014/main" id="{8F677914-84D0-408D-A13F-1B0CB07C4724}"/>
+                <a16:creationId xmlns:a16="http://schemas.microsoft.com/office/drawing/2014/main" xmlns="" id="{8F677914-84D0-408D-A13F-1B0CB07C4724}"/>
               </a:ext>
             </a:extLst>
           </p:cNvPr>
@@ -24979,7 +25069,7 @@
           <p:cNvPr id="31" name="모서리가 둥근 직사각형 3">
             <a:extLst>
               <a:ext uri="{FF2B5EF4-FFF2-40B4-BE49-F238E27FC236}">
-                <a16:creationId xmlns:a16="http://schemas.microsoft.com/office/drawing/2014/main" id="{FBE2E8CD-28E6-454F-B349-9A6EE092BB89}"/>
+                <a16:creationId xmlns:a16="http://schemas.microsoft.com/office/drawing/2014/main" xmlns="" id="{FBE2E8CD-28E6-454F-B349-9A6EE092BB89}"/>
               </a:ext>
             </a:extLst>
           </p:cNvPr>
@@ -25051,7 +25141,7 @@
           <p:cNvPr id="32" name="모서리가 둥근 직사각형 3">
             <a:extLst>
               <a:ext uri="{FF2B5EF4-FFF2-40B4-BE49-F238E27FC236}">
-                <a16:creationId xmlns:a16="http://schemas.microsoft.com/office/drawing/2014/main" id="{00C2F429-E1BF-417F-B03E-4ABFC6B61A2A}"/>
+                <a16:creationId xmlns:a16="http://schemas.microsoft.com/office/drawing/2014/main" xmlns="" id="{00C2F429-E1BF-417F-B03E-4ABFC6B61A2A}"/>
               </a:ext>
             </a:extLst>
           </p:cNvPr>
@@ -25123,7 +25213,7 @@
           <p:cNvPr id="39" name="직사각형 38">
             <a:extLst>
               <a:ext uri="{FF2B5EF4-FFF2-40B4-BE49-F238E27FC236}">
-                <a16:creationId xmlns:a16="http://schemas.microsoft.com/office/drawing/2014/main" id="{519884E7-FEE6-4375-A92E-B7844941BA4F}"/>
+                <a16:creationId xmlns:a16="http://schemas.microsoft.com/office/drawing/2014/main" xmlns="" id="{519884E7-FEE6-4375-A92E-B7844941BA4F}"/>
               </a:ext>
             </a:extLst>
           </p:cNvPr>
@@ -25234,7 +25324,7 @@
           <p:cNvPr id="40" name="직사각형 39">
             <a:extLst>
               <a:ext uri="{FF2B5EF4-FFF2-40B4-BE49-F238E27FC236}">
-                <a16:creationId xmlns:a16="http://schemas.microsoft.com/office/drawing/2014/main" id="{10133FF7-EF73-4C5F-897C-CBE81AFE297B}"/>
+                <a16:creationId xmlns:a16="http://schemas.microsoft.com/office/drawing/2014/main" xmlns="" id="{10133FF7-EF73-4C5F-897C-CBE81AFE297B}"/>
               </a:ext>
             </a:extLst>
           </p:cNvPr>
@@ -25375,7 +25465,7 @@
           <p:cNvPr id="45" name="모서리가 둥근 직사각형 3">
             <a:extLst>
               <a:ext uri="{FF2B5EF4-FFF2-40B4-BE49-F238E27FC236}">
-                <a16:creationId xmlns:a16="http://schemas.microsoft.com/office/drawing/2014/main" id="{41517873-6248-46FB-9056-2779B8973DF4}"/>
+                <a16:creationId xmlns:a16="http://schemas.microsoft.com/office/drawing/2014/main" xmlns="" id="{41517873-6248-46FB-9056-2779B8973DF4}"/>
               </a:ext>
             </a:extLst>
           </p:cNvPr>
@@ -25447,7 +25537,7 @@
           <p:cNvPr id="46" name="모서리가 둥근 직사각형 3">
             <a:extLst>
               <a:ext uri="{FF2B5EF4-FFF2-40B4-BE49-F238E27FC236}">
-                <a16:creationId xmlns:a16="http://schemas.microsoft.com/office/drawing/2014/main" id="{8A0E017C-CE1D-40EC-89E3-BF09CC6303C7}"/>
+                <a16:creationId xmlns:a16="http://schemas.microsoft.com/office/drawing/2014/main" xmlns="" id="{8A0E017C-CE1D-40EC-89E3-BF09CC6303C7}"/>
               </a:ext>
             </a:extLst>
           </p:cNvPr>
@@ -25519,7 +25609,7 @@
           <p:cNvPr id="53" name="TextBox 52">
             <a:extLst>
               <a:ext uri="{FF2B5EF4-FFF2-40B4-BE49-F238E27FC236}">
-                <a16:creationId xmlns:a16="http://schemas.microsoft.com/office/drawing/2014/main" id="{A7E3F803-4384-4790-8827-1117BC02DA23}"/>
+                <a16:creationId xmlns:a16="http://schemas.microsoft.com/office/drawing/2014/main" xmlns="" id="{A7E3F803-4384-4790-8827-1117BC02DA23}"/>
               </a:ext>
             </a:extLst>
           </p:cNvPr>
@@ -25626,7 +25716,7 @@
           <p:cNvPr id="12" name="제목 1">
             <a:extLst>
               <a:ext uri="{FF2B5EF4-FFF2-40B4-BE49-F238E27FC236}">
-                <a16:creationId xmlns:a16="http://schemas.microsoft.com/office/drawing/2014/main" id="{E17482A4-46EE-4C7E-92CB-318C2C7BB51F}"/>
+                <a16:creationId xmlns:a16="http://schemas.microsoft.com/office/drawing/2014/main" xmlns="" id="{E17482A4-46EE-4C7E-92CB-318C2C7BB51F}"/>
               </a:ext>
             </a:extLst>
           </p:cNvPr>
@@ -25679,7 +25769,39 @@
                   </a:schemeClr>
                 </a:solidFill>
               </a:rPr>
-              <a:t>저희가 만들 게임은</a:t>
+              <a:t>저희가 </a:t>
+            </a:r>
+            <a:r>
+              <a:rPr lang="ko-KR" altLang="en-US" sz="1200" spc="-150" dirty="0" smtClean="0">
+                <a:solidFill>
+                  <a:schemeClr val="tx1">
+                    <a:lumMod val="50000"/>
+                    <a:lumOff val="50000"/>
+                  </a:schemeClr>
+                </a:solidFill>
+              </a:rPr>
+              <a:t>만든 </a:t>
+            </a:r>
+            <a:r>
+              <a:rPr lang="ko-KR" altLang="en-US" sz="1200" spc="-150" dirty="0">
+                <a:solidFill>
+                  <a:schemeClr val="tx1">
+                    <a:lumMod val="50000"/>
+                    <a:lumOff val="50000"/>
+                  </a:schemeClr>
+                </a:solidFill>
+              </a:rPr>
+              <a:t>게임은</a:t>
+            </a:r>
+            <a:r>
+              <a:rPr lang="en-US" altLang="ko-KR" sz="1200" spc="-150" dirty="0">
+                <a:solidFill>
+                  <a:schemeClr val="bg1">
+                    <a:lumMod val="65000"/>
+                  </a:schemeClr>
+                </a:solidFill>
+              </a:rPr>
+              <a:t/>
             </a:r>
             <a:br>
               <a:rPr lang="en-US" altLang="ko-KR" sz="1200" spc="-150" dirty="0">
@@ -25691,7 +25813,7 @@
               </a:rPr>
             </a:br>
             <a:r>
-              <a:rPr lang="ko-KR" altLang="en-US" sz="1800" spc="-150" dirty="0" err="1">
+              <a:rPr lang="ko-KR" altLang="en-US" sz="1800" spc="-150" dirty="0" smtClean="0">
                 <a:solidFill>
                   <a:schemeClr val="tx2">
                     <a:lumMod val="60000"/>
@@ -25699,10 +25821,10 @@
                   </a:schemeClr>
                 </a:solidFill>
               </a:rPr>
-              <a:t>엔터</a:t>
-            </a:r>
-            <a:r>
-              <a:rPr lang="ko-KR" altLang="en-US" sz="1800" spc="-150" dirty="0">
+              <a:t>백의 전설</a:t>
+            </a:r>
+            <a:r>
+              <a:rPr lang="en-US" altLang="ko-KR" sz="1800" spc="-150" dirty="0" smtClean="0">
                 <a:solidFill>
                   <a:schemeClr val="tx2">
                     <a:lumMod val="60000"/>
@@ -25710,7 +25832,18 @@
                   </a:schemeClr>
                 </a:solidFill>
               </a:rPr>
-              <a:t> 더 건전</a:t>
+              <a:t>( Legend of White)</a:t>
+            </a:r>
+            <a:r>
+              <a:rPr lang="ko-KR" altLang="en-US" sz="1800" spc="-150" dirty="0" smtClean="0">
+                <a:solidFill>
+                  <a:schemeClr val="tx2">
+                    <a:lumMod val="60000"/>
+                    <a:lumOff val="40000"/>
+                  </a:schemeClr>
+                </a:solidFill>
+              </a:rPr>
+              <a:t> </a:t>
             </a:r>
             <a:r>
               <a:rPr lang="ko-KR" altLang="en-US" sz="1800" spc="-150" dirty="0">
@@ -25721,32 +25854,10 @@
                   </a:schemeClr>
                 </a:solidFill>
               </a:rPr>
-              <a:t>의 </a:t>
-            </a:r>
-            <a:r>
-              <a:rPr lang="ko-KR" altLang="en-US" sz="1800" spc="-150" dirty="0" err="1">
-                <a:solidFill>
-                  <a:schemeClr val="tx1">
-                    <a:lumMod val="75000"/>
-                    <a:lumOff val="25000"/>
-                  </a:schemeClr>
-                </a:solidFill>
-              </a:rPr>
-              <a:t>아류작</a:t>
-            </a:r>
-            <a:r>
-              <a:rPr lang="ko-KR" altLang="en-US" sz="1800" spc="-150" dirty="0">
-                <a:solidFill>
-                  <a:schemeClr val="tx1">
-                    <a:lumMod val="75000"/>
-                    <a:lumOff val="25000"/>
-                  </a:schemeClr>
-                </a:solidFill>
-              </a:rPr>
-              <a:t> 입니다</a:t>
-            </a:r>
-            <a:r>
-              <a:rPr lang="en-US" altLang="ko-KR" sz="1800" spc="-150" dirty="0">
+              <a:t>입니다</a:t>
+            </a:r>
+            <a:r>
+              <a:rPr lang="en-US" altLang="ko-KR" sz="1800" spc="-150" dirty="0" smtClean="0">
                 <a:solidFill>
                   <a:schemeClr val="tx1">
                     <a:lumMod val="75000"/>
@@ -25772,7 +25883,7 @@
           <p:cNvPr id="9" name="그림 8">
             <a:extLst>
               <a:ext uri="{FF2B5EF4-FFF2-40B4-BE49-F238E27FC236}">
-                <a16:creationId xmlns:a16="http://schemas.microsoft.com/office/drawing/2014/main" id="{FF150665-2CD6-42DA-AC95-FD9CE51EF7A1}"/>
+                <a16:creationId xmlns:a16="http://schemas.microsoft.com/office/drawing/2014/main" xmlns="" id="{FF150665-2CD6-42DA-AC95-FD9CE51EF7A1}"/>
               </a:ext>
             </a:extLst>
           </p:cNvPr>
@@ -25801,7 +25912,7 @@
           <p:cNvPr id="10" name="그림 9">
             <a:extLst>
               <a:ext uri="{FF2B5EF4-FFF2-40B4-BE49-F238E27FC236}">
-                <a16:creationId xmlns:a16="http://schemas.microsoft.com/office/drawing/2014/main" id="{39FF018D-1327-4778-8273-9B99A44C05B8}"/>
+                <a16:creationId xmlns:a16="http://schemas.microsoft.com/office/drawing/2014/main" xmlns="" id="{39FF018D-1327-4778-8273-9B99A44C05B8}"/>
               </a:ext>
             </a:extLst>
           </p:cNvPr>
@@ -25827,15 +25938,9 @@
       </p:pic>
       <p:pic>
         <p:nvPicPr>
-          <p:cNvPr id="1026" name="Picture 2" descr="ê´ë ¨ ì´ë¯¸ì§">
-            <a:extLst>
-              <a:ext uri="{FF2B5EF4-FFF2-40B4-BE49-F238E27FC236}">
-                <a16:creationId xmlns:a16="http://schemas.microsoft.com/office/drawing/2014/main" id="{D9CA99E7-34BA-4EA6-A0BA-EB7399F7EBB1}"/>
-              </a:ext>
-            </a:extLst>
-          </p:cNvPr>
+          <p:cNvPr id="4" name="그림 3"/>
           <p:cNvPicPr>
-            <a:picLocks noChangeAspect="1" noChangeArrowheads="1"/>
+            <a:picLocks noChangeAspect="1"/>
           </p:cNvPicPr>
           <p:nvPr/>
         </p:nvPicPr>
@@ -25847,29 +25952,18 @@
               </a:ext>
             </a:extLst>
           </a:blip>
-          <a:srcRect/>
           <a:stretch>
             <a:fillRect/>
           </a:stretch>
         </p:blipFill>
-        <p:spPr bwMode="auto">
+        <p:spPr>
           <a:xfrm>
-            <a:off x="1047750" y="1014262"/>
-            <a:ext cx="7048500" cy="3962400"/>
+            <a:off x="921490" y="945845"/>
+            <a:ext cx="7301020" cy="3942436"/>
           </a:xfrm>
           <a:prstGeom prst="rect">
             <a:avLst/>
           </a:prstGeom>
-          <a:noFill/>
-          <a:extLst>
-            <a:ext uri="{909E8E84-426E-40DD-AFC4-6F175D3DCCD1}">
-              <a14:hiddenFill xmlns:a14="http://schemas.microsoft.com/office/drawing/2010/main">
-                <a:solidFill>
-                  <a:srgbClr val="FFFFFF"/>
-                </a:solidFill>
-              </a14:hiddenFill>
-            </a:ext>
-          </a:extLst>
         </p:spPr>
       </p:pic>
     </p:spTree>
@@ -26117,7 +26211,7 @@
           <p:cNvPr id="12" name="제목 1">
             <a:extLst>
               <a:ext uri="{FF2B5EF4-FFF2-40B4-BE49-F238E27FC236}">
-                <a16:creationId xmlns:a16="http://schemas.microsoft.com/office/drawing/2014/main" id="{E17482A4-46EE-4C7E-92CB-318C2C7BB51F}"/>
+                <a16:creationId xmlns:a16="http://schemas.microsoft.com/office/drawing/2014/main" xmlns="" id="{E17482A4-46EE-4C7E-92CB-318C2C7BB51F}"/>
               </a:ext>
             </a:extLst>
           </p:cNvPr>
@@ -26162,7 +26256,7 @@
               </a:lnSpc>
             </a:pPr>
             <a:r>
-              <a:rPr lang="ko-KR" altLang="en-US" sz="1200" spc="-150" dirty="0" err="1">
+              <a:rPr lang="ko-KR" altLang="en-US" sz="1200" spc="-150" dirty="0" smtClean="0">
                 <a:solidFill>
                   <a:schemeClr val="tx1">
                     <a:lumMod val="50000"/>
@@ -26170,10 +26264,10 @@
                   </a:schemeClr>
                 </a:solidFill>
               </a:rPr>
-              <a:t>엔터</a:t>
-            </a:r>
-            <a:r>
-              <a:rPr lang="ko-KR" altLang="en-US" sz="1200" spc="-150" dirty="0">
+              <a:t>저희는 </a:t>
+            </a:r>
+            <a:r>
+              <a:rPr lang="ko-KR" altLang="en-US" sz="1200" spc="-150" dirty="0" err="1" smtClean="0">
                 <a:solidFill>
                   <a:schemeClr val="tx1">
                     <a:lumMod val="50000"/>
@@ -26181,10 +26275,10 @@
                   </a:schemeClr>
                 </a:solidFill>
               </a:rPr>
-              <a:t> 더 건전을 그대로 따라 만들기보다는</a:t>
-            </a:r>
-            <a:r>
-              <a:rPr lang="en-US" altLang="ko-KR" sz="1200" spc="-150" dirty="0">
+              <a:t>엔터</a:t>
+            </a:r>
+            <a:r>
+              <a:rPr lang="ko-KR" altLang="en-US" sz="1200" spc="-150" dirty="0" smtClean="0">
                 <a:solidFill>
                   <a:schemeClr val="tx1">
                     <a:lumMod val="50000"/>
@@ -26192,7 +26286,7 @@
                   </a:schemeClr>
                 </a:solidFill>
               </a:rPr>
-              <a:t>,</a:t>
+              <a:t> </a:t>
             </a:r>
             <a:r>
               <a:rPr lang="ko-KR" altLang="en-US" sz="1200" spc="-150" dirty="0">
@@ -26203,10 +26297,10 @@
                   </a:schemeClr>
                 </a:solidFill>
               </a:rPr>
-              <a:t> 궁수의 전설의 특징도 잘 </a:t>
-            </a:r>
-            <a:r>
-              <a:rPr lang="ko-KR" altLang="en-US" sz="1200" spc="-150" dirty="0" err="1">
+              <a:t>더 </a:t>
+            </a:r>
+            <a:r>
+              <a:rPr lang="ko-KR" altLang="en-US" sz="1200" spc="-150" dirty="0" smtClean="0">
                 <a:solidFill>
                   <a:schemeClr val="tx1">
                     <a:lumMod val="50000"/>
@@ -26214,7 +26308,72 @@
                   </a:schemeClr>
                 </a:solidFill>
               </a:rPr>
-              <a:t>융합시켜</a:t>
+              <a:t>건전</a:t>
+            </a:r>
+            <a:r>
+              <a:rPr lang="ko-KR" altLang="en-US" sz="1200" spc="-150" dirty="0" smtClean="0">
+                <a:solidFill>
+                  <a:schemeClr val="tx1">
+                    <a:lumMod val="50000"/>
+                    <a:lumOff val="50000"/>
+                  </a:schemeClr>
+                </a:solidFill>
+              </a:rPr>
+              <a:t>과</a:t>
+            </a:r>
+            <a:r>
+              <a:rPr lang="ko-KR" altLang="en-US" sz="1200" spc="-150" dirty="0" smtClean="0">
+                <a:solidFill>
+                  <a:schemeClr val="tx1">
+                    <a:lumMod val="50000"/>
+                    <a:lumOff val="50000"/>
+                  </a:schemeClr>
+                </a:solidFill>
+              </a:rPr>
+              <a:t> </a:t>
+            </a:r>
+            <a:r>
+              <a:rPr lang="ko-KR" altLang="en-US" sz="1200" spc="-150" dirty="0">
+                <a:solidFill>
+                  <a:schemeClr val="tx1">
+                    <a:lumMod val="50000"/>
+                    <a:lumOff val="50000"/>
+                  </a:schemeClr>
+                </a:solidFill>
+              </a:rPr>
+              <a:t>궁수의 전설의 </a:t>
+            </a:r>
+            <a:r>
+              <a:rPr lang="ko-KR" altLang="en-US" sz="1200" spc="-150" dirty="0" smtClean="0">
+                <a:solidFill>
+                  <a:schemeClr val="tx1">
+                    <a:lumMod val="50000"/>
+                    <a:lumOff val="50000"/>
+                  </a:schemeClr>
+                </a:solidFill>
+              </a:rPr>
+              <a:t>특징을 </a:t>
+            </a:r>
+            <a:r>
+              <a:rPr lang="ko-KR" altLang="en-US" sz="1200" spc="-150" dirty="0">
+                <a:solidFill>
+                  <a:schemeClr val="tx1">
+                    <a:lumMod val="50000"/>
+                    <a:lumOff val="50000"/>
+                  </a:schemeClr>
+                </a:solidFill>
+              </a:rPr>
+              <a:t>잘 융합시켜</a:t>
+            </a:r>
+            <a:r>
+              <a:rPr lang="en-US" altLang="ko-KR" sz="1200" spc="-150" dirty="0">
+                <a:solidFill>
+                  <a:schemeClr val="bg1">
+                    <a:lumMod val="65000"/>
+                  </a:schemeClr>
+                </a:solidFill>
+              </a:rPr>
+              <a:t/>
             </a:r>
             <a:br>
               <a:rPr lang="en-US" altLang="ko-KR" sz="1200" spc="-150" dirty="0">
@@ -26267,10 +26426,21 @@
                   </a:schemeClr>
                 </a:solidFill>
               </a:rPr>
-              <a:t>제작을 진행 하려 합니다</a:t>
-            </a:r>
-            <a:r>
-              <a:rPr lang="en-US" altLang="ko-KR" sz="1800" spc="-150" dirty="0">
+              <a:t>제작을 </a:t>
+            </a:r>
+            <a:r>
+              <a:rPr lang="ko-KR" altLang="en-US" sz="1800" spc="-150" dirty="0" smtClean="0">
+                <a:solidFill>
+                  <a:schemeClr val="tx1">
+                    <a:lumMod val="75000"/>
+                    <a:lumOff val="25000"/>
+                  </a:schemeClr>
+                </a:solidFill>
+              </a:rPr>
+              <a:t>진행 하였습니다</a:t>
+            </a:r>
+            <a:r>
+              <a:rPr lang="en-US" altLang="ko-KR" sz="1800" spc="-150" dirty="0" smtClean="0">
                 <a:solidFill>
                   <a:schemeClr val="tx1">
                     <a:lumMod val="75000"/>
@@ -26296,7 +26466,7 @@
           <p:cNvPr id="9" name="그림 8">
             <a:extLst>
               <a:ext uri="{FF2B5EF4-FFF2-40B4-BE49-F238E27FC236}">
-                <a16:creationId xmlns:a16="http://schemas.microsoft.com/office/drawing/2014/main" id="{FF150665-2CD6-42DA-AC95-FD9CE51EF7A1}"/>
+                <a16:creationId xmlns:a16="http://schemas.microsoft.com/office/drawing/2014/main" xmlns="" id="{FF150665-2CD6-42DA-AC95-FD9CE51EF7A1}"/>
               </a:ext>
             </a:extLst>
           </p:cNvPr>
@@ -26325,7 +26495,7 @@
           <p:cNvPr id="10" name="그림 9">
             <a:extLst>
               <a:ext uri="{FF2B5EF4-FFF2-40B4-BE49-F238E27FC236}">
-                <a16:creationId xmlns:a16="http://schemas.microsoft.com/office/drawing/2014/main" id="{39FF018D-1327-4778-8273-9B99A44C05B8}"/>
+                <a16:creationId xmlns:a16="http://schemas.microsoft.com/office/drawing/2014/main" xmlns="" id="{39FF018D-1327-4778-8273-9B99A44C05B8}"/>
               </a:ext>
             </a:extLst>
           </p:cNvPr>
@@ -26351,13 +26521,7 @@
       </p:pic>
       <p:grpSp>
         <p:nvGrpSpPr>
-          <p:cNvPr id="8" name="그룹 7">
-            <a:extLst>
-              <a:ext uri="{FF2B5EF4-FFF2-40B4-BE49-F238E27FC236}">
-                <a16:creationId xmlns:a16="http://schemas.microsoft.com/office/drawing/2014/main" id="{B5729D62-1AA4-4DA8-9B6D-2A913C88E0A4}"/>
-              </a:ext>
-            </a:extLst>
-          </p:cNvPr>
+          <p:cNvPr id="2" name="그룹 1"/>
           <p:cNvGrpSpPr/>
           <p:nvPr/>
         </p:nvGrpSpPr>
@@ -26365,580 +26529,601 @@
           <a:xfrm>
             <a:off x="1044000" y="1018832"/>
             <a:ext cx="7056000" cy="3973690"/>
-            <a:chOff x="1044000" y="1032582"/>
+            <a:chOff x="1044000" y="1018832"/>
             <a:chExt cx="7056000" cy="3973690"/>
           </a:xfrm>
         </p:grpSpPr>
-        <p:pic>
-          <p:nvPicPr>
-            <p:cNvPr id="6" name="Picture 2" descr="ê´ë ¨ ì´ë¯¸ì§">
+        <p:grpSp>
+          <p:nvGrpSpPr>
+            <p:cNvPr id="8" name="그룹 7">
               <a:extLst>
                 <a:ext uri="{FF2B5EF4-FFF2-40B4-BE49-F238E27FC236}">
-                  <a16:creationId xmlns:a16="http://schemas.microsoft.com/office/drawing/2014/main" id="{6685B836-DA80-4F96-84E7-E9B5C18F92A2}"/>
+                  <a16:creationId xmlns:a16="http://schemas.microsoft.com/office/drawing/2014/main" xmlns="" id="{B5729D62-1AA4-4DA8-9B6D-2A913C88E0A4}"/>
                 </a:ext>
               </a:extLst>
             </p:cNvPr>
-            <p:cNvPicPr>
-              <a:picLocks noChangeArrowheads="1"/>
-            </p:cNvPicPr>
+            <p:cNvGrpSpPr/>
             <p:nvPr/>
-          </p:nvPicPr>
-          <p:blipFill>
-            <a:blip r:embed="rId3">
+          </p:nvGrpSpPr>
+          <p:grpSpPr>
+            <a:xfrm>
+              <a:off x="1044000" y="1018832"/>
+              <a:ext cx="7056000" cy="3973690"/>
+              <a:chOff x="1044000" y="1032582"/>
+              <a:chExt cx="7056000" cy="3973690"/>
+            </a:xfrm>
+          </p:grpSpPr>
+          <p:pic>
+            <p:nvPicPr>
+              <p:cNvPr id="6" name="Picture 2" descr="ê´ë ¨ ì´ë¯¸ì§">
+                <a:extLst>
+                  <a:ext uri="{FF2B5EF4-FFF2-40B4-BE49-F238E27FC236}">
+                    <a16:creationId xmlns:a16="http://schemas.microsoft.com/office/drawing/2014/main" xmlns="" id="{6685B836-DA80-4F96-84E7-E9B5C18F92A2}"/>
+                  </a:ext>
+                </a:extLst>
+              </p:cNvPr>
+              <p:cNvPicPr>
+                <a:picLocks noChangeArrowheads="1"/>
+              </p:cNvPicPr>
+              <p:nvPr/>
+            </p:nvPicPr>
+            <p:blipFill>
+              <a:blip r:embed="rId3">
+                <a:extLst>
+                  <a:ext uri="{28A0092B-C50C-407E-A947-70E740481C1C}">
+                    <a14:useLocalDpi xmlns:a14="http://schemas.microsoft.com/office/drawing/2010/main" val="0"/>
+                  </a:ext>
+                </a:extLst>
+              </a:blip>
+              <a:srcRect/>
+              <a:stretch>
+                <a:fillRect/>
+              </a:stretch>
+            </p:blipFill>
+            <p:spPr bwMode="auto">
+              <a:xfrm>
+                <a:off x="1044000" y="1032582"/>
+                <a:ext cx="7056000" cy="3960000"/>
+              </a:xfrm>
+              <a:prstGeom prst="rect">
+                <a:avLst/>
+              </a:prstGeom>
+              <a:noFill/>
               <a:extLst>
-                <a:ext uri="{28A0092B-C50C-407E-A947-70E740481C1C}">
-                  <a14:useLocalDpi xmlns:a14="http://schemas.microsoft.com/office/drawing/2010/main" val="0"/>
+                <a:ext uri="{909E8E84-426E-40DD-AFC4-6F175D3DCCD1}">
+                  <a14:hiddenFill xmlns:a14="http://schemas.microsoft.com/office/drawing/2010/main">
+                    <a:solidFill>
+                      <a:srgbClr val="FFFFFF"/>
+                    </a:solidFill>
+                  </a14:hiddenFill>
                 </a:ext>
               </a:extLst>
-            </a:blip>
-            <a:srcRect/>
-            <a:stretch>
-              <a:fillRect/>
-            </a:stretch>
-          </p:blipFill>
-          <p:spPr bwMode="auto">
+            </p:spPr>
+          </p:pic>
+          <p:sp>
+            <p:nvSpPr>
+              <p:cNvPr id="18" name="자유형: 도형 17">
+                <a:extLst>
+                  <a:ext uri="{FF2B5EF4-FFF2-40B4-BE49-F238E27FC236}">
+                    <a16:creationId xmlns:a16="http://schemas.microsoft.com/office/drawing/2014/main" xmlns="" id="{FC632198-18E5-4C95-98CF-C491471DB158}"/>
+                  </a:ext>
+                </a:extLst>
+              </p:cNvPr>
+              <p:cNvSpPr/>
+              <p:nvPr/>
+            </p:nvSpPr>
+            <p:spPr>
+              <a:xfrm>
+                <a:off x="1044000" y="1046272"/>
+                <a:ext cx="7056000" cy="3960000"/>
+              </a:xfrm>
+              <a:custGeom>
+                <a:avLst/>
+                <a:gdLst>
+                  <a:gd name="connsiteX0" fmla="*/ 6536512 w 7056000"/>
+                  <a:gd name="connsiteY0" fmla="*/ 2937993 h 3960000"/>
+                  <a:gd name="connsiteX1" fmla="*/ 6037702 w 7056000"/>
+                  <a:gd name="connsiteY1" fmla="*/ 3436803 h 3960000"/>
+                  <a:gd name="connsiteX2" fmla="*/ 6536512 w 7056000"/>
+                  <a:gd name="connsiteY2" fmla="*/ 3935613 h 3960000"/>
+                  <a:gd name="connsiteX3" fmla="*/ 7035322 w 7056000"/>
+                  <a:gd name="connsiteY3" fmla="*/ 3436803 h 3960000"/>
+                  <a:gd name="connsiteX4" fmla="*/ 6536512 w 7056000"/>
+                  <a:gd name="connsiteY4" fmla="*/ 2937993 h 3960000"/>
+                  <a:gd name="connsiteX5" fmla="*/ 3449117 w 7056000"/>
+                  <a:gd name="connsiteY5" fmla="*/ 1510916 h 3960000"/>
+                  <a:gd name="connsiteX6" fmla="*/ 3089077 w 7056000"/>
+                  <a:gd name="connsiteY6" fmla="*/ 1870956 h 3960000"/>
+                  <a:gd name="connsiteX7" fmla="*/ 3449117 w 7056000"/>
+                  <a:gd name="connsiteY7" fmla="*/ 2230996 h 3960000"/>
+                  <a:gd name="connsiteX8" fmla="*/ 3809157 w 7056000"/>
+                  <a:gd name="connsiteY8" fmla="*/ 1870956 h 3960000"/>
+                  <a:gd name="connsiteX9" fmla="*/ 3449117 w 7056000"/>
+                  <a:gd name="connsiteY9" fmla="*/ 1510916 h 3960000"/>
+                  <a:gd name="connsiteX10" fmla="*/ 521074 w 7056000"/>
+                  <a:gd name="connsiteY10" fmla="*/ 31356 h 3960000"/>
+                  <a:gd name="connsiteX11" fmla="*/ 34428 w 7056000"/>
+                  <a:gd name="connsiteY11" fmla="*/ 368551 h 3960000"/>
+                  <a:gd name="connsiteX12" fmla="*/ 521074 w 7056000"/>
+                  <a:gd name="connsiteY12" fmla="*/ 705746 h 3960000"/>
+                  <a:gd name="connsiteX13" fmla="*/ 1007720 w 7056000"/>
+                  <a:gd name="connsiteY13" fmla="*/ 368551 h 3960000"/>
+                  <a:gd name="connsiteX14" fmla="*/ 521074 w 7056000"/>
+                  <a:gd name="connsiteY14" fmla="*/ 31356 h 3960000"/>
+                  <a:gd name="connsiteX15" fmla="*/ 0 w 7056000"/>
+                  <a:gd name="connsiteY15" fmla="*/ 0 h 3960000"/>
+                  <a:gd name="connsiteX16" fmla="*/ 7056000 w 7056000"/>
+                  <a:gd name="connsiteY16" fmla="*/ 0 h 3960000"/>
+                  <a:gd name="connsiteX17" fmla="*/ 7056000 w 7056000"/>
+                  <a:gd name="connsiteY17" fmla="*/ 3960000 h 3960000"/>
+                  <a:gd name="connsiteX18" fmla="*/ 0 w 7056000"/>
+                  <a:gd name="connsiteY18" fmla="*/ 3960000 h 3960000"/>
+                </a:gdLst>
+                <a:ahLst/>
+                <a:cxnLst>
+                  <a:cxn ang="0">
+                    <a:pos x="connsiteX0" y="connsiteY0"/>
+                  </a:cxn>
+                  <a:cxn ang="0">
+                    <a:pos x="connsiteX1" y="connsiteY1"/>
+                  </a:cxn>
+                  <a:cxn ang="0">
+                    <a:pos x="connsiteX2" y="connsiteY2"/>
+                  </a:cxn>
+                  <a:cxn ang="0">
+                    <a:pos x="connsiteX3" y="connsiteY3"/>
+                  </a:cxn>
+                  <a:cxn ang="0">
+                    <a:pos x="connsiteX4" y="connsiteY4"/>
+                  </a:cxn>
+                  <a:cxn ang="0">
+                    <a:pos x="connsiteX5" y="connsiteY5"/>
+                  </a:cxn>
+                  <a:cxn ang="0">
+                    <a:pos x="connsiteX6" y="connsiteY6"/>
+                  </a:cxn>
+                  <a:cxn ang="0">
+                    <a:pos x="connsiteX7" y="connsiteY7"/>
+                  </a:cxn>
+                  <a:cxn ang="0">
+                    <a:pos x="connsiteX8" y="connsiteY8"/>
+                  </a:cxn>
+                  <a:cxn ang="0">
+                    <a:pos x="connsiteX9" y="connsiteY9"/>
+                  </a:cxn>
+                  <a:cxn ang="0">
+                    <a:pos x="connsiteX10" y="connsiteY10"/>
+                  </a:cxn>
+                  <a:cxn ang="0">
+                    <a:pos x="connsiteX11" y="connsiteY11"/>
+                  </a:cxn>
+                  <a:cxn ang="0">
+                    <a:pos x="connsiteX12" y="connsiteY12"/>
+                  </a:cxn>
+                  <a:cxn ang="0">
+                    <a:pos x="connsiteX13" y="connsiteY13"/>
+                  </a:cxn>
+                  <a:cxn ang="0">
+                    <a:pos x="connsiteX14" y="connsiteY14"/>
+                  </a:cxn>
+                  <a:cxn ang="0">
+                    <a:pos x="connsiteX15" y="connsiteY15"/>
+                  </a:cxn>
+                  <a:cxn ang="0">
+                    <a:pos x="connsiteX16" y="connsiteY16"/>
+                  </a:cxn>
+                  <a:cxn ang="0">
+                    <a:pos x="connsiteX17" y="connsiteY17"/>
+                  </a:cxn>
+                  <a:cxn ang="0">
+                    <a:pos x="connsiteX18" y="connsiteY18"/>
+                  </a:cxn>
+                </a:cxnLst>
+                <a:rect l="l" t="t" r="r" b="b"/>
+                <a:pathLst>
+                  <a:path w="7056000" h="3960000">
+                    <a:moveTo>
+                      <a:pt x="6536512" y="2937993"/>
+                    </a:moveTo>
+                    <a:cubicBezTo>
+                      <a:pt x="6261027" y="2937993"/>
+                      <a:pt x="6037702" y="3161318"/>
+                      <a:pt x="6037702" y="3436803"/>
+                    </a:cubicBezTo>
+                    <a:cubicBezTo>
+                      <a:pt x="6037702" y="3712288"/>
+                      <a:pt x="6261027" y="3935613"/>
+                      <a:pt x="6536512" y="3935613"/>
+                    </a:cubicBezTo>
+                    <a:cubicBezTo>
+                      <a:pt x="6811997" y="3935613"/>
+                      <a:pt x="7035322" y="3712288"/>
+                      <a:pt x="7035322" y="3436803"/>
+                    </a:cubicBezTo>
+                    <a:cubicBezTo>
+                      <a:pt x="7035322" y="3161318"/>
+                      <a:pt x="6811997" y="2937993"/>
+                      <a:pt x="6536512" y="2937993"/>
+                    </a:cubicBezTo>
+                    <a:close/>
+                    <a:moveTo>
+                      <a:pt x="3449117" y="1510916"/>
+                    </a:moveTo>
+                    <a:cubicBezTo>
+                      <a:pt x="3250272" y="1510916"/>
+                      <a:pt x="3089077" y="1672111"/>
+                      <a:pt x="3089077" y="1870956"/>
+                    </a:cubicBezTo>
+                    <a:cubicBezTo>
+                      <a:pt x="3089077" y="2069801"/>
+                      <a:pt x="3250272" y="2230996"/>
+                      <a:pt x="3449117" y="2230996"/>
+                    </a:cubicBezTo>
+                    <a:cubicBezTo>
+                      <a:pt x="3647962" y="2230996"/>
+                      <a:pt x="3809157" y="2069801"/>
+                      <a:pt x="3809157" y="1870956"/>
+                    </a:cubicBezTo>
+                    <a:cubicBezTo>
+                      <a:pt x="3809157" y="1672111"/>
+                      <a:pt x="3647962" y="1510916"/>
+                      <a:pt x="3449117" y="1510916"/>
+                    </a:cubicBezTo>
+                    <a:close/>
+                    <a:moveTo>
+                      <a:pt x="521074" y="31356"/>
+                    </a:moveTo>
+                    <a:cubicBezTo>
+                      <a:pt x="252307" y="31356"/>
+                      <a:pt x="34428" y="182323"/>
+                      <a:pt x="34428" y="368551"/>
+                    </a:cubicBezTo>
+                    <a:cubicBezTo>
+                      <a:pt x="34428" y="554779"/>
+                      <a:pt x="252307" y="705746"/>
+                      <a:pt x="521074" y="705746"/>
+                    </a:cubicBezTo>
+                    <a:cubicBezTo>
+                      <a:pt x="789841" y="705746"/>
+                      <a:pt x="1007720" y="554779"/>
+                      <a:pt x="1007720" y="368551"/>
+                    </a:cubicBezTo>
+                    <a:cubicBezTo>
+                      <a:pt x="1007720" y="182323"/>
+                      <a:pt x="789841" y="31356"/>
+                      <a:pt x="521074" y="31356"/>
+                    </a:cubicBezTo>
+                    <a:close/>
+                    <a:moveTo>
+                      <a:pt x="0" y="0"/>
+                    </a:moveTo>
+                    <a:lnTo>
+                      <a:pt x="7056000" y="0"/>
+                    </a:lnTo>
+                    <a:lnTo>
+                      <a:pt x="7056000" y="3960000"/>
+                    </a:lnTo>
+                    <a:lnTo>
+                      <a:pt x="0" y="3960000"/>
+                    </a:lnTo>
+                    <a:close/>
+                  </a:path>
+                </a:pathLst>
+              </a:custGeom>
+              <a:solidFill>
+                <a:schemeClr val="tx1">
+                  <a:alpha val="70000"/>
+                </a:schemeClr>
+              </a:solidFill>
+              <a:ln>
+                <a:solidFill>
+                  <a:schemeClr val="tx2">
+                    <a:lumMod val="60000"/>
+                    <a:lumOff val="40000"/>
+                  </a:schemeClr>
+                </a:solidFill>
+              </a:ln>
+            </p:spPr>
+            <p:style>
+              <a:lnRef idx="2">
+                <a:schemeClr val="accent1">
+                  <a:shade val="50000"/>
+                </a:schemeClr>
+              </a:lnRef>
+              <a:fillRef idx="1">
+                <a:schemeClr val="accent1"/>
+              </a:fillRef>
+              <a:effectRef idx="0">
+                <a:schemeClr val="accent1"/>
+              </a:effectRef>
+              <a:fontRef idx="minor">
+                <a:schemeClr val="lt1"/>
+              </a:fontRef>
+            </p:style>
+            <p:txBody>
+              <a:bodyPr rtlCol="0" anchor="ctr"/>
+              <a:lstStyle/>
+              <a:p>
+                <a:pPr algn="ctr"/>
+                <a:endParaRPr lang="ko-KR" altLang="en-US"/>
+              </a:p>
+            </p:txBody>
+          </p:sp>
+        </p:grpSp>
+        <p:sp>
+          <p:nvSpPr>
+            <p:cNvPr id="19" name="TextBox 18">
+              <a:extLst>
+                <a:ext uri="{FF2B5EF4-FFF2-40B4-BE49-F238E27FC236}">
+                  <a16:creationId xmlns:a16="http://schemas.microsoft.com/office/drawing/2014/main" xmlns="" id="{84C33699-257D-4687-8A27-BA9BEE67B4C8}"/>
+                </a:ext>
+              </a:extLst>
+            </p:cNvPr>
+            <p:cNvSpPr txBox="1"/>
+            <p:nvPr/>
+          </p:nvSpPr>
+          <p:spPr>
             <a:xfrm>
-              <a:off x="1044000" y="1032582"/>
-              <a:ext cx="7056000" cy="3960000"/>
+              <a:off x="2037970" y="1198803"/>
+              <a:ext cx="1944216" cy="430887"/>
             </a:xfrm>
             <a:prstGeom prst="rect">
               <a:avLst/>
             </a:prstGeom>
             <a:noFill/>
-            <a:extLst>
-              <a:ext uri="{909E8E84-426E-40DD-AFC4-6F175D3DCCD1}">
-                <a14:hiddenFill xmlns:a14="http://schemas.microsoft.com/office/drawing/2010/main">
+          </p:spPr>
+          <p:txBody>
+            <a:bodyPr wrap="square" rtlCol="0">
+              <a:spAutoFit/>
+            </a:bodyPr>
+            <a:lstStyle/>
+            <a:p>
+              <a:pPr marL="171450" indent="-171450">
+                <a:buFont typeface="Arial" panose="020B0604020202020204" pitchFamily="34" charset="0"/>
+                <a:buChar char="•"/>
+              </a:pPr>
+              <a:r>
+                <a:rPr lang="en-US" altLang="ko-KR" sz="1100" dirty="0">
                   <a:solidFill>
-                    <a:srgbClr val="FFFFFF"/>
+                    <a:schemeClr val="bg1">
+                      <a:lumMod val="85000"/>
+                    </a:schemeClr>
                   </a:solidFill>
-                </a14:hiddenFill>
-              </a:ext>
-            </a:extLst>
-          </p:spPr>
-        </p:pic>
+                </a:rPr>
+                <a:t>HP, </a:t>
+              </a:r>
+              <a:r>
+                <a:rPr lang="ko-KR" altLang="en-US" sz="1100" dirty="0">
+                  <a:solidFill>
+                    <a:schemeClr val="bg1">
+                      <a:lumMod val="85000"/>
+                    </a:schemeClr>
+                  </a:solidFill>
+                </a:rPr>
+                <a:t>아이템</a:t>
+              </a:r>
+              <a:r>
+                <a:rPr lang="en-US" altLang="ko-KR" sz="1100" dirty="0">
+                  <a:solidFill>
+                    <a:schemeClr val="bg1">
+                      <a:lumMod val="85000"/>
+                    </a:schemeClr>
+                  </a:solidFill>
+                </a:rPr>
+                <a:t>,</a:t>
+              </a:r>
+            </a:p>
+            <a:p>
+              <a:pPr marL="171450" indent="-171450">
+                <a:buFont typeface="Arial" panose="020B0604020202020204" pitchFamily="34" charset="0"/>
+                <a:buChar char="•"/>
+              </a:pPr>
+              <a:r>
+                <a:rPr lang="ko-KR" altLang="en-US" sz="1100" dirty="0" err="1">
+                  <a:solidFill>
+                    <a:schemeClr val="bg1">
+                      <a:lumMod val="85000"/>
+                    </a:schemeClr>
+                  </a:solidFill>
+                </a:rPr>
+                <a:t>스킬업에</a:t>
+              </a:r>
+              <a:r>
+                <a:rPr lang="ko-KR" altLang="en-US" sz="1100" dirty="0">
+                  <a:solidFill>
+                    <a:schemeClr val="bg1">
+                      <a:lumMod val="85000"/>
+                    </a:schemeClr>
+                  </a:solidFill>
+                </a:rPr>
+                <a:t> 필요한 포인트</a:t>
+              </a:r>
+            </a:p>
+          </p:txBody>
+        </p:sp>
         <p:sp>
           <p:nvSpPr>
-            <p:cNvPr id="18" name="자유형: 도형 17">
+            <p:cNvPr id="20" name="TextBox 19">
               <a:extLst>
                 <a:ext uri="{FF2B5EF4-FFF2-40B4-BE49-F238E27FC236}">
-                  <a16:creationId xmlns:a16="http://schemas.microsoft.com/office/drawing/2014/main" id="{FC632198-18E5-4C95-98CF-C491471DB158}"/>
+                  <a16:creationId xmlns:a16="http://schemas.microsoft.com/office/drawing/2014/main" xmlns="" id="{6DC580F2-0C50-47EA-8421-BA95F0184485}"/>
                 </a:ext>
               </a:extLst>
             </p:cNvPr>
-            <p:cNvSpPr/>
+            <p:cNvSpPr txBox="1"/>
             <p:nvPr/>
           </p:nvSpPr>
           <p:spPr>
             <a:xfrm>
-              <a:off x="1044000" y="1046272"/>
-              <a:ext cx="7056000" cy="3960000"/>
+              <a:off x="4854786" y="2585283"/>
+              <a:ext cx="2453518" cy="600164"/>
             </a:xfrm>
-            <a:custGeom>
+            <a:prstGeom prst="rect">
               <a:avLst/>
-              <a:gdLst>
-                <a:gd name="connsiteX0" fmla="*/ 6536512 w 7056000"/>
-                <a:gd name="connsiteY0" fmla="*/ 2937993 h 3960000"/>
-                <a:gd name="connsiteX1" fmla="*/ 6037702 w 7056000"/>
-                <a:gd name="connsiteY1" fmla="*/ 3436803 h 3960000"/>
-                <a:gd name="connsiteX2" fmla="*/ 6536512 w 7056000"/>
-                <a:gd name="connsiteY2" fmla="*/ 3935613 h 3960000"/>
-                <a:gd name="connsiteX3" fmla="*/ 7035322 w 7056000"/>
-                <a:gd name="connsiteY3" fmla="*/ 3436803 h 3960000"/>
-                <a:gd name="connsiteX4" fmla="*/ 6536512 w 7056000"/>
-                <a:gd name="connsiteY4" fmla="*/ 2937993 h 3960000"/>
-                <a:gd name="connsiteX5" fmla="*/ 3449117 w 7056000"/>
-                <a:gd name="connsiteY5" fmla="*/ 1510916 h 3960000"/>
-                <a:gd name="connsiteX6" fmla="*/ 3089077 w 7056000"/>
-                <a:gd name="connsiteY6" fmla="*/ 1870956 h 3960000"/>
-                <a:gd name="connsiteX7" fmla="*/ 3449117 w 7056000"/>
-                <a:gd name="connsiteY7" fmla="*/ 2230996 h 3960000"/>
-                <a:gd name="connsiteX8" fmla="*/ 3809157 w 7056000"/>
-                <a:gd name="connsiteY8" fmla="*/ 1870956 h 3960000"/>
-                <a:gd name="connsiteX9" fmla="*/ 3449117 w 7056000"/>
-                <a:gd name="connsiteY9" fmla="*/ 1510916 h 3960000"/>
-                <a:gd name="connsiteX10" fmla="*/ 521074 w 7056000"/>
-                <a:gd name="connsiteY10" fmla="*/ 31356 h 3960000"/>
-                <a:gd name="connsiteX11" fmla="*/ 34428 w 7056000"/>
-                <a:gd name="connsiteY11" fmla="*/ 368551 h 3960000"/>
-                <a:gd name="connsiteX12" fmla="*/ 521074 w 7056000"/>
-                <a:gd name="connsiteY12" fmla="*/ 705746 h 3960000"/>
-                <a:gd name="connsiteX13" fmla="*/ 1007720 w 7056000"/>
-                <a:gd name="connsiteY13" fmla="*/ 368551 h 3960000"/>
-                <a:gd name="connsiteX14" fmla="*/ 521074 w 7056000"/>
-                <a:gd name="connsiteY14" fmla="*/ 31356 h 3960000"/>
-                <a:gd name="connsiteX15" fmla="*/ 0 w 7056000"/>
-                <a:gd name="connsiteY15" fmla="*/ 0 h 3960000"/>
-                <a:gd name="connsiteX16" fmla="*/ 7056000 w 7056000"/>
-                <a:gd name="connsiteY16" fmla="*/ 0 h 3960000"/>
-                <a:gd name="connsiteX17" fmla="*/ 7056000 w 7056000"/>
-                <a:gd name="connsiteY17" fmla="*/ 3960000 h 3960000"/>
-                <a:gd name="connsiteX18" fmla="*/ 0 w 7056000"/>
-                <a:gd name="connsiteY18" fmla="*/ 3960000 h 3960000"/>
-              </a:gdLst>
-              <a:ahLst/>
-              <a:cxnLst>
-                <a:cxn ang="0">
-                  <a:pos x="connsiteX0" y="connsiteY0"/>
-                </a:cxn>
-                <a:cxn ang="0">
-                  <a:pos x="connsiteX1" y="connsiteY1"/>
-                </a:cxn>
-                <a:cxn ang="0">
-                  <a:pos x="connsiteX2" y="connsiteY2"/>
-                </a:cxn>
-                <a:cxn ang="0">
-                  <a:pos x="connsiteX3" y="connsiteY3"/>
-                </a:cxn>
-                <a:cxn ang="0">
-                  <a:pos x="connsiteX4" y="connsiteY4"/>
-                </a:cxn>
-                <a:cxn ang="0">
-                  <a:pos x="connsiteX5" y="connsiteY5"/>
-                </a:cxn>
-                <a:cxn ang="0">
-                  <a:pos x="connsiteX6" y="connsiteY6"/>
-                </a:cxn>
-                <a:cxn ang="0">
-                  <a:pos x="connsiteX7" y="connsiteY7"/>
-                </a:cxn>
-                <a:cxn ang="0">
-                  <a:pos x="connsiteX8" y="connsiteY8"/>
-                </a:cxn>
-                <a:cxn ang="0">
-                  <a:pos x="connsiteX9" y="connsiteY9"/>
-                </a:cxn>
-                <a:cxn ang="0">
-                  <a:pos x="connsiteX10" y="connsiteY10"/>
-                </a:cxn>
-                <a:cxn ang="0">
-                  <a:pos x="connsiteX11" y="connsiteY11"/>
-                </a:cxn>
-                <a:cxn ang="0">
-                  <a:pos x="connsiteX12" y="connsiteY12"/>
-                </a:cxn>
-                <a:cxn ang="0">
-                  <a:pos x="connsiteX13" y="connsiteY13"/>
-                </a:cxn>
-                <a:cxn ang="0">
-                  <a:pos x="connsiteX14" y="connsiteY14"/>
-                </a:cxn>
-                <a:cxn ang="0">
-                  <a:pos x="connsiteX15" y="connsiteY15"/>
-                </a:cxn>
-                <a:cxn ang="0">
-                  <a:pos x="connsiteX16" y="connsiteY16"/>
-                </a:cxn>
-                <a:cxn ang="0">
-                  <a:pos x="connsiteX17" y="connsiteY17"/>
-                </a:cxn>
-                <a:cxn ang="0">
-                  <a:pos x="connsiteX18" y="connsiteY18"/>
-                </a:cxn>
-              </a:cxnLst>
-              <a:rect l="l" t="t" r="r" b="b"/>
-              <a:pathLst>
-                <a:path w="7056000" h="3960000">
-                  <a:moveTo>
-                    <a:pt x="6536512" y="2937993"/>
-                  </a:moveTo>
-                  <a:cubicBezTo>
-                    <a:pt x="6261027" y="2937993"/>
-                    <a:pt x="6037702" y="3161318"/>
-                    <a:pt x="6037702" y="3436803"/>
-                  </a:cubicBezTo>
-                  <a:cubicBezTo>
-                    <a:pt x="6037702" y="3712288"/>
-                    <a:pt x="6261027" y="3935613"/>
-                    <a:pt x="6536512" y="3935613"/>
-                  </a:cubicBezTo>
-                  <a:cubicBezTo>
-                    <a:pt x="6811997" y="3935613"/>
-                    <a:pt x="7035322" y="3712288"/>
-                    <a:pt x="7035322" y="3436803"/>
-                  </a:cubicBezTo>
-                  <a:cubicBezTo>
-                    <a:pt x="7035322" y="3161318"/>
-                    <a:pt x="6811997" y="2937993"/>
-                    <a:pt x="6536512" y="2937993"/>
-                  </a:cubicBezTo>
-                  <a:close/>
-                  <a:moveTo>
-                    <a:pt x="3449117" y="1510916"/>
-                  </a:moveTo>
-                  <a:cubicBezTo>
-                    <a:pt x="3250272" y="1510916"/>
-                    <a:pt x="3089077" y="1672111"/>
-                    <a:pt x="3089077" y="1870956"/>
-                  </a:cubicBezTo>
-                  <a:cubicBezTo>
-                    <a:pt x="3089077" y="2069801"/>
-                    <a:pt x="3250272" y="2230996"/>
-                    <a:pt x="3449117" y="2230996"/>
-                  </a:cubicBezTo>
-                  <a:cubicBezTo>
-                    <a:pt x="3647962" y="2230996"/>
-                    <a:pt x="3809157" y="2069801"/>
-                    <a:pt x="3809157" y="1870956"/>
-                  </a:cubicBezTo>
-                  <a:cubicBezTo>
-                    <a:pt x="3809157" y="1672111"/>
-                    <a:pt x="3647962" y="1510916"/>
-                    <a:pt x="3449117" y="1510916"/>
-                  </a:cubicBezTo>
-                  <a:close/>
-                  <a:moveTo>
-                    <a:pt x="521074" y="31356"/>
-                  </a:moveTo>
-                  <a:cubicBezTo>
-                    <a:pt x="252307" y="31356"/>
-                    <a:pt x="34428" y="182323"/>
-                    <a:pt x="34428" y="368551"/>
-                  </a:cubicBezTo>
-                  <a:cubicBezTo>
-                    <a:pt x="34428" y="554779"/>
-                    <a:pt x="252307" y="705746"/>
-                    <a:pt x="521074" y="705746"/>
-                  </a:cubicBezTo>
-                  <a:cubicBezTo>
-                    <a:pt x="789841" y="705746"/>
-                    <a:pt x="1007720" y="554779"/>
-                    <a:pt x="1007720" y="368551"/>
-                  </a:cubicBezTo>
-                  <a:cubicBezTo>
-                    <a:pt x="1007720" y="182323"/>
-                    <a:pt x="789841" y="31356"/>
-                    <a:pt x="521074" y="31356"/>
-                  </a:cubicBezTo>
-                  <a:close/>
-                  <a:moveTo>
-                    <a:pt x="0" y="0"/>
-                  </a:moveTo>
-                  <a:lnTo>
-                    <a:pt x="7056000" y="0"/>
-                  </a:lnTo>
-                  <a:lnTo>
-                    <a:pt x="7056000" y="3960000"/>
-                  </a:lnTo>
-                  <a:lnTo>
-                    <a:pt x="0" y="3960000"/>
-                  </a:lnTo>
-                  <a:close/>
-                </a:path>
-              </a:pathLst>
-            </a:custGeom>
-            <a:solidFill>
-              <a:schemeClr val="tx1">
-                <a:alpha val="70000"/>
-              </a:schemeClr>
-            </a:solidFill>
-            <a:ln>
-              <a:solidFill>
-                <a:schemeClr val="tx2">
-                  <a:lumMod val="60000"/>
-                  <a:lumOff val="40000"/>
-                </a:schemeClr>
-              </a:solidFill>
-            </a:ln>
+            </a:prstGeom>
+            <a:noFill/>
           </p:spPr>
-          <p:style>
-            <a:lnRef idx="2">
-              <a:schemeClr val="accent1">
-                <a:shade val="50000"/>
-              </a:schemeClr>
-            </a:lnRef>
-            <a:fillRef idx="1">
-              <a:schemeClr val="accent1"/>
-            </a:fillRef>
-            <a:effectRef idx="0">
-              <a:schemeClr val="accent1"/>
-            </a:effectRef>
-            <a:fontRef idx="minor">
-              <a:schemeClr val="lt1"/>
-            </a:fontRef>
-          </p:style>
           <p:txBody>
-            <a:bodyPr rtlCol="0" anchor="ctr"/>
+            <a:bodyPr wrap="square" rtlCol="0">
+              <a:spAutoFit/>
+            </a:bodyPr>
             <a:lstStyle/>
             <a:p>
-              <a:pPr algn="ctr"/>
-              <a:endParaRPr lang="ko-KR" altLang="en-US"/>
+              <a:pPr marL="171450" indent="-171450">
+                <a:buFont typeface="Arial" panose="020B0604020202020204" pitchFamily="34" charset="0"/>
+                <a:buChar char="•"/>
+              </a:pPr>
+              <a:r>
+                <a:rPr lang="ko-KR" altLang="en-US" sz="1100" dirty="0">
+                  <a:solidFill>
+                    <a:schemeClr val="bg1">
+                      <a:lumMod val="85000"/>
+                    </a:schemeClr>
+                  </a:solidFill>
+                </a:rPr>
+                <a:t>상하좌우로 이동하는 플레이어</a:t>
+              </a:r>
+              <a:endParaRPr lang="en-US" altLang="ko-KR" sz="1100" dirty="0">
+                <a:solidFill>
+                  <a:schemeClr val="bg1">
+                    <a:lumMod val="85000"/>
+                  </a:schemeClr>
+                </a:solidFill>
+              </a:endParaRPr>
+            </a:p>
+            <a:p>
+              <a:pPr marL="171450" indent="-171450">
+                <a:buFont typeface="Arial" panose="020B0604020202020204" pitchFamily="34" charset="0"/>
+                <a:buChar char="•"/>
+              </a:pPr>
+              <a:r>
+                <a:rPr lang="ko-KR" altLang="en-US" sz="1100" dirty="0">
+                  <a:solidFill>
+                    <a:schemeClr val="bg1">
+                      <a:lumMod val="85000"/>
+                    </a:schemeClr>
+                  </a:solidFill>
+                </a:rPr>
+                <a:t>마우스 클릭으로 총탄 발사</a:t>
+              </a:r>
+              <a:endParaRPr lang="en-US" altLang="ko-KR" sz="1100" dirty="0">
+                <a:solidFill>
+                  <a:schemeClr val="bg1">
+                    <a:lumMod val="85000"/>
+                  </a:schemeClr>
+                </a:solidFill>
+              </a:endParaRPr>
+            </a:p>
+            <a:p>
+              <a:pPr marL="171450" indent="-171450">
+                <a:buFont typeface="Arial" panose="020B0604020202020204" pitchFamily="34" charset="0"/>
+                <a:buChar char="•"/>
+              </a:pPr>
+              <a:r>
+                <a:rPr lang="ko-KR" altLang="en-US" sz="1100" dirty="0">
+                  <a:solidFill>
+                    <a:schemeClr val="bg1">
+                      <a:lumMod val="85000"/>
+                    </a:schemeClr>
+                  </a:solidFill>
+                </a:rPr>
+                <a:t>각종 상호작용 행동들</a:t>
+              </a:r>
+            </a:p>
+          </p:txBody>
+        </p:sp>
+        <p:sp>
+          <p:nvSpPr>
+            <p:cNvPr id="21" name="TextBox 20">
+              <a:extLst>
+                <a:ext uri="{FF2B5EF4-FFF2-40B4-BE49-F238E27FC236}">
+                  <a16:creationId xmlns:a16="http://schemas.microsoft.com/office/drawing/2014/main" xmlns="" id="{1046017D-C94A-47B7-AF65-60F8F0125FEE}"/>
+                </a:ext>
+              </a:extLst>
+            </p:cNvPr>
+            <p:cNvSpPr txBox="1"/>
+            <p:nvPr/>
+          </p:nvSpPr>
+          <p:spPr>
+            <a:xfrm>
+              <a:off x="4716016" y="4203834"/>
+              <a:ext cx="2340260" cy="600164"/>
+            </a:xfrm>
+            <a:prstGeom prst="rect">
+              <a:avLst/>
+            </a:prstGeom>
+            <a:noFill/>
+          </p:spPr>
+          <p:txBody>
+            <a:bodyPr wrap="square" rtlCol="0">
+              <a:spAutoFit/>
+            </a:bodyPr>
+            <a:lstStyle/>
+            <a:p>
+              <a:pPr marL="171450" indent="-171450">
+                <a:buFont typeface="Arial" panose="020B0604020202020204" pitchFamily="34" charset="0"/>
+                <a:buChar char="•"/>
+              </a:pPr>
+              <a:r>
+                <a:rPr lang="ko-KR" altLang="en-US" sz="1100" dirty="0">
+                  <a:solidFill>
+                    <a:schemeClr val="bg1">
+                      <a:lumMod val="85000"/>
+                    </a:schemeClr>
+                  </a:solidFill>
+                </a:rPr>
+                <a:t>다양한 특징을 가지는 총들</a:t>
+              </a:r>
+              <a:endParaRPr lang="en-US" altLang="ko-KR" sz="1100" dirty="0">
+                <a:solidFill>
+                  <a:schemeClr val="bg1">
+                    <a:lumMod val="85000"/>
+                  </a:schemeClr>
+                </a:solidFill>
+              </a:endParaRPr>
+            </a:p>
+            <a:p>
+              <a:pPr marL="171450" indent="-171450">
+                <a:buFont typeface="Arial" panose="020B0604020202020204" pitchFamily="34" charset="0"/>
+                <a:buChar char="•"/>
+              </a:pPr>
+              <a:r>
+                <a:rPr lang="ko-KR" altLang="en-US" sz="1100" dirty="0">
+                  <a:solidFill>
+                    <a:schemeClr val="bg1">
+                      <a:lumMod val="85000"/>
+                    </a:schemeClr>
+                  </a:solidFill>
+                </a:rPr>
+                <a:t>재장전해서 사용</a:t>
+              </a:r>
+              <a:endParaRPr lang="en-US" altLang="ko-KR" sz="1100" dirty="0">
+                <a:solidFill>
+                  <a:schemeClr val="bg1">
+                    <a:lumMod val="85000"/>
+                  </a:schemeClr>
+                </a:solidFill>
+              </a:endParaRPr>
+            </a:p>
+            <a:p>
+              <a:pPr marL="171450" indent="-171450">
+                <a:buFont typeface="Arial" panose="020B0604020202020204" pitchFamily="34" charset="0"/>
+                <a:buChar char="•"/>
+              </a:pPr>
+              <a:r>
+                <a:rPr lang="ko-KR" altLang="en-US" sz="1100" dirty="0">
+                  <a:solidFill>
+                    <a:schemeClr val="bg1">
+                      <a:lumMod val="85000"/>
+                    </a:schemeClr>
+                  </a:solidFill>
+                </a:rPr>
+                <a:t>각각 적용되는 잔여 총탄 개수</a:t>
+              </a:r>
             </a:p>
           </p:txBody>
         </p:sp>
       </p:grpSp>
-      <p:sp>
-        <p:nvSpPr>
-          <p:cNvPr id="19" name="TextBox 18">
-            <a:extLst>
-              <a:ext uri="{FF2B5EF4-FFF2-40B4-BE49-F238E27FC236}">
-                <a16:creationId xmlns:a16="http://schemas.microsoft.com/office/drawing/2014/main" id="{84C33699-257D-4687-8A27-BA9BEE67B4C8}"/>
-              </a:ext>
-            </a:extLst>
-          </p:cNvPr>
-          <p:cNvSpPr txBox="1"/>
-          <p:nvPr/>
-        </p:nvSpPr>
-        <p:spPr>
-          <a:xfrm>
-            <a:off x="2037970" y="1198803"/>
-            <a:ext cx="1944216" cy="430887"/>
-          </a:xfrm>
-          <a:prstGeom prst="rect">
-            <a:avLst/>
-          </a:prstGeom>
-          <a:noFill/>
-        </p:spPr>
-        <p:txBody>
-          <a:bodyPr wrap="square" rtlCol="0">
-            <a:spAutoFit/>
-          </a:bodyPr>
-          <a:lstStyle/>
-          <a:p>
-            <a:pPr marL="171450" indent="-171450">
-              <a:buFont typeface="Arial" panose="020B0604020202020204" pitchFamily="34" charset="0"/>
-              <a:buChar char="•"/>
-            </a:pPr>
-            <a:r>
-              <a:rPr lang="en-US" altLang="ko-KR" sz="1100" dirty="0">
-                <a:solidFill>
-                  <a:schemeClr val="bg1">
-                    <a:lumMod val="85000"/>
-                  </a:schemeClr>
-                </a:solidFill>
-              </a:rPr>
-              <a:t>HP, </a:t>
-            </a:r>
-            <a:r>
-              <a:rPr lang="ko-KR" altLang="en-US" sz="1100" dirty="0">
-                <a:solidFill>
-                  <a:schemeClr val="bg1">
-                    <a:lumMod val="85000"/>
-                  </a:schemeClr>
-                </a:solidFill>
-              </a:rPr>
-              <a:t>아이템</a:t>
-            </a:r>
-            <a:r>
-              <a:rPr lang="en-US" altLang="ko-KR" sz="1100" dirty="0">
-                <a:solidFill>
-                  <a:schemeClr val="bg1">
-                    <a:lumMod val="85000"/>
-                  </a:schemeClr>
-                </a:solidFill>
-              </a:rPr>
-              <a:t>,</a:t>
-            </a:r>
-          </a:p>
-          <a:p>
-            <a:pPr marL="171450" indent="-171450">
-              <a:buFont typeface="Arial" panose="020B0604020202020204" pitchFamily="34" charset="0"/>
-              <a:buChar char="•"/>
-            </a:pPr>
-            <a:r>
-              <a:rPr lang="ko-KR" altLang="en-US" sz="1100" dirty="0" err="1">
-                <a:solidFill>
-                  <a:schemeClr val="bg1">
-                    <a:lumMod val="85000"/>
-                  </a:schemeClr>
-                </a:solidFill>
-              </a:rPr>
-              <a:t>스킬업에</a:t>
-            </a:r>
-            <a:r>
-              <a:rPr lang="ko-KR" altLang="en-US" sz="1100" dirty="0">
-                <a:solidFill>
-                  <a:schemeClr val="bg1">
-                    <a:lumMod val="85000"/>
-                  </a:schemeClr>
-                </a:solidFill>
-              </a:rPr>
-              <a:t> 필요한 포인트</a:t>
-            </a:r>
-          </a:p>
-        </p:txBody>
-      </p:sp>
-      <p:sp>
-        <p:nvSpPr>
-          <p:cNvPr id="20" name="TextBox 19">
-            <a:extLst>
-              <a:ext uri="{FF2B5EF4-FFF2-40B4-BE49-F238E27FC236}">
-                <a16:creationId xmlns:a16="http://schemas.microsoft.com/office/drawing/2014/main" id="{6DC580F2-0C50-47EA-8421-BA95F0184485}"/>
-              </a:ext>
-            </a:extLst>
-          </p:cNvPr>
-          <p:cNvSpPr txBox="1"/>
-          <p:nvPr/>
-        </p:nvSpPr>
-        <p:spPr>
-          <a:xfrm>
-            <a:off x="4854786" y="2585283"/>
-            <a:ext cx="2453518" cy="600164"/>
-          </a:xfrm>
-          <a:prstGeom prst="rect">
-            <a:avLst/>
-          </a:prstGeom>
-          <a:noFill/>
-        </p:spPr>
-        <p:txBody>
-          <a:bodyPr wrap="square" rtlCol="0">
-            <a:spAutoFit/>
-          </a:bodyPr>
-          <a:lstStyle/>
-          <a:p>
-            <a:pPr marL="171450" indent="-171450">
-              <a:buFont typeface="Arial" panose="020B0604020202020204" pitchFamily="34" charset="0"/>
-              <a:buChar char="•"/>
-            </a:pPr>
-            <a:r>
-              <a:rPr lang="ko-KR" altLang="en-US" sz="1100" dirty="0">
-                <a:solidFill>
-                  <a:schemeClr val="bg1">
-                    <a:lumMod val="85000"/>
-                  </a:schemeClr>
-                </a:solidFill>
-              </a:rPr>
-              <a:t>상하좌우로 이동하는 플레이어</a:t>
-            </a:r>
-            <a:endParaRPr lang="en-US" altLang="ko-KR" sz="1100" dirty="0">
-              <a:solidFill>
-                <a:schemeClr val="bg1">
-                  <a:lumMod val="85000"/>
-                </a:schemeClr>
-              </a:solidFill>
-            </a:endParaRPr>
-          </a:p>
-          <a:p>
-            <a:pPr marL="171450" indent="-171450">
-              <a:buFont typeface="Arial" panose="020B0604020202020204" pitchFamily="34" charset="0"/>
-              <a:buChar char="•"/>
-            </a:pPr>
-            <a:r>
-              <a:rPr lang="ko-KR" altLang="en-US" sz="1100" dirty="0">
-                <a:solidFill>
-                  <a:schemeClr val="bg1">
-                    <a:lumMod val="85000"/>
-                  </a:schemeClr>
-                </a:solidFill>
-              </a:rPr>
-              <a:t>마우스 클릭으로 총탄 발사</a:t>
-            </a:r>
-            <a:endParaRPr lang="en-US" altLang="ko-KR" sz="1100" dirty="0">
-              <a:solidFill>
-                <a:schemeClr val="bg1">
-                  <a:lumMod val="85000"/>
-                </a:schemeClr>
-              </a:solidFill>
-            </a:endParaRPr>
-          </a:p>
-          <a:p>
-            <a:pPr marL="171450" indent="-171450">
-              <a:buFont typeface="Arial" panose="020B0604020202020204" pitchFamily="34" charset="0"/>
-              <a:buChar char="•"/>
-            </a:pPr>
-            <a:r>
-              <a:rPr lang="ko-KR" altLang="en-US" sz="1100" dirty="0">
-                <a:solidFill>
-                  <a:schemeClr val="bg1">
-                    <a:lumMod val="85000"/>
-                  </a:schemeClr>
-                </a:solidFill>
-              </a:rPr>
-              <a:t>각종 상호작용 행동들</a:t>
-            </a:r>
-          </a:p>
-        </p:txBody>
-      </p:sp>
-      <p:sp>
-        <p:nvSpPr>
-          <p:cNvPr id="21" name="TextBox 20">
-            <a:extLst>
-              <a:ext uri="{FF2B5EF4-FFF2-40B4-BE49-F238E27FC236}">
-                <a16:creationId xmlns:a16="http://schemas.microsoft.com/office/drawing/2014/main" id="{1046017D-C94A-47B7-AF65-60F8F0125FEE}"/>
-              </a:ext>
-            </a:extLst>
-          </p:cNvPr>
-          <p:cNvSpPr txBox="1"/>
-          <p:nvPr/>
-        </p:nvSpPr>
-        <p:spPr>
-          <a:xfrm>
-            <a:off x="4716016" y="4203834"/>
-            <a:ext cx="2340260" cy="600164"/>
-          </a:xfrm>
-          <a:prstGeom prst="rect">
-            <a:avLst/>
-          </a:prstGeom>
-          <a:noFill/>
-        </p:spPr>
-        <p:txBody>
-          <a:bodyPr wrap="square" rtlCol="0">
-            <a:spAutoFit/>
-          </a:bodyPr>
-          <a:lstStyle/>
-          <a:p>
-            <a:pPr marL="171450" indent="-171450">
-              <a:buFont typeface="Arial" panose="020B0604020202020204" pitchFamily="34" charset="0"/>
-              <a:buChar char="•"/>
-            </a:pPr>
-            <a:r>
-              <a:rPr lang="ko-KR" altLang="en-US" sz="1100" dirty="0">
-                <a:solidFill>
-                  <a:schemeClr val="bg1">
-                    <a:lumMod val="85000"/>
-                  </a:schemeClr>
-                </a:solidFill>
-              </a:rPr>
-              <a:t>다양한 특징을 가지는 총들</a:t>
-            </a:r>
-            <a:endParaRPr lang="en-US" altLang="ko-KR" sz="1100" dirty="0">
-              <a:solidFill>
-                <a:schemeClr val="bg1">
-                  <a:lumMod val="85000"/>
-                </a:schemeClr>
-              </a:solidFill>
-            </a:endParaRPr>
-          </a:p>
-          <a:p>
-            <a:pPr marL="171450" indent="-171450">
-              <a:buFont typeface="Arial" panose="020B0604020202020204" pitchFamily="34" charset="0"/>
-              <a:buChar char="•"/>
-            </a:pPr>
-            <a:r>
-              <a:rPr lang="ko-KR" altLang="en-US" sz="1100" dirty="0">
-                <a:solidFill>
-                  <a:schemeClr val="bg1">
-                    <a:lumMod val="85000"/>
-                  </a:schemeClr>
-                </a:solidFill>
-              </a:rPr>
-              <a:t>재장전해서 사용</a:t>
-            </a:r>
-            <a:endParaRPr lang="en-US" altLang="ko-KR" sz="1100" dirty="0">
-              <a:solidFill>
-                <a:schemeClr val="bg1">
-                  <a:lumMod val="85000"/>
-                </a:schemeClr>
-              </a:solidFill>
-            </a:endParaRPr>
-          </a:p>
-          <a:p>
-            <a:pPr marL="171450" indent="-171450">
-              <a:buFont typeface="Arial" panose="020B0604020202020204" pitchFamily="34" charset="0"/>
-              <a:buChar char="•"/>
-            </a:pPr>
-            <a:r>
-              <a:rPr lang="ko-KR" altLang="en-US" sz="1100" dirty="0">
-                <a:solidFill>
-                  <a:schemeClr val="bg1">
-                    <a:lumMod val="85000"/>
-                  </a:schemeClr>
-                </a:solidFill>
-              </a:rPr>
-              <a:t>각각 적용되는 잔여 총탄 개수</a:t>
-            </a:r>
-          </a:p>
-        </p:txBody>
-      </p:sp>
     </p:spTree>
     <p:extLst>
       <p:ext uri="{BB962C8B-B14F-4D97-AF65-F5344CB8AC3E}">
@@ -26974,7 +27159,7 @@
           <p:cNvPr id="12" name="제목 1">
             <a:extLst>
               <a:ext uri="{FF2B5EF4-FFF2-40B4-BE49-F238E27FC236}">
-                <a16:creationId xmlns:a16="http://schemas.microsoft.com/office/drawing/2014/main" id="{E17482A4-46EE-4C7E-92CB-318C2C7BB51F}"/>
+                <a16:creationId xmlns:a16="http://schemas.microsoft.com/office/drawing/2014/main" xmlns="" id="{E17482A4-46EE-4C7E-92CB-318C2C7BB51F}"/>
               </a:ext>
             </a:extLst>
           </p:cNvPr>
@@ -27029,6 +27214,16 @@
               </a:rPr>
               <a:t>저희가 만들 게임의 큰 틀은 이렇습니다</a:t>
             </a:r>
+            <a:r>
+              <a:rPr lang="en-US" altLang="ko-KR" sz="1200" spc="-150" dirty="0">
+                <a:solidFill>
+                  <a:schemeClr val="bg1">
+                    <a:lumMod val="65000"/>
+                  </a:schemeClr>
+                </a:solidFill>
+              </a:rPr>
+              <a:t/>
+            </a:r>
             <a:br>
               <a:rPr lang="en-US" altLang="ko-KR" sz="1200" spc="-150" dirty="0">
                 <a:solidFill>
@@ -27098,7 +27293,7 @@
           <p:cNvPr id="9" name="그림 8">
             <a:extLst>
               <a:ext uri="{FF2B5EF4-FFF2-40B4-BE49-F238E27FC236}">
-                <a16:creationId xmlns:a16="http://schemas.microsoft.com/office/drawing/2014/main" id="{FF150665-2CD6-42DA-AC95-FD9CE51EF7A1}"/>
+                <a16:creationId xmlns:a16="http://schemas.microsoft.com/office/drawing/2014/main" xmlns="" id="{FF150665-2CD6-42DA-AC95-FD9CE51EF7A1}"/>
               </a:ext>
             </a:extLst>
           </p:cNvPr>
@@ -27127,7 +27322,7 @@
           <p:cNvPr id="10" name="그림 9">
             <a:extLst>
               <a:ext uri="{FF2B5EF4-FFF2-40B4-BE49-F238E27FC236}">
-                <a16:creationId xmlns:a16="http://schemas.microsoft.com/office/drawing/2014/main" id="{39FF018D-1327-4778-8273-9B99A44C05B8}"/>
+                <a16:creationId xmlns:a16="http://schemas.microsoft.com/office/drawing/2014/main" xmlns="" id="{39FF018D-1327-4778-8273-9B99A44C05B8}"/>
               </a:ext>
             </a:extLst>
           </p:cNvPr>
@@ -27156,7 +27351,7 @@
           <p:cNvPr id="13" name="연결선: 꺾임 12">
             <a:extLst>
               <a:ext uri="{FF2B5EF4-FFF2-40B4-BE49-F238E27FC236}">
-                <a16:creationId xmlns:a16="http://schemas.microsoft.com/office/drawing/2014/main" id="{5C913A41-F8BC-47F2-8E75-D74574D02AEB}"/>
+                <a16:creationId xmlns:a16="http://schemas.microsoft.com/office/drawing/2014/main" xmlns="" id="{5C913A41-F8BC-47F2-8E75-D74574D02AEB}"/>
               </a:ext>
             </a:extLst>
           </p:cNvPr>
@@ -27204,7 +27399,7 @@
           <p:cNvPr id="3" name="사각형: 둥근 모서리 2">
             <a:extLst>
               <a:ext uri="{FF2B5EF4-FFF2-40B4-BE49-F238E27FC236}">
-                <a16:creationId xmlns:a16="http://schemas.microsoft.com/office/drawing/2014/main" id="{26A43A53-CA98-4C66-A623-A19DD161ADD6}"/>
+                <a16:creationId xmlns:a16="http://schemas.microsoft.com/office/drawing/2014/main" xmlns="" id="{26A43A53-CA98-4C66-A623-A19DD161ADD6}"/>
               </a:ext>
             </a:extLst>
           </p:cNvPr>
@@ -27272,7 +27467,7 @@
           <p:cNvPr id="5" name="순서도: 대체 처리 4">
             <a:extLst>
               <a:ext uri="{FF2B5EF4-FFF2-40B4-BE49-F238E27FC236}">
-                <a16:creationId xmlns:a16="http://schemas.microsoft.com/office/drawing/2014/main" id="{7997AC99-5CE2-4A3D-A9FD-0CCAF1172ADF}"/>
+                <a16:creationId xmlns:a16="http://schemas.microsoft.com/office/drawing/2014/main" xmlns="" id="{7997AC99-5CE2-4A3D-A9FD-0CCAF1172ADF}"/>
               </a:ext>
             </a:extLst>
           </p:cNvPr>
@@ -27338,7 +27533,7 @@
           <p:cNvPr id="15" name="순서도: 대체 처리 14">
             <a:extLst>
               <a:ext uri="{FF2B5EF4-FFF2-40B4-BE49-F238E27FC236}">
-                <a16:creationId xmlns:a16="http://schemas.microsoft.com/office/drawing/2014/main" id="{049C5DB8-F153-4314-8AE3-B3CD3A020C0F}"/>
+                <a16:creationId xmlns:a16="http://schemas.microsoft.com/office/drawing/2014/main" xmlns="" id="{049C5DB8-F153-4314-8AE3-B3CD3A020C0F}"/>
               </a:ext>
             </a:extLst>
           </p:cNvPr>
@@ -27409,7 +27604,7 @@
           <p:cNvPr id="20" name="순서도: 대체 처리 19">
             <a:extLst>
               <a:ext uri="{FF2B5EF4-FFF2-40B4-BE49-F238E27FC236}">
-                <a16:creationId xmlns:a16="http://schemas.microsoft.com/office/drawing/2014/main" id="{4B575EBD-A484-422C-A926-AA51CCD56B34}"/>
+                <a16:creationId xmlns:a16="http://schemas.microsoft.com/office/drawing/2014/main" xmlns="" id="{4B575EBD-A484-422C-A926-AA51CCD56B34}"/>
               </a:ext>
             </a:extLst>
           </p:cNvPr>
@@ -27507,7 +27702,7 @@
           <p:cNvPr id="16" name="순서도: 대체 처리 15">
             <a:extLst>
               <a:ext uri="{FF2B5EF4-FFF2-40B4-BE49-F238E27FC236}">
-                <a16:creationId xmlns:a16="http://schemas.microsoft.com/office/drawing/2014/main" id="{45DE9CC1-7FAE-4DB1-9BDA-765C43DB37F1}"/>
+                <a16:creationId xmlns:a16="http://schemas.microsoft.com/office/drawing/2014/main" xmlns="" id="{45DE9CC1-7FAE-4DB1-9BDA-765C43DB37F1}"/>
               </a:ext>
             </a:extLst>
           </p:cNvPr>
@@ -27597,7 +27792,7 @@
           <p:cNvPr id="21" name="사각형: 둥근 모서리 20">
             <a:extLst>
               <a:ext uri="{FF2B5EF4-FFF2-40B4-BE49-F238E27FC236}">
-                <a16:creationId xmlns:a16="http://schemas.microsoft.com/office/drawing/2014/main" id="{C975A0D9-D29A-43F4-82AE-9B154A19862F}"/>
+                <a16:creationId xmlns:a16="http://schemas.microsoft.com/office/drawing/2014/main" xmlns="" id="{C975A0D9-D29A-43F4-82AE-9B154A19862F}"/>
               </a:ext>
             </a:extLst>
           </p:cNvPr>
@@ -27665,7 +27860,7 @@
           <p:cNvPr id="18" name="순서도: 대체 처리 17">
             <a:extLst>
               <a:ext uri="{FF2B5EF4-FFF2-40B4-BE49-F238E27FC236}">
-                <a16:creationId xmlns:a16="http://schemas.microsoft.com/office/drawing/2014/main" id="{A6AB6E0F-2E69-4895-BA1D-415972C7B6CA}"/>
+                <a16:creationId xmlns:a16="http://schemas.microsoft.com/office/drawing/2014/main" xmlns="" id="{A6AB6E0F-2E69-4895-BA1D-415972C7B6CA}"/>
               </a:ext>
             </a:extLst>
           </p:cNvPr>
@@ -27731,7 +27926,7 @@
           <p:cNvPr id="6" name="순서도: 판단 5">
             <a:extLst>
               <a:ext uri="{FF2B5EF4-FFF2-40B4-BE49-F238E27FC236}">
-                <a16:creationId xmlns:a16="http://schemas.microsoft.com/office/drawing/2014/main" id="{22386240-0520-4606-8FD6-CAC79B76D0C1}"/>
+                <a16:creationId xmlns:a16="http://schemas.microsoft.com/office/drawing/2014/main" xmlns="" id="{22386240-0520-4606-8FD6-CAC79B76D0C1}"/>
               </a:ext>
             </a:extLst>
           </p:cNvPr>
@@ -27797,7 +27992,7 @@
           <p:cNvPr id="22" name="사각형: 둥근 모서리 21">
             <a:extLst>
               <a:ext uri="{FF2B5EF4-FFF2-40B4-BE49-F238E27FC236}">
-                <a16:creationId xmlns:a16="http://schemas.microsoft.com/office/drawing/2014/main" id="{BD00D68A-D763-4FF5-993E-3DAE672990F9}"/>
+                <a16:creationId xmlns:a16="http://schemas.microsoft.com/office/drawing/2014/main" xmlns="" id="{BD00D68A-D763-4FF5-993E-3DAE672990F9}"/>
               </a:ext>
             </a:extLst>
           </p:cNvPr>
@@ -27865,7 +28060,7 @@
           <p:cNvPr id="26" name="직선 화살표 연결선 25">
             <a:extLst>
               <a:ext uri="{FF2B5EF4-FFF2-40B4-BE49-F238E27FC236}">
-                <a16:creationId xmlns:a16="http://schemas.microsoft.com/office/drawing/2014/main" id="{07A80820-9ECA-46C6-94E5-E98148413DB9}"/>
+                <a16:creationId xmlns:a16="http://schemas.microsoft.com/office/drawing/2014/main" xmlns="" id="{07A80820-9ECA-46C6-94E5-E98148413DB9}"/>
               </a:ext>
             </a:extLst>
           </p:cNvPr>
@@ -27913,7 +28108,7 @@
           <p:cNvPr id="27" name="직선 화살표 연결선 26">
             <a:extLst>
               <a:ext uri="{FF2B5EF4-FFF2-40B4-BE49-F238E27FC236}">
-                <a16:creationId xmlns:a16="http://schemas.microsoft.com/office/drawing/2014/main" id="{56B98FC5-4AF9-4333-B7DE-EB7EF8C9050B}"/>
+                <a16:creationId xmlns:a16="http://schemas.microsoft.com/office/drawing/2014/main" xmlns="" id="{56B98FC5-4AF9-4333-B7DE-EB7EF8C9050B}"/>
               </a:ext>
             </a:extLst>
           </p:cNvPr>
@@ -27961,7 +28156,7 @@
           <p:cNvPr id="28" name="직선 화살표 연결선 27">
             <a:extLst>
               <a:ext uri="{FF2B5EF4-FFF2-40B4-BE49-F238E27FC236}">
-                <a16:creationId xmlns:a16="http://schemas.microsoft.com/office/drawing/2014/main" id="{DDBAB0BB-9CBE-43FA-997E-2F571E8702F7}"/>
+                <a16:creationId xmlns:a16="http://schemas.microsoft.com/office/drawing/2014/main" xmlns="" id="{DDBAB0BB-9CBE-43FA-997E-2F571E8702F7}"/>
               </a:ext>
             </a:extLst>
           </p:cNvPr>
@@ -28009,7 +28204,7 @@
           <p:cNvPr id="29" name="직선 화살표 연결선 28">
             <a:extLst>
               <a:ext uri="{FF2B5EF4-FFF2-40B4-BE49-F238E27FC236}">
-                <a16:creationId xmlns:a16="http://schemas.microsoft.com/office/drawing/2014/main" id="{06F22CEE-DA9D-4E3D-879C-E8ED0FF9B18A}"/>
+                <a16:creationId xmlns:a16="http://schemas.microsoft.com/office/drawing/2014/main" xmlns="" id="{06F22CEE-DA9D-4E3D-879C-E8ED0FF9B18A}"/>
               </a:ext>
             </a:extLst>
           </p:cNvPr>
@@ -28057,7 +28252,7 @@
           <p:cNvPr id="30" name="직선 화살표 연결선 29">
             <a:extLst>
               <a:ext uri="{FF2B5EF4-FFF2-40B4-BE49-F238E27FC236}">
-                <a16:creationId xmlns:a16="http://schemas.microsoft.com/office/drawing/2014/main" id="{9321B143-ACA9-46A8-A69F-6B103CD81647}"/>
+                <a16:creationId xmlns:a16="http://schemas.microsoft.com/office/drawing/2014/main" xmlns="" id="{9321B143-ACA9-46A8-A69F-6B103CD81647}"/>
               </a:ext>
             </a:extLst>
           </p:cNvPr>
@@ -28105,7 +28300,7 @@
           <p:cNvPr id="31" name="직선 화살표 연결선 30">
             <a:extLst>
               <a:ext uri="{FF2B5EF4-FFF2-40B4-BE49-F238E27FC236}">
-                <a16:creationId xmlns:a16="http://schemas.microsoft.com/office/drawing/2014/main" id="{6DFC6CCC-AE28-4233-B3F5-D26F81E22472}"/>
+                <a16:creationId xmlns:a16="http://schemas.microsoft.com/office/drawing/2014/main" xmlns="" id="{6DFC6CCC-AE28-4233-B3F5-D26F81E22472}"/>
               </a:ext>
             </a:extLst>
           </p:cNvPr>
@@ -28153,7 +28348,7 @@
           <p:cNvPr id="32" name="직선 화살표 연결선 31">
             <a:extLst>
               <a:ext uri="{FF2B5EF4-FFF2-40B4-BE49-F238E27FC236}">
-                <a16:creationId xmlns:a16="http://schemas.microsoft.com/office/drawing/2014/main" id="{F663A139-5894-40EF-9B19-861D35267A15}"/>
+                <a16:creationId xmlns:a16="http://schemas.microsoft.com/office/drawing/2014/main" xmlns="" id="{F663A139-5894-40EF-9B19-861D35267A15}"/>
               </a:ext>
             </a:extLst>
           </p:cNvPr>
@@ -28201,7 +28396,7 @@
           <p:cNvPr id="45" name="직선 화살표 연결선 44">
             <a:extLst>
               <a:ext uri="{FF2B5EF4-FFF2-40B4-BE49-F238E27FC236}">
-                <a16:creationId xmlns:a16="http://schemas.microsoft.com/office/drawing/2014/main" id="{AC652742-8FD1-484C-8B7B-64CE77870385}"/>
+                <a16:creationId xmlns:a16="http://schemas.microsoft.com/office/drawing/2014/main" xmlns="" id="{AC652742-8FD1-484C-8B7B-64CE77870385}"/>
               </a:ext>
             </a:extLst>
           </p:cNvPr>
@@ -28249,7 +28444,7 @@
           <p:cNvPr id="59" name="TextBox 58">
             <a:extLst>
               <a:ext uri="{FF2B5EF4-FFF2-40B4-BE49-F238E27FC236}">
-                <a16:creationId xmlns:a16="http://schemas.microsoft.com/office/drawing/2014/main" id="{3629FBF9-99F3-4F01-8698-4A26FAA34226}"/>
+                <a16:creationId xmlns:a16="http://schemas.microsoft.com/office/drawing/2014/main" xmlns="" id="{3629FBF9-99F3-4F01-8698-4A26FAA34226}"/>
               </a:ext>
             </a:extLst>
           </p:cNvPr>
@@ -28289,7 +28484,7 @@
           <p:cNvPr id="60" name="TextBox 59">
             <a:extLst>
               <a:ext uri="{FF2B5EF4-FFF2-40B4-BE49-F238E27FC236}">
-                <a16:creationId xmlns:a16="http://schemas.microsoft.com/office/drawing/2014/main" id="{7B9B8586-FE46-4FB1-9489-6A5D823638FD}"/>
+                <a16:creationId xmlns:a16="http://schemas.microsoft.com/office/drawing/2014/main" xmlns="" id="{7B9B8586-FE46-4FB1-9489-6A5D823638FD}"/>
               </a:ext>
             </a:extLst>
           </p:cNvPr>
@@ -28329,7 +28524,7 @@
           <p:cNvPr id="61" name="TextBox 60">
             <a:extLst>
               <a:ext uri="{FF2B5EF4-FFF2-40B4-BE49-F238E27FC236}">
-                <a16:creationId xmlns:a16="http://schemas.microsoft.com/office/drawing/2014/main" id="{E9305004-F977-4E41-A79D-77BC8A127C62}"/>
+                <a16:creationId xmlns:a16="http://schemas.microsoft.com/office/drawing/2014/main" xmlns="" id="{E9305004-F977-4E41-A79D-77BC8A127C62}"/>
               </a:ext>
             </a:extLst>
           </p:cNvPr>
@@ -28400,7 +28595,7 @@
           <p:cNvPr id="12" name="제목 1">
             <a:extLst>
               <a:ext uri="{FF2B5EF4-FFF2-40B4-BE49-F238E27FC236}">
-                <a16:creationId xmlns:a16="http://schemas.microsoft.com/office/drawing/2014/main" id="{E17482A4-46EE-4C7E-92CB-318C2C7BB51F}"/>
+                <a16:creationId xmlns:a16="http://schemas.microsoft.com/office/drawing/2014/main" xmlns="" id="{E17482A4-46EE-4C7E-92CB-318C2C7BB51F}"/>
               </a:ext>
             </a:extLst>
           </p:cNvPr>
@@ -28455,6 +28650,16 @@
               </a:rPr>
               <a:t>저희가 만들 게임의 큰 틀은 이렇습니다</a:t>
             </a:r>
+            <a:r>
+              <a:rPr lang="en-US" altLang="ko-KR" sz="1200" spc="-150" dirty="0">
+                <a:solidFill>
+                  <a:schemeClr val="bg1">
+                    <a:lumMod val="65000"/>
+                  </a:schemeClr>
+                </a:solidFill>
+              </a:rPr>
+              <a:t/>
+            </a:r>
             <a:br>
               <a:rPr lang="en-US" altLang="ko-KR" sz="1200" spc="-150" dirty="0">
                 <a:solidFill>
@@ -28524,7 +28729,7 @@
           <p:cNvPr id="13" name="연결선: 꺾임 12">
             <a:extLst>
               <a:ext uri="{FF2B5EF4-FFF2-40B4-BE49-F238E27FC236}">
-                <a16:creationId xmlns:a16="http://schemas.microsoft.com/office/drawing/2014/main" id="{5C913A41-F8BC-47F2-8E75-D74574D02AEB}"/>
+                <a16:creationId xmlns:a16="http://schemas.microsoft.com/office/drawing/2014/main" xmlns="" id="{5C913A41-F8BC-47F2-8E75-D74574D02AEB}"/>
               </a:ext>
             </a:extLst>
           </p:cNvPr>
@@ -28574,7 +28779,7 @@
           <p:cNvPr id="14" name="사각형: 둥근 모서리 13">
             <a:extLst>
               <a:ext uri="{FF2B5EF4-FFF2-40B4-BE49-F238E27FC236}">
-                <a16:creationId xmlns:a16="http://schemas.microsoft.com/office/drawing/2014/main" id="{3B3ADCF4-579F-45DC-B099-BC5250E1B374}"/>
+                <a16:creationId xmlns:a16="http://schemas.microsoft.com/office/drawing/2014/main" xmlns="" id="{3B3ADCF4-579F-45DC-B099-BC5250E1B374}"/>
               </a:ext>
             </a:extLst>
           </p:cNvPr>
@@ -28642,7 +28847,7 @@
           <p:cNvPr id="21" name="순서도: 대체 처리 20">
             <a:extLst>
               <a:ext uri="{FF2B5EF4-FFF2-40B4-BE49-F238E27FC236}">
-                <a16:creationId xmlns:a16="http://schemas.microsoft.com/office/drawing/2014/main" id="{ABBC2E47-4DD0-47D2-A236-DC25543F08C2}"/>
+                <a16:creationId xmlns:a16="http://schemas.microsoft.com/office/drawing/2014/main" xmlns="" id="{ABBC2E47-4DD0-47D2-A236-DC25543F08C2}"/>
               </a:ext>
             </a:extLst>
           </p:cNvPr>
@@ -28724,7 +28929,7 @@
           <p:cNvPr id="22" name="순서도: 판단 21">
             <a:extLst>
               <a:ext uri="{FF2B5EF4-FFF2-40B4-BE49-F238E27FC236}">
-                <a16:creationId xmlns:a16="http://schemas.microsoft.com/office/drawing/2014/main" id="{E5124B90-AC3A-4E0C-B6E9-6159A38C7911}"/>
+                <a16:creationId xmlns:a16="http://schemas.microsoft.com/office/drawing/2014/main" xmlns="" id="{E5124B90-AC3A-4E0C-B6E9-6159A38C7911}"/>
               </a:ext>
             </a:extLst>
           </p:cNvPr>
@@ -28827,7 +29032,7 @@
           <p:cNvPr id="24" name="직선 화살표 연결선 23">
             <a:extLst>
               <a:ext uri="{FF2B5EF4-FFF2-40B4-BE49-F238E27FC236}">
-                <a16:creationId xmlns:a16="http://schemas.microsoft.com/office/drawing/2014/main" id="{F69525A0-3535-435E-8B77-A0DB71ABB010}"/>
+                <a16:creationId xmlns:a16="http://schemas.microsoft.com/office/drawing/2014/main" xmlns="" id="{F69525A0-3535-435E-8B77-A0DB71ABB010}"/>
               </a:ext>
             </a:extLst>
           </p:cNvPr>
@@ -28875,7 +29080,7 @@
           <p:cNvPr id="28" name="직선 화살표 연결선 27">
             <a:extLst>
               <a:ext uri="{FF2B5EF4-FFF2-40B4-BE49-F238E27FC236}">
-                <a16:creationId xmlns:a16="http://schemas.microsoft.com/office/drawing/2014/main" id="{CFF9EB1C-824E-4662-8698-C2D75EF6767B}"/>
+                <a16:creationId xmlns:a16="http://schemas.microsoft.com/office/drawing/2014/main" xmlns="" id="{CFF9EB1C-824E-4662-8698-C2D75EF6767B}"/>
               </a:ext>
             </a:extLst>
           </p:cNvPr>
@@ -28923,7 +29128,7 @@
           <p:cNvPr id="33" name="TextBox 32">
             <a:extLst>
               <a:ext uri="{FF2B5EF4-FFF2-40B4-BE49-F238E27FC236}">
-                <a16:creationId xmlns:a16="http://schemas.microsoft.com/office/drawing/2014/main" id="{67D37F8D-00FB-4B15-8035-CB11E53B4B11}"/>
+                <a16:creationId xmlns:a16="http://schemas.microsoft.com/office/drawing/2014/main" xmlns="" id="{67D37F8D-00FB-4B15-8035-CB11E53B4B11}"/>
               </a:ext>
             </a:extLst>
           </p:cNvPr>
@@ -28964,7 +29169,7 @@
           <p:cNvPr id="44" name="연결선: 꺾임 43">
             <a:extLst>
               <a:ext uri="{FF2B5EF4-FFF2-40B4-BE49-F238E27FC236}">
-                <a16:creationId xmlns:a16="http://schemas.microsoft.com/office/drawing/2014/main" id="{88D00DAE-D585-4D8C-BDCE-8618AF71B1FD}"/>
+                <a16:creationId xmlns:a16="http://schemas.microsoft.com/office/drawing/2014/main" xmlns="" id="{88D00DAE-D585-4D8C-BDCE-8618AF71B1FD}"/>
               </a:ext>
             </a:extLst>
           </p:cNvPr>
@@ -29012,7 +29217,7 @@
           <p:cNvPr id="49" name="사각형: 둥근 모서리 48">
             <a:extLst>
               <a:ext uri="{FF2B5EF4-FFF2-40B4-BE49-F238E27FC236}">
-                <a16:creationId xmlns:a16="http://schemas.microsoft.com/office/drawing/2014/main" id="{5E67327C-D67D-4A08-A4CA-989B87F0FC4B}"/>
+                <a16:creationId xmlns:a16="http://schemas.microsoft.com/office/drawing/2014/main" xmlns="" id="{5E67327C-D67D-4A08-A4CA-989B87F0FC4B}"/>
               </a:ext>
             </a:extLst>
           </p:cNvPr>
@@ -29080,7 +29285,7 @@
           <p:cNvPr id="53" name="순서도: 판단 52">
             <a:extLst>
               <a:ext uri="{FF2B5EF4-FFF2-40B4-BE49-F238E27FC236}">
-                <a16:creationId xmlns:a16="http://schemas.microsoft.com/office/drawing/2014/main" id="{6DB6C9C6-DD9A-4381-847D-0ECFF1FC2D6C}"/>
+                <a16:creationId xmlns:a16="http://schemas.microsoft.com/office/drawing/2014/main" xmlns="" id="{6DB6C9C6-DD9A-4381-847D-0ECFF1FC2D6C}"/>
               </a:ext>
             </a:extLst>
           </p:cNvPr>
@@ -29175,7 +29380,7 @@
           <p:cNvPr id="54" name="연결선: 꺾임 53">
             <a:extLst>
               <a:ext uri="{FF2B5EF4-FFF2-40B4-BE49-F238E27FC236}">
-                <a16:creationId xmlns:a16="http://schemas.microsoft.com/office/drawing/2014/main" id="{0C0FC287-FC41-4628-A19C-03E054E852EE}"/>
+                <a16:creationId xmlns:a16="http://schemas.microsoft.com/office/drawing/2014/main" xmlns="" id="{0C0FC287-FC41-4628-A19C-03E054E852EE}"/>
               </a:ext>
             </a:extLst>
           </p:cNvPr>
@@ -29223,7 +29428,7 @@
           <p:cNvPr id="55" name="직선 화살표 연결선 54">
             <a:extLst>
               <a:ext uri="{FF2B5EF4-FFF2-40B4-BE49-F238E27FC236}">
-                <a16:creationId xmlns:a16="http://schemas.microsoft.com/office/drawing/2014/main" id="{90237794-A1EE-435C-A754-25D90A0B623A}"/>
+                <a16:creationId xmlns:a16="http://schemas.microsoft.com/office/drawing/2014/main" xmlns="" id="{90237794-A1EE-435C-A754-25D90A0B623A}"/>
               </a:ext>
             </a:extLst>
           </p:cNvPr>
@@ -29271,7 +29476,7 @@
           <p:cNvPr id="60" name="사각형: 둥근 모서리 59">
             <a:extLst>
               <a:ext uri="{FF2B5EF4-FFF2-40B4-BE49-F238E27FC236}">
-                <a16:creationId xmlns:a16="http://schemas.microsoft.com/office/drawing/2014/main" id="{CC343964-3950-43A0-9063-E60C59F0F1E1}"/>
+                <a16:creationId xmlns:a16="http://schemas.microsoft.com/office/drawing/2014/main" xmlns="" id="{CC343964-3950-43A0-9063-E60C59F0F1E1}"/>
               </a:ext>
             </a:extLst>
           </p:cNvPr>
@@ -29339,7 +29544,7 @@
           <p:cNvPr id="66" name="순서도: 대체 처리 65">
             <a:extLst>
               <a:ext uri="{FF2B5EF4-FFF2-40B4-BE49-F238E27FC236}">
-                <a16:creationId xmlns:a16="http://schemas.microsoft.com/office/drawing/2014/main" id="{E1696877-99E3-4248-8881-968B278EA527}"/>
+                <a16:creationId xmlns:a16="http://schemas.microsoft.com/office/drawing/2014/main" xmlns="" id="{E1696877-99E3-4248-8881-968B278EA527}"/>
               </a:ext>
             </a:extLst>
           </p:cNvPr>
@@ -29421,7 +29626,7 @@
           <p:cNvPr id="68" name="직선 화살표 연결선 67">
             <a:extLst>
               <a:ext uri="{FF2B5EF4-FFF2-40B4-BE49-F238E27FC236}">
-                <a16:creationId xmlns:a16="http://schemas.microsoft.com/office/drawing/2014/main" id="{C747B72C-9A4F-4C2D-BE6F-B52CDDC4C484}"/>
+                <a16:creationId xmlns:a16="http://schemas.microsoft.com/office/drawing/2014/main" xmlns="" id="{C747B72C-9A4F-4C2D-BE6F-B52CDDC4C484}"/>
               </a:ext>
             </a:extLst>
           </p:cNvPr>
@@ -29469,7 +29674,7 @@
           <p:cNvPr id="71" name="연결선: 꺾임 70">
             <a:extLst>
               <a:ext uri="{FF2B5EF4-FFF2-40B4-BE49-F238E27FC236}">
-                <a16:creationId xmlns:a16="http://schemas.microsoft.com/office/drawing/2014/main" id="{AB60705D-61A6-49AE-97F3-25F2D28264AE}"/>
+                <a16:creationId xmlns:a16="http://schemas.microsoft.com/office/drawing/2014/main" xmlns="" id="{AB60705D-61A6-49AE-97F3-25F2D28264AE}"/>
               </a:ext>
             </a:extLst>
           </p:cNvPr>
@@ -29517,7 +29722,7 @@
           <p:cNvPr id="76" name="순서도: 대체 처리 75">
             <a:extLst>
               <a:ext uri="{FF2B5EF4-FFF2-40B4-BE49-F238E27FC236}">
-                <a16:creationId xmlns:a16="http://schemas.microsoft.com/office/drawing/2014/main" id="{C669E0F3-31BC-4852-98B2-6B2DE7D77CB5}"/>
+                <a16:creationId xmlns:a16="http://schemas.microsoft.com/office/drawing/2014/main" xmlns="" id="{C669E0F3-31BC-4852-98B2-6B2DE7D77CB5}"/>
               </a:ext>
             </a:extLst>
           </p:cNvPr>
@@ -29583,7 +29788,7 @@
           <p:cNvPr id="78" name="TextBox 77">
             <a:extLst>
               <a:ext uri="{FF2B5EF4-FFF2-40B4-BE49-F238E27FC236}">
-                <a16:creationId xmlns:a16="http://schemas.microsoft.com/office/drawing/2014/main" id="{1A43796E-3D78-4EA5-8AA8-CAECB1569B84}"/>
+                <a16:creationId xmlns:a16="http://schemas.microsoft.com/office/drawing/2014/main" xmlns="" id="{1A43796E-3D78-4EA5-8AA8-CAECB1569B84}"/>
               </a:ext>
             </a:extLst>
           </p:cNvPr>
@@ -29623,7 +29828,7 @@
           <p:cNvPr id="85" name="순서도: 판단 84">
             <a:extLst>
               <a:ext uri="{FF2B5EF4-FFF2-40B4-BE49-F238E27FC236}">
-                <a16:creationId xmlns:a16="http://schemas.microsoft.com/office/drawing/2014/main" id="{8DD010A7-EEAF-4C32-897A-79DD2D690707}"/>
+                <a16:creationId xmlns:a16="http://schemas.microsoft.com/office/drawing/2014/main" xmlns="" id="{8DD010A7-EEAF-4C32-897A-79DD2D690707}"/>
               </a:ext>
             </a:extLst>
           </p:cNvPr>
@@ -29718,7 +29923,7 @@
           <p:cNvPr id="88" name="순서도: 대체 처리 87">
             <a:extLst>
               <a:ext uri="{FF2B5EF4-FFF2-40B4-BE49-F238E27FC236}">
-                <a16:creationId xmlns:a16="http://schemas.microsoft.com/office/drawing/2014/main" id="{602D662F-F35A-4952-8944-E27387F0CDFF}"/>
+                <a16:creationId xmlns:a16="http://schemas.microsoft.com/office/drawing/2014/main" xmlns="" id="{602D662F-F35A-4952-8944-E27387F0CDFF}"/>
               </a:ext>
             </a:extLst>
           </p:cNvPr>
@@ -29800,7 +30005,7 @@
           <p:cNvPr id="92" name="직선 화살표 연결선 91">
             <a:extLst>
               <a:ext uri="{FF2B5EF4-FFF2-40B4-BE49-F238E27FC236}">
-                <a16:creationId xmlns:a16="http://schemas.microsoft.com/office/drawing/2014/main" id="{AA5FFA71-06E6-4164-B9A7-9BAC29EC7F3B}"/>
+                <a16:creationId xmlns:a16="http://schemas.microsoft.com/office/drawing/2014/main" xmlns="" id="{AA5FFA71-06E6-4164-B9A7-9BAC29EC7F3B}"/>
               </a:ext>
             </a:extLst>
           </p:cNvPr>
@@ -29848,7 +30053,7 @@
           <p:cNvPr id="95" name="직선 화살표 연결선 94">
             <a:extLst>
               <a:ext uri="{FF2B5EF4-FFF2-40B4-BE49-F238E27FC236}">
-                <a16:creationId xmlns:a16="http://schemas.microsoft.com/office/drawing/2014/main" id="{DBD6F390-BEC4-4694-BB4C-CD6C2ABC3CC7}"/>
+                <a16:creationId xmlns:a16="http://schemas.microsoft.com/office/drawing/2014/main" xmlns="" id="{DBD6F390-BEC4-4694-BB4C-CD6C2ABC3CC7}"/>
               </a:ext>
             </a:extLst>
           </p:cNvPr>
@@ -29896,7 +30101,7 @@
           <p:cNvPr id="104" name="연결선: 꺾임 103">
             <a:extLst>
               <a:ext uri="{FF2B5EF4-FFF2-40B4-BE49-F238E27FC236}">
-                <a16:creationId xmlns:a16="http://schemas.microsoft.com/office/drawing/2014/main" id="{33146C58-BE8C-44D0-A2BC-FE85B6DC370B}"/>
+                <a16:creationId xmlns:a16="http://schemas.microsoft.com/office/drawing/2014/main" xmlns="" id="{33146C58-BE8C-44D0-A2BC-FE85B6DC370B}"/>
               </a:ext>
             </a:extLst>
           </p:cNvPr>
@@ -29946,7 +30151,7 @@
           <p:cNvPr id="116" name="TextBox 115">
             <a:extLst>
               <a:ext uri="{FF2B5EF4-FFF2-40B4-BE49-F238E27FC236}">
-                <a16:creationId xmlns:a16="http://schemas.microsoft.com/office/drawing/2014/main" id="{AC32BF82-EFAB-4055-9E1E-C3BF3BDE4CAB}"/>
+                <a16:creationId xmlns:a16="http://schemas.microsoft.com/office/drawing/2014/main" xmlns="" id="{AC32BF82-EFAB-4055-9E1E-C3BF3BDE4CAB}"/>
               </a:ext>
             </a:extLst>
           </p:cNvPr>
@@ -29987,7 +30192,7 @@
           <p:cNvPr id="117" name="TextBox 116">
             <a:extLst>
               <a:ext uri="{FF2B5EF4-FFF2-40B4-BE49-F238E27FC236}">
-                <a16:creationId xmlns:a16="http://schemas.microsoft.com/office/drawing/2014/main" id="{793E6091-1502-44B6-BC01-67FF6083E7BE}"/>
+                <a16:creationId xmlns:a16="http://schemas.microsoft.com/office/drawing/2014/main" xmlns="" id="{793E6091-1502-44B6-BC01-67FF6083E7BE}"/>
               </a:ext>
             </a:extLst>
           </p:cNvPr>
@@ -30028,7 +30233,7 @@
           <p:cNvPr id="118" name="TextBox 117">
             <a:extLst>
               <a:ext uri="{FF2B5EF4-FFF2-40B4-BE49-F238E27FC236}">
-                <a16:creationId xmlns:a16="http://schemas.microsoft.com/office/drawing/2014/main" id="{7246BC0E-AE4C-4738-B917-92E14E4745F3}"/>
+                <a16:creationId xmlns:a16="http://schemas.microsoft.com/office/drawing/2014/main" xmlns="" id="{7246BC0E-AE4C-4738-B917-92E14E4745F3}"/>
               </a:ext>
             </a:extLst>
           </p:cNvPr>
@@ -30069,7 +30274,7 @@
           <p:cNvPr id="119" name="TextBox 118">
             <a:extLst>
               <a:ext uri="{FF2B5EF4-FFF2-40B4-BE49-F238E27FC236}">
-                <a16:creationId xmlns:a16="http://schemas.microsoft.com/office/drawing/2014/main" id="{F087F03A-AFF2-4E79-8CF4-86BC84C52992}"/>
+                <a16:creationId xmlns:a16="http://schemas.microsoft.com/office/drawing/2014/main" xmlns="" id="{F087F03A-AFF2-4E79-8CF4-86BC84C52992}"/>
               </a:ext>
             </a:extLst>
           </p:cNvPr>
@@ -30110,7 +30315,7 @@
           <p:cNvPr id="32" name="그림 31">
             <a:extLst>
               <a:ext uri="{FF2B5EF4-FFF2-40B4-BE49-F238E27FC236}">
-                <a16:creationId xmlns:a16="http://schemas.microsoft.com/office/drawing/2014/main" id="{42EB30B5-E7AE-4A51-A054-1BC164F239E5}"/>
+                <a16:creationId xmlns:a16="http://schemas.microsoft.com/office/drawing/2014/main" xmlns="" id="{42EB30B5-E7AE-4A51-A054-1BC164F239E5}"/>
               </a:ext>
             </a:extLst>
           </p:cNvPr>
@@ -30139,7 +30344,7 @@
           <p:cNvPr id="34" name="그림 33">
             <a:extLst>
               <a:ext uri="{FF2B5EF4-FFF2-40B4-BE49-F238E27FC236}">
-                <a16:creationId xmlns:a16="http://schemas.microsoft.com/office/drawing/2014/main" id="{67BE1115-5166-459E-90A0-2FD03FCFFE45}"/>
+                <a16:creationId xmlns:a16="http://schemas.microsoft.com/office/drawing/2014/main" xmlns="" id="{67BE1115-5166-459E-90A0-2FD03FCFFE45}"/>
               </a:ext>
             </a:extLst>
           </p:cNvPr>
@@ -30198,7 +30403,7 @@
           <p:cNvPr id="12" name="제목 1">
             <a:extLst>
               <a:ext uri="{FF2B5EF4-FFF2-40B4-BE49-F238E27FC236}">
-                <a16:creationId xmlns:a16="http://schemas.microsoft.com/office/drawing/2014/main" id="{E17482A4-46EE-4C7E-92CB-318C2C7BB51F}"/>
+                <a16:creationId xmlns:a16="http://schemas.microsoft.com/office/drawing/2014/main" xmlns="" id="{E17482A4-46EE-4C7E-92CB-318C2C7BB51F}"/>
               </a:ext>
             </a:extLst>
           </p:cNvPr>
@@ -30253,6 +30458,16 @@
               </a:rPr>
               <a:t>저희가 만들 게임의 큰 틀은 이렇습니다</a:t>
             </a:r>
+            <a:r>
+              <a:rPr lang="en-US" altLang="ko-KR" sz="1200" spc="-150" dirty="0">
+                <a:solidFill>
+                  <a:schemeClr val="bg1">
+                    <a:lumMod val="65000"/>
+                  </a:schemeClr>
+                </a:solidFill>
+              </a:rPr>
+              <a:t/>
+            </a:r>
             <a:br>
               <a:rPr lang="en-US" altLang="ko-KR" sz="1200" spc="-150" dirty="0">
                 <a:solidFill>
@@ -30322,7 +30537,7 @@
           <p:cNvPr id="13" name="연결선: 꺾임 12">
             <a:extLst>
               <a:ext uri="{FF2B5EF4-FFF2-40B4-BE49-F238E27FC236}">
-                <a16:creationId xmlns:a16="http://schemas.microsoft.com/office/drawing/2014/main" id="{5C913A41-F8BC-47F2-8E75-D74574D02AEB}"/>
+                <a16:creationId xmlns:a16="http://schemas.microsoft.com/office/drawing/2014/main" xmlns="" id="{5C913A41-F8BC-47F2-8E75-D74574D02AEB}"/>
               </a:ext>
             </a:extLst>
           </p:cNvPr>
@@ -30372,7 +30587,7 @@
           <p:cNvPr id="14" name="사각형: 둥근 모서리 13">
             <a:extLst>
               <a:ext uri="{FF2B5EF4-FFF2-40B4-BE49-F238E27FC236}">
-                <a16:creationId xmlns:a16="http://schemas.microsoft.com/office/drawing/2014/main" id="{3B3ADCF4-579F-45DC-B099-BC5250E1B374}"/>
+                <a16:creationId xmlns:a16="http://schemas.microsoft.com/office/drawing/2014/main" xmlns="" id="{3B3ADCF4-579F-45DC-B099-BC5250E1B374}"/>
               </a:ext>
             </a:extLst>
           </p:cNvPr>
@@ -30440,7 +30655,7 @@
           <p:cNvPr id="21" name="순서도: 대체 처리 20">
             <a:extLst>
               <a:ext uri="{FF2B5EF4-FFF2-40B4-BE49-F238E27FC236}">
-                <a16:creationId xmlns:a16="http://schemas.microsoft.com/office/drawing/2014/main" id="{ABBC2E47-4DD0-47D2-A236-DC25543F08C2}"/>
+                <a16:creationId xmlns:a16="http://schemas.microsoft.com/office/drawing/2014/main" xmlns="" id="{ABBC2E47-4DD0-47D2-A236-DC25543F08C2}"/>
               </a:ext>
             </a:extLst>
           </p:cNvPr>
@@ -30522,7 +30737,7 @@
           <p:cNvPr id="22" name="순서도: 판단 21">
             <a:extLst>
               <a:ext uri="{FF2B5EF4-FFF2-40B4-BE49-F238E27FC236}">
-                <a16:creationId xmlns:a16="http://schemas.microsoft.com/office/drawing/2014/main" id="{E5124B90-AC3A-4E0C-B6E9-6159A38C7911}"/>
+                <a16:creationId xmlns:a16="http://schemas.microsoft.com/office/drawing/2014/main" xmlns="" id="{E5124B90-AC3A-4E0C-B6E9-6159A38C7911}"/>
               </a:ext>
             </a:extLst>
           </p:cNvPr>
@@ -30617,7 +30832,7 @@
           <p:cNvPr id="24" name="직선 화살표 연결선 23">
             <a:extLst>
               <a:ext uri="{FF2B5EF4-FFF2-40B4-BE49-F238E27FC236}">
-                <a16:creationId xmlns:a16="http://schemas.microsoft.com/office/drawing/2014/main" id="{F69525A0-3535-435E-8B77-A0DB71ABB010}"/>
+                <a16:creationId xmlns:a16="http://schemas.microsoft.com/office/drawing/2014/main" xmlns="" id="{F69525A0-3535-435E-8B77-A0DB71ABB010}"/>
               </a:ext>
             </a:extLst>
           </p:cNvPr>
@@ -30665,7 +30880,7 @@
           <p:cNvPr id="28" name="직선 화살표 연결선 27">
             <a:extLst>
               <a:ext uri="{FF2B5EF4-FFF2-40B4-BE49-F238E27FC236}">
-                <a16:creationId xmlns:a16="http://schemas.microsoft.com/office/drawing/2014/main" id="{CFF9EB1C-824E-4662-8698-C2D75EF6767B}"/>
+                <a16:creationId xmlns:a16="http://schemas.microsoft.com/office/drawing/2014/main" xmlns="" id="{CFF9EB1C-824E-4662-8698-C2D75EF6767B}"/>
               </a:ext>
             </a:extLst>
           </p:cNvPr>
@@ -30713,7 +30928,7 @@
           <p:cNvPr id="33" name="TextBox 32">
             <a:extLst>
               <a:ext uri="{FF2B5EF4-FFF2-40B4-BE49-F238E27FC236}">
-                <a16:creationId xmlns:a16="http://schemas.microsoft.com/office/drawing/2014/main" id="{67D37F8D-00FB-4B15-8035-CB11E53B4B11}"/>
+                <a16:creationId xmlns:a16="http://schemas.microsoft.com/office/drawing/2014/main" xmlns="" id="{67D37F8D-00FB-4B15-8035-CB11E53B4B11}"/>
               </a:ext>
             </a:extLst>
           </p:cNvPr>
@@ -30754,7 +30969,7 @@
           <p:cNvPr id="44" name="연결선: 꺾임 43">
             <a:extLst>
               <a:ext uri="{FF2B5EF4-FFF2-40B4-BE49-F238E27FC236}">
-                <a16:creationId xmlns:a16="http://schemas.microsoft.com/office/drawing/2014/main" id="{88D00DAE-D585-4D8C-BDCE-8618AF71B1FD}"/>
+                <a16:creationId xmlns:a16="http://schemas.microsoft.com/office/drawing/2014/main" xmlns="" id="{88D00DAE-D585-4D8C-BDCE-8618AF71B1FD}"/>
               </a:ext>
             </a:extLst>
           </p:cNvPr>
@@ -30802,7 +31017,7 @@
           <p:cNvPr id="49" name="사각형: 둥근 모서리 48">
             <a:extLst>
               <a:ext uri="{FF2B5EF4-FFF2-40B4-BE49-F238E27FC236}">
-                <a16:creationId xmlns:a16="http://schemas.microsoft.com/office/drawing/2014/main" id="{5E67327C-D67D-4A08-A4CA-989B87F0FC4B}"/>
+                <a16:creationId xmlns:a16="http://schemas.microsoft.com/office/drawing/2014/main" xmlns="" id="{5E67327C-D67D-4A08-A4CA-989B87F0FC4B}"/>
               </a:ext>
             </a:extLst>
           </p:cNvPr>
@@ -30870,7 +31085,7 @@
           <p:cNvPr id="55" name="직선 화살표 연결선 54">
             <a:extLst>
               <a:ext uri="{FF2B5EF4-FFF2-40B4-BE49-F238E27FC236}">
-                <a16:creationId xmlns:a16="http://schemas.microsoft.com/office/drawing/2014/main" id="{90237794-A1EE-435C-A754-25D90A0B623A}"/>
+                <a16:creationId xmlns:a16="http://schemas.microsoft.com/office/drawing/2014/main" xmlns="" id="{90237794-A1EE-435C-A754-25D90A0B623A}"/>
               </a:ext>
             </a:extLst>
           </p:cNvPr>
@@ -30918,7 +31133,7 @@
           <p:cNvPr id="60" name="사각형: 둥근 모서리 59">
             <a:extLst>
               <a:ext uri="{FF2B5EF4-FFF2-40B4-BE49-F238E27FC236}">
-                <a16:creationId xmlns:a16="http://schemas.microsoft.com/office/drawing/2014/main" id="{CC343964-3950-43A0-9063-E60C59F0F1E1}"/>
+                <a16:creationId xmlns:a16="http://schemas.microsoft.com/office/drawing/2014/main" xmlns="" id="{CC343964-3950-43A0-9063-E60C59F0F1E1}"/>
               </a:ext>
             </a:extLst>
           </p:cNvPr>
@@ -31007,7 +31222,7 @@
           <p:cNvPr id="66" name="순서도: 대체 처리 65">
             <a:extLst>
               <a:ext uri="{FF2B5EF4-FFF2-40B4-BE49-F238E27FC236}">
-                <a16:creationId xmlns:a16="http://schemas.microsoft.com/office/drawing/2014/main" id="{E1696877-99E3-4248-8881-968B278EA527}"/>
+                <a16:creationId xmlns:a16="http://schemas.microsoft.com/office/drawing/2014/main" xmlns="" id="{E1696877-99E3-4248-8881-968B278EA527}"/>
               </a:ext>
             </a:extLst>
           </p:cNvPr>
@@ -31081,7 +31296,7 @@
           <p:cNvPr id="68" name="직선 화살표 연결선 67">
             <a:extLst>
               <a:ext uri="{FF2B5EF4-FFF2-40B4-BE49-F238E27FC236}">
-                <a16:creationId xmlns:a16="http://schemas.microsoft.com/office/drawing/2014/main" id="{C747B72C-9A4F-4C2D-BE6F-B52CDDC4C484}"/>
+                <a16:creationId xmlns:a16="http://schemas.microsoft.com/office/drawing/2014/main" xmlns="" id="{C747B72C-9A4F-4C2D-BE6F-B52CDDC4C484}"/>
               </a:ext>
             </a:extLst>
           </p:cNvPr>
@@ -31129,7 +31344,7 @@
           <p:cNvPr id="78" name="TextBox 77">
             <a:extLst>
               <a:ext uri="{FF2B5EF4-FFF2-40B4-BE49-F238E27FC236}">
-                <a16:creationId xmlns:a16="http://schemas.microsoft.com/office/drawing/2014/main" id="{1A43796E-3D78-4EA5-8AA8-CAECB1569B84}"/>
+                <a16:creationId xmlns:a16="http://schemas.microsoft.com/office/drawing/2014/main" xmlns="" id="{1A43796E-3D78-4EA5-8AA8-CAECB1569B84}"/>
               </a:ext>
             </a:extLst>
           </p:cNvPr>
@@ -31169,7 +31384,7 @@
           <p:cNvPr id="40" name="TextBox 39">
             <a:extLst>
               <a:ext uri="{FF2B5EF4-FFF2-40B4-BE49-F238E27FC236}">
-                <a16:creationId xmlns:a16="http://schemas.microsoft.com/office/drawing/2014/main" id="{5CE81C19-C493-4F0F-A3E0-DDEAA693D267}"/>
+                <a16:creationId xmlns:a16="http://schemas.microsoft.com/office/drawing/2014/main" xmlns="" id="{5CE81C19-C493-4F0F-A3E0-DDEAA693D267}"/>
               </a:ext>
             </a:extLst>
           </p:cNvPr>
@@ -31210,7 +31425,7 @@
           <p:cNvPr id="42" name="순서도: 대체 처리 41">
             <a:extLst>
               <a:ext uri="{FF2B5EF4-FFF2-40B4-BE49-F238E27FC236}">
-                <a16:creationId xmlns:a16="http://schemas.microsoft.com/office/drawing/2014/main" id="{6E416A9B-AAA1-4E6B-8DF3-725BC63E0366}"/>
+                <a16:creationId xmlns:a16="http://schemas.microsoft.com/office/drawing/2014/main" xmlns="" id="{6E416A9B-AAA1-4E6B-8DF3-725BC63E0366}"/>
               </a:ext>
             </a:extLst>
           </p:cNvPr>
@@ -31305,7 +31520,7 @@
           <p:cNvPr id="48" name="직선 화살표 연결선 47">
             <a:extLst>
               <a:ext uri="{FF2B5EF4-FFF2-40B4-BE49-F238E27FC236}">
-                <a16:creationId xmlns:a16="http://schemas.microsoft.com/office/drawing/2014/main" id="{A2F1487F-B234-4EFF-8593-A5ED809873B3}"/>
+                <a16:creationId xmlns:a16="http://schemas.microsoft.com/office/drawing/2014/main" xmlns="" id="{A2F1487F-B234-4EFF-8593-A5ED809873B3}"/>
               </a:ext>
             </a:extLst>
           </p:cNvPr>
@@ -31353,7 +31568,7 @@
           <p:cNvPr id="56" name="연결선: 꺾임 55">
             <a:extLst>
               <a:ext uri="{FF2B5EF4-FFF2-40B4-BE49-F238E27FC236}">
-                <a16:creationId xmlns:a16="http://schemas.microsoft.com/office/drawing/2014/main" id="{D12D55BE-FE3D-4F71-8B5F-308FC8EE17F8}"/>
+                <a16:creationId xmlns:a16="http://schemas.microsoft.com/office/drawing/2014/main" xmlns="" id="{D12D55BE-FE3D-4F71-8B5F-308FC8EE17F8}"/>
               </a:ext>
             </a:extLst>
           </p:cNvPr>
@@ -31401,7 +31616,7 @@
           <p:cNvPr id="73" name="TextBox 72">
             <a:extLst>
               <a:ext uri="{FF2B5EF4-FFF2-40B4-BE49-F238E27FC236}">
-                <a16:creationId xmlns:a16="http://schemas.microsoft.com/office/drawing/2014/main" id="{CE53953E-DEE1-4071-A3C8-7191599FAFA5}"/>
+                <a16:creationId xmlns:a16="http://schemas.microsoft.com/office/drawing/2014/main" xmlns="" id="{CE53953E-DEE1-4071-A3C8-7191599FAFA5}"/>
               </a:ext>
             </a:extLst>
           </p:cNvPr>
@@ -31442,7 +31657,7 @@
           <p:cNvPr id="74" name="TextBox 73">
             <a:extLst>
               <a:ext uri="{FF2B5EF4-FFF2-40B4-BE49-F238E27FC236}">
-                <a16:creationId xmlns:a16="http://schemas.microsoft.com/office/drawing/2014/main" id="{05E539E4-93CA-4525-9780-DFDE51DD290E}"/>
+                <a16:creationId xmlns:a16="http://schemas.microsoft.com/office/drawing/2014/main" xmlns="" id="{05E539E4-93CA-4525-9780-DFDE51DD290E}"/>
               </a:ext>
             </a:extLst>
           </p:cNvPr>
@@ -31493,7 +31708,7 @@
           <p:cNvPr id="79" name="TextBox 78">
             <a:extLst>
               <a:ext uri="{FF2B5EF4-FFF2-40B4-BE49-F238E27FC236}">
-                <a16:creationId xmlns:a16="http://schemas.microsoft.com/office/drawing/2014/main" id="{8A61D7B4-3DBE-483E-8E4B-1B8678F43733}"/>
+                <a16:creationId xmlns:a16="http://schemas.microsoft.com/office/drawing/2014/main" xmlns="" id="{8A61D7B4-3DBE-483E-8E4B-1B8678F43733}"/>
               </a:ext>
             </a:extLst>
           </p:cNvPr>
@@ -31534,7 +31749,7 @@
           <p:cNvPr id="26" name="그림 25">
             <a:extLst>
               <a:ext uri="{FF2B5EF4-FFF2-40B4-BE49-F238E27FC236}">
-                <a16:creationId xmlns:a16="http://schemas.microsoft.com/office/drawing/2014/main" id="{43DB6240-3F55-4C58-93A2-62141D07D208}"/>
+                <a16:creationId xmlns:a16="http://schemas.microsoft.com/office/drawing/2014/main" xmlns="" id="{43DB6240-3F55-4C58-93A2-62141D07D208}"/>
               </a:ext>
             </a:extLst>
           </p:cNvPr>
@@ -31563,7 +31778,7 @@
           <p:cNvPr id="27" name="그림 26">
             <a:extLst>
               <a:ext uri="{FF2B5EF4-FFF2-40B4-BE49-F238E27FC236}">
-                <a16:creationId xmlns:a16="http://schemas.microsoft.com/office/drawing/2014/main" id="{0260232D-3D86-4AA5-916E-B7DC412F5388}"/>
+                <a16:creationId xmlns:a16="http://schemas.microsoft.com/office/drawing/2014/main" xmlns="" id="{0260232D-3D86-4AA5-916E-B7DC412F5388}"/>
               </a:ext>
             </a:extLst>
           </p:cNvPr>
@@ -31622,7 +31837,7 @@
           <p:cNvPr id="7" name="그룹 6">
             <a:extLst>
               <a:ext uri="{FF2B5EF4-FFF2-40B4-BE49-F238E27FC236}">
-                <a16:creationId xmlns:a16="http://schemas.microsoft.com/office/drawing/2014/main" id="{19F8A8E9-E7EE-4CEA-9DB6-F41B9A6EB0B2}"/>
+                <a16:creationId xmlns:a16="http://schemas.microsoft.com/office/drawing/2014/main" xmlns="" id="{19F8A8E9-E7EE-4CEA-9DB6-F41B9A6EB0B2}"/>
               </a:ext>
             </a:extLst>
           </p:cNvPr>
@@ -31642,7 +31857,7 @@
             <p:cNvPr id="6" name="그룹 5">
               <a:extLst>
                 <a:ext uri="{FF2B5EF4-FFF2-40B4-BE49-F238E27FC236}">
-                  <a16:creationId xmlns:a16="http://schemas.microsoft.com/office/drawing/2014/main" id="{30A0E0B2-C588-49E3-A3F3-684A08BBEA02}"/>
+                  <a16:creationId xmlns:a16="http://schemas.microsoft.com/office/drawing/2014/main" xmlns="" id="{30A0E0B2-C588-49E3-A3F3-684A08BBEA02}"/>
                 </a:ext>
               </a:extLst>
             </p:cNvPr>
@@ -31692,7 +31907,7 @@
               <p:cNvPr id="101" name="그림 100">
                 <a:extLst>
                   <a:ext uri="{FF2B5EF4-FFF2-40B4-BE49-F238E27FC236}">
-                    <a16:creationId xmlns:a16="http://schemas.microsoft.com/office/drawing/2014/main" id="{82F04972-6D69-4D53-BAD7-03C75CD1BE91}"/>
+                    <a16:creationId xmlns:a16="http://schemas.microsoft.com/office/drawing/2014/main" xmlns="" id="{82F04972-6D69-4D53-BAD7-03C75CD1BE91}"/>
                   </a:ext>
                 </a:extLst>
               </p:cNvPr>
@@ -31728,7 +31943,7 @@
               <p:cNvPr id="102" name="그림 101">
                 <a:extLst>
                   <a:ext uri="{FF2B5EF4-FFF2-40B4-BE49-F238E27FC236}">
-                    <a16:creationId xmlns:a16="http://schemas.microsoft.com/office/drawing/2014/main" id="{49745405-5437-4D7E-97C2-181D3E8A19AA}"/>
+                    <a16:creationId xmlns:a16="http://schemas.microsoft.com/office/drawing/2014/main" xmlns="" id="{49745405-5437-4D7E-97C2-181D3E8A19AA}"/>
                   </a:ext>
                 </a:extLst>
               </p:cNvPr>
@@ -31764,7 +31979,7 @@
               <p:cNvPr id="138" name="그림 137">
                 <a:extLst>
                   <a:ext uri="{FF2B5EF4-FFF2-40B4-BE49-F238E27FC236}">
-                    <a16:creationId xmlns:a16="http://schemas.microsoft.com/office/drawing/2014/main" id="{D3122E39-C137-4691-99C1-8518C5C2D3DE}"/>
+                    <a16:creationId xmlns:a16="http://schemas.microsoft.com/office/drawing/2014/main" xmlns="" id="{D3122E39-C137-4691-99C1-8518C5C2D3DE}"/>
                   </a:ext>
                 </a:extLst>
               </p:cNvPr>
@@ -31800,7 +32015,7 @@
               <p:cNvPr id="139" name="그림 138">
                 <a:extLst>
                   <a:ext uri="{FF2B5EF4-FFF2-40B4-BE49-F238E27FC236}">
-                    <a16:creationId xmlns:a16="http://schemas.microsoft.com/office/drawing/2014/main" id="{450D8ADF-5231-4BFA-BFF7-BF27CC8E12EA}"/>
+                    <a16:creationId xmlns:a16="http://schemas.microsoft.com/office/drawing/2014/main" xmlns="" id="{450D8ADF-5231-4BFA-BFF7-BF27CC8E12EA}"/>
                   </a:ext>
                 </a:extLst>
               </p:cNvPr>
@@ -31836,7 +32051,7 @@
               <p:cNvPr id="140" name="그림 139">
                 <a:extLst>
                   <a:ext uri="{FF2B5EF4-FFF2-40B4-BE49-F238E27FC236}">
-                    <a16:creationId xmlns:a16="http://schemas.microsoft.com/office/drawing/2014/main" id="{F9A8D8E0-F821-41BC-BA37-431CBF08C23D}"/>
+                    <a16:creationId xmlns:a16="http://schemas.microsoft.com/office/drawing/2014/main" xmlns="" id="{F9A8D8E0-F821-41BC-BA37-431CBF08C23D}"/>
                   </a:ext>
                 </a:extLst>
               </p:cNvPr>
@@ -31872,7 +32087,7 @@
               <p:cNvPr id="141" name="그림 140">
                 <a:extLst>
                   <a:ext uri="{FF2B5EF4-FFF2-40B4-BE49-F238E27FC236}">
-                    <a16:creationId xmlns:a16="http://schemas.microsoft.com/office/drawing/2014/main" id="{DD4F6B04-8B1D-45B3-ADF1-748BFC49D544}"/>
+                    <a16:creationId xmlns:a16="http://schemas.microsoft.com/office/drawing/2014/main" xmlns="" id="{DD4F6B04-8B1D-45B3-ADF1-748BFC49D544}"/>
                   </a:ext>
                 </a:extLst>
               </p:cNvPr>
@@ -31908,7 +32123,7 @@
               <p:cNvPr id="142" name="그림 141">
                 <a:extLst>
                   <a:ext uri="{FF2B5EF4-FFF2-40B4-BE49-F238E27FC236}">
-                    <a16:creationId xmlns:a16="http://schemas.microsoft.com/office/drawing/2014/main" id="{88C32456-A09E-4469-B848-9952CDCFAA73}"/>
+                    <a16:creationId xmlns:a16="http://schemas.microsoft.com/office/drawing/2014/main" xmlns="" id="{88C32456-A09E-4469-B848-9952CDCFAA73}"/>
                   </a:ext>
                 </a:extLst>
               </p:cNvPr>
@@ -31944,7 +32159,7 @@
               <p:cNvPr id="143" name="그림 142">
                 <a:extLst>
                   <a:ext uri="{FF2B5EF4-FFF2-40B4-BE49-F238E27FC236}">
-                    <a16:creationId xmlns:a16="http://schemas.microsoft.com/office/drawing/2014/main" id="{02A304BE-28BF-4EE5-BB41-0F5436C93E12}"/>
+                    <a16:creationId xmlns:a16="http://schemas.microsoft.com/office/drawing/2014/main" xmlns="" id="{02A304BE-28BF-4EE5-BB41-0F5436C93E12}"/>
                   </a:ext>
                 </a:extLst>
               </p:cNvPr>
@@ -31980,7 +32195,7 @@
               <p:cNvPr id="144" name="그림 143">
                 <a:extLst>
                   <a:ext uri="{FF2B5EF4-FFF2-40B4-BE49-F238E27FC236}">
-                    <a16:creationId xmlns:a16="http://schemas.microsoft.com/office/drawing/2014/main" id="{FF2EA399-78D9-4EE7-8C56-8F66AEB5210D}"/>
+                    <a16:creationId xmlns:a16="http://schemas.microsoft.com/office/drawing/2014/main" xmlns="" id="{FF2EA399-78D9-4EE7-8C56-8F66AEB5210D}"/>
                   </a:ext>
                 </a:extLst>
               </p:cNvPr>
@@ -32016,7 +32231,7 @@
               <p:cNvPr id="145" name="그림 144">
                 <a:extLst>
                   <a:ext uri="{FF2B5EF4-FFF2-40B4-BE49-F238E27FC236}">
-                    <a16:creationId xmlns:a16="http://schemas.microsoft.com/office/drawing/2014/main" id="{73796718-5FA8-4FBB-8F56-5FACA92B9152}"/>
+                    <a16:creationId xmlns:a16="http://schemas.microsoft.com/office/drawing/2014/main" xmlns="" id="{73796718-5FA8-4FBB-8F56-5FACA92B9152}"/>
                   </a:ext>
                 </a:extLst>
               </p:cNvPr>
@@ -32052,7 +32267,7 @@
               <p:cNvPr id="146" name="그림 145">
                 <a:extLst>
                   <a:ext uri="{FF2B5EF4-FFF2-40B4-BE49-F238E27FC236}">
-                    <a16:creationId xmlns:a16="http://schemas.microsoft.com/office/drawing/2014/main" id="{448A939B-EE71-4E38-AE68-E41855F58179}"/>
+                    <a16:creationId xmlns:a16="http://schemas.microsoft.com/office/drawing/2014/main" xmlns="" id="{448A939B-EE71-4E38-AE68-E41855F58179}"/>
                   </a:ext>
                 </a:extLst>
               </p:cNvPr>
@@ -32089,7 +32304,7 @@
             <p:cNvPr id="147" name="그룹 146">
               <a:extLst>
                 <a:ext uri="{FF2B5EF4-FFF2-40B4-BE49-F238E27FC236}">
-                  <a16:creationId xmlns:a16="http://schemas.microsoft.com/office/drawing/2014/main" id="{04EFBCEB-E7D2-4B3F-9D58-9EC6605FB1A8}"/>
+                  <a16:creationId xmlns:a16="http://schemas.microsoft.com/office/drawing/2014/main" xmlns="" id="{04EFBCEB-E7D2-4B3F-9D58-9EC6605FB1A8}"/>
                 </a:ext>
               </a:extLst>
             </p:cNvPr>
@@ -32109,7 +32324,7 @@
               <p:cNvPr id="148" name="그림 147">
                 <a:extLst>
                   <a:ext uri="{FF2B5EF4-FFF2-40B4-BE49-F238E27FC236}">
-                    <a16:creationId xmlns:a16="http://schemas.microsoft.com/office/drawing/2014/main" id="{CB10E7F7-2967-4302-9495-00A3606602A5}"/>
+                    <a16:creationId xmlns:a16="http://schemas.microsoft.com/office/drawing/2014/main" xmlns="" id="{CB10E7F7-2967-4302-9495-00A3606602A5}"/>
                   </a:ext>
                 </a:extLst>
               </p:cNvPr>
@@ -32145,7 +32360,7 @@
               <p:cNvPr id="149" name="그림 148">
                 <a:extLst>
                   <a:ext uri="{FF2B5EF4-FFF2-40B4-BE49-F238E27FC236}">
-                    <a16:creationId xmlns:a16="http://schemas.microsoft.com/office/drawing/2014/main" id="{F52AE1E4-F53F-47A1-9774-E2C554E84A34}"/>
+                    <a16:creationId xmlns:a16="http://schemas.microsoft.com/office/drawing/2014/main" xmlns="" id="{F52AE1E4-F53F-47A1-9774-E2C554E84A34}"/>
                   </a:ext>
                 </a:extLst>
               </p:cNvPr>
@@ -32181,7 +32396,7 @@
               <p:cNvPr id="150" name="그림 149">
                 <a:extLst>
                   <a:ext uri="{FF2B5EF4-FFF2-40B4-BE49-F238E27FC236}">
-                    <a16:creationId xmlns:a16="http://schemas.microsoft.com/office/drawing/2014/main" id="{8C2C374E-FAB6-4F94-8F66-43DFDD875A0D}"/>
+                    <a16:creationId xmlns:a16="http://schemas.microsoft.com/office/drawing/2014/main" xmlns="" id="{8C2C374E-FAB6-4F94-8F66-43DFDD875A0D}"/>
                   </a:ext>
                 </a:extLst>
               </p:cNvPr>
@@ -32217,7 +32432,7 @@
               <p:cNvPr id="151" name="그림 150">
                 <a:extLst>
                   <a:ext uri="{FF2B5EF4-FFF2-40B4-BE49-F238E27FC236}">
-                    <a16:creationId xmlns:a16="http://schemas.microsoft.com/office/drawing/2014/main" id="{57A2F03B-59D2-4A91-A8D1-EC95A3E9C75E}"/>
+                    <a16:creationId xmlns:a16="http://schemas.microsoft.com/office/drawing/2014/main" xmlns="" id="{57A2F03B-59D2-4A91-A8D1-EC95A3E9C75E}"/>
                   </a:ext>
                 </a:extLst>
               </p:cNvPr>
@@ -32253,7 +32468,7 @@
               <p:cNvPr id="152" name="그림 151">
                 <a:extLst>
                   <a:ext uri="{FF2B5EF4-FFF2-40B4-BE49-F238E27FC236}">
-                    <a16:creationId xmlns:a16="http://schemas.microsoft.com/office/drawing/2014/main" id="{54C6B422-FB84-414F-AD68-1C14BDE0CD7C}"/>
+                    <a16:creationId xmlns:a16="http://schemas.microsoft.com/office/drawing/2014/main" xmlns="" id="{54C6B422-FB84-414F-AD68-1C14BDE0CD7C}"/>
                   </a:ext>
                 </a:extLst>
               </p:cNvPr>
@@ -32289,7 +32504,7 @@
               <p:cNvPr id="153" name="그림 152">
                 <a:extLst>
                   <a:ext uri="{FF2B5EF4-FFF2-40B4-BE49-F238E27FC236}">
-                    <a16:creationId xmlns:a16="http://schemas.microsoft.com/office/drawing/2014/main" id="{B349C1E6-202D-4E8E-BE23-5FCE17414617}"/>
+                    <a16:creationId xmlns:a16="http://schemas.microsoft.com/office/drawing/2014/main" xmlns="" id="{B349C1E6-202D-4E8E-BE23-5FCE17414617}"/>
                   </a:ext>
                 </a:extLst>
               </p:cNvPr>
@@ -32325,7 +32540,7 @@
               <p:cNvPr id="154" name="그림 153">
                 <a:extLst>
                   <a:ext uri="{FF2B5EF4-FFF2-40B4-BE49-F238E27FC236}">
-                    <a16:creationId xmlns:a16="http://schemas.microsoft.com/office/drawing/2014/main" id="{C829C311-445D-4822-84E0-24FF1B02395C}"/>
+                    <a16:creationId xmlns:a16="http://schemas.microsoft.com/office/drawing/2014/main" xmlns="" id="{C829C311-445D-4822-84E0-24FF1B02395C}"/>
                   </a:ext>
                 </a:extLst>
               </p:cNvPr>
@@ -32361,7 +32576,7 @@
               <p:cNvPr id="155" name="그림 154">
                 <a:extLst>
                   <a:ext uri="{FF2B5EF4-FFF2-40B4-BE49-F238E27FC236}">
-                    <a16:creationId xmlns:a16="http://schemas.microsoft.com/office/drawing/2014/main" id="{1767D613-DB6A-4980-8B53-141A4C6C2834}"/>
+                    <a16:creationId xmlns:a16="http://schemas.microsoft.com/office/drawing/2014/main" xmlns="" id="{1767D613-DB6A-4980-8B53-141A4C6C2834}"/>
                   </a:ext>
                 </a:extLst>
               </p:cNvPr>
@@ -32397,7 +32612,7 @@
               <p:cNvPr id="156" name="그림 155">
                 <a:extLst>
                   <a:ext uri="{FF2B5EF4-FFF2-40B4-BE49-F238E27FC236}">
-                    <a16:creationId xmlns:a16="http://schemas.microsoft.com/office/drawing/2014/main" id="{42D944F7-C4DE-4E3B-B338-4F488402F137}"/>
+                    <a16:creationId xmlns:a16="http://schemas.microsoft.com/office/drawing/2014/main" xmlns="" id="{42D944F7-C4DE-4E3B-B338-4F488402F137}"/>
                   </a:ext>
                 </a:extLst>
               </p:cNvPr>
@@ -32433,7 +32648,7 @@
               <p:cNvPr id="157" name="그림 156">
                 <a:extLst>
                   <a:ext uri="{FF2B5EF4-FFF2-40B4-BE49-F238E27FC236}">
-                    <a16:creationId xmlns:a16="http://schemas.microsoft.com/office/drawing/2014/main" id="{60159609-9736-46E7-A43A-BB7B8E610814}"/>
+                    <a16:creationId xmlns:a16="http://schemas.microsoft.com/office/drawing/2014/main" xmlns="" id="{60159609-9736-46E7-A43A-BB7B8E610814}"/>
                   </a:ext>
                 </a:extLst>
               </p:cNvPr>
@@ -32469,7 +32684,7 @@
               <p:cNvPr id="158" name="그림 157">
                 <a:extLst>
                   <a:ext uri="{FF2B5EF4-FFF2-40B4-BE49-F238E27FC236}">
-                    <a16:creationId xmlns:a16="http://schemas.microsoft.com/office/drawing/2014/main" id="{14B1D62F-B562-4095-86B1-C6140BC82433}"/>
+                    <a16:creationId xmlns:a16="http://schemas.microsoft.com/office/drawing/2014/main" xmlns="" id="{14B1D62F-B562-4095-86B1-C6140BC82433}"/>
                   </a:ext>
                 </a:extLst>
               </p:cNvPr>
@@ -32505,7 +32720,7 @@
               <p:cNvPr id="159" name="그림 158">
                 <a:extLst>
                   <a:ext uri="{FF2B5EF4-FFF2-40B4-BE49-F238E27FC236}">
-                    <a16:creationId xmlns:a16="http://schemas.microsoft.com/office/drawing/2014/main" id="{241829C2-83C9-4221-A432-51C9505C760A}"/>
+                    <a16:creationId xmlns:a16="http://schemas.microsoft.com/office/drawing/2014/main" xmlns="" id="{241829C2-83C9-4221-A432-51C9505C760A}"/>
                   </a:ext>
                 </a:extLst>
               </p:cNvPr>
@@ -32542,7 +32757,7 @@
             <p:cNvPr id="161" name="그룹 160">
               <a:extLst>
                 <a:ext uri="{FF2B5EF4-FFF2-40B4-BE49-F238E27FC236}">
-                  <a16:creationId xmlns:a16="http://schemas.microsoft.com/office/drawing/2014/main" id="{02DE07A5-16F4-4800-9D80-765D864656F8}"/>
+                  <a16:creationId xmlns:a16="http://schemas.microsoft.com/office/drawing/2014/main" xmlns="" id="{02DE07A5-16F4-4800-9D80-765D864656F8}"/>
                 </a:ext>
               </a:extLst>
             </p:cNvPr>
@@ -32562,7 +32777,7 @@
               <p:cNvPr id="162" name="그림 161">
                 <a:extLst>
                   <a:ext uri="{FF2B5EF4-FFF2-40B4-BE49-F238E27FC236}">
-                    <a16:creationId xmlns:a16="http://schemas.microsoft.com/office/drawing/2014/main" id="{6E815661-4D6D-4197-AE52-FCAEC9597834}"/>
+                    <a16:creationId xmlns:a16="http://schemas.microsoft.com/office/drawing/2014/main" xmlns="" id="{6E815661-4D6D-4197-AE52-FCAEC9597834}"/>
                   </a:ext>
                 </a:extLst>
               </p:cNvPr>
@@ -32598,7 +32813,7 @@
               <p:cNvPr id="163" name="그림 162">
                 <a:extLst>
                   <a:ext uri="{FF2B5EF4-FFF2-40B4-BE49-F238E27FC236}">
-                    <a16:creationId xmlns:a16="http://schemas.microsoft.com/office/drawing/2014/main" id="{06DB7349-2E50-4B94-BA5E-7A6177831A47}"/>
+                    <a16:creationId xmlns:a16="http://schemas.microsoft.com/office/drawing/2014/main" xmlns="" id="{06DB7349-2E50-4B94-BA5E-7A6177831A47}"/>
                   </a:ext>
                 </a:extLst>
               </p:cNvPr>
@@ -32634,7 +32849,7 @@
               <p:cNvPr id="164" name="그림 163">
                 <a:extLst>
                   <a:ext uri="{FF2B5EF4-FFF2-40B4-BE49-F238E27FC236}">
-                    <a16:creationId xmlns:a16="http://schemas.microsoft.com/office/drawing/2014/main" id="{21F89B6C-F50F-4618-85AF-E32BD986086E}"/>
+                    <a16:creationId xmlns:a16="http://schemas.microsoft.com/office/drawing/2014/main" xmlns="" id="{21F89B6C-F50F-4618-85AF-E32BD986086E}"/>
                   </a:ext>
                 </a:extLst>
               </p:cNvPr>
@@ -32670,7 +32885,7 @@
               <p:cNvPr id="165" name="그림 164">
                 <a:extLst>
                   <a:ext uri="{FF2B5EF4-FFF2-40B4-BE49-F238E27FC236}">
-                    <a16:creationId xmlns:a16="http://schemas.microsoft.com/office/drawing/2014/main" id="{90FFF0A7-E778-4685-8282-FEBB5A6E6897}"/>
+                    <a16:creationId xmlns:a16="http://schemas.microsoft.com/office/drawing/2014/main" xmlns="" id="{90FFF0A7-E778-4685-8282-FEBB5A6E6897}"/>
                   </a:ext>
                 </a:extLst>
               </p:cNvPr>
@@ -32706,7 +32921,7 @@
               <p:cNvPr id="166" name="그림 165">
                 <a:extLst>
                   <a:ext uri="{FF2B5EF4-FFF2-40B4-BE49-F238E27FC236}">
-                    <a16:creationId xmlns:a16="http://schemas.microsoft.com/office/drawing/2014/main" id="{4965C629-112C-4B23-9E28-AD42A10CFDAC}"/>
+                    <a16:creationId xmlns:a16="http://schemas.microsoft.com/office/drawing/2014/main" xmlns="" id="{4965C629-112C-4B23-9E28-AD42A10CFDAC}"/>
                   </a:ext>
                 </a:extLst>
               </p:cNvPr>
@@ -32742,7 +32957,7 @@
               <p:cNvPr id="167" name="그림 166">
                 <a:extLst>
                   <a:ext uri="{FF2B5EF4-FFF2-40B4-BE49-F238E27FC236}">
-                    <a16:creationId xmlns:a16="http://schemas.microsoft.com/office/drawing/2014/main" id="{18A4C090-5B98-46F3-94EA-833D6A0BAE18}"/>
+                    <a16:creationId xmlns:a16="http://schemas.microsoft.com/office/drawing/2014/main" xmlns="" id="{18A4C090-5B98-46F3-94EA-833D6A0BAE18}"/>
                   </a:ext>
                 </a:extLst>
               </p:cNvPr>
@@ -32778,7 +32993,7 @@
               <p:cNvPr id="168" name="그림 167">
                 <a:extLst>
                   <a:ext uri="{FF2B5EF4-FFF2-40B4-BE49-F238E27FC236}">
-                    <a16:creationId xmlns:a16="http://schemas.microsoft.com/office/drawing/2014/main" id="{C4C75DD7-08DD-4FC7-9C7B-A73D3CB59229}"/>
+                    <a16:creationId xmlns:a16="http://schemas.microsoft.com/office/drawing/2014/main" xmlns="" id="{C4C75DD7-08DD-4FC7-9C7B-A73D3CB59229}"/>
                   </a:ext>
                 </a:extLst>
               </p:cNvPr>
@@ -32814,7 +33029,7 @@
               <p:cNvPr id="169" name="그림 168">
                 <a:extLst>
                   <a:ext uri="{FF2B5EF4-FFF2-40B4-BE49-F238E27FC236}">
-                    <a16:creationId xmlns:a16="http://schemas.microsoft.com/office/drawing/2014/main" id="{03182F12-0022-42E9-BC27-4BAF43AFB4E3}"/>
+                    <a16:creationId xmlns:a16="http://schemas.microsoft.com/office/drawing/2014/main" xmlns="" id="{03182F12-0022-42E9-BC27-4BAF43AFB4E3}"/>
                   </a:ext>
                 </a:extLst>
               </p:cNvPr>
@@ -32850,7 +33065,7 @@
               <p:cNvPr id="170" name="그림 169">
                 <a:extLst>
                   <a:ext uri="{FF2B5EF4-FFF2-40B4-BE49-F238E27FC236}">
-                    <a16:creationId xmlns:a16="http://schemas.microsoft.com/office/drawing/2014/main" id="{D1BE3491-8C42-4A6D-9DD9-913B1CA66B74}"/>
+                    <a16:creationId xmlns:a16="http://schemas.microsoft.com/office/drawing/2014/main" xmlns="" id="{D1BE3491-8C42-4A6D-9DD9-913B1CA66B74}"/>
                   </a:ext>
                 </a:extLst>
               </p:cNvPr>
@@ -32886,7 +33101,7 @@
               <p:cNvPr id="171" name="그림 170">
                 <a:extLst>
                   <a:ext uri="{FF2B5EF4-FFF2-40B4-BE49-F238E27FC236}">
-                    <a16:creationId xmlns:a16="http://schemas.microsoft.com/office/drawing/2014/main" id="{18E725F9-E5E2-4168-B368-204882715288}"/>
+                    <a16:creationId xmlns:a16="http://schemas.microsoft.com/office/drawing/2014/main" xmlns="" id="{18E725F9-E5E2-4168-B368-204882715288}"/>
                   </a:ext>
                 </a:extLst>
               </p:cNvPr>
@@ -32922,7 +33137,7 @@
               <p:cNvPr id="172" name="그림 171">
                 <a:extLst>
                   <a:ext uri="{FF2B5EF4-FFF2-40B4-BE49-F238E27FC236}">
-                    <a16:creationId xmlns:a16="http://schemas.microsoft.com/office/drawing/2014/main" id="{D5AA5610-46DF-49C2-A147-C1F095075594}"/>
+                    <a16:creationId xmlns:a16="http://schemas.microsoft.com/office/drawing/2014/main" xmlns="" id="{D5AA5610-46DF-49C2-A147-C1F095075594}"/>
                   </a:ext>
                 </a:extLst>
               </p:cNvPr>
@@ -32958,7 +33173,7 @@
               <p:cNvPr id="173" name="그림 172">
                 <a:extLst>
                   <a:ext uri="{FF2B5EF4-FFF2-40B4-BE49-F238E27FC236}">
-                    <a16:creationId xmlns:a16="http://schemas.microsoft.com/office/drawing/2014/main" id="{1CE08F6C-230A-482B-9118-F67236986002}"/>
+                    <a16:creationId xmlns:a16="http://schemas.microsoft.com/office/drawing/2014/main" xmlns="" id="{1CE08F6C-230A-482B-9118-F67236986002}"/>
                   </a:ext>
                 </a:extLst>
               </p:cNvPr>
@@ -32995,7 +33210,7 @@
             <p:cNvPr id="174" name="그룹 173">
               <a:extLst>
                 <a:ext uri="{FF2B5EF4-FFF2-40B4-BE49-F238E27FC236}">
-                  <a16:creationId xmlns:a16="http://schemas.microsoft.com/office/drawing/2014/main" id="{834073F1-1102-4E78-9B33-FF2F4209DE3A}"/>
+                  <a16:creationId xmlns:a16="http://schemas.microsoft.com/office/drawing/2014/main" xmlns="" id="{834073F1-1102-4E78-9B33-FF2F4209DE3A}"/>
                 </a:ext>
               </a:extLst>
             </p:cNvPr>
@@ -33015,7 +33230,7 @@
               <p:cNvPr id="175" name="그림 174">
                 <a:extLst>
                   <a:ext uri="{FF2B5EF4-FFF2-40B4-BE49-F238E27FC236}">
-                    <a16:creationId xmlns:a16="http://schemas.microsoft.com/office/drawing/2014/main" id="{D7FEA39F-B0A2-4DE8-8032-3430077C5EEA}"/>
+                    <a16:creationId xmlns:a16="http://schemas.microsoft.com/office/drawing/2014/main" xmlns="" id="{D7FEA39F-B0A2-4DE8-8032-3430077C5EEA}"/>
                   </a:ext>
                 </a:extLst>
               </p:cNvPr>
@@ -33051,7 +33266,7 @@
               <p:cNvPr id="176" name="그림 175">
                 <a:extLst>
                   <a:ext uri="{FF2B5EF4-FFF2-40B4-BE49-F238E27FC236}">
-                    <a16:creationId xmlns:a16="http://schemas.microsoft.com/office/drawing/2014/main" id="{476D7595-162D-44FB-9BA3-C5987A12A5F0}"/>
+                    <a16:creationId xmlns:a16="http://schemas.microsoft.com/office/drawing/2014/main" xmlns="" id="{476D7595-162D-44FB-9BA3-C5987A12A5F0}"/>
                   </a:ext>
                 </a:extLst>
               </p:cNvPr>
@@ -33087,7 +33302,7 @@
               <p:cNvPr id="177" name="그림 176">
                 <a:extLst>
                   <a:ext uri="{FF2B5EF4-FFF2-40B4-BE49-F238E27FC236}">
-                    <a16:creationId xmlns:a16="http://schemas.microsoft.com/office/drawing/2014/main" id="{5811E9E9-83EF-4644-9143-9C206E7FF19E}"/>
+                    <a16:creationId xmlns:a16="http://schemas.microsoft.com/office/drawing/2014/main" xmlns="" id="{5811E9E9-83EF-4644-9143-9C206E7FF19E}"/>
                   </a:ext>
                 </a:extLst>
               </p:cNvPr>
@@ -33123,7 +33338,7 @@
               <p:cNvPr id="178" name="그림 177">
                 <a:extLst>
                   <a:ext uri="{FF2B5EF4-FFF2-40B4-BE49-F238E27FC236}">
-                    <a16:creationId xmlns:a16="http://schemas.microsoft.com/office/drawing/2014/main" id="{BBE53D5A-0F79-4073-8415-D0C30B40AA22}"/>
+                    <a16:creationId xmlns:a16="http://schemas.microsoft.com/office/drawing/2014/main" xmlns="" id="{BBE53D5A-0F79-4073-8415-D0C30B40AA22}"/>
                   </a:ext>
                 </a:extLst>
               </p:cNvPr>
@@ -33159,7 +33374,7 @@
               <p:cNvPr id="179" name="그림 178">
                 <a:extLst>
                   <a:ext uri="{FF2B5EF4-FFF2-40B4-BE49-F238E27FC236}">
-                    <a16:creationId xmlns:a16="http://schemas.microsoft.com/office/drawing/2014/main" id="{305665F5-1C89-43E5-B8FB-7A6A2CE0649B}"/>
+                    <a16:creationId xmlns:a16="http://schemas.microsoft.com/office/drawing/2014/main" xmlns="" id="{305665F5-1C89-43E5-B8FB-7A6A2CE0649B}"/>
                   </a:ext>
                 </a:extLst>
               </p:cNvPr>
@@ -33195,7 +33410,7 @@
               <p:cNvPr id="180" name="그림 179">
                 <a:extLst>
                   <a:ext uri="{FF2B5EF4-FFF2-40B4-BE49-F238E27FC236}">
-                    <a16:creationId xmlns:a16="http://schemas.microsoft.com/office/drawing/2014/main" id="{6CFBD450-52AC-4F14-AE00-D12E8D60A023}"/>
+                    <a16:creationId xmlns:a16="http://schemas.microsoft.com/office/drawing/2014/main" xmlns="" id="{6CFBD450-52AC-4F14-AE00-D12E8D60A023}"/>
                   </a:ext>
                 </a:extLst>
               </p:cNvPr>
@@ -33231,7 +33446,7 @@
               <p:cNvPr id="181" name="그림 180">
                 <a:extLst>
                   <a:ext uri="{FF2B5EF4-FFF2-40B4-BE49-F238E27FC236}">
-                    <a16:creationId xmlns:a16="http://schemas.microsoft.com/office/drawing/2014/main" id="{B0285987-FF3F-4324-A6C2-2D56131F2457}"/>
+                    <a16:creationId xmlns:a16="http://schemas.microsoft.com/office/drawing/2014/main" xmlns="" id="{B0285987-FF3F-4324-A6C2-2D56131F2457}"/>
                   </a:ext>
                 </a:extLst>
               </p:cNvPr>
@@ -33267,7 +33482,7 @@
               <p:cNvPr id="182" name="그림 181">
                 <a:extLst>
                   <a:ext uri="{FF2B5EF4-FFF2-40B4-BE49-F238E27FC236}">
-                    <a16:creationId xmlns:a16="http://schemas.microsoft.com/office/drawing/2014/main" id="{09E7AE33-5FDD-410A-9B09-298771F44F03}"/>
+                    <a16:creationId xmlns:a16="http://schemas.microsoft.com/office/drawing/2014/main" xmlns="" id="{09E7AE33-5FDD-410A-9B09-298771F44F03}"/>
                   </a:ext>
                 </a:extLst>
               </p:cNvPr>
@@ -33303,7 +33518,7 @@
               <p:cNvPr id="183" name="그림 182">
                 <a:extLst>
                   <a:ext uri="{FF2B5EF4-FFF2-40B4-BE49-F238E27FC236}">
-                    <a16:creationId xmlns:a16="http://schemas.microsoft.com/office/drawing/2014/main" id="{174A3C80-4D09-444C-9F63-B0FA9C2B9F35}"/>
+                    <a16:creationId xmlns:a16="http://schemas.microsoft.com/office/drawing/2014/main" xmlns="" id="{174A3C80-4D09-444C-9F63-B0FA9C2B9F35}"/>
                   </a:ext>
                 </a:extLst>
               </p:cNvPr>
@@ -33339,7 +33554,7 @@
               <p:cNvPr id="184" name="그림 183">
                 <a:extLst>
                   <a:ext uri="{FF2B5EF4-FFF2-40B4-BE49-F238E27FC236}">
-                    <a16:creationId xmlns:a16="http://schemas.microsoft.com/office/drawing/2014/main" id="{16289A85-0035-4A50-93AF-68DF872A132F}"/>
+                    <a16:creationId xmlns:a16="http://schemas.microsoft.com/office/drawing/2014/main" xmlns="" id="{16289A85-0035-4A50-93AF-68DF872A132F}"/>
                   </a:ext>
                 </a:extLst>
               </p:cNvPr>
@@ -33375,7 +33590,7 @@
               <p:cNvPr id="185" name="그림 184">
                 <a:extLst>
                   <a:ext uri="{FF2B5EF4-FFF2-40B4-BE49-F238E27FC236}">
-                    <a16:creationId xmlns:a16="http://schemas.microsoft.com/office/drawing/2014/main" id="{49B77820-794C-41F4-B617-5268170BFDA7}"/>
+                    <a16:creationId xmlns:a16="http://schemas.microsoft.com/office/drawing/2014/main" xmlns="" id="{49B77820-794C-41F4-B617-5268170BFDA7}"/>
                   </a:ext>
                 </a:extLst>
               </p:cNvPr>
@@ -33411,7 +33626,7 @@
               <p:cNvPr id="186" name="그림 185">
                 <a:extLst>
                   <a:ext uri="{FF2B5EF4-FFF2-40B4-BE49-F238E27FC236}">
-                    <a16:creationId xmlns:a16="http://schemas.microsoft.com/office/drawing/2014/main" id="{2D623F2D-671D-453C-90E1-C9478523F5E5}"/>
+                    <a16:creationId xmlns:a16="http://schemas.microsoft.com/office/drawing/2014/main" xmlns="" id="{2D623F2D-671D-453C-90E1-C9478523F5E5}"/>
                   </a:ext>
                 </a:extLst>
               </p:cNvPr>
@@ -33448,7 +33663,7 @@
             <p:cNvPr id="187" name="그룹 186">
               <a:extLst>
                 <a:ext uri="{FF2B5EF4-FFF2-40B4-BE49-F238E27FC236}">
-                  <a16:creationId xmlns:a16="http://schemas.microsoft.com/office/drawing/2014/main" id="{65EC4DB1-8C81-4817-978A-73D28AB2787A}"/>
+                  <a16:creationId xmlns:a16="http://schemas.microsoft.com/office/drawing/2014/main" xmlns="" id="{65EC4DB1-8C81-4817-978A-73D28AB2787A}"/>
                 </a:ext>
               </a:extLst>
             </p:cNvPr>
@@ -33468,7 +33683,7 @@
               <p:cNvPr id="188" name="그림 187">
                 <a:extLst>
                   <a:ext uri="{FF2B5EF4-FFF2-40B4-BE49-F238E27FC236}">
-                    <a16:creationId xmlns:a16="http://schemas.microsoft.com/office/drawing/2014/main" id="{3A3EC97A-1A6B-4CA6-8B4F-CC1D44589B6D}"/>
+                    <a16:creationId xmlns:a16="http://schemas.microsoft.com/office/drawing/2014/main" xmlns="" id="{3A3EC97A-1A6B-4CA6-8B4F-CC1D44589B6D}"/>
                   </a:ext>
                 </a:extLst>
               </p:cNvPr>
@@ -33504,7 +33719,7 @@
               <p:cNvPr id="190" name="그림 189">
                 <a:extLst>
                   <a:ext uri="{FF2B5EF4-FFF2-40B4-BE49-F238E27FC236}">
-                    <a16:creationId xmlns:a16="http://schemas.microsoft.com/office/drawing/2014/main" id="{F769AA4D-16A5-4933-9849-E231BFE8CC4D}"/>
+                    <a16:creationId xmlns:a16="http://schemas.microsoft.com/office/drawing/2014/main" xmlns="" id="{F769AA4D-16A5-4933-9849-E231BFE8CC4D}"/>
                   </a:ext>
                 </a:extLst>
               </p:cNvPr>
@@ -33540,7 +33755,7 @@
               <p:cNvPr id="193" name="그림 192">
                 <a:extLst>
                   <a:ext uri="{FF2B5EF4-FFF2-40B4-BE49-F238E27FC236}">
-                    <a16:creationId xmlns:a16="http://schemas.microsoft.com/office/drawing/2014/main" id="{7A83C488-0902-44D3-ABBA-5D767F19728A}"/>
+                    <a16:creationId xmlns:a16="http://schemas.microsoft.com/office/drawing/2014/main" xmlns="" id="{7A83C488-0902-44D3-ABBA-5D767F19728A}"/>
                   </a:ext>
                 </a:extLst>
               </p:cNvPr>
@@ -33576,7 +33791,7 @@
               <p:cNvPr id="195" name="그림 194">
                 <a:extLst>
                   <a:ext uri="{FF2B5EF4-FFF2-40B4-BE49-F238E27FC236}">
-                    <a16:creationId xmlns:a16="http://schemas.microsoft.com/office/drawing/2014/main" id="{B1F5C648-A98C-406A-B2ED-A484D83181B0}"/>
+                    <a16:creationId xmlns:a16="http://schemas.microsoft.com/office/drawing/2014/main" xmlns="" id="{B1F5C648-A98C-406A-B2ED-A484D83181B0}"/>
                   </a:ext>
                 </a:extLst>
               </p:cNvPr>
@@ -33612,7 +33827,7 @@
               <p:cNvPr id="197" name="그림 196">
                 <a:extLst>
                   <a:ext uri="{FF2B5EF4-FFF2-40B4-BE49-F238E27FC236}">
-                    <a16:creationId xmlns:a16="http://schemas.microsoft.com/office/drawing/2014/main" id="{BF2B8322-D03E-4C92-84B2-EBF220596295}"/>
+                    <a16:creationId xmlns:a16="http://schemas.microsoft.com/office/drawing/2014/main" xmlns="" id="{BF2B8322-D03E-4C92-84B2-EBF220596295}"/>
                   </a:ext>
                 </a:extLst>
               </p:cNvPr>
@@ -33648,7 +33863,7 @@
               <p:cNvPr id="200" name="그림 199">
                 <a:extLst>
                   <a:ext uri="{FF2B5EF4-FFF2-40B4-BE49-F238E27FC236}">
-                    <a16:creationId xmlns:a16="http://schemas.microsoft.com/office/drawing/2014/main" id="{1E6CB5DB-BD4B-4BE3-B66C-909E360E0778}"/>
+                    <a16:creationId xmlns:a16="http://schemas.microsoft.com/office/drawing/2014/main" xmlns="" id="{1E6CB5DB-BD4B-4BE3-B66C-909E360E0778}"/>
                   </a:ext>
                 </a:extLst>
               </p:cNvPr>
@@ -33684,7 +33899,7 @@
               <p:cNvPr id="202" name="그림 201">
                 <a:extLst>
                   <a:ext uri="{FF2B5EF4-FFF2-40B4-BE49-F238E27FC236}">
-                    <a16:creationId xmlns:a16="http://schemas.microsoft.com/office/drawing/2014/main" id="{F3A6F2DE-C96C-4275-9B0D-0A540DFA5B8D}"/>
+                    <a16:creationId xmlns:a16="http://schemas.microsoft.com/office/drawing/2014/main" xmlns="" id="{F3A6F2DE-C96C-4275-9B0D-0A540DFA5B8D}"/>
                   </a:ext>
                 </a:extLst>
               </p:cNvPr>
@@ -33720,7 +33935,7 @@
               <p:cNvPr id="207" name="그림 206">
                 <a:extLst>
                   <a:ext uri="{FF2B5EF4-FFF2-40B4-BE49-F238E27FC236}">
-                    <a16:creationId xmlns:a16="http://schemas.microsoft.com/office/drawing/2014/main" id="{61608F68-5DC2-47AB-B1DE-C07874A83257}"/>
+                    <a16:creationId xmlns:a16="http://schemas.microsoft.com/office/drawing/2014/main" xmlns="" id="{61608F68-5DC2-47AB-B1DE-C07874A83257}"/>
                   </a:ext>
                 </a:extLst>
               </p:cNvPr>
@@ -33756,7 +33971,7 @@
               <p:cNvPr id="209" name="그림 208">
                 <a:extLst>
                   <a:ext uri="{FF2B5EF4-FFF2-40B4-BE49-F238E27FC236}">
-                    <a16:creationId xmlns:a16="http://schemas.microsoft.com/office/drawing/2014/main" id="{C83BC211-F7C8-4FC2-865F-4A581D089EFE}"/>
+                    <a16:creationId xmlns:a16="http://schemas.microsoft.com/office/drawing/2014/main" xmlns="" id="{C83BC211-F7C8-4FC2-865F-4A581D089EFE}"/>
                   </a:ext>
                 </a:extLst>
               </p:cNvPr>
@@ -33792,7 +34007,7 @@
               <p:cNvPr id="210" name="그림 209">
                 <a:extLst>
                   <a:ext uri="{FF2B5EF4-FFF2-40B4-BE49-F238E27FC236}">
-                    <a16:creationId xmlns:a16="http://schemas.microsoft.com/office/drawing/2014/main" id="{F1014B2B-2A83-4729-9EF4-C9C1E3361878}"/>
+                    <a16:creationId xmlns:a16="http://schemas.microsoft.com/office/drawing/2014/main" xmlns="" id="{F1014B2B-2A83-4729-9EF4-C9C1E3361878}"/>
                   </a:ext>
                 </a:extLst>
               </p:cNvPr>
@@ -33828,7 +34043,7 @@
               <p:cNvPr id="211" name="그림 210">
                 <a:extLst>
                   <a:ext uri="{FF2B5EF4-FFF2-40B4-BE49-F238E27FC236}">
-                    <a16:creationId xmlns:a16="http://schemas.microsoft.com/office/drawing/2014/main" id="{6934A044-8910-4B18-836A-6122303909B2}"/>
+                    <a16:creationId xmlns:a16="http://schemas.microsoft.com/office/drawing/2014/main" xmlns="" id="{6934A044-8910-4B18-836A-6122303909B2}"/>
                   </a:ext>
                 </a:extLst>
               </p:cNvPr>
@@ -33864,7 +34079,7 @@
               <p:cNvPr id="212" name="그림 211">
                 <a:extLst>
                   <a:ext uri="{FF2B5EF4-FFF2-40B4-BE49-F238E27FC236}">
-                    <a16:creationId xmlns:a16="http://schemas.microsoft.com/office/drawing/2014/main" id="{35E40E71-8EC5-4AA8-A492-33730B12DBE7}"/>
+                    <a16:creationId xmlns:a16="http://schemas.microsoft.com/office/drawing/2014/main" xmlns="" id="{35E40E71-8EC5-4AA8-A492-33730B12DBE7}"/>
                   </a:ext>
                 </a:extLst>
               </p:cNvPr>
@@ -33901,7 +34116,7 @@
             <p:cNvPr id="213" name="그룹 212">
               <a:extLst>
                 <a:ext uri="{FF2B5EF4-FFF2-40B4-BE49-F238E27FC236}">
-                  <a16:creationId xmlns:a16="http://schemas.microsoft.com/office/drawing/2014/main" id="{44DD19BA-BC38-4FE5-A6B7-9891D8AB2F17}"/>
+                  <a16:creationId xmlns:a16="http://schemas.microsoft.com/office/drawing/2014/main" xmlns="" id="{44DD19BA-BC38-4FE5-A6B7-9891D8AB2F17}"/>
                 </a:ext>
               </a:extLst>
             </p:cNvPr>
@@ -33921,7 +34136,7 @@
               <p:cNvPr id="214" name="그림 213">
                 <a:extLst>
                   <a:ext uri="{FF2B5EF4-FFF2-40B4-BE49-F238E27FC236}">
-                    <a16:creationId xmlns:a16="http://schemas.microsoft.com/office/drawing/2014/main" id="{AC6E4A6A-2CDC-45DE-AEBC-119F9E46D01B}"/>
+                    <a16:creationId xmlns:a16="http://schemas.microsoft.com/office/drawing/2014/main" xmlns="" id="{AC6E4A6A-2CDC-45DE-AEBC-119F9E46D01B}"/>
                   </a:ext>
                 </a:extLst>
               </p:cNvPr>
@@ -33957,7 +34172,7 @@
               <p:cNvPr id="215" name="그림 214">
                 <a:extLst>
                   <a:ext uri="{FF2B5EF4-FFF2-40B4-BE49-F238E27FC236}">
-                    <a16:creationId xmlns:a16="http://schemas.microsoft.com/office/drawing/2014/main" id="{268C2F9E-289C-49BF-B3A9-9EF7751CDFB7}"/>
+                    <a16:creationId xmlns:a16="http://schemas.microsoft.com/office/drawing/2014/main" xmlns="" id="{268C2F9E-289C-49BF-B3A9-9EF7751CDFB7}"/>
                   </a:ext>
                 </a:extLst>
               </p:cNvPr>
@@ -33993,7 +34208,7 @@
               <p:cNvPr id="216" name="그림 215">
                 <a:extLst>
                   <a:ext uri="{FF2B5EF4-FFF2-40B4-BE49-F238E27FC236}">
-                    <a16:creationId xmlns:a16="http://schemas.microsoft.com/office/drawing/2014/main" id="{AF672DF6-A830-4516-A127-CABB5FCF7FCF}"/>
+                    <a16:creationId xmlns:a16="http://schemas.microsoft.com/office/drawing/2014/main" xmlns="" id="{AF672DF6-A830-4516-A127-CABB5FCF7FCF}"/>
                   </a:ext>
                 </a:extLst>
               </p:cNvPr>
@@ -34029,7 +34244,7 @@
               <p:cNvPr id="217" name="그림 216">
                 <a:extLst>
                   <a:ext uri="{FF2B5EF4-FFF2-40B4-BE49-F238E27FC236}">
-                    <a16:creationId xmlns:a16="http://schemas.microsoft.com/office/drawing/2014/main" id="{C02092DF-3023-4153-AC37-3F8499C67938}"/>
+                    <a16:creationId xmlns:a16="http://schemas.microsoft.com/office/drawing/2014/main" xmlns="" id="{C02092DF-3023-4153-AC37-3F8499C67938}"/>
                   </a:ext>
                 </a:extLst>
               </p:cNvPr>
@@ -34065,7 +34280,7 @@
               <p:cNvPr id="218" name="그림 217">
                 <a:extLst>
                   <a:ext uri="{FF2B5EF4-FFF2-40B4-BE49-F238E27FC236}">
-                    <a16:creationId xmlns:a16="http://schemas.microsoft.com/office/drawing/2014/main" id="{48CB392E-4229-4BFC-876D-7304FD6CCD57}"/>
+                    <a16:creationId xmlns:a16="http://schemas.microsoft.com/office/drawing/2014/main" xmlns="" id="{48CB392E-4229-4BFC-876D-7304FD6CCD57}"/>
                   </a:ext>
                 </a:extLst>
               </p:cNvPr>
@@ -34101,7 +34316,7 @@
               <p:cNvPr id="219" name="그림 218">
                 <a:extLst>
                   <a:ext uri="{FF2B5EF4-FFF2-40B4-BE49-F238E27FC236}">
-                    <a16:creationId xmlns:a16="http://schemas.microsoft.com/office/drawing/2014/main" id="{B7A17FB4-7507-4BED-97BE-5FFACD246678}"/>
+                    <a16:creationId xmlns:a16="http://schemas.microsoft.com/office/drawing/2014/main" xmlns="" id="{B7A17FB4-7507-4BED-97BE-5FFACD246678}"/>
                   </a:ext>
                 </a:extLst>
               </p:cNvPr>
@@ -34137,7 +34352,7 @@
               <p:cNvPr id="220" name="그림 219">
                 <a:extLst>
                   <a:ext uri="{FF2B5EF4-FFF2-40B4-BE49-F238E27FC236}">
-                    <a16:creationId xmlns:a16="http://schemas.microsoft.com/office/drawing/2014/main" id="{B9999B55-4A5B-4C99-B252-F9571324E9AD}"/>
+                    <a16:creationId xmlns:a16="http://schemas.microsoft.com/office/drawing/2014/main" xmlns="" id="{B9999B55-4A5B-4C99-B252-F9571324E9AD}"/>
                   </a:ext>
                 </a:extLst>
               </p:cNvPr>
@@ -34173,7 +34388,7 @@
               <p:cNvPr id="221" name="그림 220">
                 <a:extLst>
                   <a:ext uri="{FF2B5EF4-FFF2-40B4-BE49-F238E27FC236}">
-                    <a16:creationId xmlns:a16="http://schemas.microsoft.com/office/drawing/2014/main" id="{106F68E2-9E4C-498C-A282-023229A2FEBC}"/>
+                    <a16:creationId xmlns:a16="http://schemas.microsoft.com/office/drawing/2014/main" xmlns="" id="{106F68E2-9E4C-498C-A282-023229A2FEBC}"/>
                   </a:ext>
                 </a:extLst>
               </p:cNvPr>
@@ -34209,7 +34424,7 @@
               <p:cNvPr id="222" name="그림 221">
                 <a:extLst>
                   <a:ext uri="{FF2B5EF4-FFF2-40B4-BE49-F238E27FC236}">
-                    <a16:creationId xmlns:a16="http://schemas.microsoft.com/office/drawing/2014/main" id="{A3F11CA5-DC16-4035-BCDE-601CAB46B7D6}"/>
+                    <a16:creationId xmlns:a16="http://schemas.microsoft.com/office/drawing/2014/main" xmlns="" id="{A3F11CA5-DC16-4035-BCDE-601CAB46B7D6}"/>
                   </a:ext>
                 </a:extLst>
               </p:cNvPr>
@@ -34245,7 +34460,7 @@
               <p:cNvPr id="223" name="그림 222">
                 <a:extLst>
                   <a:ext uri="{FF2B5EF4-FFF2-40B4-BE49-F238E27FC236}">
-                    <a16:creationId xmlns:a16="http://schemas.microsoft.com/office/drawing/2014/main" id="{A1B542DC-8F13-43C6-ABAA-E2B412FC71DA}"/>
+                    <a16:creationId xmlns:a16="http://schemas.microsoft.com/office/drawing/2014/main" xmlns="" id="{A1B542DC-8F13-43C6-ABAA-E2B412FC71DA}"/>
                   </a:ext>
                 </a:extLst>
               </p:cNvPr>
@@ -34281,7 +34496,7 @@
               <p:cNvPr id="224" name="그림 223">
                 <a:extLst>
                   <a:ext uri="{FF2B5EF4-FFF2-40B4-BE49-F238E27FC236}">
-                    <a16:creationId xmlns:a16="http://schemas.microsoft.com/office/drawing/2014/main" id="{C226B6F9-7201-4ACF-BF78-6EE1A219E250}"/>
+                    <a16:creationId xmlns:a16="http://schemas.microsoft.com/office/drawing/2014/main" xmlns="" id="{C226B6F9-7201-4ACF-BF78-6EE1A219E250}"/>
                   </a:ext>
                 </a:extLst>
               </p:cNvPr>
@@ -34317,7 +34532,7 @@
               <p:cNvPr id="225" name="그림 224">
                 <a:extLst>
                   <a:ext uri="{FF2B5EF4-FFF2-40B4-BE49-F238E27FC236}">
-                    <a16:creationId xmlns:a16="http://schemas.microsoft.com/office/drawing/2014/main" id="{5CD002DB-ABB9-4E19-AE8F-F558F1DECE97}"/>
+                    <a16:creationId xmlns:a16="http://schemas.microsoft.com/office/drawing/2014/main" xmlns="" id="{5CD002DB-ABB9-4E19-AE8F-F558F1DECE97}"/>
                   </a:ext>
                 </a:extLst>
               </p:cNvPr>
@@ -34385,7 +34600,7 @@
           <p:cNvPr id="5" name="그룹 4">
             <a:extLst>
               <a:ext uri="{FF2B5EF4-FFF2-40B4-BE49-F238E27FC236}">
-                <a16:creationId xmlns:a16="http://schemas.microsoft.com/office/drawing/2014/main" id="{786D6F89-7609-46CB-9276-C625B31E9F6F}"/>
+                <a16:creationId xmlns:a16="http://schemas.microsoft.com/office/drawing/2014/main" xmlns="" id="{786D6F89-7609-46CB-9276-C625B31E9F6F}"/>
               </a:ext>
             </a:extLst>
           </p:cNvPr>
@@ -34650,7 +34865,7 @@
           <p:cNvPr id="100" name="TextBox 99">
             <a:extLst>
               <a:ext uri="{FF2B5EF4-FFF2-40B4-BE49-F238E27FC236}">
-                <a16:creationId xmlns:a16="http://schemas.microsoft.com/office/drawing/2014/main" id="{4C985B30-1648-4D2C-9E07-A109CDA11FB3}"/>
+                <a16:creationId xmlns:a16="http://schemas.microsoft.com/office/drawing/2014/main" xmlns="" id="{4C985B30-1648-4D2C-9E07-A109CDA11FB3}"/>
               </a:ext>
             </a:extLst>
           </p:cNvPr>
@@ -34749,7 +34964,7 @@
           <p:cNvPr id="8" name="그룹 7">
             <a:extLst>
               <a:ext uri="{FF2B5EF4-FFF2-40B4-BE49-F238E27FC236}">
-                <a16:creationId xmlns:a16="http://schemas.microsoft.com/office/drawing/2014/main" id="{B0885073-D155-49C9-B84E-19330673EA8B}"/>
+                <a16:creationId xmlns:a16="http://schemas.microsoft.com/office/drawing/2014/main" xmlns="" id="{B0885073-D155-49C9-B84E-19330673EA8B}"/>
               </a:ext>
             </a:extLst>
           </p:cNvPr>
@@ -34769,7 +34984,7 @@
             <p:cNvPr id="227" name="모서리가 둥근 직사각형 190">
               <a:extLst>
                 <a:ext uri="{FF2B5EF4-FFF2-40B4-BE49-F238E27FC236}">
-                  <a16:creationId xmlns:a16="http://schemas.microsoft.com/office/drawing/2014/main" id="{B2D5CD09-AFA1-40D5-BC36-1E60B28857FF}"/>
+                  <a16:creationId xmlns:a16="http://schemas.microsoft.com/office/drawing/2014/main" xmlns="" id="{B2D5CD09-AFA1-40D5-BC36-1E60B28857FF}"/>
                 </a:ext>
               </a:extLst>
             </p:cNvPr>
@@ -34828,7 +35043,7 @@
             <p:cNvPr id="231" name="그룹 230">
               <a:extLst>
                 <a:ext uri="{FF2B5EF4-FFF2-40B4-BE49-F238E27FC236}">
-                  <a16:creationId xmlns:a16="http://schemas.microsoft.com/office/drawing/2014/main" id="{83D39491-BB62-49EF-A026-B6B37335C1A5}"/>
+                  <a16:creationId xmlns:a16="http://schemas.microsoft.com/office/drawing/2014/main" xmlns="" id="{83D39491-BB62-49EF-A026-B6B37335C1A5}"/>
                 </a:ext>
               </a:extLst>
             </p:cNvPr>
@@ -34848,7 +35063,7 @@
               <p:cNvPr id="232" name="그림 231">
                 <a:extLst>
                   <a:ext uri="{FF2B5EF4-FFF2-40B4-BE49-F238E27FC236}">
-                    <a16:creationId xmlns:a16="http://schemas.microsoft.com/office/drawing/2014/main" id="{F5539D4B-706D-4B6B-ADF7-4351CAFF95D9}"/>
+                    <a16:creationId xmlns:a16="http://schemas.microsoft.com/office/drawing/2014/main" xmlns="" id="{F5539D4B-706D-4B6B-ADF7-4351CAFF95D9}"/>
                   </a:ext>
                 </a:extLst>
               </p:cNvPr>
@@ -34884,7 +35099,7 @@
               <p:cNvPr id="233" name="TextBox 232">
                 <a:extLst>
                   <a:ext uri="{FF2B5EF4-FFF2-40B4-BE49-F238E27FC236}">
-                    <a16:creationId xmlns:a16="http://schemas.microsoft.com/office/drawing/2014/main" id="{EB57C0E6-FF5D-4894-854C-72B63B76E748}"/>
+                    <a16:creationId xmlns:a16="http://schemas.microsoft.com/office/drawing/2014/main" xmlns="" id="{EB57C0E6-FF5D-4894-854C-72B63B76E748}"/>
                   </a:ext>
                 </a:extLst>
               </p:cNvPr>
@@ -34977,7 +35192,7 @@
           <p:cNvPr id="234" name="그림 233">
             <a:extLst>
               <a:ext uri="{FF2B5EF4-FFF2-40B4-BE49-F238E27FC236}">
-                <a16:creationId xmlns:a16="http://schemas.microsoft.com/office/drawing/2014/main" id="{7F2B5CEB-6250-43E6-B815-AFA18CE0C985}"/>
+                <a16:creationId xmlns:a16="http://schemas.microsoft.com/office/drawing/2014/main" xmlns="" id="{7F2B5CEB-6250-43E6-B815-AFA18CE0C985}"/>
               </a:ext>
             </a:extLst>
           </p:cNvPr>
@@ -35043,7 +35258,7 @@
           <p:cNvPr id="235" name="그림 234">
             <a:extLst>
               <a:ext uri="{FF2B5EF4-FFF2-40B4-BE49-F238E27FC236}">
-                <a16:creationId xmlns:a16="http://schemas.microsoft.com/office/drawing/2014/main" id="{2D471085-C2DC-4AA6-8F63-DD5AD9D83F5B}"/>
+                <a16:creationId xmlns:a16="http://schemas.microsoft.com/office/drawing/2014/main" xmlns="" id="{2D471085-C2DC-4AA6-8F63-DD5AD9D83F5B}"/>
               </a:ext>
             </a:extLst>
           </p:cNvPr>
@@ -35079,7 +35294,7 @@
           <p:cNvPr id="236" name="그림 235">
             <a:extLst>
               <a:ext uri="{FF2B5EF4-FFF2-40B4-BE49-F238E27FC236}">
-                <a16:creationId xmlns:a16="http://schemas.microsoft.com/office/drawing/2014/main" id="{AE4AB145-D8CD-445E-A880-C591982719C0}"/>
+                <a16:creationId xmlns:a16="http://schemas.microsoft.com/office/drawing/2014/main" xmlns="" id="{AE4AB145-D8CD-445E-A880-C591982719C0}"/>
               </a:ext>
             </a:extLst>
           </p:cNvPr>
@@ -35115,7 +35330,7 @@
           <p:cNvPr id="237" name="그림 236">
             <a:extLst>
               <a:ext uri="{FF2B5EF4-FFF2-40B4-BE49-F238E27FC236}">
-                <a16:creationId xmlns:a16="http://schemas.microsoft.com/office/drawing/2014/main" id="{B7692533-EAFE-43EB-A366-20B53C102516}"/>
+                <a16:creationId xmlns:a16="http://schemas.microsoft.com/office/drawing/2014/main" xmlns="" id="{B7692533-EAFE-43EB-A366-20B53C102516}"/>
               </a:ext>
             </a:extLst>
           </p:cNvPr>
@@ -35151,7 +35366,7 @@
           <p:cNvPr id="238" name="그림 237">
             <a:extLst>
               <a:ext uri="{FF2B5EF4-FFF2-40B4-BE49-F238E27FC236}">
-                <a16:creationId xmlns:a16="http://schemas.microsoft.com/office/drawing/2014/main" id="{3D70F025-2525-42DA-87C1-E7C8671133B5}"/>
+                <a16:creationId xmlns:a16="http://schemas.microsoft.com/office/drawing/2014/main" xmlns="" id="{3D70F025-2525-42DA-87C1-E7C8671133B5}"/>
               </a:ext>
             </a:extLst>
           </p:cNvPr>
@@ -35187,7 +35402,7 @@
           <p:cNvPr id="239" name="그림 238">
             <a:extLst>
               <a:ext uri="{FF2B5EF4-FFF2-40B4-BE49-F238E27FC236}">
-                <a16:creationId xmlns:a16="http://schemas.microsoft.com/office/drawing/2014/main" id="{3FB8A678-5983-42EA-A05A-8E8CEAB4332A}"/>
+                <a16:creationId xmlns:a16="http://schemas.microsoft.com/office/drawing/2014/main" xmlns="" id="{3FB8A678-5983-42EA-A05A-8E8CEAB4332A}"/>
               </a:ext>
             </a:extLst>
           </p:cNvPr>
@@ -35223,7 +35438,7 @@
           <p:cNvPr id="240" name="그림 239">
             <a:extLst>
               <a:ext uri="{FF2B5EF4-FFF2-40B4-BE49-F238E27FC236}">
-                <a16:creationId xmlns:a16="http://schemas.microsoft.com/office/drawing/2014/main" id="{336D644D-D856-4D07-9E92-EBCBE6363BAC}"/>
+                <a16:creationId xmlns:a16="http://schemas.microsoft.com/office/drawing/2014/main" xmlns="" id="{336D644D-D856-4D07-9E92-EBCBE6363BAC}"/>
               </a:ext>
             </a:extLst>
           </p:cNvPr>
@@ -35259,7 +35474,7 @@
           <p:cNvPr id="10" name="그림 9">
             <a:extLst>
               <a:ext uri="{FF2B5EF4-FFF2-40B4-BE49-F238E27FC236}">
-                <a16:creationId xmlns:a16="http://schemas.microsoft.com/office/drawing/2014/main" id="{F702CAD8-37CB-496F-8071-A737C58CE8F5}"/>
+                <a16:creationId xmlns:a16="http://schemas.microsoft.com/office/drawing/2014/main" xmlns="" id="{F702CAD8-37CB-496F-8071-A737C58CE8F5}"/>
               </a:ext>
             </a:extLst>
           </p:cNvPr>
@@ -35295,7 +35510,7 @@
           <p:cNvPr id="59" name="그림 58">
             <a:extLst>
               <a:ext uri="{FF2B5EF4-FFF2-40B4-BE49-F238E27FC236}">
-                <a16:creationId xmlns:a16="http://schemas.microsoft.com/office/drawing/2014/main" id="{EA2C4AAD-5432-47B0-8DC4-FF8FBDB4BE7B}"/>
+                <a16:creationId xmlns:a16="http://schemas.microsoft.com/office/drawing/2014/main" xmlns="" id="{EA2C4AAD-5432-47B0-8DC4-FF8FBDB4BE7B}"/>
               </a:ext>
             </a:extLst>
           </p:cNvPr>
@@ -35331,7 +35546,7 @@
           <p:cNvPr id="61" name="그림 60">
             <a:extLst>
               <a:ext uri="{FF2B5EF4-FFF2-40B4-BE49-F238E27FC236}">
-                <a16:creationId xmlns:a16="http://schemas.microsoft.com/office/drawing/2014/main" id="{EA23738D-ED12-466B-91C3-E177717D7A23}"/>
+                <a16:creationId xmlns:a16="http://schemas.microsoft.com/office/drawing/2014/main" xmlns="" id="{EA23738D-ED12-466B-91C3-E177717D7A23}"/>
               </a:ext>
             </a:extLst>
           </p:cNvPr>
@@ -35367,7 +35582,7 @@
           <p:cNvPr id="63" name="그림 62">
             <a:extLst>
               <a:ext uri="{FF2B5EF4-FFF2-40B4-BE49-F238E27FC236}">
-                <a16:creationId xmlns:a16="http://schemas.microsoft.com/office/drawing/2014/main" id="{C4A5BEF0-E784-4D82-83C9-4D98A8CC21C3}"/>
+                <a16:creationId xmlns:a16="http://schemas.microsoft.com/office/drawing/2014/main" xmlns="" id="{C4A5BEF0-E784-4D82-83C9-4D98A8CC21C3}"/>
               </a:ext>
             </a:extLst>
           </p:cNvPr>
@@ -35403,7 +35618,7 @@
           <p:cNvPr id="241" name="그림 240">
             <a:extLst>
               <a:ext uri="{FF2B5EF4-FFF2-40B4-BE49-F238E27FC236}">
-                <a16:creationId xmlns:a16="http://schemas.microsoft.com/office/drawing/2014/main" id="{D1DCD6D6-5EC7-4487-AD5F-DC9155A89431}"/>
+                <a16:creationId xmlns:a16="http://schemas.microsoft.com/office/drawing/2014/main" xmlns="" id="{D1DCD6D6-5EC7-4487-AD5F-DC9155A89431}"/>
               </a:ext>
             </a:extLst>
           </p:cNvPr>
@@ -35439,7 +35654,7 @@
           <p:cNvPr id="242" name="그림 241">
             <a:extLst>
               <a:ext uri="{FF2B5EF4-FFF2-40B4-BE49-F238E27FC236}">
-                <a16:creationId xmlns:a16="http://schemas.microsoft.com/office/drawing/2014/main" id="{99DBD122-7723-408D-8C79-D3942D2BDE68}"/>
+                <a16:creationId xmlns:a16="http://schemas.microsoft.com/office/drawing/2014/main" xmlns="" id="{99DBD122-7723-408D-8C79-D3942D2BDE68}"/>
               </a:ext>
             </a:extLst>
           </p:cNvPr>
@@ -35475,7 +35690,7 @@
           <p:cNvPr id="67" name="그룹 66">
             <a:extLst>
               <a:ext uri="{FF2B5EF4-FFF2-40B4-BE49-F238E27FC236}">
-                <a16:creationId xmlns:a16="http://schemas.microsoft.com/office/drawing/2014/main" id="{43323BBB-9B19-4E1F-802E-09ECA7DAF1B7}"/>
+                <a16:creationId xmlns:a16="http://schemas.microsoft.com/office/drawing/2014/main" xmlns="" id="{43323BBB-9B19-4E1F-802E-09ECA7DAF1B7}"/>
               </a:ext>
             </a:extLst>
           </p:cNvPr>
@@ -35495,7 +35710,7 @@
             <p:cNvPr id="243" name="직사각형 242">
               <a:extLst>
                 <a:ext uri="{FF2B5EF4-FFF2-40B4-BE49-F238E27FC236}">
-                  <a16:creationId xmlns:a16="http://schemas.microsoft.com/office/drawing/2014/main" id="{D72EDDB5-9934-493C-B828-89088732A497}"/>
+                  <a16:creationId xmlns:a16="http://schemas.microsoft.com/office/drawing/2014/main" xmlns="" id="{D72EDDB5-9934-493C-B828-89088732A497}"/>
                 </a:ext>
               </a:extLst>
             </p:cNvPr>
@@ -35571,7 +35786,7 @@
             <p:cNvPr id="244" name="직사각형 243">
               <a:extLst>
                 <a:ext uri="{FF2B5EF4-FFF2-40B4-BE49-F238E27FC236}">
-                  <a16:creationId xmlns:a16="http://schemas.microsoft.com/office/drawing/2014/main" id="{065C892F-F1EF-4A66-9A93-C890EF5155B2}"/>
+                  <a16:creationId xmlns:a16="http://schemas.microsoft.com/office/drawing/2014/main" xmlns="" id="{065C892F-F1EF-4A66-9A93-C890EF5155B2}"/>
                 </a:ext>
               </a:extLst>
             </p:cNvPr>
@@ -35647,7 +35862,7 @@
             <p:cNvPr id="245" name="직사각형 244">
               <a:extLst>
                 <a:ext uri="{FF2B5EF4-FFF2-40B4-BE49-F238E27FC236}">
-                  <a16:creationId xmlns:a16="http://schemas.microsoft.com/office/drawing/2014/main" id="{FD54F60D-8A01-4F84-ADA4-97BCC9F454BE}"/>
+                  <a16:creationId xmlns:a16="http://schemas.microsoft.com/office/drawing/2014/main" xmlns="" id="{FD54F60D-8A01-4F84-ADA4-97BCC9F454BE}"/>
                 </a:ext>
               </a:extLst>
             </p:cNvPr>
@@ -35723,7 +35938,7 @@
             <p:cNvPr id="246" name="직사각형 245">
               <a:extLst>
                 <a:ext uri="{FF2B5EF4-FFF2-40B4-BE49-F238E27FC236}">
-                  <a16:creationId xmlns:a16="http://schemas.microsoft.com/office/drawing/2014/main" id="{BEE9E217-A36E-4763-9E67-1F456884A232}"/>
+                  <a16:creationId xmlns:a16="http://schemas.microsoft.com/office/drawing/2014/main" xmlns="" id="{BEE9E217-A36E-4763-9E67-1F456884A232}"/>
                 </a:ext>
               </a:extLst>
             </p:cNvPr>
@@ -35799,7 +36014,7 @@
             <p:cNvPr id="189" name="직사각형 188">
               <a:extLst>
                 <a:ext uri="{FF2B5EF4-FFF2-40B4-BE49-F238E27FC236}">
-                  <a16:creationId xmlns:a16="http://schemas.microsoft.com/office/drawing/2014/main" id="{2F88A340-9B87-4406-AA5E-B2F1B123657F}"/>
+                  <a16:creationId xmlns:a16="http://schemas.microsoft.com/office/drawing/2014/main" xmlns="" id="{2F88A340-9B87-4406-AA5E-B2F1B123657F}"/>
                 </a:ext>
               </a:extLst>
             </p:cNvPr>
@@ -35876,7 +36091,7 @@
           <p:cNvPr id="66" name="그림 65">
             <a:extLst>
               <a:ext uri="{FF2B5EF4-FFF2-40B4-BE49-F238E27FC236}">
-                <a16:creationId xmlns:a16="http://schemas.microsoft.com/office/drawing/2014/main" id="{0B4C4DE0-502A-4F4F-A4AA-330FBBB0832A}"/>
+                <a16:creationId xmlns:a16="http://schemas.microsoft.com/office/drawing/2014/main" xmlns="" id="{0B4C4DE0-502A-4F4F-A4AA-330FBBB0832A}"/>
               </a:ext>
             </a:extLst>
           </p:cNvPr>
@@ -35916,7 +36131,7 @@
           <p:cNvPr id="9" name="그룹 8">
             <a:extLst>
               <a:ext uri="{FF2B5EF4-FFF2-40B4-BE49-F238E27FC236}">
-                <a16:creationId xmlns:a16="http://schemas.microsoft.com/office/drawing/2014/main" id="{93FF64AF-6970-40B8-952B-70BF6CD17870}"/>
+                <a16:creationId xmlns:a16="http://schemas.microsoft.com/office/drawing/2014/main" xmlns="" id="{93FF64AF-6970-40B8-952B-70BF6CD17870}"/>
               </a:ext>
             </a:extLst>
           </p:cNvPr>
@@ -35936,7 +36151,7 @@
             <p:cNvPr id="3" name="그림 2">
               <a:extLst>
                 <a:ext uri="{FF2B5EF4-FFF2-40B4-BE49-F238E27FC236}">
-                  <a16:creationId xmlns:a16="http://schemas.microsoft.com/office/drawing/2014/main" id="{079B9C73-6EA7-40E8-BBC3-E301A2FAF92D}"/>
+                  <a16:creationId xmlns:a16="http://schemas.microsoft.com/office/drawing/2014/main" xmlns="" id="{079B9C73-6EA7-40E8-BBC3-E301A2FAF92D}"/>
                 </a:ext>
               </a:extLst>
             </p:cNvPr>
@@ -35972,7 +36187,7 @@
             <p:cNvPr id="120" name="그림 119">
               <a:extLst>
                 <a:ext uri="{FF2B5EF4-FFF2-40B4-BE49-F238E27FC236}">
-                  <a16:creationId xmlns:a16="http://schemas.microsoft.com/office/drawing/2014/main" id="{9709139D-BE70-4EA4-8463-BFDB5951561D}"/>
+                  <a16:creationId xmlns:a16="http://schemas.microsoft.com/office/drawing/2014/main" xmlns="" id="{9709139D-BE70-4EA4-8463-BFDB5951561D}"/>
                 </a:ext>
               </a:extLst>
             </p:cNvPr>
@@ -36008,7 +36223,7 @@
             <p:cNvPr id="121" name="그림 120">
               <a:extLst>
                 <a:ext uri="{FF2B5EF4-FFF2-40B4-BE49-F238E27FC236}">
-                  <a16:creationId xmlns:a16="http://schemas.microsoft.com/office/drawing/2014/main" id="{0A55D3C8-1572-4920-AFC9-D5C6FCBA49D0}"/>
+                  <a16:creationId xmlns:a16="http://schemas.microsoft.com/office/drawing/2014/main" xmlns="" id="{0A55D3C8-1572-4920-AFC9-D5C6FCBA49D0}"/>
                 </a:ext>
               </a:extLst>
             </p:cNvPr>
@@ -36044,7 +36259,7 @@
             <p:cNvPr id="122" name="그림 121">
               <a:extLst>
                 <a:ext uri="{FF2B5EF4-FFF2-40B4-BE49-F238E27FC236}">
-                  <a16:creationId xmlns:a16="http://schemas.microsoft.com/office/drawing/2014/main" id="{B8C3903C-E8D9-41AD-B632-524D89C3132E}"/>
+                  <a16:creationId xmlns:a16="http://schemas.microsoft.com/office/drawing/2014/main" xmlns="" id="{B8C3903C-E8D9-41AD-B632-524D89C3132E}"/>
                 </a:ext>
               </a:extLst>
             </p:cNvPr>
@@ -36080,7 +36295,7 @@
             <p:cNvPr id="123" name="그림 122">
               <a:extLst>
                 <a:ext uri="{FF2B5EF4-FFF2-40B4-BE49-F238E27FC236}">
-                  <a16:creationId xmlns:a16="http://schemas.microsoft.com/office/drawing/2014/main" id="{D6457D43-052E-43D7-B6B2-002BA8BB6B8D}"/>
+                  <a16:creationId xmlns:a16="http://schemas.microsoft.com/office/drawing/2014/main" xmlns="" id="{D6457D43-052E-43D7-B6B2-002BA8BB6B8D}"/>
                 </a:ext>
               </a:extLst>
             </p:cNvPr>
@@ -36117,7 +36332,7 @@
           <p:cNvPr id="2" name="그룹 1">
             <a:extLst>
               <a:ext uri="{FF2B5EF4-FFF2-40B4-BE49-F238E27FC236}">
-                <a16:creationId xmlns:a16="http://schemas.microsoft.com/office/drawing/2014/main" id="{9D3158C5-5FE9-4183-BC06-F32E552D8B5D}"/>
+                <a16:creationId xmlns:a16="http://schemas.microsoft.com/office/drawing/2014/main" xmlns="" id="{9D3158C5-5FE9-4183-BC06-F32E552D8B5D}"/>
               </a:ext>
             </a:extLst>
           </p:cNvPr>
@@ -36137,7 +36352,7 @@
             <p:cNvPr id="124" name="직사각형 123">
               <a:extLst>
                 <a:ext uri="{FF2B5EF4-FFF2-40B4-BE49-F238E27FC236}">
-                  <a16:creationId xmlns:a16="http://schemas.microsoft.com/office/drawing/2014/main" id="{F39929E6-70A9-4565-B1AD-00C1F1A0C935}"/>
+                  <a16:creationId xmlns:a16="http://schemas.microsoft.com/office/drawing/2014/main" xmlns="" id="{F39929E6-70A9-4565-B1AD-00C1F1A0C935}"/>
                 </a:ext>
               </a:extLst>
             </p:cNvPr>
@@ -36213,7 +36428,7 @@
             <p:cNvPr id="125" name="직사각형 124">
               <a:extLst>
                 <a:ext uri="{FF2B5EF4-FFF2-40B4-BE49-F238E27FC236}">
-                  <a16:creationId xmlns:a16="http://schemas.microsoft.com/office/drawing/2014/main" id="{1F642100-FAC2-46E5-B709-A11A19BC974E}"/>
+                  <a16:creationId xmlns:a16="http://schemas.microsoft.com/office/drawing/2014/main" xmlns="" id="{1F642100-FAC2-46E5-B709-A11A19BC974E}"/>
                 </a:ext>
               </a:extLst>
             </p:cNvPr>
@@ -36290,7 +36505,7 @@
           <p:cNvPr id="13" name="그룹 12">
             <a:extLst>
               <a:ext uri="{FF2B5EF4-FFF2-40B4-BE49-F238E27FC236}">
-                <a16:creationId xmlns:a16="http://schemas.microsoft.com/office/drawing/2014/main" id="{89189365-D177-4D94-81DC-83C51CC0853B}"/>
+                <a16:creationId xmlns:a16="http://schemas.microsoft.com/office/drawing/2014/main" xmlns="" id="{89189365-D177-4D94-81DC-83C51CC0853B}"/>
               </a:ext>
             </a:extLst>
           </p:cNvPr>
@@ -36310,7 +36525,7 @@
             <p:cNvPr id="4" name="사각형: 둥근 모서리 3">
               <a:extLst>
                 <a:ext uri="{FF2B5EF4-FFF2-40B4-BE49-F238E27FC236}">
-                  <a16:creationId xmlns:a16="http://schemas.microsoft.com/office/drawing/2014/main" id="{2F6CF32B-CEB3-4259-9273-E61FF3328FBE}"/>
+                  <a16:creationId xmlns:a16="http://schemas.microsoft.com/office/drawing/2014/main" xmlns="" id="{2F6CF32B-CEB3-4259-9273-E61FF3328FBE}"/>
                 </a:ext>
               </a:extLst>
             </p:cNvPr>
@@ -36371,7 +36586,7 @@
             <p:cNvPr id="12" name="사각형: 둥근 모서리 11">
               <a:extLst>
                 <a:ext uri="{FF2B5EF4-FFF2-40B4-BE49-F238E27FC236}">
-                  <a16:creationId xmlns:a16="http://schemas.microsoft.com/office/drawing/2014/main" id="{4F8C773A-1194-43DB-8A20-45020D218F88}"/>
+                  <a16:creationId xmlns:a16="http://schemas.microsoft.com/office/drawing/2014/main" xmlns="" id="{4F8C773A-1194-43DB-8A20-45020D218F88}"/>
                 </a:ext>
               </a:extLst>
             </p:cNvPr>
@@ -36425,7 +36640,7 @@
             <p:cNvPr id="2050" name="Picture 2" descr="http://itcm.co.kr/files/attach/images/813/340/608/005/454a23137a2b922bc45b742304f6c65f.png">
               <a:extLst>
                 <a:ext uri="{FF2B5EF4-FFF2-40B4-BE49-F238E27FC236}">
-                  <a16:creationId xmlns:a16="http://schemas.microsoft.com/office/drawing/2014/main" id="{309BC231-F688-4DFF-8AE3-E357E997188F}"/>
+                  <a16:creationId xmlns:a16="http://schemas.microsoft.com/office/drawing/2014/main" xmlns="" id="{309BC231-F688-4DFF-8AE3-E357E997188F}"/>
                 </a:ext>
               </a:extLst>
             </p:cNvPr>
@@ -36484,7 +36699,7 @@
             <p:cNvPr id="2052" name="Picture 4" descr="kar98k.png">
               <a:extLst>
                 <a:ext uri="{FF2B5EF4-FFF2-40B4-BE49-F238E27FC236}">
-                  <a16:creationId xmlns:a16="http://schemas.microsoft.com/office/drawing/2014/main" id="{4DDDD946-6F32-4E60-914E-A5479A9EC7A3}"/>
+                  <a16:creationId xmlns:a16="http://schemas.microsoft.com/office/drawing/2014/main" xmlns="" id="{4DDDD946-6F32-4E60-914E-A5479A9EC7A3}"/>
                 </a:ext>
               </a:extLst>
             </p:cNvPr>
@@ -36543,7 +36758,7 @@
             <p:cNvPr id="129" name="사각형: 둥근 모서리 128">
               <a:extLst>
                 <a:ext uri="{FF2B5EF4-FFF2-40B4-BE49-F238E27FC236}">
-                  <a16:creationId xmlns:a16="http://schemas.microsoft.com/office/drawing/2014/main" id="{645239C5-A09C-4218-962E-4EB329FFBDEB}"/>
+                  <a16:creationId xmlns:a16="http://schemas.microsoft.com/office/drawing/2014/main" xmlns="" id="{645239C5-A09C-4218-962E-4EB329FFBDEB}"/>
                 </a:ext>
               </a:extLst>
             </p:cNvPr>
@@ -36597,7 +36812,7 @@
             <p:cNvPr id="130" name="사각형: 둥근 모서리 129">
               <a:extLst>
                 <a:ext uri="{FF2B5EF4-FFF2-40B4-BE49-F238E27FC236}">
-                  <a16:creationId xmlns:a16="http://schemas.microsoft.com/office/drawing/2014/main" id="{93F0EA5B-28FB-44A3-8539-7A2A6C37D9E6}"/>
+                  <a16:creationId xmlns:a16="http://schemas.microsoft.com/office/drawing/2014/main" xmlns="" id="{93F0EA5B-28FB-44A3-8539-7A2A6C37D9E6}"/>
                 </a:ext>
               </a:extLst>
             </p:cNvPr>
@@ -36651,7 +36866,7 @@
             <p:cNvPr id="131" name="사각형: 둥근 모서리 130">
               <a:extLst>
                 <a:ext uri="{FF2B5EF4-FFF2-40B4-BE49-F238E27FC236}">
-                  <a16:creationId xmlns:a16="http://schemas.microsoft.com/office/drawing/2014/main" id="{4B03C021-26C6-4C31-B1BC-FB83E1299FAA}"/>
+                  <a16:creationId xmlns:a16="http://schemas.microsoft.com/office/drawing/2014/main" xmlns="" id="{4B03C021-26C6-4C31-B1BC-FB83E1299FAA}"/>
                 </a:ext>
               </a:extLst>
             </p:cNvPr>
@@ -36705,7 +36920,7 @@
             <p:cNvPr id="132" name="사각형: 둥근 모서리 131">
               <a:extLst>
                 <a:ext uri="{FF2B5EF4-FFF2-40B4-BE49-F238E27FC236}">
-                  <a16:creationId xmlns:a16="http://schemas.microsoft.com/office/drawing/2014/main" id="{2207EC38-5612-49AC-8306-AA46C4E8196F}"/>
+                  <a16:creationId xmlns:a16="http://schemas.microsoft.com/office/drawing/2014/main" xmlns="" id="{2207EC38-5612-49AC-8306-AA46C4E8196F}"/>
                 </a:ext>
               </a:extLst>
             </p:cNvPr>
@@ -36759,7 +36974,7 @@
             <p:cNvPr id="133" name="사각형: 둥근 모서리 132">
               <a:extLst>
                 <a:ext uri="{FF2B5EF4-FFF2-40B4-BE49-F238E27FC236}">
-                  <a16:creationId xmlns:a16="http://schemas.microsoft.com/office/drawing/2014/main" id="{C6CE84A2-2E5B-47E3-9909-A3825571AE31}"/>
+                  <a16:creationId xmlns:a16="http://schemas.microsoft.com/office/drawing/2014/main" xmlns="" id="{C6CE84A2-2E5B-47E3-9909-A3825571AE31}"/>
                 </a:ext>
               </a:extLst>
             </p:cNvPr>
@@ -36813,7 +37028,7 @@
             <p:cNvPr id="134" name="사각형: 둥근 모서리 133">
               <a:extLst>
                 <a:ext uri="{FF2B5EF4-FFF2-40B4-BE49-F238E27FC236}">
-                  <a16:creationId xmlns:a16="http://schemas.microsoft.com/office/drawing/2014/main" id="{73B27D8D-86F0-47F6-B01F-52C7E080AAC9}"/>
+                  <a16:creationId xmlns:a16="http://schemas.microsoft.com/office/drawing/2014/main" xmlns="" id="{73B27D8D-86F0-47F6-B01F-52C7E080AAC9}"/>
                 </a:ext>
               </a:extLst>
             </p:cNvPr>
@@ -36867,7 +37082,7 @@
             <p:cNvPr id="135" name="사각형: 둥근 모서리 134">
               <a:extLst>
                 <a:ext uri="{FF2B5EF4-FFF2-40B4-BE49-F238E27FC236}">
-                  <a16:creationId xmlns:a16="http://schemas.microsoft.com/office/drawing/2014/main" id="{7F5BEEF6-E675-42BF-942E-DA872F807821}"/>
+                  <a16:creationId xmlns:a16="http://schemas.microsoft.com/office/drawing/2014/main" xmlns="" id="{7F5BEEF6-E675-42BF-942E-DA872F807821}"/>
                 </a:ext>
               </a:extLst>
             </p:cNvPr>
@@ -36921,7 +37136,7 @@
             <p:cNvPr id="136" name="TextBox 135">
               <a:extLst>
                 <a:ext uri="{FF2B5EF4-FFF2-40B4-BE49-F238E27FC236}">
-                  <a16:creationId xmlns:a16="http://schemas.microsoft.com/office/drawing/2014/main" id="{E73F3B5A-9996-4F2A-BCE8-E8FC0AF4C794}"/>
+                  <a16:creationId xmlns:a16="http://schemas.microsoft.com/office/drawing/2014/main" xmlns="" id="{E73F3B5A-9996-4F2A-BCE8-E8FC0AF4C794}"/>
                 </a:ext>
               </a:extLst>
             </p:cNvPr>
@@ -37001,7 +37216,7 @@
           <p:cNvPr id="12" name="제목 1">
             <a:extLst>
               <a:ext uri="{FF2B5EF4-FFF2-40B4-BE49-F238E27FC236}">
-                <a16:creationId xmlns:a16="http://schemas.microsoft.com/office/drawing/2014/main" id="{E17482A4-46EE-4C7E-92CB-318C2C7BB51F}"/>
+                <a16:creationId xmlns:a16="http://schemas.microsoft.com/office/drawing/2014/main" xmlns="" id="{E17482A4-46EE-4C7E-92CB-318C2C7BB51F}"/>
               </a:ext>
             </a:extLst>
           </p:cNvPr>
@@ -37111,6 +37326,16 @@
               </a:rPr>
               <a:t> 분위기에 맞추어</a:t>
             </a:r>
+            <a:r>
+              <a:rPr lang="en-US" altLang="ko-KR" sz="1200" spc="-150" dirty="0">
+                <a:solidFill>
+                  <a:schemeClr val="bg1">
+                    <a:lumMod val="65000"/>
+                  </a:schemeClr>
+                </a:solidFill>
+              </a:rPr>
+              <a:t/>
+            </a:r>
             <a:br>
               <a:rPr lang="en-US" altLang="ko-KR" sz="1200" spc="-150" dirty="0">
                 <a:solidFill>
@@ -37180,7 +37405,7 @@
           <p:cNvPr id="9" name="그림 8">
             <a:extLst>
               <a:ext uri="{FF2B5EF4-FFF2-40B4-BE49-F238E27FC236}">
-                <a16:creationId xmlns:a16="http://schemas.microsoft.com/office/drawing/2014/main" id="{FF150665-2CD6-42DA-AC95-FD9CE51EF7A1}"/>
+                <a16:creationId xmlns:a16="http://schemas.microsoft.com/office/drawing/2014/main" xmlns="" id="{FF150665-2CD6-42DA-AC95-FD9CE51EF7A1}"/>
               </a:ext>
             </a:extLst>
           </p:cNvPr>
@@ -37209,7 +37434,7 @@
           <p:cNvPr id="10" name="그림 9">
             <a:extLst>
               <a:ext uri="{FF2B5EF4-FFF2-40B4-BE49-F238E27FC236}">
-                <a16:creationId xmlns:a16="http://schemas.microsoft.com/office/drawing/2014/main" id="{39FF018D-1327-4778-8273-9B99A44C05B8}"/>
+                <a16:creationId xmlns:a16="http://schemas.microsoft.com/office/drawing/2014/main" xmlns="" id="{39FF018D-1327-4778-8273-9B99A44C05B8}"/>
               </a:ext>
             </a:extLst>
           </p:cNvPr>
@@ -37238,7 +37463,7 @@
           <p:cNvPr id="2" name="그룹 1">
             <a:extLst>
               <a:ext uri="{FF2B5EF4-FFF2-40B4-BE49-F238E27FC236}">
-                <a16:creationId xmlns:a16="http://schemas.microsoft.com/office/drawing/2014/main" id="{EF8A5084-080B-456A-AFE5-270C85B24707}"/>
+                <a16:creationId xmlns:a16="http://schemas.microsoft.com/office/drawing/2014/main" xmlns="" id="{EF8A5084-080B-456A-AFE5-270C85B24707}"/>
               </a:ext>
             </a:extLst>
           </p:cNvPr>
@@ -37258,7 +37483,7 @@
             <p:cNvPr id="7" name="그림 6">
               <a:extLst>
                 <a:ext uri="{FF2B5EF4-FFF2-40B4-BE49-F238E27FC236}">
-                  <a16:creationId xmlns:a16="http://schemas.microsoft.com/office/drawing/2014/main" id="{6683A12B-A35F-44F9-8C75-DF7EA4B707CC}"/>
+                  <a16:creationId xmlns:a16="http://schemas.microsoft.com/office/drawing/2014/main" xmlns="" id="{6683A12B-A35F-44F9-8C75-DF7EA4B707CC}"/>
                 </a:ext>
               </a:extLst>
             </p:cNvPr>
@@ -37294,7 +37519,7 @@
             <p:cNvPr id="6" name="그림 5">
               <a:extLst>
                 <a:ext uri="{FF2B5EF4-FFF2-40B4-BE49-F238E27FC236}">
-                  <a16:creationId xmlns:a16="http://schemas.microsoft.com/office/drawing/2014/main" id="{E4D4E1A1-DB75-4817-8183-45BA35EC4B89}"/>
+                  <a16:creationId xmlns:a16="http://schemas.microsoft.com/office/drawing/2014/main" xmlns="" id="{E4D4E1A1-DB75-4817-8183-45BA35EC4B89}"/>
                 </a:ext>
               </a:extLst>
             </p:cNvPr>
@@ -37331,7 +37556,7 @@
           <p:cNvPr id="11" name="그림 10">
             <a:extLst>
               <a:ext uri="{FF2B5EF4-FFF2-40B4-BE49-F238E27FC236}">
-                <a16:creationId xmlns:a16="http://schemas.microsoft.com/office/drawing/2014/main" id="{03246B85-893B-4B58-910C-14DD8814C83E}"/>
+                <a16:creationId xmlns:a16="http://schemas.microsoft.com/office/drawing/2014/main" xmlns="" id="{03246B85-893B-4B58-910C-14DD8814C83E}"/>
               </a:ext>
             </a:extLst>
           </p:cNvPr>
@@ -37367,7 +37592,7 @@
           <p:cNvPr id="13" name="그림 12">
             <a:extLst>
               <a:ext uri="{FF2B5EF4-FFF2-40B4-BE49-F238E27FC236}">
-                <a16:creationId xmlns:a16="http://schemas.microsoft.com/office/drawing/2014/main" id="{8B2592FC-9DAE-4A30-A1D7-FC19139FCE51}"/>
+                <a16:creationId xmlns:a16="http://schemas.microsoft.com/office/drawing/2014/main" xmlns="" id="{8B2592FC-9DAE-4A30-A1D7-FC19139FCE51}"/>
               </a:ext>
             </a:extLst>
           </p:cNvPr>
@@ -37403,7 +37628,7 @@
           <p:cNvPr id="14" name="TextBox 13">
             <a:extLst>
               <a:ext uri="{FF2B5EF4-FFF2-40B4-BE49-F238E27FC236}">
-                <a16:creationId xmlns:a16="http://schemas.microsoft.com/office/drawing/2014/main" id="{3A184A8D-3785-44CE-AD12-986B13B13BEF}"/>
+                <a16:creationId xmlns:a16="http://schemas.microsoft.com/office/drawing/2014/main" xmlns="" id="{3A184A8D-3785-44CE-AD12-986B13B13BEF}"/>
               </a:ext>
             </a:extLst>
           </p:cNvPr>
@@ -37719,7 +37944,7 @@
           <p:cNvPr id="15" name="Picture 2" descr="https://www.liberaldictionary.com/wp-content/uploads/2018/11/win.jpg">
             <a:extLst>
               <a:ext uri="{FF2B5EF4-FFF2-40B4-BE49-F238E27FC236}">
-                <a16:creationId xmlns:a16="http://schemas.microsoft.com/office/drawing/2014/main" id="{66BEC846-0BA8-46F4-8B26-D23C701E6B72}"/>
+                <a16:creationId xmlns:a16="http://schemas.microsoft.com/office/drawing/2014/main" xmlns="" id="{66BEC846-0BA8-46F4-8B26-D23C701E6B72}"/>
               </a:ext>
             </a:extLst>
           </p:cNvPr>
@@ -37858,7 +38083,7 @@
           <p:cNvPr id="12" name="제목 1">
             <a:extLst>
               <a:ext uri="{FF2B5EF4-FFF2-40B4-BE49-F238E27FC236}">
-                <a16:creationId xmlns:a16="http://schemas.microsoft.com/office/drawing/2014/main" id="{E17482A4-46EE-4C7E-92CB-318C2C7BB51F}"/>
+                <a16:creationId xmlns:a16="http://schemas.microsoft.com/office/drawing/2014/main" xmlns="" id="{E17482A4-46EE-4C7E-92CB-318C2C7BB51F}"/>
               </a:ext>
             </a:extLst>
           </p:cNvPr>
@@ -37913,6 +38138,16 @@
               </a:rPr>
               <a:t>유지하기로 한 궁수의 전설의 특징 중 하나인</a:t>
             </a:r>
+            <a:r>
+              <a:rPr lang="en-US" altLang="ko-KR" sz="1200" spc="-150" dirty="0">
+                <a:solidFill>
+                  <a:schemeClr val="bg1">
+                    <a:lumMod val="65000"/>
+                  </a:schemeClr>
+                </a:solidFill>
+              </a:rPr>
+              <a:t/>
+            </a:r>
             <a:br>
               <a:rPr lang="en-US" altLang="ko-KR" sz="1200" spc="-150" dirty="0">
                 <a:solidFill>
@@ -37952,7 +38187,7 @@
           <p:cNvPr id="9" name="그림 8">
             <a:extLst>
               <a:ext uri="{FF2B5EF4-FFF2-40B4-BE49-F238E27FC236}">
-                <a16:creationId xmlns:a16="http://schemas.microsoft.com/office/drawing/2014/main" id="{FF150665-2CD6-42DA-AC95-FD9CE51EF7A1}"/>
+                <a16:creationId xmlns:a16="http://schemas.microsoft.com/office/drawing/2014/main" xmlns="" id="{FF150665-2CD6-42DA-AC95-FD9CE51EF7A1}"/>
               </a:ext>
             </a:extLst>
           </p:cNvPr>
@@ -37981,7 +38216,7 @@
           <p:cNvPr id="10" name="그림 9">
             <a:extLst>
               <a:ext uri="{FF2B5EF4-FFF2-40B4-BE49-F238E27FC236}">
-                <a16:creationId xmlns:a16="http://schemas.microsoft.com/office/drawing/2014/main" id="{39FF018D-1327-4778-8273-9B99A44C05B8}"/>
+                <a16:creationId xmlns:a16="http://schemas.microsoft.com/office/drawing/2014/main" xmlns="" id="{39FF018D-1327-4778-8273-9B99A44C05B8}"/>
               </a:ext>
             </a:extLst>
           </p:cNvPr>
@@ -38010,7 +38245,7 @@
           <p:cNvPr id="6" name="그룹 5">
             <a:extLst>
               <a:ext uri="{FF2B5EF4-FFF2-40B4-BE49-F238E27FC236}">
-                <a16:creationId xmlns:a16="http://schemas.microsoft.com/office/drawing/2014/main" id="{9F411187-1D79-48FF-9B6C-7A1F177B15BF}"/>
+                <a16:creationId xmlns:a16="http://schemas.microsoft.com/office/drawing/2014/main" xmlns="" id="{9F411187-1D79-48FF-9B6C-7A1F177B15BF}"/>
               </a:ext>
             </a:extLst>
           </p:cNvPr>
@@ -38030,7 +38265,7 @@
             <p:cNvPr id="4" name="사각형: 둥근 모서리 3">
               <a:extLst>
                 <a:ext uri="{FF2B5EF4-FFF2-40B4-BE49-F238E27FC236}">
-                  <a16:creationId xmlns:a16="http://schemas.microsoft.com/office/drawing/2014/main" id="{72FD826E-F2C0-4A9D-A99B-7B31B906877C}"/>
+                  <a16:creationId xmlns:a16="http://schemas.microsoft.com/office/drawing/2014/main" xmlns="" id="{72FD826E-F2C0-4A9D-A99B-7B31B906877C}"/>
                 </a:ext>
               </a:extLst>
             </p:cNvPr>
@@ -38091,7 +38326,7 @@
             <p:cNvPr id="2" name="타원 1">
               <a:extLst>
                 <a:ext uri="{FF2B5EF4-FFF2-40B4-BE49-F238E27FC236}">
-                  <a16:creationId xmlns:a16="http://schemas.microsoft.com/office/drawing/2014/main" id="{E82084EB-489E-4A6C-825D-B4D5B5B00F2F}"/>
+                  <a16:creationId xmlns:a16="http://schemas.microsoft.com/office/drawing/2014/main" xmlns="" id="{E82084EB-489E-4A6C-825D-B4D5B5B00F2F}"/>
                 </a:ext>
               </a:extLst>
             </p:cNvPr>
@@ -38174,7 +38409,7 @@
             <p:cNvPr id="7" name="타원 6">
               <a:extLst>
                 <a:ext uri="{FF2B5EF4-FFF2-40B4-BE49-F238E27FC236}">
-                  <a16:creationId xmlns:a16="http://schemas.microsoft.com/office/drawing/2014/main" id="{8505F896-367E-4DD2-8C5C-27B5C3D28303}"/>
+                  <a16:creationId xmlns:a16="http://schemas.microsoft.com/office/drawing/2014/main" xmlns="" id="{8505F896-367E-4DD2-8C5C-27B5C3D28303}"/>
                 </a:ext>
               </a:extLst>
             </p:cNvPr>
@@ -38257,7 +38492,7 @@
             <p:cNvPr id="8" name="타원 7">
               <a:extLst>
                 <a:ext uri="{FF2B5EF4-FFF2-40B4-BE49-F238E27FC236}">
-                  <a16:creationId xmlns:a16="http://schemas.microsoft.com/office/drawing/2014/main" id="{B0A57F97-E843-49F3-BF98-55F3A257B23A}"/>
+                  <a16:creationId xmlns:a16="http://schemas.microsoft.com/office/drawing/2014/main" xmlns="" id="{B0A57F97-E843-49F3-BF98-55F3A257B23A}"/>
                 </a:ext>
               </a:extLst>
             </p:cNvPr>
@@ -38340,7 +38575,7 @@
             <p:cNvPr id="11" name="타원 10">
               <a:extLst>
                 <a:ext uri="{FF2B5EF4-FFF2-40B4-BE49-F238E27FC236}">
-                  <a16:creationId xmlns:a16="http://schemas.microsoft.com/office/drawing/2014/main" id="{A0900BDB-8F93-4B87-83BD-99B710D6A13B}"/>
+                  <a16:creationId xmlns:a16="http://schemas.microsoft.com/office/drawing/2014/main" xmlns="" id="{A0900BDB-8F93-4B87-83BD-99B710D6A13B}"/>
                 </a:ext>
               </a:extLst>
             </p:cNvPr>
@@ -38423,7 +38658,7 @@
             <p:cNvPr id="13" name="타원 12">
               <a:extLst>
                 <a:ext uri="{FF2B5EF4-FFF2-40B4-BE49-F238E27FC236}">
-                  <a16:creationId xmlns:a16="http://schemas.microsoft.com/office/drawing/2014/main" id="{300767DC-DBBE-412E-92EC-2C838BE01DBB}"/>
+                  <a16:creationId xmlns:a16="http://schemas.microsoft.com/office/drawing/2014/main" xmlns="" id="{300767DC-DBBE-412E-92EC-2C838BE01DBB}"/>
                 </a:ext>
               </a:extLst>
             </p:cNvPr>
@@ -38506,7 +38741,7 @@
             <p:cNvPr id="14" name="타원 13">
               <a:extLst>
                 <a:ext uri="{FF2B5EF4-FFF2-40B4-BE49-F238E27FC236}">
-                  <a16:creationId xmlns:a16="http://schemas.microsoft.com/office/drawing/2014/main" id="{FD75B581-EB9C-4952-91DA-88A28BEA1FE1}"/>
+                  <a16:creationId xmlns:a16="http://schemas.microsoft.com/office/drawing/2014/main" xmlns="" id="{FD75B581-EB9C-4952-91DA-88A28BEA1FE1}"/>
                 </a:ext>
               </a:extLst>
             </p:cNvPr>
@@ -38589,7 +38824,7 @@
             <p:cNvPr id="15" name="타원 14">
               <a:extLst>
                 <a:ext uri="{FF2B5EF4-FFF2-40B4-BE49-F238E27FC236}">
-                  <a16:creationId xmlns:a16="http://schemas.microsoft.com/office/drawing/2014/main" id="{85BA4098-B907-4884-A122-5E5D1F3051DC}"/>
+                  <a16:creationId xmlns:a16="http://schemas.microsoft.com/office/drawing/2014/main" xmlns="" id="{85BA4098-B907-4884-A122-5E5D1F3051DC}"/>
                 </a:ext>
               </a:extLst>
             </p:cNvPr>
@@ -38672,7 +38907,7 @@
             <p:cNvPr id="16" name="타원 15">
               <a:extLst>
                 <a:ext uri="{FF2B5EF4-FFF2-40B4-BE49-F238E27FC236}">
-                  <a16:creationId xmlns:a16="http://schemas.microsoft.com/office/drawing/2014/main" id="{45097C0D-77DA-406C-9B0C-C2EC5131C97A}"/>
+                  <a16:creationId xmlns:a16="http://schemas.microsoft.com/office/drawing/2014/main" xmlns="" id="{45097C0D-77DA-406C-9B0C-C2EC5131C97A}"/>
                 </a:ext>
               </a:extLst>
             </p:cNvPr>
@@ -38755,7 +38990,7 @@
             <p:cNvPr id="18" name="타원 17">
               <a:extLst>
                 <a:ext uri="{FF2B5EF4-FFF2-40B4-BE49-F238E27FC236}">
-                  <a16:creationId xmlns:a16="http://schemas.microsoft.com/office/drawing/2014/main" id="{F71BAEBA-4AA0-497C-94D8-0041A984F41E}"/>
+                  <a16:creationId xmlns:a16="http://schemas.microsoft.com/office/drawing/2014/main" xmlns="" id="{F71BAEBA-4AA0-497C-94D8-0041A984F41E}"/>
                 </a:ext>
               </a:extLst>
             </p:cNvPr>
@@ -38838,7 +39073,7 @@
             <p:cNvPr id="19" name="타원 18">
               <a:extLst>
                 <a:ext uri="{FF2B5EF4-FFF2-40B4-BE49-F238E27FC236}">
-                  <a16:creationId xmlns:a16="http://schemas.microsoft.com/office/drawing/2014/main" id="{EF0F4C79-91C9-4454-B3A3-97EC2C3CEF93}"/>
+                  <a16:creationId xmlns:a16="http://schemas.microsoft.com/office/drawing/2014/main" xmlns="" id="{EF0F4C79-91C9-4454-B3A3-97EC2C3CEF93}"/>
                 </a:ext>
               </a:extLst>
             </p:cNvPr>
@@ -38936,7 +39171,7 @@
             <p:cNvPr id="20" name="사각형: 둥근 모서리 19">
               <a:extLst>
                 <a:ext uri="{FF2B5EF4-FFF2-40B4-BE49-F238E27FC236}">
-                  <a16:creationId xmlns:a16="http://schemas.microsoft.com/office/drawing/2014/main" id="{6D53FF3E-F11D-4FE8-AF95-AD538C00133A}"/>
+                  <a16:creationId xmlns:a16="http://schemas.microsoft.com/office/drawing/2014/main" xmlns="" id="{6D53FF3E-F11D-4FE8-AF95-AD538C00133A}"/>
                 </a:ext>
               </a:extLst>
             </p:cNvPr>
@@ -39013,7 +39248,7 @@
           <p:cNvPr id="35" name="연결선: 꺾임 34">
             <a:extLst>
               <a:ext uri="{FF2B5EF4-FFF2-40B4-BE49-F238E27FC236}">
-                <a16:creationId xmlns:a16="http://schemas.microsoft.com/office/drawing/2014/main" id="{D7056F7D-A5AE-4F78-A285-1F55311E1C18}"/>
+                <a16:creationId xmlns:a16="http://schemas.microsoft.com/office/drawing/2014/main" xmlns="" id="{D7056F7D-A5AE-4F78-A285-1F55311E1C18}"/>
               </a:ext>
             </a:extLst>
           </p:cNvPr>
@@ -39065,7 +39300,7 @@
           <p:cNvPr id="52" name="그림 51">
             <a:extLst>
               <a:ext uri="{FF2B5EF4-FFF2-40B4-BE49-F238E27FC236}">
-                <a16:creationId xmlns:a16="http://schemas.microsoft.com/office/drawing/2014/main" id="{DB308F94-7DF3-4428-AED2-37168D9AB8E1}"/>
+                <a16:creationId xmlns:a16="http://schemas.microsoft.com/office/drawing/2014/main" xmlns="" id="{DB308F94-7DF3-4428-AED2-37168D9AB8E1}"/>
               </a:ext>
             </a:extLst>
           </p:cNvPr>
@@ -39101,7 +39336,7 @@
           <p:cNvPr id="61" name="그룹 60">
             <a:extLst>
               <a:ext uri="{FF2B5EF4-FFF2-40B4-BE49-F238E27FC236}">
-                <a16:creationId xmlns:a16="http://schemas.microsoft.com/office/drawing/2014/main" id="{D8A38420-F840-4741-B8C8-DF6DD3A88275}"/>
+                <a16:creationId xmlns:a16="http://schemas.microsoft.com/office/drawing/2014/main" xmlns="" id="{D8A38420-F840-4741-B8C8-DF6DD3A88275}"/>
               </a:ext>
             </a:extLst>
           </p:cNvPr>
@@ -39121,7 +39356,7 @@
             <p:cNvPr id="62" name="사각형: 둥근 모서리 61">
               <a:extLst>
                 <a:ext uri="{FF2B5EF4-FFF2-40B4-BE49-F238E27FC236}">
-                  <a16:creationId xmlns:a16="http://schemas.microsoft.com/office/drawing/2014/main" id="{754AF0FB-B3F9-4C15-9D69-9B0976B79D6B}"/>
+                  <a16:creationId xmlns:a16="http://schemas.microsoft.com/office/drawing/2014/main" xmlns="" id="{754AF0FB-B3F9-4C15-9D69-9B0976B79D6B}"/>
                 </a:ext>
               </a:extLst>
             </p:cNvPr>
@@ -39182,7 +39417,7 @@
             <p:cNvPr id="63" name="타원 62">
               <a:extLst>
                 <a:ext uri="{FF2B5EF4-FFF2-40B4-BE49-F238E27FC236}">
-                  <a16:creationId xmlns:a16="http://schemas.microsoft.com/office/drawing/2014/main" id="{49A4DABD-C623-4151-91FA-95FF4151C67E}"/>
+                  <a16:creationId xmlns:a16="http://schemas.microsoft.com/office/drawing/2014/main" xmlns="" id="{49A4DABD-C623-4151-91FA-95FF4151C67E}"/>
                 </a:ext>
               </a:extLst>
             </p:cNvPr>
@@ -39265,7 +39500,7 @@
             <p:cNvPr id="64" name="타원 63">
               <a:extLst>
                 <a:ext uri="{FF2B5EF4-FFF2-40B4-BE49-F238E27FC236}">
-                  <a16:creationId xmlns:a16="http://schemas.microsoft.com/office/drawing/2014/main" id="{607C147B-38AF-4B06-952C-AD04653904BE}"/>
+                  <a16:creationId xmlns:a16="http://schemas.microsoft.com/office/drawing/2014/main" xmlns="" id="{607C147B-38AF-4B06-952C-AD04653904BE}"/>
                 </a:ext>
               </a:extLst>
             </p:cNvPr>
@@ -39348,7 +39583,7 @@
             <p:cNvPr id="65" name="타원 64">
               <a:extLst>
                 <a:ext uri="{FF2B5EF4-FFF2-40B4-BE49-F238E27FC236}">
-                  <a16:creationId xmlns:a16="http://schemas.microsoft.com/office/drawing/2014/main" id="{D2A90D6A-77CE-4019-9D3E-FCFF02AC7090}"/>
+                  <a16:creationId xmlns:a16="http://schemas.microsoft.com/office/drawing/2014/main" xmlns="" id="{D2A90D6A-77CE-4019-9D3E-FCFF02AC7090}"/>
                 </a:ext>
               </a:extLst>
             </p:cNvPr>
@@ -39431,7 +39666,7 @@
             <p:cNvPr id="66" name="타원 65">
               <a:extLst>
                 <a:ext uri="{FF2B5EF4-FFF2-40B4-BE49-F238E27FC236}">
-                  <a16:creationId xmlns:a16="http://schemas.microsoft.com/office/drawing/2014/main" id="{E7E8E294-3F5F-4B08-8E95-2D0E8A48BE40}"/>
+                  <a16:creationId xmlns:a16="http://schemas.microsoft.com/office/drawing/2014/main" xmlns="" id="{E7E8E294-3F5F-4B08-8E95-2D0E8A48BE40}"/>
                 </a:ext>
               </a:extLst>
             </p:cNvPr>
@@ -39514,7 +39749,7 @@
             <p:cNvPr id="67" name="타원 66">
               <a:extLst>
                 <a:ext uri="{FF2B5EF4-FFF2-40B4-BE49-F238E27FC236}">
-                  <a16:creationId xmlns:a16="http://schemas.microsoft.com/office/drawing/2014/main" id="{8A4C45B2-11EC-4B64-B282-EE5805112452}"/>
+                  <a16:creationId xmlns:a16="http://schemas.microsoft.com/office/drawing/2014/main" xmlns="" id="{8A4C45B2-11EC-4B64-B282-EE5805112452}"/>
                 </a:ext>
               </a:extLst>
             </p:cNvPr>
@@ -39597,7 +39832,7 @@
             <p:cNvPr id="68" name="타원 67">
               <a:extLst>
                 <a:ext uri="{FF2B5EF4-FFF2-40B4-BE49-F238E27FC236}">
-                  <a16:creationId xmlns:a16="http://schemas.microsoft.com/office/drawing/2014/main" id="{6FFBB660-E8E5-46EF-8C91-C86D7696A949}"/>
+                  <a16:creationId xmlns:a16="http://schemas.microsoft.com/office/drawing/2014/main" xmlns="" id="{6FFBB660-E8E5-46EF-8C91-C86D7696A949}"/>
                 </a:ext>
               </a:extLst>
             </p:cNvPr>
@@ -39680,7 +39915,7 @@
             <p:cNvPr id="69" name="타원 68">
               <a:extLst>
                 <a:ext uri="{FF2B5EF4-FFF2-40B4-BE49-F238E27FC236}">
-                  <a16:creationId xmlns:a16="http://schemas.microsoft.com/office/drawing/2014/main" id="{F0721D54-1FD3-4E45-BCBD-166DE9D4C856}"/>
+                  <a16:creationId xmlns:a16="http://schemas.microsoft.com/office/drawing/2014/main" xmlns="" id="{F0721D54-1FD3-4E45-BCBD-166DE9D4C856}"/>
                 </a:ext>
               </a:extLst>
             </p:cNvPr>
@@ -39763,7 +39998,7 @@
             <p:cNvPr id="70" name="타원 69">
               <a:extLst>
                 <a:ext uri="{FF2B5EF4-FFF2-40B4-BE49-F238E27FC236}">
-                  <a16:creationId xmlns:a16="http://schemas.microsoft.com/office/drawing/2014/main" id="{238AD233-ADFD-4A50-A8BC-849F3AF981A3}"/>
+                  <a16:creationId xmlns:a16="http://schemas.microsoft.com/office/drawing/2014/main" xmlns="" id="{238AD233-ADFD-4A50-A8BC-849F3AF981A3}"/>
                 </a:ext>
               </a:extLst>
             </p:cNvPr>
@@ -39846,7 +40081,7 @@
             <p:cNvPr id="71" name="타원 70">
               <a:extLst>
                 <a:ext uri="{FF2B5EF4-FFF2-40B4-BE49-F238E27FC236}">
-                  <a16:creationId xmlns:a16="http://schemas.microsoft.com/office/drawing/2014/main" id="{9A41BA35-0E93-4073-BAE6-A9A49B0B6806}"/>
+                  <a16:creationId xmlns:a16="http://schemas.microsoft.com/office/drawing/2014/main" xmlns="" id="{9A41BA35-0E93-4073-BAE6-A9A49B0B6806}"/>
                 </a:ext>
               </a:extLst>
             </p:cNvPr>
@@ -39929,7 +40164,7 @@
             <p:cNvPr id="72" name="타원 71">
               <a:extLst>
                 <a:ext uri="{FF2B5EF4-FFF2-40B4-BE49-F238E27FC236}">
-                  <a16:creationId xmlns:a16="http://schemas.microsoft.com/office/drawing/2014/main" id="{D075B4EC-340E-4F46-8490-2576C35E4352}"/>
+                  <a16:creationId xmlns:a16="http://schemas.microsoft.com/office/drawing/2014/main" xmlns="" id="{D075B4EC-340E-4F46-8490-2576C35E4352}"/>
                 </a:ext>
               </a:extLst>
             </p:cNvPr>
@@ -40027,7 +40262,7 @@
             <p:cNvPr id="73" name="사각형: 둥근 모서리 72">
               <a:extLst>
                 <a:ext uri="{FF2B5EF4-FFF2-40B4-BE49-F238E27FC236}">
-                  <a16:creationId xmlns:a16="http://schemas.microsoft.com/office/drawing/2014/main" id="{D09EC70C-540E-4E66-B029-E56F9D486CC8}"/>
+                  <a16:creationId xmlns:a16="http://schemas.microsoft.com/office/drawing/2014/main" xmlns="" id="{D09EC70C-540E-4E66-B029-E56F9D486CC8}"/>
                 </a:ext>
               </a:extLst>
             </p:cNvPr>
@@ -40104,7 +40339,7 @@
           <p:cNvPr id="80" name="직선 화살표 연결선 79">
             <a:extLst>
               <a:ext uri="{FF2B5EF4-FFF2-40B4-BE49-F238E27FC236}">
-                <a16:creationId xmlns:a16="http://schemas.microsoft.com/office/drawing/2014/main" id="{2196C238-51C7-4B0E-849E-D006FCDDEE7E}"/>
+                <a16:creationId xmlns:a16="http://schemas.microsoft.com/office/drawing/2014/main" xmlns="" id="{2196C238-51C7-4B0E-849E-D006FCDDEE7E}"/>
               </a:ext>
             </a:extLst>
           </p:cNvPr>
@@ -40151,7 +40386,7 @@
           <p:cNvPr id="86" name="직선 화살표 연결선 85">
             <a:extLst>
               <a:ext uri="{FF2B5EF4-FFF2-40B4-BE49-F238E27FC236}">
-                <a16:creationId xmlns:a16="http://schemas.microsoft.com/office/drawing/2014/main" id="{1D752424-4F43-4619-8E99-19F2A8270AD7}"/>
+                <a16:creationId xmlns:a16="http://schemas.microsoft.com/office/drawing/2014/main" xmlns="" id="{1D752424-4F43-4619-8E99-19F2A8270AD7}"/>
               </a:ext>
             </a:extLst>
           </p:cNvPr>
@@ -40780,7 +41015,7 @@
   <a:extraClrSchemeLst/>
   <a:extLst>
     <a:ext uri="{05A4C25C-085E-4340-85A3-A5531E510DB2}">
-      <thm15:themeFamily xmlns:thm15="http://schemas.microsoft.com/office/thememl/2012/main" name="Office Theme" id="{62F939B6-93AF-4DB8-9C6B-D6C7DFDC589F}" vid="{4A3C46E8-61CC-4603-A589-7422A47A8E4A}"/>
+      <thm15:themeFamily xmlns:thm15="http://schemas.microsoft.com/office/thememl/2012/main" xmlns="" name="Office Theme" id="{62F939B6-93AF-4DB8-9C6B-D6C7DFDC589F}" vid="{4A3C46E8-61CC-4603-A589-7422A47A8E4A}"/>
     </a:ext>
   </a:extLst>
 </a:theme>
